--- a/BigTable.pptx
+++ b/BigTable.pptx
@@ -4,9 +4,41 @@
   <p:sldMasterIdLst>
     <p:sldMasterId id="2147483660" r:id="rId1"/>
   </p:sldMasterIdLst>
+  <p:notesMasterIdLst>
+    <p:notesMasterId r:id="rId33"/>
+  </p:notesMasterIdLst>
   <p:sldIdLst>
     <p:sldId id="256" r:id="rId2"/>
-    <p:sldId id="257" r:id="rId3"/>
+    <p:sldId id="272" r:id="rId3"/>
+    <p:sldId id="275" r:id="rId4"/>
+    <p:sldId id="257" r:id="rId5"/>
+    <p:sldId id="274" r:id="rId6"/>
+    <p:sldId id="258" r:id="rId7"/>
+    <p:sldId id="276" r:id="rId8"/>
+    <p:sldId id="259" r:id="rId9"/>
+    <p:sldId id="277" r:id="rId10"/>
+    <p:sldId id="260" r:id="rId11"/>
+    <p:sldId id="278" r:id="rId12"/>
+    <p:sldId id="261" r:id="rId13"/>
+    <p:sldId id="262" r:id="rId14"/>
+    <p:sldId id="279" r:id="rId15"/>
+    <p:sldId id="263" r:id="rId16"/>
+    <p:sldId id="280" r:id="rId17"/>
+    <p:sldId id="264" r:id="rId18"/>
+    <p:sldId id="281" r:id="rId19"/>
+    <p:sldId id="265" r:id="rId20"/>
+    <p:sldId id="282" r:id="rId21"/>
+    <p:sldId id="266" r:id="rId22"/>
+    <p:sldId id="283" r:id="rId23"/>
+    <p:sldId id="267" r:id="rId24"/>
+    <p:sldId id="284" r:id="rId25"/>
+    <p:sldId id="268" r:id="rId26"/>
+    <p:sldId id="285" r:id="rId27"/>
+    <p:sldId id="269" r:id="rId28"/>
+    <p:sldId id="286" r:id="rId29"/>
+    <p:sldId id="270" r:id="rId30"/>
+    <p:sldId id="287" r:id="rId31"/>
+    <p:sldId id="271" r:id="rId32"/>
   </p:sldIdLst>
   <p:sldSz cx="9144000" cy="6858000" type="screen4x3"/>
   <p:notesSz cx="6858000" cy="9144000"/>
@@ -105,7 +137,838 @@
       </a:defRPr>
     </a:lvl9pPr>
   </p:defaultTextStyle>
+  <p:extLst>
+    <p:ext uri="{EFAFB233-063F-42B5-8137-9DF3F51BA10A}">
+      <p15:sldGuideLst xmlns:p15="http://schemas.microsoft.com/office/powerpoint/2012/main">
+        <p15:guide id="1" orient="horz" pos="2160">
+          <p15:clr>
+            <a:srgbClr val="A4A3A4"/>
+          </p15:clr>
+        </p15:guide>
+        <p15:guide id="2" pos="2880">
+          <p15:clr>
+            <a:srgbClr val="A4A3A4"/>
+          </p15:clr>
+        </p15:guide>
+      </p15:sldGuideLst>
+    </p:ext>
+  </p:extLst>
 </p:presentation>
+</file>
+
+<file path=ppt/notesMasters/notesMaster1.xml><?xml version="1.0" encoding="utf-8"?>
+<p:notesMaster xmlns:a="http://schemas.openxmlformats.org/drawingml/2006/main" xmlns:r="http://schemas.openxmlformats.org/officeDocument/2006/relationships" xmlns:p="http://schemas.openxmlformats.org/presentationml/2006/main">
+  <p:cSld>
+    <p:bg>
+      <p:bgRef idx="1001">
+        <a:schemeClr val="bg1"/>
+      </p:bgRef>
+    </p:bg>
+    <p:spTree>
+      <p:nvGrpSpPr>
+        <p:cNvPr id="1" name=""/>
+        <p:cNvGrpSpPr/>
+        <p:nvPr/>
+      </p:nvGrpSpPr>
+      <p:grpSpPr>
+        <a:xfrm>
+          <a:off x="0" y="0"/>
+          <a:ext cx="0" cy="0"/>
+          <a:chOff x="0" y="0"/>
+          <a:chExt cx="0" cy="0"/>
+        </a:xfrm>
+      </p:grpSpPr>
+      <p:sp>
+        <p:nvSpPr>
+          <p:cNvPr id="2" name="Marcador de encabezado 1"/>
+          <p:cNvSpPr>
+            <a:spLocks noGrp="1"/>
+          </p:cNvSpPr>
+          <p:nvPr>
+            <p:ph type="hdr" sz="quarter"/>
+          </p:nvPr>
+        </p:nvSpPr>
+        <p:spPr>
+          <a:xfrm>
+            <a:off x="0" y="0"/>
+            <a:ext cx="2971800" cy="458788"/>
+          </a:xfrm>
+          <a:prstGeom prst="rect">
+            <a:avLst/>
+          </a:prstGeom>
+        </p:spPr>
+        <p:txBody>
+          <a:bodyPr vert="horz" lIns="91440" tIns="45720" rIns="91440" bIns="45720" rtlCol="0"/>
+          <a:lstStyle>
+            <a:lvl1pPr algn="l">
+              <a:defRPr sz="1200"/>
+            </a:lvl1pPr>
+          </a:lstStyle>
+          <a:p>
+            <a:endParaRPr lang="es-ES_tradnl"/>
+          </a:p>
+        </p:txBody>
+      </p:sp>
+      <p:sp>
+        <p:nvSpPr>
+          <p:cNvPr id="3" name="Marcador de fecha 2"/>
+          <p:cNvSpPr>
+            <a:spLocks noGrp="1"/>
+          </p:cNvSpPr>
+          <p:nvPr>
+            <p:ph type="dt" idx="1"/>
+          </p:nvPr>
+        </p:nvSpPr>
+        <p:spPr>
+          <a:xfrm>
+            <a:off x="3884613" y="0"/>
+            <a:ext cx="2971800" cy="458788"/>
+          </a:xfrm>
+          <a:prstGeom prst="rect">
+            <a:avLst/>
+          </a:prstGeom>
+        </p:spPr>
+        <p:txBody>
+          <a:bodyPr vert="horz" lIns="91440" tIns="45720" rIns="91440" bIns="45720" rtlCol="0"/>
+          <a:lstStyle>
+            <a:lvl1pPr algn="r">
+              <a:defRPr sz="1200"/>
+            </a:lvl1pPr>
+          </a:lstStyle>
+          <a:p>
+            <a:fld id="{F7CC8426-568F-40D9-AEB4-42EAA7346C59}" type="datetimeFigureOut">
+              <a:rPr lang="es-ES_tradnl" smtClean="0"/>
+              <a:t>19/05/2013</a:t>
+            </a:fld>
+            <a:endParaRPr lang="es-ES_tradnl"/>
+          </a:p>
+        </p:txBody>
+      </p:sp>
+      <p:sp>
+        <p:nvSpPr>
+          <p:cNvPr id="4" name="Marcador de imagen de diapositiva 3"/>
+          <p:cNvSpPr>
+            <a:spLocks noGrp="1" noRot="1" noChangeAspect="1"/>
+          </p:cNvSpPr>
+          <p:nvPr>
+            <p:ph type="sldImg" idx="2"/>
+          </p:nvPr>
+        </p:nvSpPr>
+        <p:spPr>
+          <a:xfrm>
+            <a:off x="1371600" y="1143000"/>
+            <a:ext cx="4114800" cy="3086100"/>
+          </a:xfrm>
+          <a:prstGeom prst="rect">
+            <a:avLst/>
+          </a:prstGeom>
+          <a:noFill/>
+          <a:ln w="12700">
+            <a:solidFill>
+              <a:prstClr val="black"/>
+            </a:solidFill>
+          </a:ln>
+        </p:spPr>
+        <p:txBody>
+          <a:bodyPr vert="horz" lIns="91440" tIns="45720" rIns="91440" bIns="45720" rtlCol="0" anchor="ctr"/>
+          <a:lstStyle/>
+          <a:p>
+            <a:endParaRPr lang="es-ES_tradnl"/>
+          </a:p>
+        </p:txBody>
+      </p:sp>
+      <p:sp>
+        <p:nvSpPr>
+          <p:cNvPr id="5" name="Marcador de notas 4"/>
+          <p:cNvSpPr>
+            <a:spLocks noGrp="1"/>
+          </p:cNvSpPr>
+          <p:nvPr>
+            <p:ph type="body" sz="quarter" idx="3"/>
+          </p:nvPr>
+        </p:nvSpPr>
+        <p:spPr>
+          <a:xfrm>
+            <a:off x="685800" y="4400550"/>
+            <a:ext cx="5486400" cy="3600450"/>
+          </a:xfrm>
+          <a:prstGeom prst="rect">
+            <a:avLst/>
+          </a:prstGeom>
+        </p:spPr>
+        <p:txBody>
+          <a:bodyPr vert="horz" lIns="91440" tIns="45720" rIns="91440" bIns="45720" rtlCol="0"/>
+          <a:lstStyle/>
+          <a:p>
+            <a:pPr lvl="0"/>
+            <a:r>
+              <a:rPr lang="es-ES" smtClean="0"/>
+              <a:t>Haga clic para modificar el estilo de texto del patrón</a:t>
+            </a:r>
+          </a:p>
+          <a:p>
+            <a:pPr lvl="1"/>
+            <a:r>
+              <a:rPr lang="es-ES" smtClean="0"/>
+              <a:t>Segundo nivel</a:t>
+            </a:r>
+          </a:p>
+          <a:p>
+            <a:pPr lvl="2"/>
+            <a:r>
+              <a:rPr lang="es-ES" smtClean="0"/>
+              <a:t>Tercer nivel</a:t>
+            </a:r>
+          </a:p>
+          <a:p>
+            <a:pPr lvl="3"/>
+            <a:r>
+              <a:rPr lang="es-ES" smtClean="0"/>
+              <a:t>Cuarto nivel</a:t>
+            </a:r>
+          </a:p>
+          <a:p>
+            <a:pPr lvl="4"/>
+            <a:r>
+              <a:rPr lang="es-ES" smtClean="0"/>
+              <a:t>Quinto nivel</a:t>
+            </a:r>
+            <a:endParaRPr lang="es-ES_tradnl"/>
+          </a:p>
+        </p:txBody>
+      </p:sp>
+      <p:sp>
+        <p:nvSpPr>
+          <p:cNvPr id="6" name="Marcador de pie de página 5"/>
+          <p:cNvSpPr>
+            <a:spLocks noGrp="1"/>
+          </p:cNvSpPr>
+          <p:nvPr>
+            <p:ph type="ftr" sz="quarter" idx="4"/>
+          </p:nvPr>
+        </p:nvSpPr>
+        <p:spPr>
+          <a:xfrm>
+            <a:off x="0" y="8685213"/>
+            <a:ext cx="2971800" cy="458787"/>
+          </a:xfrm>
+          <a:prstGeom prst="rect">
+            <a:avLst/>
+          </a:prstGeom>
+        </p:spPr>
+        <p:txBody>
+          <a:bodyPr vert="horz" lIns="91440" tIns="45720" rIns="91440" bIns="45720" rtlCol="0" anchor="b"/>
+          <a:lstStyle>
+            <a:lvl1pPr algn="l">
+              <a:defRPr sz="1200"/>
+            </a:lvl1pPr>
+          </a:lstStyle>
+          <a:p>
+            <a:endParaRPr lang="es-ES_tradnl"/>
+          </a:p>
+        </p:txBody>
+      </p:sp>
+      <p:sp>
+        <p:nvSpPr>
+          <p:cNvPr id="7" name="Marcador de número de diapositiva 6"/>
+          <p:cNvSpPr>
+            <a:spLocks noGrp="1"/>
+          </p:cNvSpPr>
+          <p:nvPr>
+            <p:ph type="sldNum" sz="quarter" idx="5"/>
+          </p:nvPr>
+        </p:nvSpPr>
+        <p:spPr>
+          <a:xfrm>
+            <a:off x="3884613" y="8685213"/>
+            <a:ext cx="2971800" cy="458787"/>
+          </a:xfrm>
+          <a:prstGeom prst="rect">
+            <a:avLst/>
+          </a:prstGeom>
+        </p:spPr>
+        <p:txBody>
+          <a:bodyPr vert="horz" lIns="91440" tIns="45720" rIns="91440" bIns="45720" rtlCol="0" anchor="b"/>
+          <a:lstStyle>
+            <a:lvl1pPr algn="r">
+              <a:defRPr sz="1200"/>
+            </a:lvl1pPr>
+          </a:lstStyle>
+          <a:p>
+            <a:fld id="{189A0E75-B954-4377-A121-414553C96DA1}" type="slidenum">
+              <a:rPr lang="es-ES_tradnl" smtClean="0"/>
+              <a:t>‹Nº›</a:t>
+            </a:fld>
+            <a:endParaRPr lang="es-ES_tradnl"/>
+          </a:p>
+        </p:txBody>
+      </p:sp>
+    </p:spTree>
+    <p:extLst>
+      <p:ext uri="{BB962C8B-B14F-4D97-AF65-F5344CB8AC3E}">
+        <p14:creationId xmlns:p14="http://schemas.microsoft.com/office/powerpoint/2010/main" val="3361461903"/>
+      </p:ext>
+    </p:extLst>
+  </p:cSld>
+  <p:clrMap bg1="lt1" tx1="dk1" bg2="lt2" tx2="dk2" accent1="accent1" accent2="accent2" accent3="accent3" accent4="accent4" accent5="accent5" accent6="accent6" hlink="hlink" folHlink="folHlink"/>
+  <p:notesStyle>
+    <a:lvl1pPr marL="0" algn="l" defTabSz="914400" rtl="0" eaLnBrk="1" latinLnBrk="0" hangingPunct="1">
+      <a:defRPr sz="1200" kern="1200">
+        <a:solidFill>
+          <a:schemeClr val="tx1"/>
+        </a:solidFill>
+        <a:latin typeface="+mn-lt"/>
+        <a:ea typeface="+mn-ea"/>
+        <a:cs typeface="+mn-cs"/>
+      </a:defRPr>
+    </a:lvl1pPr>
+    <a:lvl2pPr marL="457200" algn="l" defTabSz="914400" rtl="0" eaLnBrk="1" latinLnBrk="0" hangingPunct="1">
+      <a:defRPr sz="1200" kern="1200">
+        <a:solidFill>
+          <a:schemeClr val="tx1"/>
+        </a:solidFill>
+        <a:latin typeface="+mn-lt"/>
+        <a:ea typeface="+mn-ea"/>
+        <a:cs typeface="+mn-cs"/>
+      </a:defRPr>
+    </a:lvl2pPr>
+    <a:lvl3pPr marL="914400" algn="l" defTabSz="914400" rtl="0" eaLnBrk="1" latinLnBrk="0" hangingPunct="1">
+      <a:defRPr sz="1200" kern="1200">
+        <a:solidFill>
+          <a:schemeClr val="tx1"/>
+        </a:solidFill>
+        <a:latin typeface="+mn-lt"/>
+        <a:ea typeface="+mn-ea"/>
+        <a:cs typeface="+mn-cs"/>
+      </a:defRPr>
+    </a:lvl3pPr>
+    <a:lvl4pPr marL="1371600" algn="l" defTabSz="914400" rtl="0" eaLnBrk="1" latinLnBrk="0" hangingPunct="1">
+      <a:defRPr sz="1200" kern="1200">
+        <a:solidFill>
+          <a:schemeClr val="tx1"/>
+        </a:solidFill>
+        <a:latin typeface="+mn-lt"/>
+        <a:ea typeface="+mn-ea"/>
+        <a:cs typeface="+mn-cs"/>
+      </a:defRPr>
+    </a:lvl4pPr>
+    <a:lvl5pPr marL="1828800" algn="l" defTabSz="914400" rtl="0" eaLnBrk="1" latinLnBrk="0" hangingPunct="1">
+      <a:defRPr sz="1200" kern="1200">
+        <a:solidFill>
+          <a:schemeClr val="tx1"/>
+        </a:solidFill>
+        <a:latin typeface="+mn-lt"/>
+        <a:ea typeface="+mn-ea"/>
+        <a:cs typeface="+mn-cs"/>
+      </a:defRPr>
+    </a:lvl5pPr>
+    <a:lvl6pPr marL="2286000" algn="l" defTabSz="914400" rtl="0" eaLnBrk="1" latinLnBrk="0" hangingPunct="1">
+      <a:defRPr sz="1200" kern="1200">
+        <a:solidFill>
+          <a:schemeClr val="tx1"/>
+        </a:solidFill>
+        <a:latin typeface="+mn-lt"/>
+        <a:ea typeface="+mn-ea"/>
+        <a:cs typeface="+mn-cs"/>
+      </a:defRPr>
+    </a:lvl6pPr>
+    <a:lvl7pPr marL="2743200" algn="l" defTabSz="914400" rtl="0" eaLnBrk="1" latinLnBrk="0" hangingPunct="1">
+      <a:defRPr sz="1200" kern="1200">
+        <a:solidFill>
+          <a:schemeClr val="tx1"/>
+        </a:solidFill>
+        <a:latin typeface="+mn-lt"/>
+        <a:ea typeface="+mn-ea"/>
+        <a:cs typeface="+mn-cs"/>
+      </a:defRPr>
+    </a:lvl7pPr>
+    <a:lvl8pPr marL="3200400" algn="l" defTabSz="914400" rtl="0" eaLnBrk="1" latinLnBrk="0" hangingPunct="1">
+      <a:defRPr sz="1200" kern="1200">
+        <a:solidFill>
+          <a:schemeClr val="tx1"/>
+        </a:solidFill>
+        <a:latin typeface="+mn-lt"/>
+        <a:ea typeface="+mn-ea"/>
+        <a:cs typeface="+mn-cs"/>
+      </a:defRPr>
+    </a:lvl8pPr>
+    <a:lvl9pPr marL="3657600" algn="l" defTabSz="914400" rtl="0" eaLnBrk="1" latinLnBrk="0" hangingPunct="1">
+      <a:defRPr sz="1200" kern="1200">
+        <a:solidFill>
+          <a:schemeClr val="tx1"/>
+        </a:solidFill>
+        <a:latin typeface="+mn-lt"/>
+        <a:ea typeface="+mn-ea"/>
+        <a:cs typeface="+mn-cs"/>
+      </a:defRPr>
+    </a:lvl9pPr>
+  </p:notesStyle>
+</p:notesMaster>
+</file>
+
+<file path=ppt/notesSlides/notesSlide1.xml><?xml version="1.0" encoding="utf-8"?>
+<p:notes xmlns:a="http://schemas.openxmlformats.org/drawingml/2006/main" xmlns:r="http://schemas.openxmlformats.org/officeDocument/2006/relationships" xmlns:p="http://schemas.openxmlformats.org/presentationml/2006/main">
+  <p:cSld>
+    <p:spTree>
+      <p:nvGrpSpPr>
+        <p:cNvPr id="1" name=""/>
+        <p:cNvGrpSpPr/>
+        <p:nvPr/>
+      </p:nvGrpSpPr>
+      <p:grpSpPr>
+        <a:xfrm>
+          <a:off x="0" y="0"/>
+          <a:ext cx="0" cy="0"/>
+          <a:chOff x="0" y="0"/>
+          <a:chExt cx="0" cy="0"/>
+        </a:xfrm>
+      </p:grpSpPr>
+      <p:sp>
+        <p:nvSpPr>
+          <p:cNvPr id="2" name="Marcador de imagen de diapositiva 1"/>
+          <p:cNvSpPr>
+            <a:spLocks noGrp="1" noRot="1" noChangeAspect="1"/>
+          </p:cNvSpPr>
+          <p:nvPr>
+            <p:ph type="sldImg"/>
+          </p:nvPr>
+        </p:nvSpPr>
+        <p:spPr/>
+      </p:sp>
+      <p:sp>
+        <p:nvSpPr>
+          <p:cNvPr id="3" name="Marcador de notas 2"/>
+          <p:cNvSpPr>
+            <a:spLocks noGrp="1"/>
+          </p:cNvSpPr>
+          <p:nvPr>
+            <p:ph type="body" idx="1"/>
+          </p:nvPr>
+        </p:nvSpPr>
+        <p:spPr/>
+        <p:txBody>
+          <a:bodyPr/>
+          <a:lstStyle/>
+          <a:p>
+            <a:r>
+              <a:rPr lang="es-ES_tradnl" dirty="0" smtClean="0"/>
+              <a:t>Organización:</a:t>
+            </a:r>
+          </a:p>
+          <a:p>
+            <a:pPr marL="171450" indent="-171450">
+              <a:buFont typeface="Arial" panose="020B0604020202020204" pitchFamily="34" charset="0"/>
+              <a:buChar char="•"/>
+            </a:pPr>
+            <a:r>
+              <a:rPr lang="es-ES_tradnl" dirty="0" err="1" smtClean="0"/>
+              <a:t>Clusters</a:t>
+            </a:r>
+            <a:r>
+              <a:rPr lang="es-ES_tradnl" dirty="0" smtClean="0"/>
+              <a:t>: Conjunto de procesos que proporcionan</a:t>
+            </a:r>
+            <a:r>
+              <a:rPr lang="es-ES_tradnl" baseline="0" dirty="0" smtClean="0"/>
+              <a:t> </a:t>
+            </a:r>
+            <a:r>
+              <a:rPr lang="es-ES_tradnl" dirty="0" err="1" smtClean="0"/>
+              <a:t>tablets</a:t>
+            </a:r>
+            <a:endParaRPr lang="es-ES_tradnl" dirty="0" smtClean="0"/>
+          </a:p>
+          <a:p>
+            <a:pPr marL="628650" lvl="1" indent="-171450">
+              <a:buFont typeface="Arial" panose="020B0604020202020204" pitchFamily="34" charset="0"/>
+              <a:buChar char="•"/>
+            </a:pPr>
+            <a:r>
+              <a:rPr lang="es-ES_tradnl" dirty="0" smtClean="0"/>
+              <a:t>Tablet: Conjunto de </a:t>
+            </a:r>
+            <a:r>
+              <a:rPr lang="es-ES_tradnl" dirty="0" err="1" smtClean="0"/>
+              <a:t>rows</a:t>
+            </a:r>
+            <a:r>
+              <a:rPr lang="es-ES_tradnl" baseline="0" dirty="0" smtClean="0"/>
+              <a:t> (con las propiedades anteriores)</a:t>
+            </a:r>
+            <a:endParaRPr lang="es-ES_tradnl" dirty="0" smtClean="0"/>
+          </a:p>
+          <a:p>
+            <a:endParaRPr lang="es-ES_tradnl" dirty="0" smtClean="0"/>
+          </a:p>
+          <a:p>
+            <a:r>
+              <a:rPr lang="es-ES_tradnl" b="1" dirty="0" smtClean="0"/>
+              <a:t>Filas</a:t>
+            </a:r>
+            <a:r>
+              <a:rPr lang="es-ES_tradnl" dirty="0" smtClean="0"/>
+              <a:t> agrupadas (</a:t>
+            </a:r>
+            <a:r>
+              <a:rPr lang="es-ES_tradnl" dirty="0" err="1" smtClean="0"/>
+              <a:t>tablets</a:t>
+            </a:r>
+            <a:r>
+              <a:rPr lang="es-ES_tradnl" dirty="0" smtClean="0"/>
+              <a:t>): balanceo de carga</a:t>
+            </a:r>
+          </a:p>
+          <a:p>
+            <a:pPr marL="628650" lvl="1" indent="-171450">
+              <a:buFont typeface="Arial" panose="020B0604020202020204" pitchFamily="34" charset="0"/>
+              <a:buChar char="•"/>
+            </a:pPr>
+            <a:r>
+              <a:rPr lang="es-ES_tradnl" dirty="0" smtClean="0"/>
+              <a:t>Ordenadas por clave</a:t>
+            </a:r>
+          </a:p>
+          <a:p>
+            <a:pPr marL="628650" lvl="1" indent="-171450">
+              <a:buFont typeface="Arial" panose="020B0604020202020204" pitchFamily="34" charset="0"/>
+              <a:buChar char="•"/>
+            </a:pPr>
+            <a:r>
+              <a:rPr lang="es-ES_tradnl" dirty="0" smtClean="0"/>
+              <a:t>No transacciones-múltiples</a:t>
+            </a:r>
+            <a:r>
+              <a:rPr lang="es-ES_tradnl" baseline="0" dirty="0" smtClean="0"/>
+              <a:t> filas</a:t>
+            </a:r>
+          </a:p>
+          <a:p>
+            <a:pPr marL="628650" lvl="1" indent="-171450">
+              <a:buFont typeface="Arial" panose="020B0604020202020204" pitchFamily="34" charset="0"/>
+              <a:buChar char="•"/>
+            </a:pPr>
+            <a:r>
+              <a:rPr lang="es-ES_tradnl" baseline="0" dirty="0" smtClean="0"/>
+              <a:t>Filas con claves consecutivas </a:t>
+            </a:r>
+            <a:r>
+              <a:rPr lang="es-ES_tradnl" u="sng" baseline="0" dirty="0" err="1" smtClean="0"/>
+              <a:t>tablets</a:t>
+            </a:r>
+            <a:endParaRPr lang="es-ES_tradnl" u="sng" baseline="0" dirty="0" smtClean="0"/>
+          </a:p>
+          <a:p>
+            <a:pPr marL="1085850" lvl="2" indent="-171450">
+              <a:buFont typeface="Arial" panose="020B0604020202020204" pitchFamily="34" charset="0"/>
+              <a:buChar char="•"/>
+            </a:pPr>
+            <a:r>
+              <a:rPr lang="es-ES_tradnl" u="none" baseline="0" dirty="0" smtClean="0"/>
+              <a:t>Rangos de claves eficientes</a:t>
+            </a:r>
+          </a:p>
+          <a:p>
+            <a:pPr marL="1085850" lvl="2" indent="-171450">
+              <a:buFont typeface="Arial" panose="020B0604020202020204" pitchFamily="34" charset="0"/>
+              <a:buChar char="•"/>
+            </a:pPr>
+            <a:r>
+              <a:rPr lang="es-ES_tradnl" u="none" baseline="0" dirty="0" smtClean="0"/>
+              <a:t>Pequeño # máquinas</a:t>
+            </a:r>
+            <a:endParaRPr lang="es-ES_tradnl" u="none" dirty="0" smtClean="0"/>
+          </a:p>
+          <a:p>
+            <a:r>
+              <a:rPr lang="es-ES_tradnl" b="1" dirty="0" smtClean="0"/>
+              <a:t>Columnas</a:t>
+            </a:r>
+            <a:r>
+              <a:rPr lang="es-ES_tradnl" dirty="0" smtClean="0"/>
+              <a:t> agrupadas (</a:t>
+            </a:r>
+            <a:r>
+              <a:rPr lang="es-ES_tradnl" u="sng" dirty="0" err="1" smtClean="0"/>
+              <a:t>families</a:t>
+            </a:r>
+            <a:r>
+              <a:rPr lang="es-ES_tradnl" dirty="0" smtClean="0"/>
+              <a:t>): control de acceso</a:t>
+            </a:r>
+          </a:p>
+          <a:p>
+            <a:pPr marL="628650" lvl="1" indent="-171450">
+              <a:buFont typeface="Arial" panose="020B0604020202020204" pitchFamily="34" charset="0"/>
+              <a:buChar char="•"/>
+            </a:pPr>
+            <a:r>
+              <a:rPr lang="es-ES_tradnl" dirty="0" smtClean="0"/>
+              <a:t>Normalmente del mismo tipo (por compresión)</a:t>
+            </a:r>
+          </a:p>
+          <a:p>
+            <a:pPr marL="628650" lvl="1" indent="-171450">
+              <a:buFont typeface="Arial" panose="020B0604020202020204" pitchFamily="34" charset="0"/>
+              <a:buChar char="•"/>
+            </a:pPr>
+            <a:r>
+              <a:rPr lang="es-ES_tradnl" dirty="0" smtClean="0"/>
+              <a:t>Declaradas</a:t>
+            </a:r>
+            <a:r>
+              <a:rPr lang="es-ES_tradnl" baseline="0" dirty="0" smtClean="0"/>
+              <a:t> antes de introducir datos dentro</a:t>
+            </a:r>
+          </a:p>
+          <a:p>
+            <a:pPr marL="628650" lvl="1" indent="-171450">
+              <a:buFont typeface="Arial" panose="020B0604020202020204" pitchFamily="34" charset="0"/>
+              <a:buChar char="•"/>
+            </a:pPr>
+            <a:r>
+              <a:rPr lang="es-ES_tradnl" dirty="0" smtClean="0"/>
+              <a:t>Datos</a:t>
+            </a:r>
+            <a:r>
+              <a:rPr lang="es-ES_tradnl" baseline="0" dirty="0" smtClean="0"/>
+              <a:t> de columna en diferentes filas no poder borrar</a:t>
+            </a:r>
+            <a:endParaRPr lang="es-ES_tradnl" dirty="0" smtClean="0"/>
+          </a:p>
+          <a:p>
+            <a:r>
+              <a:rPr lang="es-ES_tradnl" b="1" dirty="0" err="1" smtClean="0"/>
+              <a:t>Timestamps</a:t>
+            </a:r>
+            <a:r>
+              <a:rPr lang="es-ES_tradnl" b="1" dirty="0" smtClean="0"/>
+              <a:t>:</a:t>
+            </a:r>
+            <a:r>
+              <a:rPr lang="es-ES_tradnl" dirty="0" smtClean="0"/>
+              <a:t> Versiones</a:t>
+            </a:r>
+            <a:r>
+              <a:rPr lang="es-ES_tradnl" baseline="0" dirty="0" smtClean="0"/>
+              <a:t> de una misma celda</a:t>
+            </a:r>
+          </a:p>
+          <a:p>
+            <a:pPr marL="628650" lvl="1" indent="-171450">
+              <a:buFont typeface="Arial" panose="020B0604020202020204" pitchFamily="34" charset="0"/>
+              <a:buChar char="•"/>
+            </a:pPr>
+            <a:r>
+              <a:rPr lang="es-ES_tradnl" baseline="0" dirty="0" smtClean="0"/>
+              <a:t>Orden descendente (Asignado auto. o manual)</a:t>
+            </a:r>
+          </a:p>
+          <a:p>
+            <a:pPr marL="628650" lvl="1" indent="-171450">
+              <a:buFont typeface="Arial" panose="020B0604020202020204" pitchFamily="34" charset="0"/>
+              <a:buChar char="•"/>
+            </a:pPr>
+            <a:r>
+              <a:rPr lang="es-ES_tradnl" baseline="0" dirty="0" err="1" smtClean="0"/>
+              <a:t>Garbage</a:t>
+            </a:r>
+            <a:r>
+              <a:rPr lang="es-ES_tradnl" baseline="0" dirty="0" smtClean="0"/>
+              <a:t> </a:t>
+            </a:r>
+            <a:r>
+              <a:rPr lang="es-ES_tradnl" baseline="0" dirty="0" err="1" smtClean="0"/>
+              <a:t>Collector</a:t>
+            </a:r>
+            <a:endParaRPr lang="es-ES_tradnl" baseline="0" dirty="0" smtClean="0"/>
+          </a:p>
+          <a:p>
+            <a:pPr marL="1085850" lvl="2" indent="-171450">
+              <a:buFont typeface="Arial" panose="020B0604020202020204" pitchFamily="34" charset="0"/>
+              <a:buChar char="•"/>
+            </a:pPr>
+            <a:r>
+              <a:rPr lang="es-ES_tradnl" baseline="0" dirty="0" smtClean="0"/>
+              <a:t>N-versiones nuevas</a:t>
+            </a:r>
+          </a:p>
+          <a:p>
+            <a:pPr marL="1085850" lvl="2" indent="-171450">
+              <a:buFont typeface="Arial" panose="020B0604020202020204" pitchFamily="34" charset="0"/>
+              <a:buChar char="•"/>
+            </a:pPr>
+            <a:r>
+              <a:rPr lang="es-ES_tradnl" baseline="0" dirty="0" smtClean="0"/>
+              <a:t>Versiones de un rango de tiempo</a:t>
+            </a:r>
+          </a:p>
+        </p:txBody>
+      </p:sp>
+      <p:sp>
+        <p:nvSpPr>
+          <p:cNvPr id="4" name="Marcador de número de diapositiva 3"/>
+          <p:cNvSpPr>
+            <a:spLocks noGrp="1"/>
+          </p:cNvSpPr>
+          <p:nvPr>
+            <p:ph type="sldNum" sz="quarter" idx="10"/>
+          </p:nvPr>
+        </p:nvSpPr>
+        <p:spPr/>
+        <p:txBody>
+          <a:bodyPr/>
+          <a:lstStyle/>
+          <a:p>
+            <a:fld id="{189A0E75-B954-4377-A121-414553C96DA1}" type="slidenum">
+              <a:rPr lang="es-ES_tradnl" smtClean="0"/>
+              <a:t>6</a:t>
+            </a:fld>
+            <a:endParaRPr lang="es-ES_tradnl"/>
+          </a:p>
+        </p:txBody>
+      </p:sp>
+    </p:spTree>
+    <p:extLst>
+      <p:ext uri="{BB962C8B-B14F-4D97-AF65-F5344CB8AC3E}">
+        <p14:creationId xmlns:p14="http://schemas.microsoft.com/office/powerpoint/2010/main" val="1802210850"/>
+      </p:ext>
+    </p:extLst>
+  </p:cSld>
+  <p:clrMapOvr>
+    <a:masterClrMapping/>
+  </p:clrMapOvr>
+</p:notes>
+</file>
+
+<file path=ppt/notesSlides/notesSlide2.xml><?xml version="1.0" encoding="utf-8"?>
+<p:notes xmlns:a="http://schemas.openxmlformats.org/drawingml/2006/main" xmlns:r="http://schemas.openxmlformats.org/officeDocument/2006/relationships" xmlns:p="http://schemas.openxmlformats.org/presentationml/2006/main">
+  <p:cSld>
+    <p:spTree>
+      <p:nvGrpSpPr>
+        <p:cNvPr id="1" name=""/>
+        <p:cNvGrpSpPr/>
+        <p:nvPr/>
+      </p:nvGrpSpPr>
+      <p:grpSpPr>
+        <a:xfrm>
+          <a:off x="0" y="0"/>
+          <a:ext cx="0" cy="0"/>
+          <a:chOff x="0" y="0"/>
+          <a:chExt cx="0" cy="0"/>
+        </a:xfrm>
+      </p:grpSpPr>
+      <p:sp>
+        <p:nvSpPr>
+          <p:cNvPr id="2" name="Marcador de imagen de diapositiva 1"/>
+          <p:cNvSpPr>
+            <a:spLocks noGrp="1" noRot="1" noChangeAspect="1"/>
+          </p:cNvSpPr>
+          <p:nvPr>
+            <p:ph type="sldImg"/>
+          </p:nvPr>
+        </p:nvSpPr>
+        <p:spPr/>
+      </p:sp>
+      <p:sp>
+        <p:nvSpPr>
+          <p:cNvPr id="3" name="Marcador de notas 2"/>
+          <p:cNvSpPr>
+            <a:spLocks noGrp="1"/>
+          </p:cNvSpPr>
+          <p:nvPr>
+            <p:ph type="body" idx="1"/>
+          </p:nvPr>
+        </p:nvSpPr>
+        <p:spPr/>
+        <p:txBody>
+          <a:bodyPr/>
+          <a:lstStyle/>
+          <a:p>
+            <a:pPr marL="171450" indent="-171450">
+              <a:buFont typeface="Arial" panose="020B0604020202020204" pitchFamily="34" charset="0"/>
+              <a:buChar char="•"/>
+            </a:pPr>
+            <a:r>
+              <a:rPr lang="es-ES_tradnl" dirty="0" smtClean="0"/>
+              <a:t>API</a:t>
+            </a:r>
+            <a:r>
+              <a:rPr lang="es-ES_tradnl" baseline="0" dirty="0" smtClean="0"/>
+              <a:t> pública escrita en C++</a:t>
+            </a:r>
+            <a:endParaRPr lang="es-ES_tradnl" dirty="0" smtClean="0"/>
+          </a:p>
+          <a:p>
+            <a:pPr marL="0" indent="0">
+              <a:buFont typeface="Arial" panose="020B0604020202020204" pitchFamily="34" charset="0"/>
+              <a:buNone/>
+            </a:pPr>
+            <a:endParaRPr lang="es-ES_tradnl" dirty="0" smtClean="0"/>
+          </a:p>
+          <a:p>
+            <a:pPr marL="0" indent="0">
+              <a:buFont typeface="Arial" panose="020B0604020202020204" pitchFamily="34" charset="0"/>
+              <a:buNone/>
+            </a:pPr>
+            <a:endParaRPr lang="es-ES_tradnl" dirty="0" smtClean="0"/>
+          </a:p>
+          <a:p>
+            <a:pPr marL="0" indent="0">
+              <a:buFont typeface="Arial" panose="020B0604020202020204" pitchFamily="34" charset="0"/>
+              <a:buNone/>
+            </a:pPr>
+            <a:endParaRPr lang="es-ES_tradnl" dirty="0" smtClean="0"/>
+          </a:p>
+          <a:p>
+            <a:pPr marL="0" indent="0">
+              <a:buFont typeface="Arial" panose="020B0604020202020204" pitchFamily="34" charset="0"/>
+              <a:buNone/>
+            </a:pPr>
+            <a:endParaRPr lang="es-ES_tradnl" dirty="0" smtClean="0"/>
+          </a:p>
+          <a:p>
+            <a:pPr marL="0" indent="0">
+              <a:buFont typeface="Arial" panose="020B0604020202020204" pitchFamily="34" charset="0"/>
+              <a:buNone/>
+            </a:pPr>
+            <a:endParaRPr lang="es-ES_tradnl" dirty="0"/>
+          </a:p>
+        </p:txBody>
+      </p:sp>
+      <p:sp>
+        <p:nvSpPr>
+          <p:cNvPr id="4" name="Marcador de número de diapositiva 3"/>
+          <p:cNvSpPr>
+            <a:spLocks noGrp="1"/>
+          </p:cNvSpPr>
+          <p:nvPr>
+            <p:ph type="sldNum" sz="quarter" idx="10"/>
+          </p:nvPr>
+        </p:nvSpPr>
+        <p:spPr/>
+        <p:txBody>
+          <a:bodyPr/>
+          <a:lstStyle/>
+          <a:p>
+            <a:fld id="{189A0E75-B954-4377-A121-414553C96DA1}" type="slidenum">
+              <a:rPr lang="es-ES_tradnl" smtClean="0"/>
+              <a:t>8</a:t>
+            </a:fld>
+            <a:endParaRPr lang="es-ES_tradnl"/>
+          </a:p>
+        </p:txBody>
+      </p:sp>
+    </p:spTree>
+    <p:extLst>
+      <p:ext uri="{BB962C8B-B14F-4D97-AF65-F5344CB8AC3E}">
+        <p14:creationId xmlns:p14="http://schemas.microsoft.com/office/powerpoint/2010/main" val="1503060401"/>
+      </p:ext>
+    </p:extLst>
+  </p:cSld>
+  <p:clrMapOvr>
+    <a:masterClrMapping/>
+  </p:clrMapOvr>
+</p:notes>
 </file>
 
 <file path=ppt/slideLayouts/slideLayout1.xml><?xml version="1.0" encoding="utf-8"?>
@@ -388,7 +1251,7 @@
           <a:p>
             <a:fld id="{7A847CFC-816F-41D0-AAC0-9BF4FEBC753E}" type="datetimeFigureOut">
               <a:rPr lang="es-ES" smtClean="0"/>
-              <a:t>16/05/2013</a:t>
+              <a:t>19/05/2013</a:t>
             </a:fld>
             <a:endParaRPr lang="es-ES"/>
           </a:p>
@@ -781,7 +1644,7 @@
           <a:p>
             <a:fld id="{7A847CFC-816F-41D0-AAC0-9BF4FEBC753E}" type="datetimeFigureOut">
               <a:rPr lang="es-ES" smtClean="0"/>
-              <a:t>16/05/2013</a:t>
+              <a:t>19/05/2013</a:t>
             </a:fld>
             <a:endParaRPr lang="es-ES"/>
           </a:p>
@@ -1313,7 +2176,7 @@
           <a:p>
             <a:fld id="{7A847CFC-816F-41D0-AAC0-9BF4FEBC753E}" type="datetimeFigureOut">
               <a:rPr lang="es-ES" smtClean="0"/>
-              <a:t>16/05/2013</a:t>
+              <a:t>19/05/2013</a:t>
             </a:fld>
             <a:endParaRPr lang="es-ES"/>
           </a:p>
@@ -1446,7 +2309,7 @@
           <a:p>
             <a:fld id="{7A847CFC-816F-41D0-AAC0-9BF4FEBC753E}" type="datetimeFigureOut">
               <a:rPr lang="es-ES" smtClean="0"/>
-              <a:t>16/05/2013</a:t>
+              <a:t>19/05/2013</a:t>
             </a:fld>
             <a:endParaRPr lang="es-ES"/>
           </a:p>
@@ -1989,7 +2852,7 @@
           <a:p>
             <a:fld id="{7A847CFC-816F-41D0-AAC0-9BF4FEBC753E}" type="datetimeFigureOut">
               <a:rPr lang="es-ES" smtClean="0"/>
-              <a:t>16/05/2013</a:t>
+              <a:t>19/05/2013</a:t>
             </a:fld>
             <a:endParaRPr lang="es-ES"/>
           </a:p>
@@ -2284,7 +3147,7 @@
           <a:p>
             <a:fld id="{7A847CFC-816F-41D0-AAC0-9BF4FEBC753E}" type="datetimeFigureOut">
               <a:rPr lang="es-ES" smtClean="0"/>
-              <a:t>16/05/2013</a:t>
+              <a:t>19/05/2013</a:t>
             </a:fld>
             <a:endParaRPr lang="es-ES"/>
           </a:p>
@@ -2943,7 +3806,7 @@
           <a:p>
             <a:fld id="{7A847CFC-816F-41D0-AAC0-9BF4FEBC753E}" type="datetimeFigureOut">
               <a:rPr lang="es-ES" smtClean="0"/>
-              <a:t>16/05/2013</a:t>
+              <a:t>19/05/2013</a:t>
             </a:fld>
             <a:endParaRPr lang="es-ES"/>
           </a:p>
@@ -3379,7 +4242,7 @@
           <a:p>
             <a:fld id="{7A847CFC-816F-41D0-AAC0-9BF4FEBC753E}" type="datetimeFigureOut">
               <a:rPr lang="es-ES" smtClean="0"/>
-              <a:t>16/05/2013</a:t>
+              <a:t>19/05/2013</a:t>
             </a:fld>
             <a:endParaRPr lang="es-ES"/>
           </a:p>
@@ -3692,7 +4555,7 @@
           <a:p>
             <a:fld id="{7A847CFC-816F-41D0-AAC0-9BF4FEBC753E}" type="datetimeFigureOut">
               <a:rPr lang="es-ES" smtClean="0"/>
-              <a:t>16/05/2013</a:t>
+              <a:t>19/05/2013</a:t>
             </a:fld>
             <a:endParaRPr lang="es-ES"/>
           </a:p>
@@ -4424,7 +5287,7 @@
           <a:p>
             <a:fld id="{7A847CFC-816F-41D0-AAC0-9BF4FEBC753E}" type="datetimeFigureOut">
               <a:rPr lang="es-ES" smtClean="0"/>
-              <a:t>16/05/2013</a:t>
+              <a:t>19/05/2013</a:t>
             </a:fld>
             <a:endParaRPr lang="es-ES"/>
           </a:p>
@@ -5088,7 +5951,7 @@
           <a:p>
             <a:fld id="{7A847CFC-816F-41D0-AAC0-9BF4FEBC753E}" type="datetimeFigureOut">
               <a:rPr lang="es-ES" smtClean="0"/>
-              <a:t>16/05/2013</a:t>
+              <a:t>19/05/2013</a:t>
             </a:fld>
             <a:endParaRPr lang="es-ES"/>
           </a:p>
@@ -5361,7 +6224,7 @@
           <a:p>
             <a:fld id="{7A847CFC-816F-41D0-AAC0-9BF4FEBC753E}" type="datetimeFigureOut">
               <a:rPr lang="es-ES" smtClean="0"/>
-              <a:t>16/05/2013</a:t>
+              <a:t>19/05/2013</a:t>
             </a:fld>
             <a:endParaRPr lang="es-ES"/>
           </a:p>
@@ -6073,8 +6936,8 @@
           <a:lstStyle/>
           <a:p>
             <a:r>
-              <a:rPr lang="en-US" b="1" dirty="0" err="1"/>
-              <a:t>Bigtable</a:t>
+              <a:rPr lang="en-US" b="1" dirty="0" err="1" smtClean="0"/>
+              <a:t>BigTable</a:t>
             </a:r>
             <a:endParaRPr lang="es-ES" dirty="0"/>
           </a:p>
@@ -6088,8 +6951,8 @@
         </p:nvSpPr>
         <p:spPr>
           <a:xfrm>
-            <a:off x="4788024" y="4797152"/>
-            <a:ext cx="4032448" cy="923330"/>
+            <a:off x="4788024" y="4869160"/>
+            <a:ext cx="4032448" cy="784830"/>
           </a:xfrm>
           <a:prstGeom prst="rect">
             <a:avLst/>
@@ -6112,7 +6975,7 @@
             </a:r>
           </a:p>
           <a:p>
-            <a:endParaRPr lang="es-ES" dirty="0" smtClean="0"/>
+            <a:endParaRPr lang="es-ES" sz="900" dirty="0" smtClean="0"/>
           </a:p>
           <a:p>
             <a:r>
@@ -6127,6 +6990,1098 @@
     <p:extLst>
       <p:ext uri="{BB962C8B-B14F-4D97-AF65-F5344CB8AC3E}">
         <p14:creationId xmlns:p14="http://schemas.microsoft.com/office/powerpoint/2010/main" val="2883408340"/>
+      </p:ext>
+    </p:extLst>
+  </p:cSld>
+  <p:clrMapOvr>
+    <a:masterClrMapping/>
+  </p:clrMapOvr>
+</p:sld>
+</file>
+
+<file path=ppt/slides/slide10.xml><?xml version="1.0" encoding="utf-8"?>
+<p:sld xmlns:a="http://schemas.openxmlformats.org/drawingml/2006/main" xmlns:r="http://schemas.openxmlformats.org/officeDocument/2006/relationships" xmlns:p="http://schemas.openxmlformats.org/presentationml/2006/main">
+  <p:cSld>
+    <p:spTree>
+      <p:nvGrpSpPr>
+        <p:cNvPr id="1" name=""/>
+        <p:cNvGrpSpPr/>
+        <p:nvPr/>
+      </p:nvGrpSpPr>
+      <p:grpSpPr>
+        <a:xfrm>
+          <a:off x="0" y="0"/>
+          <a:ext cx="0" cy="0"/>
+          <a:chOff x="0" y="0"/>
+          <a:chExt cx="0" cy="0"/>
+        </a:xfrm>
+      </p:grpSpPr>
+      <p:sp>
+        <p:nvSpPr>
+          <p:cNvPr id="2" name="Título 1"/>
+          <p:cNvSpPr>
+            <a:spLocks noGrp="1"/>
+          </p:cNvSpPr>
+          <p:nvPr>
+            <p:ph type="title"/>
+          </p:nvPr>
+        </p:nvSpPr>
+        <p:spPr/>
+        <p:txBody>
+          <a:bodyPr>
+            <a:normAutofit fontScale="90000"/>
+          </a:bodyPr>
+          <a:lstStyle/>
+          <a:p>
+            <a:r>
+              <a:rPr lang="es-ES_tradnl" dirty="0"/>
+              <a:t>Descripción de </a:t>
+            </a:r>
+            <a:r>
+              <a:rPr lang="es-ES_tradnl" i="1" dirty="0" err="1"/>
+              <a:t>BigTable</a:t>
+            </a:r>
+            <a:r>
+              <a:rPr lang="es-ES_tradnl" dirty="0"/>
+              <a:t> (</a:t>
+            </a:r>
+            <a:r>
+              <a:rPr lang="es-ES_tradnl" dirty="0" smtClean="0"/>
+              <a:t>III): Infraestructura</a:t>
+            </a:r>
+            <a:endParaRPr lang="es-ES_tradnl" dirty="0"/>
+          </a:p>
+        </p:txBody>
+      </p:sp>
+      <p:sp>
+        <p:nvSpPr>
+          <p:cNvPr id="3" name="Marcador de contenido 2"/>
+          <p:cNvSpPr>
+            <a:spLocks noGrp="1"/>
+          </p:cNvSpPr>
+          <p:nvPr>
+            <p:ph sz="quarter" idx="1"/>
+          </p:nvPr>
+        </p:nvSpPr>
+        <p:spPr/>
+        <p:txBody>
+          <a:bodyPr/>
+          <a:lstStyle/>
+          <a:p>
+            <a:endParaRPr lang="es-ES_tradnl"/>
+          </a:p>
+        </p:txBody>
+      </p:sp>
+    </p:spTree>
+    <p:extLst>
+      <p:ext uri="{BB962C8B-B14F-4D97-AF65-F5344CB8AC3E}">
+        <p14:creationId xmlns:p14="http://schemas.microsoft.com/office/powerpoint/2010/main" val="388868875"/>
+      </p:ext>
+    </p:extLst>
+  </p:cSld>
+  <p:clrMapOvr>
+    <a:masterClrMapping/>
+  </p:clrMapOvr>
+</p:sld>
+</file>
+
+<file path=ppt/slides/slide11.xml><?xml version="1.0" encoding="utf-8"?>
+<p:sld xmlns:a="http://schemas.openxmlformats.org/drawingml/2006/main" xmlns:r="http://schemas.openxmlformats.org/officeDocument/2006/relationships" xmlns:p="http://schemas.openxmlformats.org/presentationml/2006/main">
+  <p:cSld>
+    <p:spTree>
+      <p:nvGrpSpPr>
+        <p:cNvPr id="1" name=""/>
+        <p:cNvGrpSpPr/>
+        <p:nvPr/>
+      </p:nvGrpSpPr>
+      <p:grpSpPr>
+        <a:xfrm>
+          <a:off x="0" y="0"/>
+          <a:ext cx="0" cy="0"/>
+          <a:chOff x="0" y="0"/>
+          <a:chExt cx="0" cy="0"/>
+        </a:xfrm>
+      </p:grpSpPr>
+      <p:sp>
+        <p:nvSpPr>
+          <p:cNvPr id="2" name="Título 1"/>
+          <p:cNvSpPr>
+            <a:spLocks noGrp="1"/>
+          </p:cNvSpPr>
+          <p:nvPr>
+            <p:ph type="title"/>
+          </p:nvPr>
+        </p:nvSpPr>
+        <p:spPr/>
+        <p:txBody>
+          <a:bodyPr/>
+          <a:lstStyle/>
+          <a:p>
+            <a:r>
+              <a:rPr lang="es-ES_tradnl" dirty="0" smtClean="0"/>
+              <a:t>Índice</a:t>
+            </a:r>
+            <a:endParaRPr lang="es-ES_tradnl" dirty="0"/>
+          </a:p>
+        </p:txBody>
+      </p:sp>
+      <p:sp>
+        <p:nvSpPr>
+          <p:cNvPr id="3" name="Marcador de contenido 2"/>
+          <p:cNvSpPr>
+            <a:spLocks noGrp="1"/>
+          </p:cNvSpPr>
+          <p:nvPr>
+            <p:ph sz="quarter" idx="1"/>
+          </p:nvPr>
+        </p:nvSpPr>
+        <p:spPr>
+          <a:xfrm>
+            <a:off x="683568" y="1527048"/>
+            <a:ext cx="8122104" cy="4572000"/>
+          </a:xfrm>
+        </p:spPr>
+        <p:txBody>
+          <a:bodyPr>
+            <a:normAutofit/>
+          </a:bodyPr>
+          <a:lstStyle/>
+          <a:p>
+            <a:r>
+              <a:rPr lang="es-ES_tradnl" dirty="0" smtClean="0"/>
+              <a:t>Introducción</a:t>
+            </a:r>
+          </a:p>
+          <a:p>
+            <a:r>
+              <a:rPr lang="es-ES_tradnl" b="1" dirty="0" smtClean="0"/>
+              <a:t>Descripción de </a:t>
+            </a:r>
+            <a:r>
+              <a:rPr lang="es-ES_tradnl" b="1" i="1" dirty="0" err="1" smtClean="0"/>
+              <a:t>BigTable</a:t>
+            </a:r>
+            <a:endParaRPr lang="es-ES_tradnl" b="1" i="1" dirty="0" smtClean="0"/>
+          </a:p>
+          <a:p>
+            <a:pPr lvl="1"/>
+            <a:r>
+              <a:rPr lang="es-ES_tradnl" dirty="0"/>
+              <a:t>Modelo de datos</a:t>
+            </a:r>
+          </a:p>
+          <a:p>
+            <a:pPr lvl="1"/>
+            <a:r>
+              <a:rPr lang="es-ES_tradnl" i="1" dirty="0"/>
+              <a:t>API</a:t>
+            </a:r>
+          </a:p>
+          <a:p>
+            <a:pPr lvl="1"/>
+            <a:r>
+              <a:rPr lang="es-ES_tradnl" dirty="0"/>
+              <a:t>Infraestructura</a:t>
+            </a:r>
+          </a:p>
+          <a:p>
+            <a:pPr lvl="1"/>
+            <a:r>
+              <a:rPr lang="es-ES_tradnl" b="1" dirty="0"/>
+              <a:t>Implementación</a:t>
+            </a:r>
+          </a:p>
+          <a:p>
+            <a:pPr lvl="1"/>
+            <a:r>
+              <a:rPr lang="es-ES_tradnl" dirty="0" smtClean="0"/>
+              <a:t>Ejemplos</a:t>
+            </a:r>
+          </a:p>
+          <a:p>
+            <a:r>
+              <a:rPr lang="es-ES_tradnl" dirty="0" smtClean="0"/>
+              <a:t>Otros proyectos</a:t>
+            </a:r>
+          </a:p>
+          <a:p>
+            <a:r>
+              <a:rPr lang="es-ES_tradnl" dirty="0" smtClean="0"/>
+              <a:t>Conclusiones</a:t>
+            </a:r>
+          </a:p>
+        </p:txBody>
+      </p:sp>
+    </p:spTree>
+    <p:extLst>
+      <p:ext uri="{BB962C8B-B14F-4D97-AF65-F5344CB8AC3E}">
+        <p14:creationId xmlns:p14="http://schemas.microsoft.com/office/powerpoint/2010/main" val="651361162"/>
+      </p:ext>
+    </p:extLst>
+  </p:cSld>
+  <p:clrMapOvr>
+    <a:masterClrMapping/>
+  </p:clrMapOvr>
+</p:sld>
+</file>
+
+<file path=ppt/slides/slide12.xml><?xml version="1.0" encoding="utf-8"?>
+<p:sld xmlns:a="http://schemas.openxmlformats.org/drawingml/2006/main" xmlns:r="http://schemas.openxmlformats.org/officeDocument/2006/relationships" xmlns:p="http://schemas.openxmlformats.org/presentationml/2006/main">
+  <p:cSld>
+    <p:spTree>
+      <p:nvGrpSpPr>
+        <p:cNvPr id="1" name=""/>
+        <p:cNvGrpSpPr/>
+        <p:nvPr/>
+      </p:nvGrpSpPr>
+      <p:grpSpPr>
+        <a:xfrm>
+          <a:off x="0" y="0"/>
+          <a:ext cx="0" cy="0"/>
+          <a:chOff x="0" y="0"/>
+          <a:chExt cx="0" cy="0"/>
+        </a:xfrm>
+      </p:grpSpPr>
+      <p:sp>
+        <p:nvSpPr>
+          <p:cNvPr id="2" name="Título 1"/>
+          <p:cNvSpPr>
+            <a:spLocks noGrp="1"/>
+          </p:cNvSpPr>
+          <p:nvPr>
+            <p:ph type="title"/>
+          </p:nvPr>
+        </p:nvSpPr>
+        <p:spPr/>
+        <p:txBody>
+          <a:bodyPr>
+            <a:normAutofit fontScale="90000"/>
+          </a:bodyPr>
+          <a:lstStyle/>
+          <a:p>
+            <a:r>
+              <a:rPr lang="es-ES_tradnl" dirty="0"/>
+              <a:t>Descripción de </a:t>
+            </a:r>
+            <a:r>
+              <a:rPr lang="es-ES_tradnl" i="1" dirty="0" err="1"/>
+              <a:t>BigTable</a:t>
+            </a:r>
+            <a:r>
+              <a:rPr lang="es-ES_tradnl" dirty="0"/>
+              <a:t> (</a:t>
+            </a:r>
+            <a:r>
+              <a:rPr lang="es-ES_tradnl" dirty="0" smtClean="0"/>
+              <a:t>IV): Implementación(1)</a:t>
+            </a:r>
+            <a:endParaRPr lang="es-ES_tradnl" dirty="0"/>
+          </a:p>
+        </p:txBody>
+      </p:sp>
+      <p:sp>
+        <p:nvSpPr>
+          <p:cNvPr id="3" name="Marcador de contenido 2"/>
+          <p:cNvSpPr>
+            <a:spLocks noGrp="1"/>
+          </p:cNvSpPr>
+          <p:nvPr>
+            <p:ph sz="quarter" idx="1"/>
+          </p:nvPr>
+        </p:nvSpPr>
+        <p:spPr/>
+        <p:txBody>
+          <a:bodyPr/>
+          <a:lstStyle/>
+          <a:p>
+            <a:endParaRPr lang="es-ES_tradnl"/>
+          </a:p>
+        </p:txBody>
+      </p:sp>
+    </p:spTree>
+    <p:extLst>
+      <p:ext uri="{BB962C8B-B14F-4D97-AF65-F5344CB8AC3E}">
+        <p14:creationId xmlns:p14="http://schemas.microsoft.com/office/powerpoint/2010/main" val="908439023"/>
+      </p:ext>
+    </p:extLst>
+  </p:cSld>
+  <p:clrMapOvr>
+    <a:masterClrMapping/>
+  </p:clrMapOvr>
+</p:sld>
+</file>
+
+<file path=ppt/slides/slide13.xml><?xml version="1.0" encoding="utf-8"?>
+<p:sld xmlns:a="http://schemas.openxmlformats.org/drawingml/2006/main" xmlns:r="http://schemas.openxmlformats.org/officeDocument/2006/relationships" xmlns:p="http://schemas.openxmlformats.org/presentationml/2006/main">
+  <p:cSld>
+    <p:spTree>
+      <p:nvGrpSpPr>
+        <p:cNvPr id="1" name=""/>
+        <p:cNvGrpSpPr/>
+        <p:nvPr/>
+      </p:nvGrpSpPr>
+      <p:grpSpPr>
+        <a:xfrm>
+          <a:off x="0" y="0"/>
+          <a:ext cx="0" cy="0"/>
+          <a:chOff x="0" y="0"/>
+          <a:chExt cx="0" cy="0"/>
+        </a:xfrm>
+      </p:grpSpPr>
+      <p:sp>
+        <p:nvSpPr>
+          <p:cNvPr id="2" name="Título 1"/>
+          <p:cNvSpPr>
+            <a:spLocks noGrp="1"/>
+          </p:cNvSpPr>
+          <p:nvPr>
+            <p:ph type="title"/>
+          </p:nvPr>
+        </p:nvSpPr>
+        <p:spPr/>
+        <p:txBody>
+          <a:bodyPr>
+            <a:normAutofit fontScale="90000"/>
+          </a:bodyPr>
+          <a:lstStyle/>
+          <a:p>
+            <a:r>
+              <a:rPr lang="es-ES_tradnl" dirty="0"/>
+              <a:t>Descripción de </a:t>
+            </a:r>
+            <a:r>
+              <a:rPr lang="es-ES_tradnl" i="1" dirty="0" err="1" smtClean="0"/>
+              <a:t>BigTable</a:t>
+            </a:r>
+            <a:r>
+              <a:rPr lang="es-ES_tradnl" dirty="0" smtClean="0"/>
+              <a:t>(IV): Implementación(2)</a:t>
+            </a:r>
+            <a:endParaRPr lang="es-ES_tradnl" dirty="0"/>
+          </a:p>
+        </p:txBody>
+      </p:sp>
+      <p:sp>
+        <p:nvSpPr>
+          <p:cNvPr id="3" name="Marcador de contenido 2"/>
+          <p:cNvSpPr>
+            <a:spLocks noGrp="1"/>
+          </p:cNvSpPr>
+          <p:nvPr>
+            <p:ph sz="quarter" idx="1"/>
+          </p:nvPr>
+        </p:nvSpPr>
+        <p:spPr/>
+        <p:txBody>
+          <a:bodyPr/>
+          <a:lstStyle/>
+          <a:p>
+            <a:endParaRPr lang="es-ES_tradnl"/>
+          </a:p>
+        </p:txBody>
+      </p:sp>
+    </p:spTree>
+    <p:extLst>
+      <p:ext uri="{BB962C8B-B14F-4D97-AF65-F5344CB8AC3E}">
+        <p14:creationId xmlns:p14="http://schemas.microsoft.com/office/powerpoint/2010/main" val="269648926"/>
+      </p:ext>
+    </p:extLst>
+  </p:cSld>
+  <p:clrMapOvr>
+    <a:masterClrMapping/>
+  </p:clrMapOvr>
+</p:sld>
+</file>
+
+<file path=ppt/slides/slide14.xml><?xml version="1.0" encoding="utf-8"?>
+<p:sld xmlns:a="http://schemas.openxmlformats.org/drawingml/2006/main" xmlns:r="http://schemas.openxmlformats.org/officeDocument/2006/relationships" xmlns:p="http://schemas.openxmlformats.org/presentationml/2006/main">
+  <p:cSld>
+    <p:spTree>
+      <p:nvGrpSpPr>
+        <p:cNvPr id="1" name=""/>
+        <p:cNvGrpSpPr/>
+        <p:nvPr/>
+      </p:nvGrpSpPr>
+      <p:grpSpPr>
+        <a:xfrm>
+          <a:off x="0" y="0"/>
+          <a:ext cx="0" cy="0"/>
+          <a:chOff x="0" y="0"/>
+          <a:chExt cx="0" cy="0"/>
+        </a:xfrm>
+      </p:grpSpPr>
+      <p:sp>
+        <p:nvSpPr>
+          <p:cNvPr id="2" name="Título 1"/>
+          <p:cNvSpPr>
+            <a:spLocks noGrp="1"/>
+          </p:cNvSpPr>
+          <p:nvPr>
+            <p:ph type="title"/>
+          </p:nvPr>
+        </p:nvSpPr>
+        <p:spPr/>
+        <p:txBody>
+          <a:bodyPr/>
+          <a:lstStyle/>
+          <a:p>
+            <a:r>
+              <a:rPr lang="es-ES_tradnl" dirty="0" smtClean="0"/>
+              <a:t>Índice</a:t>
+            </a:r>
+            <a:endParaRPr lang="es-ES_tradnl" dirty="0"/>
+          </a:p>
+        </p:txBody>
+      </p:sp>
+      <p:sp>
+        <p:nvSpPr>
+          <p:cNvPr id="3" name="Marcador de contenido 2"/>
+          <p:cNvSpPr>
+            <a:spLocks noGrp="1"/>
+          </p:cNvSpPr>
+          <p:nvPr>
+            <p:ph sz="quarter" idx="1"/>
+          </p:nvPr>
+        </p:nvSpPr>
+        <p:spPr>
+          <a:xfrm>
+            <a:off x="683568" y="1527048"/>
+            <a:ext cx="8122104" cy="4572000"/>
+          </a:xfrm>
+        </p:spPr>
+        <p:txBody>
+          <a:bodyPr>
+            <a:normAutofit/>
+          </a:bodyPr>
+          <a:lstStyle/>
+          <a:p>
+            <a:r>
+              <a:rPr lang="es-ES_tradnl" dirty="0" smtClean="0"/>
+              <a:t>Introducción</a:t>
+            </a:r>
+          </a:p>
+          <a:p>
+            <a:r>
+              <a:rPr lang="es-ES_tradnl" b="1" dirty="0" smtClean="0"/>
+              <a:t>Descripción de </a:t>
+            </a:r>
+            <a:r>
+              <a:rPr lang="es-ES_tradnl" b="1" i="1" dirty="0" err="1" smtClean="0"/>
+              <a:t>BigTable</a:t>
+            </a:r>
+            <a:endParaRPr lang="es-ES_tradnl" b="1" i="1" dirty="0" smtClean="0"/>
+          </a:p>
+          <a:p>
+            <a:pPr lvl="1"/>
+            <a:r>
+              <a:rPr lang="es-ES_tradnl" dirty="0"/>
+              <a:t>Modelo de datos</a:t>
+            </a:r>
+          </a:p>
+          <a:p>
+            <a:pPr lvl="1"/>
+            <a:r>
+              <a:rPr lang="es-ES_tradnl" i="1" dirty="0"/>
+              <a:t>API</a:t>
+            </a:r>
+          </a:p>
+          <a:p>
+            <a:pPr lvl="1"/>
+            <a:r>
+              <a:rPr lang="es-ES_tradnl" dirty="0"/>
+              <a:t>Infraestructura</a:t>
+            </a:r>
+          </a:p>
+          <a:p>
+            <a:pPr lvl="1"/>
+            <a:r>
+              <a:rPr lang="es-ES_tradnl" dirty="0"/>
+              <a:t>Implementación</a:t>
+            </a:r>
+          </a:p>
+          <a:p>
+            <a:pPr lvl="1"/>
+            <a:r>
+              <a:rPr lang="es-ES_tradnl" b="1" dirty="0" smtClean="0"/>
+              <a:t>Ejemplos</a:t>
+            </a:r>
+          </a:p>
+          <a:p>
+            <a:r>
+              <a:rPr lang="es-ES_tradnl" dirty="0" smtClean="0"/>
+              <a:t>Otros proyectos</a:t>
+            </a:r>
+          </a:p>
+          <a:p>
+            <a:r>
+              <a:rPr lang="es-ES_tradnl" dirty="0" smtClean="0"/>
+              <a:t>Conclusiones</a:t>
+            </a:r>
+          </a:p>
+        </p:txBody>
+      </p:sp>
+    </p:spTree>
+    <p:extLst>
+      <p:ext uri="{BB962C8B-B14F-4D97-AF65-F5344CB8AC3E}">
+        <p14:creationId xmlns:p14="http://schemas.microsoft.com/office/powerpoint/2010/main" val="3698086457"/>
+      </p:ext>
+    </p:extLst>
+  </p:cSld>
+  <p:clrMapOvr>
+    <a:masterClrMapping/>
+  </p:clrMapOvr>
+</p:sld>
+</file>
+
+<file path=ppt/slides/slide15.xml><?xml version="1.0" encoding="utf-8"?>
+<p:sld xmlns:a="http://schemas.openxmlformats.org/drawingml/2006/main" xmlns:r="http://schemas.openxmlformats.org/officeDocument/2006/relationships" xmlns:p="http://schemas.openxmlformats.org/presentationml/2006/main">
+  <p:cSld>
+    <p:spTree>
+      <p:nvGrpSpPr>
+        <p:cNvPr id="1" name=""/>
+        <p:cNvGrpSpPr/>
+        <p:nvPr/>
+      </p:nvGrpSpPr>
+      <p:grpSpPr>
+        <a:xfrm>
+          <a:off x="0" y="0"/>
+          <a:ext cx="0" cy="0"/>
+          <a:chOff x="0" y="0"/>
+          <a:chExt cx="0" cy="0"/>
+        </a:xfrm>
+      </p:grpSpPr>
+      <p:sp>
+        <p:nvSpPr>
+          <p:cNvPr id="2" name="Título 1"/>
+          <p:cNvSpPr>
+            <a:spLocks noGrp="1"/>
+          </p:cNvSpPr>
+          <p:nvPr>
+            <p:ph type="title"/>
+          </p:nvPr>
+        </p:nvSpPr>
+        <p:spPr/>
+        <p:txBody>
+          <a:bodyPr>
+            <a:normAutofit/>
+          </a:bodyPr>
+          <a:lstStyle/>
+          <a:p>
+            <a:r>
+              <a:rPr lang="es-ES_tradnl" dirty="0"/>
+              <a:t>Descripción de </a:t>
+            </a:r>
+            <a:r>
+              <a:rPr lang="es-ES_tradnl" i="1" dirty="0" err="1"/>
+              <a:t>BigTable</a:t>
+            </a:r>
+            <a:r>
+              <a:rPr lang="es-ES_tradnl" dirty="0"/>
+              <a:t> </a:t>
+            </a:r>
+            <a:r>
+              <a:rPr lang="es-ES_tradnl" dirty="0" smtClean="0"/>
+              <a:t>(V): Ejemplos</a:t>
+            </a:r>
+            <a:endParaRPr lang="es-ES_tradnl" dirty="0"/>
+          </a:p>
+        </p:txBody>
+      </p:sp>
+      <p:sp>
+        <p:nvSpPr>
+          <p:cNvPr id="3" name="Marcador de contenido 2"/>
+          <p:cNvSpPr>
+            <a:spLocks noGrp="1"/>
+          </p:cNvSpPr>
+          <p:nvPr>
+            <p:ph sz="quarter" idx="1"/>
+          </p:nvPr>
+        </p:nvSpPr>
+        <p:spPr/>
+        <p:txBody>
+          <a:bodyPr/>
+          <a:lstStyle/>
+          <a:p>
+            <a:endParaRPr lang="es-ES_tradnl"/>
+          </a:p>
+        </p:txBody>
+      </p:sp>
+    </p:spTree>
+    <p:extLst>
+      <p:ext uri="{BB962C8B-B14F-4D97-AF65-F5344CB8AC3E}">
+        <p14:creationId xmlns:p14="http://schemas.microsoft.com/office/powerpoint/2010/main" val="2140365800"/>
+      </p:ext>
+    </p:extLst>
+  </p:cSld>
+  <p:clrMapOvr>
+    <a:masterClrMapping/>
+  </p:clrMapOvr>
+</p:sld>
+</file>
+
+<file path=ppt/slides/slide16.xml><?xml version="1.0" encoding="utf-8"?>
+<p:sld xmlns:a="http://schemas.openxmlformats.org/drawingml/2006/main" xmlns:r="http://schemas.openxmlformats.org/officeDocument/2006/relationships" xmlns:p="http://schemas.openxmlformats.org/presentationml/2006/main">
+  <p:cSld>
+    <p:spTree>
+      <p:nvGrpSpPr>
+        <p:cNvPr id="1" name=""/>
+        <p:cNvGrpSpPr/>
+        <p:nvPr/>
+      </p:nvGrpSpPr>
+      <p:grpSpPr>
+        <a:xfrm>
+          <a:off x="0" y="0"/>
+          <a:ext cx="0" cy="0"/>
+          <a:chOff x="0" y="0"/>
+          <a:chExt cx="0" cy="0"/>
+        </a:xfrm>
+      </p:grpSpPr>
+      <p:sp>
+        <p:nvSpPr>
+          <p:cNvPr id="2" name="Título 1"/>
+          <p:cNvSpPr>
+            <a:spLocks noGrp="1"/>
+          </p:cNvSpPr>
+          <p:nvPr>
+            <p:ph type="title"/>
+          </p:nvPr>
+        </p:nvSpPr>
+        <p:spPr/>
+        <p:txBody>
+          <a:bodyPr/>
+          <a:lstStyle/>
+          <a:p>
+            <a:r>
+              <a:rPr lang="es-ES_tradnl" dirty="0" smtClean="0"/>
+              <a:t>Índice</a:t>
+            </a:r>
+            <a:endParaRPr lang="es-ES_tradnl" dirty="0"/>
+          </a:p>
+        </p:txBody>
+      </p:sp>
+      <p:sp>
+        <p:nvSpPr>
+          <p:cNvPr id="3" name="Marcador de contenido 2"/>
+          <p:cNvSpPr>
+            <a:spLocks noGrp="1"/>
+          </p:cNvSpPr>
+          <p:nvPr>
+            <p:ph sz="quarter" idx="1"/>
+          </p:nvPr>
+        </p:nvSpPr>
+        <p:spPr>
+          <a:xfrm>
+            <a:off x="683568" y="1527048"/>
+            <a:ext cx="8122104" cy="4572000"/>
+          </a:xfrm>
+        </p:spPr>
+        <p:txBody>
+          <a:bodyPr>
+            <a:normAutofit lnSpcReduction="10000"/>
+          </a:bodyPr>
+          <a:lstStyle/>
+          <a:p>
+            <a:r>
+              <a:rPr lang="es-ES_tradnl" dirty="0" smtClean="0"/>
+              <a:t>Introducción</a:t>
+            </a:r>
+          </a:p>
+          <a:p>
+            <a:r>
+              <a:rPr lang="es-ES_tradnl" dirty="0" smtClean="0"/>
+              <a:t>Descripción de </a:t>
+            </a:r>
+            <a:r>
+              <a:rPr lang="es-ES_tradnl" i="1" dirty="0" err="1" smtClean="0"/>
+              <a:t>BigTable</a:t>
+            </a:r>
+            <a:endParaRPr lang="es-ES_tradnl" i="1" dirty="0" smtClean="0"/>
+          </a:p>
+          <a:p>
+            <a:r>
+              <a:rPr lang="es-ES_tradnl" b="1" dirty="0" smtClean="0"/>
+              <a:t>Otros proyectos</a:t>
+            </a:r>
+          </a:p>
+          <a:p>
+            <a:pPr lvl="1"/>
+            <a:r>
+              <a:rPr lang="es-ES_tradnl" b="1" i="1" dirty="0" err="1" smtClean="0"/>
+              <a:t>HBase</a:t>
+            </a:r>
+            <a:endParaRPr lang="es-ES_tradnl" b="1" i="1" dirty="0" smtClean="0"/>
+          </a:p>
+          <a:p>
+            <a:pPr lvl="1"/>
+            <a:r>
+              <a:rPr lang="es-ES_tradnl" i="1" dirty="0" err="1" smtClean="0"/>
+              <a:t>LevelDB</a:t>
+            </a:r>
+            <a:endParaRPr lang="es-ES_tradnl" i="1" dirty="0" smtClean="0"/>
+          </a:p>
+          <a:p>
+            <a:pPr lvl="1"/>
+            <a:r>
+              <a:rPr lang="es-ES_tradnl" i="1" dirty="0" err="1" smtClean="0"/>
+              <a:t>Hypertable</a:t>
+            </a:r>
+            <a:endParaRPr lang="es-ES_tradnl" i="1" dirty="0" smtClean="0"/>
+          </a:p>
+          <a:p>
+            <a:pPr lvl="1"/>
+            <a:r>
+              <a:rPr lang="es-ES_tradnl" i="1" dirty="0" err="1" smtClean="0"/>
+              <a:t>Cassandra</a:t>
+            </a:r>
+            <a:endParaRPr lang="es-ES_tradnl" i="1" dirty="0" smtClean="0"/>
+          </a:p>
+          <a:p>
+            <a:pPr lvl="1"/>
+            <a:r>
+              <a:rPr lang="es-ES_tradnl" i="1" dirty="0" err="1" smtClean="0"/>
+              <a:t>DynamoDB</a:t>
+            </a:r>
+            <a:endParaRPr lang="es-ES_tradnl" i="1" dirty="0" smtClean="0"/>
+          </a:p>
+          <a:p>
+            <a:pPr lvl="1"/>
+            <a:r>
+              <a:rPr lang="es-ES_tradnl" i="1" dirty="0" err="1" smtClean="0"/>
+              <a:t>MongoDB</a:t>
+            </a:r>
+            <a:endParaRPr lang="es-ES_tradnl" i="1" dirty="0" smtClean="0"/>
+          </a:p>
+          <a:p>
+            <a:pPr lvl="1"/>
+            <a:r>
+              <a:rPr lang="es-ES_tradnl" i="1" dirty="0" smtClean="0"/>
+              <a:t>COUCHDB</a:t>
+            </a:r>
+          </a:p>
+          <a:p>
+            <a:r>
+              <a:rPr lang="es-ES_tradnl" dirty="0" smtClean="0"/>
+              <a:t>Conclusiones</a:t>
+            </a:r>
+          </a:p>
+        </p:txBody>
+      </p:sp>
+    </p:spTree>
+    <p:extLst>
+      <p:ext uri="{BB962C8B-B14F-4D97-AF65-F5344CB8AC3E}">
+        <p14:creationId xmlns:p14="http://schemas.microsoft.com/office/powerpoint/2010/main" val="3032583212"/>
+      </p:ext>
+    </p:extLst>
+  </p:cSld>
+  <p:clrMapOvr>
+    <a:masterClrMapping/>
+  </p:clrMapOvr>
+</p:sld>
+</file>
+
+<file path=ppt/slides/slide17.xml><?xml version="1.0" encoding="utf-8"?>
+<p:sld xmlns:a="http://schemas.openxmlformats.org/drawingml/2006/main" xmlns:r="http://schemas.openxmlformats.org/officeDocument/2006/relationships" xmlns:p="http://schemas.openxmlformats.org/presentationml/2006/main">
+  <p:cSld>
+    <p:spTree>
+      <p:nvGrpSpPr>
+        <p:cNvPr id="1" name=""/>
+        <p:cNvGrpSpPr/>
+        <p:nvPr/>
+      </p:nvGrpSpPr>
+      <p:grpSpPr>
+        <a:xfrm>
+          <a:off x="0" y="0"/>
+          <a:ext cx="0" cy="0"/>
+          <a:chOff x="0" y="0"/>
+          <a:chExt cx="0" cy="0"/>
+        </a:xfrm>
+      </p:grpSpPr>
+      <p:sp>
+        <p:nvSpPr>
+          <p:cNvPr id="2" name="Título 1"/>
+          <p:cNvSpPr>
+            <a:spLocks noGrp="1"/>
+          </p:cNvSpPr>
+          <p:nvPr>
+            <p:ph type="title"/>
+          </p:nvPr>
+        </p:nvSpPr>
+        <p:spPr/>
+        <p:txBody>
+          <a:bodyPr/>
+          <a:lstStyle/>
+          <a:p>
+            <a:r>
+              <a:rPr lang="es-ES_tradnl" dirty="0" smtClean="0"/>
+              <a:t>Otros Proyectos: </a:t>
+            </a:r>
+            <a:r>
+              <a:rPr lang="es-ES_tradnl" i="1" dirty="0" err="1" smtClean="0"/>
+              <a:t>HBase</a:t>
+            </a:r>
+            <a:endParaRPr lang="es-ES_tradnl" i="1" dirty="0"/>
+          </a:p>
+        </p:txBody>
+      </p:sp>
+      <p:sp>
+        <p:nvSpPr>
+          <p:cNvPr id="3" name="Marcador de contenido 2"/>
+          <p:cNvSpPr>
+            <a:spLocks noGrp="1"/>
+          </p:cNvSpPr>
+          <p:nvPr>
+            <p:ph sz="quarter" idx="1"/>
+          </p:nvPr>
+        </p:nvSpPr>
+        <p:spPr/>
+        <p:txBody>
+          <a:bodyPr/>
+          <a:lstStyle/>
+          <a:p>
+            <a:endParaRPr lang="es-ES_tradnl"/>
+          </a:p>
+        </p:txBody>
+      </p:sp>
+    </p:spTree>
+    <p:extLst>
+      <p:ext uri="{BB962C8B-B14F-4D97-AF65-F5344CB8AC3E}">
+        <p14:creationId xmlns:p14="http://schemas.microsoft.com/office/powerpoint/2010/main" val="1782248437"/>
+      </p:ext>
+    </p:extLst>
+  </p:cSld>
+  <p:clrMapOvr>
+    <a:masterClrMapping/>
+  </p:clrMapOvr>
+</p:sld>
+</file>
+
+<file path=ppt/slides/slide18.xml><?xml version="1.0" encoding="utf-8"?>
+<p:sld xmlns:a="http://schemas.openxmlformats.org/drawingml/2006/main" xmlns:r="http://schemas.openxmlformats.org/officeDocument/2006/relationships" xmlns:p="http://schemas.openxmlformats.org/presentationml/2006/main">
+  <p:cSld>
+    <p:spTree>
+      <p:nvGrpSpPr>
+        <p:cNvPr id="1" name=""/>
+        <p:cNvGrpSpPr/>
+        <p:nvPr/>
+      </p:nvGrpSpPr>
+      <p:grpSpPr>
+        <a:xfrm>
+          <a:off x="0" y="0"/>
+          <a:ext cx="0" cy="0"/>
+          <a:chOff x="0" y="0"/>
+          <a:chExt cx="0" cy="0"/>
+        </a:xfrm>
+      </p:grpSpPr>
+      <p:sp>
+        <p:nvSpPr>
+          <p:cNvPr id="2" name="Título 1"/>
+          <p:cNvSpPr>
+            <a:spLocks noGrp="1"/>
+          </p:cNvSpPr>
+          <p:nvPr>
+            <p:ph type="title"/>
+          </p:nvPr>
+        </p:nvSpPr>
+        <p:spPr/>
+        <p:txBody>
+          <a:bodyPr/>
+          <a:lstStyle/>
+          <a:p>
+            <a:r>
+              <a:rPr lang="es-ES_tradnl" dirty="0" smtClean="0"/>
+              <a:t>Índice</a:t>
+            </a:r>
+            <a:endParaRPr lang="es-ES_tradnl" dirty="0"/>
+          </a:p>
+        </p:txBody>
+      </p:sp>
+      <p:sp>
+        <p:nvSpPr>
+          <p:cNvPr id="3" name="Marcador de contenido 2"/>
+          <p:cNvSpPr>
+            <a:spLocks noGrp="1"/>
+          </p:cNvSpPr>
+          <p:nvPr>
+            <p:ph sz="quarter" idx="1"/>
+          </p:nvPr>
+        </p:nvSpPr>
+        <p:spPr>
+          <a:xfrm>
+            <a:off x="683568" y="1527048"/>
+            <a:ext cx="8122104" cy="4572000"/>
+          </a:xfrm>
+        </p:spPr>
+        <p:txBody>
+          <a:bodyPr>
+            <a:normAutofit lnSpcReduction="10000"/>
+          </a:bodyPr>
+          <a:lstStyle/>
+          <a:p>
+            <a:r>
+              <a:rPr lang="es-ES_tradnl" dirty="0" smtClean="0"/>
+              <a:t>Introducción</a:t>
+            </a:r>
+          </a:p>
+          <a:p>
+            <a:r>
+              <a:rPr lang="es-ES_tradnl" dirty="0" smtClean="0"/>
+              <a:t>Descripción de </a:t>
+            </a:r>
+            <a:r>
+              <a:rPr lang="es-ES_tradnl" i="1" dirty="0" err="1" smtClean="0"/>
+              <a:t>BigTable</a:t>
+            </a:r>
+            <a:endParaRPr lang="es-ES_tradnl" i="1" dirty="0" smtClean="0"/>
+          </a:p>
+          <a:p>
+            <a:r>
+              <a:rPr lang="es-ES_tradnl" b="1" dirty="0" smtClean="0"/>
+              <a:t>Otros proyectos</a:t>
+            </a:r>
+          </a:p>
+          <a:p>
+            <a:pPr lvl="1"/>
+            <a:r>
+              <a:rPr lang="es-ES_tradnl" i="1" dirty="0" err="1" smtClean="0"/>
+              <a:t>HBase</a:t>
+            </a:r>
+            <a:endParaRPr lang="es-ES_tradnl" i="1" dirty="0" smtClean="0"/>
+          </a:p>
+          <a:p>
+            <a:pPr lvl="1"/>
+            <a:r>
+              <a:rPr lang="es-ES_tradnl" b="1" i="1" dirty="0" err="1" smtClean="0"/>
+              <a:t>LevelDB</a:t>
+            </a:r>
+            <a:endParaRPr lang="es-ES_tradnl" b="1" i="1" dirty="0" smtClean="0"/>
+          </a:p>
+          <a:p>
+            <a:pPr lvl="1"/>
+            <a:r>
+              <a:rPr lang="es-ES_tradnl" i="1" dirty="0" err="1" smtClean="0"/>
+              <a:t>Hypertable</a:t>
+            </a:r>
+            <a:endParaRPr lang="es-ES_tradnl" i="1" dirty="0" smtClean="0"/>
+          </a:p>
+          <a:p>
+            <a:pPr lvl="1"/>
+            <a:r>
+              <a:rPr lang="es-ES_tradnl" i="1" dirty="0" err="1" smtClean="0"/>
+              <a:t>Cassandra</a:t>
+            </a:r>
+            <a:endParaRPr lang="es-ES_tradnl" i="1" dirty="0" smtClean="0"/>
+          </a:p>
+          <a:p>
+            <a:pPr lvl="1"/>
+            <a:r>
+              <a:rPr lang="es-ES_tradnl" i="1" dirty="0" err="1" smtClean="0"/>
+              <a:t>DynamoDB</a:t>
+            </a:r>
+            <a:endParaRPr lang="es-ES_tradnl" i="1" dirty="0" smtClean="0"/>
+          </a:p>
+          <a:p>
+            <a:pPr lvl="1"/>
+            <a:r>
+              <a:rPr lang="es-ES_tradnl" i="1" dirty="0" err="1" smtClean="0"/>
+              <a:t>MongoDB</a:t>
+            </a:r>
+            <a:endParaRPr lang="es-ES_tradnl" i="1" dirty="0" smtClean="0"/>
+          </a:p>
+          <a:p>
+            <a:pPr lvl="1"/>
+            <a:r>
+              <a:rPr lang="es-ES_tradnl" i="1" dirty="0" smtClean="0"/>
+              <a:t>COUCHDB</a:t>
+            </a:r>
+          </a:p>
+          <a:p>
+            <a:r>
+              <a:rPr lang="es-ES_tradnl" dirty="0" smtClean="0"/>
+              <a:t>Conclusiones</a:t>
+            </a:r>
+          </a:p>
+        </p:txBody>
+      </p:sp>
+    </p:spTree>
+    <p:extLst>
+      <p:ext uri="{BB962C8B-B14F-4D97-AF65-F5344CB8AC3E}">
+        <p14:creationId xmlns:p14="http://schemas.microsoft.com/office/powerpoint/2010/main" val="1637599513"/>
+      </p:ext>
+    </p:extLst>
+  </p:cSld>
+  <p:clrMapOvr>
+    <a:masterClrMapping/>
+  </p:clrMapOvr>
+</p:sld>
+</file>
+
+<file path=ppt/slides/slide19.xml><?xml version="1.0" encoding="utf-8"?>
+<p:sld xmlns:a="http://schemas.openxmlformats.org/drawingml/2006/main" xmlns:r="http://schemas.openxmlformats.org/officeDocument/2006/relationships" xmlns:p="http://schemas.openxmlformats.org/presentationml/2006/main">
+  <p:cSld>
+    <p:spTree>
+      <p:nvGrpSpPr>
+        <p:cNvPr id="1" name=""/>
+        <p:cNvGrpSpPr/>
+        <p:nvPr/>
+      </p:nvGrpSpPr>
+      <p:grpSpPr>
+        <a:xfrm>
+          <a:off x="0" y="0"/>
+          <a:ext cx="0" cy="0"/>
+          <a:chOff x="0" y="0"/>
+          <a:chExt cx="0" cy="0"/>
+        </a:xfrm>
+      </p:grpSpPr>
+      <p:sp>
+        <p:nvSpPr>
+          <p:cNvPr id="2" name="Título 1"/>
+          <p:cNvSpPr>
+            <a:spLocks noGrp="1"/>
+          </p:cNvSpPr>
+          <p:nvPr>
+            <p:ph type="title"/>
+          </p:nvPr>
+        </p:nvSpPr>
+        <p:spPr/>
+        <p:txBody>
+          <a:bodyPr/>
+          <a:lstStyle/>
+          <a:p>
+            <a:r>
+              <a:rPr lang="es-ES_tradnl" dirty="0"/>
+              <a:t>Otros Proyectos: </a:t>
+            </a:r>
+            <a:r>
+              <a:rPr lang="es-ES_tradnl" i="1" dirty="0" err="1" smtClean="0"/>
+              <a:t>LevelDB</a:t>
+            </a:r>
+            <a:endParaRPr lang="es-ES_tradnl" i="1" dirty="0"/>
+          </a:p>
+        </p:txBody>
+      </p:sp>
+      <p:sp>
+        <p:nvSpPr>
+          <p:cNvPr id="3" name="Marcador de contenido 2"/>
+          <p:cNvSpPr>
+            <a:spLocks noGrp="1"/>
+          </p:cNvSpPr>
+          <p:nvPr>
+            <p:ph sz="quarter" idx="1"/>
+          </p:nvPr>
+        </p:nvSpPr>
+        <p:spPr/>
+        <p:txBody>
+          <a:bodyPr/>
+          <a:lstStyle/>
+          <a:p>
+            <a:endParaRPr lang="es-ES_tradnl"/>
+          </a:p>
+        </p:txBody>
+      </p:sp>
+    </p:spTree>
+    <p:extLst>
+      <p:ext uri="{BB962C8B-B14F-4D97-AF65-F5344CB8AC3E}">
+        <p14:creationId xmlns:p14="http://schemas.microsoft.com/office/powerpoint/2010/main" val="2358329469"/>
       </p:ext>
     </p:extLst>
   </p:cSld>
@@ -6155,6 +8110,1577 @@
       </p:grpSpPr>
       <p:sp>
         <p:nvSpPr>
+          <p:cNvPr id="2" name="Título 1"/>
+          <p:cNvSpPr>
+            <a:spLocks noGrp="1"/>
+          </p:cNvSpPr>
+          <p:nvPr>
+            <p:ph type="title"/>
+          </p:nvPr>
+        </p:nvSpPr>
+        <p:spPr/>
+        <p:txBody>
+          <a:bodyPr/>
+          <a:lstStyle/>
+          <a:p>
+            <a:r>
+              <a:rPr lang="es-ES_tradnl" dirty="0" smtClean="0"/>
+              <a:t>Índice</a:t>
+            </a:r>
+            <a:endParaRPr lang="es-ES_tradnl" dirty="0"/>
+          </a:p>
+        </p:txBody>
+      </p:sp>
+      <p:sp>
+        <p:nvSpPr>
+          <p:cNvPr id="3" name="Marcador de contenido 2"/>
+          <p:cNvSpPr>
+            <a:spLocks noGrp="1"/>
+          </p:cNvSpPr>
+          <p:nvPr>
+            <p:ph sz="quarter" idx="1"/>
+          </p:nvPr>
+        </p:nvSpPr>
+        <p:spPr>
+          <a:xfrm>
+            <a:off x="683568" y="1527048"/>
+            <a:ext cx="8122104" cy="4572000"/>
+          </a:xfrm>
+        </p:spPr>
+        <p:txBody>
+          <a:bodyPr>
+            <a:normAutofit/>
+          </a:bodyPr>
+          <a:lstStyle/>
+          <a:p>
+            <a:r>
+              <a:rPr lang="es-ES_tradnl" dirty="0" smtClean="0"/>
+              <a:t>Introducción</a:t>
+            </a:r>
+          </a:p>
+          <a:p>
+            <a:r>
+              <a:rPr lang="es-ES_tradnl" dirty="0" smtClean="0"/>
+              <a:t>Descripción de </a:t>
+            </a:r>
+            <a:r>
+              <a:rPr lang="es-ES_tradnl" i="1" dirty="0" err="1" smtClean="0"/>
+              <a:t>BigTable</a:t>
+            </a:r>
+            <a:endParaRPr lang="es-ES_tradnl" i="1" dirty="0" smtClean="0"/>
+          </a:p>
+          <a:p>
+            <a:r>
+              <a:rPr lang="es-ES_tradnl" dirty="0" smtClean="0"/>
+              <a:t>Otros proyectos</a:t>
+            </a:r>
+          </a:p>
+          <a:p>
+            <a:r>
+              <a:rPr lang="es-ES_tradnl" dirty="0" smtClean="0"/>
+              <a:t>Conclusiones</a:t>
+            </a:r>
+          </a:p>
+        </p:txBody>
+      </p:sp>
+    </p:spTree>
+    <p:extLst>
+      <p:ext uri="{BB962C8B-B14F-4D97-AF65-F5344CB8AC3E}">
+        <p14:creationId xmlns:p14="http://schemas.microsoft.com/office/powerpoint/2010/main" val="3785931689"/>
+      </p:ext>
+    </p:extLst>
+  </p:cSld>
+  <p:clrMapOvr>
+    <a:masterClrMapping/>
+  </p:clrMapOvr>
+</p:sld>
+</file>
+
+<file path=ppt/slides/slide20.xml><?xml version="1.0" encoding="utf-8"?>
+<p:sld xmlns:a="http://schemas.openxmlformats.org/drawingml/2006/main" xmlns:r="http://schemas.openxmlformats.org/officeDocument/2006/relationships" xmlns:p="http://schemas.openxmlformats.org/presentationml/2006/main">
+  <p:cSld>
+    <p:spTree>
+      <p:nvGrpSpPr>
+        <p:cNvPr id="1" name=""/>
+        <p:cNvGrpSpPr/>
+        <p:nvPr/>
+      </p:nvGrpSpPr>
+      <p:grpSpPr>
+        <a:xfrm>
+          <a:off x="0" y="0"/>
+          <a:ext cx="0" cy="0"/>
+          <a:chOff x="0" y="0"/>
+          <a:chExt cx="0" cy="0"/>
+        </a:xfrm>
+      </p:grpSpPr>
+      <p:sp>
+        <p:nvSpPr>
+          <p:cNvPr id="2" name="Título 1"/>
+          <p:cNvSpPr>
+            <a:spLocks noGrp="1"/>
+          </p:cNvSpPr>
+          <p:nvPr>
+            <p:ph type="title"/>
+          </p:nvPr>
+        </p:nvSpPr>
+        <p:spPr/>
+        <p:txBody>
+          <a:bodyPr/>
+          <a:lstStyle/>
+          <a:p>
+            <a:r>
+              <a:rPr lang="es-ES_tradnl" dirty="0" smtClean="0"/>
+              <a:t>Índice</a:t>
+            </a:r>
+            <a:endParaRPr lang="es-ES_tradnl" dirty="0"/>
+          </a:p>
+        </p:txBody>
+      </p:sp>
+      <p:sp>
+        <p:nvSpPr>
+          <p:cNvPr id="3" name="Marcador de contenido 2"/>
+          <p:cNvSpPr>
+            <a:spLocks noGrp="1"/>
+          </p:cNvSpPr>
+          <p:nvPr>
+            <p:ph sz="quarter" idx="1"/>
+          </p:nvPr>
+        </p:nvSpPr>
+        <p:spPr>
+          <a:xfrm>
+            <a:off x="683568" y="1527048"/>
+            <a:ext cx="8122104" cy="4572000"/>
+          </a:xfrm>
+        </p:spPr>
+        <p:txBody>
+          <a:bodyPr>
+            <a:normAutofit lnSpcReduction="10000"/>
+          </a:bodyPr>
+          <a:lstStyle/>
+          <a:p>
+            <a:r>
+              <a:rPr lang="es-ES_tradnl" dirty="0" smtClean="0"/>
+              <a:t>Introducción</a:t>
+            </a:r>
+          </a:p>
+          <a:p>
+            <a:r>
+              <a:rPr lang="es-ES_tradnl" dirty="0" smtClean="0"/>
+              <a:t>Descripción de </a:t>
+            </a:r>
+            <a:r>
+              <a:rPr lang="es-ES_tradnl" i="1" dirty="0" err="1" smtClean="0"/>
+              <a:t>BigTable</a:t>
+            </a:r>
+            <a:endParaRPr lang="es-ES_tradnl" i="1" dirty="0" smtClean="0"/>
+          </a:p>
+          <a:p>
+            <a:r>
+              <a:rPr lang="es-ES_tradnl" b="1" dirty="0" smtClean="0"/>
+              <a:t>Otros proyectos</a:t>
+            </a:r>
+          </a:p>
+          <a:p>
+            <a:pPr lvl="1"/>
+            <a:r>
+              <a:rPr lang="es-ES_tradnl" i="1" dirty="0" err="1" smtClean="0"/>
+              <a:t>HBase</a:t>
+            </a:r>
+            <a:endParaRPr lang="es-ES_tradnl" i="1" dirty="0" smtClean="0"/>
+          </a:p>
+          <a:p>
+            <a:pPr lvl="1"/>
+            <a:r>
+              <a:rPr lang="es-ES_tradnl" i="1" dirty="0" err="1" smtClean="0"/>
+              <a:t>LevelDB</a:t>
+            </a:r>
+            <a:endParaRPr lang="es-ES_tradnl" i="1" dirty="0" smtClean="0"/>
+          </a:p>
+          <a:p>
+            <a:pPr lvl="1"/>
+            <a:r>
+              <a:rPr lang="es-ES_tradnl" b="1" i="1" dirty="0" err="1" smtClean="0"/>
+              <a:t>Hypertable</a:t>
+            </a:r>
+            <a:endParaRPr lang="es-ES_tradnl" b="1" i="1" dirty="0" smtClean="0"/>
+          </a:p>
+          <a:p>
+            <a:pPr lvl="1"/>
+            <a:r>
+              <a:rPr lang="es-ES_tradnl" i="1" dirty="0" err="1" smtClean="0"/>
+              <a:t>Cassandra</a:t>
+            </a:r>
+            <a:endParaRPr lang="es-ES_tradnl" i="1" dirty="0" smtClean="0"/>
+          </a:p>
+          <a:p>
+            <a:pPr lvl="1"/>
+            <a:r>
+              <a:rPr lang="es-ES_tradnl" i="1" dirty="0" err="1" smtClean="0"/>
+              <a:t>DynamoDB</a:t>
+            </a:r>
+            <a:endParaRPr lang="es-ES_tradnl" i="1" dirty="0" smtClean="0"/>
+          </a:p>
+          <a:p>
+            <a:pPr lvl="1"/>
+            <a:r>
+              <a:rPr lang="es-ES_tradnl" i="1" dirty="0" err="1" smtClean="0"/>
+              <a:t>MongoDB</a:t>
+            </a:r>
+            <a:endParaRPr lang="es-ES_tradnl" i="1" dirty="0" smtClean="0"/>
+          </a:p>
+          <a:p>
+            <a:pPr lvl="1"/>
+            <a:r>
+              <a:rPr lang="es-ES_tradnl" i="1" dirty="0" smtClean="0"/>
+              <a:t>COUCHDB</a:t>
+            </a:r>
+          </a:p>
+          <a:p>
+            <a:r>
+              <a:rPr lang="es-ES_tradnl" dirty="0" smtClean="0"/>
+              <a:t>Conclusiones</a:t>
+            </a:r>
+          </a:p>
+        </p:txBody>
+      </p:sp>
+    </p:spTree>
+    <p:extLst>
+      <p:ext uri="{BB962C8B-B14F-4D97-AF65-F5344CB8AC3E}">
+        <p14:creationId xmlns:p14="http://schemas.microsoft.com/office/powerpoint/2010/main" val="819162384"/>
+      </p:ext>
+    </p:extLst>
+  </p:cSld>
+  <p:clrMapOvr>
+    <a:masterClrMapping/>
+  </p:clrMapOvr>
+</p:sld>
+</file>
+
+<file path=ppt/slides/slide21.xml><?xml version="1.0" encoding="utf-8"?>
+<p:sld xmlns:a="http://schemas.openxmlformats.org/drawingml/2006/main" xmlns:r="http://schemas.openxmlformats.org/officeDocument/2006/relationships" xmlns:p="http://schemas.openxmlformats.org/presentationml/2006/main">
+  <p:cSld>
+    <p:spTree>
+      <p:nvGrpSpPr>
+        <p:cNvPr id="1" name=""/>
+        <p:cNvGrpSpPr/>
+        <p:nvPr/>
+      </p:nvGrpSpPr>
+      <p:grpSpPr>
+        <a:xfrm>
+          <a:off x="0" y="0"/>
+          <a:ext cx="0" cy="0"/>
+          <a:chOff x="0" y="0"/>
+          <a:chExt cx="0" cy="0"/>
+        </a:xfrm>
+      </p:grpSpPr>
+      <p:sp>
+        <p:nvSpPr>
+          <p:cNvPr id="2" name="Título 1"/>
+          <p:cNvSpPr>
+            <a:spLocks noGrp="1"/>
+          </p:cNvSpPr>
+          <p:nvPr>
+            <p:ph type="title"/>
+          </p:nvPr>
+        </p:nvSpPr>
+        <p:spPr/>
+        <p:txBody>
+          <a:bodyPr/>
+          <a:lstStyle/>
+          <a:p>
+            <a:r>
+              <a:rPr lang="es-ES_tradnl" dirty="0"/>
+              <a:t>Otros Proyectos</a:t>
+            </a:r>
+            <a:r>
+              <a:rPr lang="es-ES_tradnl" dirty="0" smtClean="0"/>
+              <a:t>: </a:t>
+            </a:r>
+            <a:r>
+              <a:rPr lang="es-ES_tradnl" i="1" dirty="0" err="1" smtClean="0"/>
+              <a:t>Hypertable</a:t>
+            </a:r>
+            <a:endParaRPr lang="es-ES_tradnl" i="1" dirty="0"/>
+          </a:p>
+        </p:txBody>
+      </p:sp>
+      <p:sp>
+        <p:nvSpPr>
+          <p:cNvPr id="3" name="Marcador de contenido 2"/>
+          <p:cNvSpPr>
+            <a:spLocks noGrp="1"/>
+          </p:cNvSpPr>
+          <p:nvPr>
+            <p:ph sz="quarter" idx="1"/>
+          </p:nvPr>
+        </p:nvSpPr>
+        <p:spPr/>
+        <p:txBody>
+          <a:bodyPr/>
+          <a:lstStyle/>
+          <a:p>
+            <a:endParaRPr lang="es-ES_tradnl"/>
+          </a:p>
+        </p:txBody>
+      </p:sp>
+    </p:spTree>
+    <p:extLst>
+      <p:ext uri="{BB962C8B-B14F-4D97-AF65-F5344CB8AC3E}">
+        <p14:creationId xmlns:p14="http://schemas.microsoft.com/office/powerpoint/2010/main" val="1920278742"/>
+      </p:ext>
+    </p:extLst>
+  </p:cSld>
+  <p:clrMapOvr>
+    <a:masterClrMapping/>
+  </p:clrMapOvr>
+</p:sld>
+</file>
+
+<file path=ppt/slides/slide22.xml><?xml version="1.0" encoding="utf-8"?>
+<p:sld xmlns:a="http://schemas.openxmlformats.org/drawingml/2006/main" xmlns:r="http://schemas.openxmlformats.org/officeDocument/2006/relationships" xmlns:p="http://schemas.openxmlformats.org/presentationml/2006/main">
+  <p:cSld>
+    <p:spTree>
+      <p:nvGrpSpPr>
+        <p:cNvPr id="1" name=""/>
+        <p:cNvGrpSpPr/>
+        <p:nvPr/>
+      </p:nvGrpSpPr>
+      <p:grpSpPr>
+        <a:xfrm>
+          <a:off x="0" y="0"/>
+          <a:ext cx="0" cy="0"/>
+          <a:chOff x="0" y="0"/>
+          <a:chExt cx="0" cy="0"/>
+        </a:xfrm>
+      </p:grpSpPr>
+      <p:sp>
+        <p:nvSpPr>
+          <p:cNvPr id="2" name="Título 1"/>
+          <p:cNvSpPr>
+            <a:spLocks noGrp="1"/>
+          </p:cNvSpPr>
+          <p:nvPr>
+            <p:ph type="title"/>
+          </p:nvPr>
+        </p:nvSpPr>
+        <p:spPr/>
+        <p:txBody>
+          <a:bodyPr/>
+          <a:lstStyle/>
+          <a:p>
+            <a:r>
+              <a:rPr lang="es-ES_tradnl" dirty="0" smtClean="0"/>
+              <a:t>Índice</a:t>
+            </a:r>
+            <a:endParaRPr lang="es-ES_tradnl" dirty="0"/>
+          </a:p>
+        </p:txBody>
+      </p:sp>
+      <p:sp>
+        <p:nvSpPr>
+          <p:cNvPr id="3" name="Marcador de contenido 2"/>
+          <p:cNvSpPr>
+            <a:spLocks noGrp="1"/>
+          </p:cNvSpPr>
+          <p:nvPr>
+            <p:ph sz="quarter" idx="1"/>
+          </p:nvPr>
+        </p:nvSpPr>
+        <p:spPr>
+          <a:xfrm>
+            <a:off x="683568" y="1527048"/>
+            <a:ext cx="8122104" cy="4572000"/>
+          </a:xfrm>
+        </p:spPr>
+        <p:txBody>
+          <a:bodyPr>
+            <a:normAutofit lnSpcReduction="10000"/>
+          </a:bodyPr>
+          <a:lstStyle/>
+          <a:p>
+            <a:r>
+              <a:rPr lang="es-ES_tradnl" dirty="0" smtClean="0"/>
+              <a:t>Introducción</a:t>
+            </a:r>
+          </a:p>
+          <a:p>
+            <a:r>
+              <a:rPr lang="es-ES_tradnl" dirty="0" smtClean="0"/>
+              <a:t>Descripción de </a:t>
+            </a:r>
+            <a:r>
+              <a:rPr lang="es-ES_tradnl" dirty="0" err="1" smtClean="0"/>
+              <a:t>BigTable</a:t>
+            </a:r>
+            <a:endParaRPr lang="es-ES_tradnl" dirty="0" smtClean="0"/>
+          </a:p>
+          <a:p>
+            <a:r>
+              <a:rPr lang="es-ES_tradnl" b="1" dirty="0" smtClean="0"/>
+              <a:t>Otros proyectos</a:t>
+            </a:r>
+          </a:p>
+          <a:p>
+            <a:pPr lvl="1"/>
+            <a:r>
+              <a:rPr lang="es-ES_tradnl" i="1" dirty="0" err="1" smtClean="0"/>
+              <a:t>HBase</a:t>
+            </a:r>
+            <a:endParaRPr lang="es-ES_tradnl" i="1" dirty="0" smtClean="0"/>
+          </a:p>
+          <a:p>
+            <a:pPr lvl="1"/>
+            <a:r>
+              <a:rPr lang="es-ES_tradnl" i="1" dirty="0" err="1" smtClean="0"/>
+              <a:t>LevelDB</a:t>
+            </a:r>
+            <a:endParaRPr lang="es-ES_tradnl" i="1" dirty="0" smtClean="0"/>
+          </a:p>
+          <a:p>
+            <a:pPr lvl="1"/>
+            <a:r>
+              <a:rPr lang="es-ES_tradnl" i="1" dirty="0" err="1" smtClean="0"/>
+              <a:t>Hypertable</a:t>
+            </a:r>
+            <a:endParaRPr lang="es-ES_tradnl" i="1" dirty="0" smtClean="0"/>
+          </a:p>
+          <a:p>
+            <a:pPr lvl="1"/>
+            <a:r>
+              <a:rPr lang="es-ES_tradnl" b="1" i="1" dirty="0" err="1" smtClean="0"/>
+              <a:t>Cassandra</a:t>
+            </a:r>
+            <a:endParaRPr lang="es-ES_tradnl" b="1" i="1" dirty="0" smtClean="0"/>
+          </a:p>
+          <a:p>
+            <a:pPr lvl="1"/>
+            <a:r>
+              <a:rPr lang="es-ES_tradnl" i="1" dirty="0" err="1" smtClean="0"/>
+              <a:t>DynamoDB</a:t>
+            </a:r>
+            <a:endParaRPr lang="es-ES_tradnl" i="1" dirty="0" smtClean="0"/>
+          </a:p>
+          <a:p>
+            <a:pPr lvl="1"/>
+            <a:r>
+              <a:rPr lang="es-ES_tradnl" i="1" dirty="0" err="1" smtClean="0"/>
+              <a:t>MongoDB</a:t>
+            </a:r>
+            <a:endParaRPr lang="es-ES_tradnl" i="1" dirty="0" smtClean="0"/>
+          </a:p>
+          <a:p>
+            <a:pPr lvl="1"/>
+            <a:r>
+              <a:rPr lang="es-ES_tradnl" i="1" dirty="0" smtClean="0"/>
+              <a:t>COUCHDB</a:t>
+            </a:r>
+          </a:p>
+          <a:p>
+            <a:r>
+              <a:rPr lang="es-ES_tradnl" dirty="0" smtClean="0"/>
+              <a:t>Conclusiones</a:t>
+            </a:r>
+          </a:p>
+        </p:txBody>
+      </p:sp>
+    </p:spTree>
+    <p:extLst>
+      <p:ext uri="{BB962C8B-B14F-4D97-AF65-F5344CB8AC3E}">
+        <p14:creationId xmlns:p14="http://schemas.microsoft.com/office/powerpoint/2010/main" val="2305028135"/>
+      </p:ext>
+    </p:extLst>
+  </p:cSld>
+  <p:clrMapOvr>
+    <a:masterClrMapping/>
+  </p:clrMapOvr>
+</p:sld>
+</file>
+
+<file path=ppt/slides/slide23.xml><?xml version="1.0" encoding="utf-8"?>
+<p:sld xmlns:a="http://schemas.openxmlformats.org/drawingml/2006/main" xmlns:r="http://schemas.openxmlformats.org/officeDocument/2006/relationships" xmlns:p="http://schemas.openxmlformats.org/presentationml/2006/main">
+  <p:cSld>
+    <p:spTree>
+      <p:nvGrpSpPr>
+        <p:cNvPr id="1" name=""/>
+        <p:cNvGrpSpPr/>
+        <p:nvPr/>
+      </p:nvGrpSpPr>
+      <p:grpSpPr>
+        <a:xfrm>
+          <a:off x="0" y="0"/>
+          <a:ext cx="0" cy="0"/>
+          <a:chOff x="0" y="0"/>
+          <a:chExt cx="0" cy="0"/>
+        </a:xfrm>
+      </p:grpSpPr>
+      <p:sp>
+        <p:nvSpPr>
+          <p:cNvPr id="2" name="Título 1"/>
+          <p:cNvSpPr>
+            <a:spLocks noGrp="1"/>
+          </p:cNvSpPr>
+          <p:nvPr>
+            <p:ph type="title"/>
+          </p:nvPr>
+        </p:nvSpPr>
+        <p:spPr/>
+        <p:txBody>
+          <a:bodyPr/>
+          <a:lstStyle/>
+          <a:p>
+            <a:r>
+              <a:rPr lang="es-ES_tradnl" dirty="0"/>
+              <a:t>Otros Proyectos: </a:t>
+            </a:r>
+            <a:r>
+              <a:rPr lang="es-ES_tradnl" i="1" dirty="0" err="1" smtClean="0"/>
+              <a:t>Cassandra</a:t>
+            </a:r>
+            <a:endParaRPr lang="es-ES_tradnl" i="1" dirty="0"/>
+          </a:p>
+        </p:txBody>
+      </p:sp>
+      <p:sp>
+        <p:nvSpPr>
+          <p:cNvPr id="3" name="Marcador de contenido 2"/>
+          <p:cNvSpPr>
+            <a:spLocks noGrp="1"/>
+          </p:cNvSpPr>
+          <p:nvPr>
+            <p:ph sz="quarter" idx="1"/>
+          </p:nvPr>
+        </p:nvSpPr>
+        <p:spPr/>
+        <p:txBody>
+          <a:bodyPr/>
+          <a:lstStyle/>
+          <a:p>
+            <a:endParaRPr lang="es-ES_tradnl"/>
+          </a:p>
+        </p:txBody>
+      </p:sp>
+    </p:spTree>
+    <p:extLst>
+      <p:ext uri="{BB962C8B-B14F-4D97-AF65-F5344CB8AC3E}">
+        <p14:creationId xmlns:p14="http://schemas.microsoft.com/office/powerpoint/2010/main" val="3885812353"/>
+      </p:ext>
+    </p:extLst>
+  </p:cSld>
+  <p:clrMapOvr>
+    <a:masterClrMapping/>
+  </p:clrMapOvr>
+</p:sld>
+</file>
+
+<file path=ppt/slides/slide24.xml><?xml version="1.0" encoding="utf-8"?>
+<p:sld xmlns:a="http://schemas.openxmlformats.org/drawingml/2006/main" xmlns:r="http://schemas.openxmlformats.org/officeDocument/2006/relationships" xmlns:p="http://schemas.openxmlformats.org/presentationml/2006/main">
+  <p:cSld>
+    <p:spTree>
+      <p:nvGrpSpPr>
+        <p:cNvPr id="1" name=""/>
+        <p:cNvGrpSpPr/>
+        <p:nvPr/>
+      </p:nvGrpSpPr>
+      <p:grpSpPr>
+        <a:xfrm>
+          <a:off x="0" y="0"/>
+          <a:ext cx="0" cy="0"/>
+          <a:chOff x="0" y="0"/>
+          <a:chExt cx="0" cy="0"/>
+        </a:xfrm>
+      </p:grpSpPr>
+      <p:sp>
+        <p:nvSpPr>
+          <p:cNvPr id="2" name="Título 1"/>
+          <p:cNvSpPr>
+            <a:spLocks noGrp="1"/>
+          </p:cNvSpPr>
+          <p:nvPr>
+            <p:ph type="title"/>
+          </p:nvPr>
+        </p:nvSpPr>
+        <p:spPr/>
+        <p:txBody>
+          <a:bodyPr/>
+          <a:lstStyle/>
+          <a:p>
+            <a:r>
+              <a:rPr lang="es-ES_tradnl" dirty="0" smtClean="0"/>
+              <a:t>Índice</a:t>
+            </a:r>
+            <a:endParaRPr lang="es-ES_tradnl" dirty="0"/>
+          </a:p>
+        </p:txBody>
+      </p:sp>
+      <p:sp>
+        <p:nvSpPr>
+          <p:cNvPr id="3" name="Marcador de contenido 2"/>
+          <p:cNvSpPr>
+            <a:spLocks noGrp="1"/>
+          </p:cNvSpPr>
+          <p:nvPr>
+            <p:ph sz="quarter" idx="1"/>
+          </p:nvPr>
+        </p:nvSpPr>
+        <p:spPr>
+          <a:xfrm>
+            <a:off x="683568" y="1527048"/>
+            <a:ext cx="8122104" cy="4572000"/>
+          </a:xfrm>
+        </p:spPr>
+        <p:txBody>
+          <a:bodyPr>
+            <a:normAutofit lnSpcReduction="10000"/>
+          </a:bodyPr>
+          <a:lstStyle/>
+          <a:p>
+            <a:r>
+              <a:rPr lang="es-ES_tradnl" dirty="0" smtClean="0"/>
+              <a:t>Introducción</a:t>
+            </a:r>
+          </a:p>
+          <a:p>
+            <a:r>
+              <a:rPr lang="es-ES_tradnl" dirty="0" smtClean="0"/>
+              <a:t>Descripción de </a:t>
+            </a:r>
+            <a:r>
+              <a:rPr lang="es-ES_tradnl" i="1" dirty="0" err="1" smtClean="0"/>
+              <a:t>BigTable</a:t>
+            </a:r>
+            <a:endParaRPr lang="es-ES_tradnl" i="1" dirty="0" smtClean="0"/>
+          </a:p>
+          <a:p>
+            <a:r>
+              <a:rPr lang="es-ES_tradnl" b="1" dirty="0" smtClean="0"/>
+              <a:t>Otros proyectos</a:t>
+            </a:r>
+          </a:p>
+          <a:p>
+            <a:pPr lvl="1"/>
+            <a:r>
+              <a:rPr lang="es-ES_tradnl" i="1" dirty="0" err="1" smtClean="0"/>
+              <a:t>HBase</a:t>
+            </a:r>
+            <a:endParaRPr lang="es-ES_tradnl" i="1" dirty="0" smtClean="0"/>
+          </a:p>
+          <a:p>
+            <a:pPr lvl="1"/>
+            <a:r>
+              <a:rPr lang="es-ES_tradnl" i="1" dirty="0" err="1" smtClean="0"/>
+              <a:t>LevelDB</a:t>
+            </a:r>
+            <a:endParaRPr lang="es-ES_tradnl" i="1" dirty="0" smtClean="0"/>
+          </a:p>
+          <a:p>
+            <a:pPr lvl="1"/>
+            <a:r>
+              <a:rPr lang="es-ES_tradnl" i="1" dirty="0" err="1" smtClean="0"/>
+              <a:t>Hypertable</a:t>
+            </a:r>
+            <a:endParaRPr lang="es-ES_tradnl" i="1" dirty="0" smtClean="0"/>
+          </a:p>
+          <a:p>
+            <a:pPr lvl="1"/>
+            <a:r>
+              <a:rPr lang="es-ES_tradnl" i="1" dirty="0" err="1" smtClean="0"/>
+              <a:t>Cassandra</a:t>
+            </a:r>
+            <a:endParaRPr lang="es-ES_tradnl" i="1" dirty="0" smtClean="0"/>
+          </a:p>
+          <a:p>
+            <a:pPr lvl="1"/>
+            <a:r>
+              <a:rPr lang="es-ES_tradnl" b="1" i="1" dirty="0" err="1" smtClean="0"/>
+              <a:t>DynamoDB</a:t>
+            </a:r>
+            <a:endParaRPr lang="es-ES_tradnl" b="1" i="1" dirty="0" smtClean="0"/>
+          </a:p>
+          <a:p>
+            <a:pPr lvl="1"/>
+            <a:r>
+              <a:rPr lang="es-ES_tradnl" i="1" dirty="0" err="1" smtClean="0"/>
+              <a:t>MongoDB</a:t>
+            </a:r>
+            <a:endParaRPr lang="es-ES_tradnl" i="1" dirty="0" smtClean="0"/>
+          </a:p>
+          <a:p>
+            <a:pPr lvl="1"/>
+            <a:r>
+              <a:rPr lang="es-ES_tradnl" i="1" dirty="0" smtClean="0"/>
+              <a:t>COUCHDB</a:t>
+            </a:r>
+          </a:p>
+          <a:p>
+            <a:r>
+              <a:rPr lang="es-ES_tradnl" dirty="0" smtClean="0"/>
+              <a:t>Conclusiones</a:t>
+            </a:r>
+          </a:p>
+        </p:txBody>
+      </p:sp>
+    </p:spTree>
+    <p:extLst>
+      <p:ext uri="{BB962C8B-B14F-4D97-AF65-F5344CB8AC3E}">
+        <p14:creationId xmlns:p14="http://schemas.microsoft.com/office/powerpoint/2010/main" val="1301756903"/>
+      </p:ext>
+    </p:extLst>
+  </p:cSld>
+  <p:clrMapOvr>
+    <a:masterClrMapping/>
+  </p:clrMapOvr>
+</p:sld>
+</file>
+
+<file path=ppt/slides/slide25.xml><?xml version="1.0" encoding="utf-8"?>
+<p:sld xmlns:a="http://schemas.openxmlformats.org/drawingml/2006/main" xmlns:r="http://schemas.openxmlformats.org/officeDocument/2006/relationships" xmlns:p="http://schemas.openxmlformats.org/presentationml/2006/main">
+  <p:cSld>
+    <p:spTree>
+      <p:nvGrpSpPr>
+        <p:cNvPr id="1" name=""/>
+        <p:cNvGrpSpPr/>
+        <p:nvPr/>
+      </p:nvGrpSpPr>
+      <p:grpSpPr>
+        <a:xfrm>
+          <a:off x="0" y="0"/>
+          <a:ext cx="0" cy="0"/>
+          <a:chOff x="0" y="0"/>
+          <a:chExt cx="0" cy="0"/>
+        </a:xfrm>
+      </p:grpSpPr>
+      <p:sp>
+        <p:nvSpPr>
+          <p:cNvPr id="2" name="Título 1"/>
+          <p:cNvSpPr>
+            <a:spLocks noGrp="1"/>
+          </p:cNvSpPr>
+          <p:nvPr>
+            <p:ph type="title"/>
+          </p:nvPr>
+        </p:nvSpPr>
+        <p:spPr/>
+        <p:txBody>
+          <a:bodyPr/>
+          <a:lstStyle/>
+          <a:p>
+            <a:r>
+              <a:rPr lang="es-ES_tradnl" dirty="0"/>
+              <a:t>Otros Proyectos: </a:t>
+            </a:r>
+            <a:r>
+              <a:rPr lang="es-ES_tradnl" i="1" dirty="0" err="1" smtClean="0"/>
+              <a:t>DynamoDB</a:t>
+            </a:r>
+            <a:endParaRPr lang="es-ES_tradnl" i="1" dirty="0"/>
+          </a:p>
+        </p:txBody>
+      </p:sp>
+      <p:sp>
+        <p:nvSpPr>
+          <p:cNvPr id="3" name="Marcador de contenido 2"/>
+          <p:cNvSpPr>
+            <a:spLocks noGrp="1"/>
+          </p:cNvSpPr>
+          <p:nvPr>
+            <p:ph sz="quarter" idx="1"/>
+          </p:nvPr>
+        </p:nvSpPr>
+        <p:spPr/>
+        <p:txBody>
+          <a:bodyPr/>
+          <a:lstStyle/>
+          <a:p>
+            <a:endParaRPr lang="es-ES_tradnl"/>
+          </a:p>
+        </p:txBody>
+      </p:sp>
+    </p:spTree>
+    <p:extLst>
+      <p:ext uri="{BB962C8B-B14F-4D97-AF65-F5344CB8AC3E}">
+        <p14:creationId xmlns:p14="http://schemas.microsoft.com/office/powerpoint/2010/main" val="4135215899"/>
+      </p:ext>
+    </p:extLst>
+  </p:cSld>
+  <p:clrMapOvr>
+    <a:masterClrMapping/>
+  </p:clrMapOvr>
+</p:sld>
+</file>
+
+<file path=ppt/slides/slide26.xml><?xml version="1.0" encoding="utf-8"?>
+<p:sld xmlns:a="http://schemas.openxmlformats.org/drawingml/2006/main" xmlns:r="http://schemas.openxmlformats.org/officeDocument/2006/relationships" xmlns:p="http://schemas.openxmlformats.org/presentationml/2006/main">
+  <p:cSld>
+    <p:spTree>
+      <p:nvGrpSpPr>
+        <p:cNvPr id="1" name=""/>
+        <p:cNvGrpSpPr/>
+        <p:nvPr/>
+      </p:nvGrpSpPr>
+      <p:grpSpPr>
+        <a:xfrm>
+          <a:off x="0" y="0"/>
+          <a:ext cx="0" cy="0"/>
+          <a:chOff x="0" y="0"/>
+          <a:chExt cx="0" cy="0"/>
+        </a:xfrm>
+      </p:grpSpPr>
+      <p:sp>
+        <p:nvSpPr>
+          <p:cNvPr id="2" name="Título 1"/>
+          <p:cNvSpPr>
+            <a:spLocks noGrp="1"/>
+          </p:cNvSpPr>
+          <p:nvPr>
+            <p:ph type="title"/>
+          </p:nvPr>
+        </p:nvSpPr>
+        <p:spPr/>
+        <p:txBody>
+          <a:bodyPr/>
+          <a:lstStyle/>
+          <a:p>
+            <a:r>
+              <a:rPr lang="es-ES_tradnl" dirty="0" smtClean="0"/>
+              <a:t>Índice</a:t>
+            </a:r>
+            <a:endParaRPr lang="es-ES_tradnl" dirty="0"/>
+          </a:p>
+        </p:txBody>
+      </p:sp>
+      <p:sp>
+        <p:nvSpPr>
+          <p:cNvPr id="3" name="Marcador de contenido 2"/>
+          <p:cNvSpPr>
+            <a:spLocks noGrp="1"/>
+          </p:cNvSpPr>
+          <p:nvPr>
+            <p:ph sz="quarter" idx="1"/>
+          </p:nvPr>
+        </p:nvSpPr>
+        <p:spPr>
+          <a:xfrm>
+            <a:off x="683568" y="1527048"/>
+            <a:ext cx="8122104" cy="4572000"/>
+          </a:xfrm>
+        </p:spPr>
+        <p:txBody>
+          <a:bodyPr>
+            <a:normAutofit lnSpcReduction="10000"/>
+          </a:bodyPr>
+          <a:lstStyle/>
+          <a:p>
+            <a:r>
+              <a:rPr lang="es-ES_tradnl" dirty="0" smtClean="0"/>
+              <a:t>Introducción</a:t>
+            </a:r>
+          </a:p>
+          <a:p>
+            <a:r>
+              <a:rPr lang="es-ES_tradnl" dirty="0" smtClean="0"/>
+              <a:t>Descripción de </a:t>
+            </a:r>
+            <a:r>
+              <a:rPr lang="es-ES_tradnl" i="1" dirty="0" err="1" smtClean="0"/>
+              <a:t>BigTable</a:t>
+            </a:r>
+            <a:endParaRPr lang="es-ES_tradnl" i="1" dirty="0" smtClean="0"/>
+          </a:p>
+          <a:p>
+            <a:r>
+              <a:rPr lang="es-ES_tradnl" b="1" dirty="0" smtClean="0"/>
+              <a:t>Otros proyectos</a:t>
+            </a:r>
+          </a:p>
+          <a:p>
+            <a:pPr lvl="1"/>
+            <a:r>
+              <a:rPr lang="es-ES_tradnl" i="1" dirty="0" err="1" smtClean="0"/>
+              <a:t>HBase</a:t>
+            </a:r>
+            <a:endParaRPr lang="es-ES_tradnl" i="1" dirty="0" smtClean="0"/>
+          </a:p>
+          <a:p>
+            <a:pPr lvl="1"/>
+            <a:r>
+              <a:rPr lang="es-ES_tradnl" i="1" dirty="0" err="1" smtClean="0"/>
+              <a:t>LevelDB</a:t>
+            </a:r>
+            <a:endParaRPr lang="es-ES_tradnl" i="1" dirty="0" smtClean="0"/>
+          </a:p>
+          <a:p>
+            <a:pPr lvl="1"/>
+            <a:r>
+              <a:rPr lang="es-ES_tradnl" i="1" dirty="0" err="1" smtClean="0"/>
+              <a:t>Hypertable</a:t>
+            </a:r>
+            <a:endParaRPr lang="es-ES_tradnl" i="1" dirty="0" smtClean="0"/>
+          </a:p>
+          <a:p>
+            <a:pPr lvl="1"/>
+            <a:r>
+              <a:rPr lang="es-ES_tradnl" i="1" dirty="0" err="1" smtClean="0"/>
+              <a:t>Cassandra</a:t>
+            </a:r>
+            <a:endParaRPr lang="es-ES_tradnl" i="1" dirty="0" smtClean="0"/>
+          </a:p>
+          <a:p>
+            <a:pPr lvl="1"/>
+            <a:r>
+              <a:rPr lang="es-ES_tradnl" i="1" dirty="0" err="1" smtClean="0"/>
+              <a:t>DynamoDB</a:t>
+            </a:r>
+            <a:endParaRPr lang="es-ES_tradnl" i="1" dirty="0" smtClean="0"/>
+          </a:p>
+          <a:p>
+            <a:pPr lvl="1"/>
+            <a:r>
+              <a:rPr lang="es-ES_tradnl" b="1" i="1" dirty="0" err="1" smtClean="0"/>
+              <a:t>MongoDB</a:t>
+            </a:r>
+            <a:endParaRPr lang="es-ES_tradnl" b="1" i="1" dirty="0" smtClean="0"/>
+          </a:p>
+          <a:p>
+            <a:pPr lvl="1"/>
+            <a:r>
+              <a:rPr lang="es-ES_tradnl" i="1" dirty="0" smtClean="0"/>
+              <a:t>COUCHDB</a:t>
+            </a:r>
+          </a:p>
+          <a:p>
+            <a:r>
+              <a:rPr lang="es-ES_tradnl" dirty="0" smtClean="0"/>
+              <a:t>Conclusiones</a:t>
+            </a:r>
+          </a:p>
+        </p:txBody>
+      </p:sp>
+    </p:spTree>
+    <p:extLst>
+      <p:ext uri="{BB962C8B-B14F-4D97-AF65-F5344CB8AC3E}">
+        <p14:creationId xmlns:p14="http://schemas.microsoft.com/office/powerpoint/2010/main" val="4199114202"/>
+      </p:ext>
+    </p:extLst>
+  </p:cSld>
+  <p:clrMapOvr>
+    <a:masterClrMapping/>
+  </p:clrMapOvr>
+</p:sld>
+</file>
+
+<file path=ppt/slides/slide27.xml><?xml version="1.0" encoding="utf-8"?>
+<p:sld xmlns:a="http://schemas.openxmlformats.org/drawingml/2006/main" xmlns:r="http://schemas.openxmlformats.org/officeDocument/2006/relationships" xmlns:p="http://schemas.openxmlformats.org/presentationml/2006/main">
+  <p:cSld>
+    <p:spTree>
+      <p:nvGrpSpPr>
+        <p:cNvPr id="1" name=""/>
+        <p:cNvGrpSpPr/>
+        <p:nvPr/>
+      </p:nvGrpSpPr>
+      <p:grpSpPr>
+        <a:xfrm>
+          <a:off x="0" y="0"/>
+          <a:ext cx="0" cy="0"/>
+          <a:chOff x="0" y="0"/>
+          <a:chExt cx="0" cy="0"/>
+        </a:xfrm>
+      </p:grpSpPr>
+      <p:sp>
+        <p:nvSpPr>
+          <p:cNvPr id="2" name="Título 1"/>
+          <p:cNvSpPr>
+            <a:spLocks noGrp="1"/>
+          </p:cNvSpPr>
+          <p:nvPr>
+            <p:ph type="title"/>
+          </p:nvPr>
+        </p:nvSpPr>
+        <p:spPr/>
+        <p:txBody>
+          <a:bodyPr/>
+          <a:lstStyle/>
+          <a:p>
+            <a:r>
+              <a:rPr lang="es-ES_tradnl" dirty="0"/>
+              <a:t>Otros Proyectos: </a:t>
+            </a:r>
+            <a:r>
+              <a:rPr lang="es-ES_tradnl" i="1" dirty="0" err="1" smtClean="0"/>
+              <a:t>MongoDB</a:t>
+            </a:r>
+            <a:endParaRPr lang="es-ES_tradnl" i="1" dirty="0"/>
+          </a:p>
+        </p:txBody>
+      </p:sp>
+      <p:sp>
+        <p:nvSpPr>
+          <p:cNvPr id="3" name="Marcador de contenido 2"/>
+          <p:cNvSpPr>
+            <a:spLocks noGrp="1"/>
+          </p:cNvSpPr>
+          <p:nvPr>
+            <p:ph sz="quarter" idx="1"/>
+          </p:nvPr>
+        </p:nvSpPr>
+        <p:spPr/>
+        <p:txBody>
+          <a:bodyPr/>
+          <a:lstStyle/>
+          <a:p>
+            <a:endParaRPr lang="es-ES_tradnl"/>
+          </a:p>
+        </p:txBody>
+      </p:sp>
+    </p:spTree>
+    <p:extLst>
+      <p:ext uri="{BB962C8B-B14F-4D97-AF65-F5344CB8AC3E}">
+        <p14:creationId xmlns:p14="http://schemas.microsoft.com/office/powerpoint/2010/main" val="634920562"/>
+      </p:ext>
+    </p:extLst>
+  </p:cSld>
+  <p:clrMapOvr>
+    <a:masterClrMapping/>
+  </p:clrMapOvr>
+</p:sld>
+</file>
+
+<file path=ppt/slides/slide28.xml><?xml version="1.0" encoding="utf-8"?>
+<p:sld xmlns:a="http://schemas.openxmlformats.org/drawingml/2006/main" xmlns:r="http://schemas.openxmlformats.org/officeDocument/2006/relationships" xmlns:p="http://schemas.openxmlformats.org/presentationml/2006/main">
+  <p:cSld>
+    <p:spTree>
+      <p:nvGrpSpPr>
+        <p:cNvPr id="1" name=""/>
+        <p:cNvGrpSpPr/>
+        <p:nvPr/>
+      </p:nvGrpSpPr>
+      <p:grpSpPr>
+        <a:xfrm>
+          <a:off x="0" y="0"/>
+          <a:ext cx="0" cy="0"/>
+          <a:chOff x="0" y="0"/>
+          <a:chExt cx="0" cy="0"/>
+        </a:xfrm>
+      </p:grpSpPr>
+      <p:sp>
+        <p:nvSpPr>
+          <p:cNvPr id="2" name="Título 1"/>
+          <p:cNvSpPr>
+            <a:spLocks noGrp="1"/>
+          </p:cNvSpPr>
+          <p:nvPr>
+            <p:ph type="title"/>
+          </p:nvPr>
+        </p:nvSpPr>
+        <p:spPr/>
+        <p:txBody>
+          <a:bodyPr/>
+          <a:lstStyle/>
+          <a:p>
+            <a:r>
+              <a:rPr lang="es-ES_tradnl" dirty="0" smtClean="0"/>
+              <a:t>Índice</a:t>
+            </a:r>
+            <a:endParaRPr lang="es-ES_tradnl" dirty="0"/>
+          </a:p>
+        </p:txBody>
+      </p:sp>
+      <p:sp>
+        <p:nvSpPr>
+          <p:cNvPr id="3" name="Marcador de contenido 2"/>
+          <p:cNvSpPr>
+            <a:spLocks noGrp="1"/>
+          </p:cNvSpPr>
+          <p:nvPr>
+            <p:ph sz="quarter" idx="1"/>
+          </p:nvPr>
+        </p:nvSpPr>
+        <p:spPr>
+          <a:xfrm>
+            <a:off x="683568" y="1527048"/>
+            <a:ext cx="8122104" cy="4572000"/>
+          </a:xfrm>
+        </p:spPr>
+        <p:txBody>
+          <a:bodyPr>
+            <a:normAutofit lnSpcReduction="10000"/>
+          </a:bodyPr>
+          <a:lstStyle/>
+          <a:p>
+            <a:r>
+              <a:rPr lang="es-ES_tradnl" dirty="0" smtClean="0"/>
+              <a:t>Introducción</a:t>
+            </a:r>
+          </a:p>
+          <a:p>
+            <a:r>
+              <a:rPr lang="es-ES_tradnl" dirty="0" smtClean="0"/>
+              <a:t>Descripción de </a:t>
+            </a:r>
+            <a:r>
+              <a:rPr lang="es-ES_tradnl" i="1" dirty="0" err="1" smtClean="0"/>
+              <a:t>BigTable</a:t>
+            </a:r>
+            <a:endParaRPr lang="es-ES_tradnl" i="1" dirty="0" smtClean="0"/>
+          </a:p>
+          <a:p>
+            <a:r>
+              <a:rPr lang="es-ES_tradnl" b="1" dirty="0" smtClean="0"/>
+              <a:t>Otros proyectos</a:t>
+            </a:r>
+          </a:p>
+          <a:p>
+            <a:pPr lvl="1"/>
+            <a:r>
+              <a:rPr lang="es-ES_tradnl" i="1" dirty="0" err="1" smtClean="0"/>
+              <a:t>HBase</a:t>
+            </a:r>
+            <a:endParaRPr lang="es-ES_tradnl" i="1" dirty="0" smtClean="0"/>
+          </a:p>
+          <a:p>
+            <a:pPr lvl="1"/>
+            <a:r>
+              <a:rPr lang="es-ES_tradnl" i="1" dirty="0" err="1" smtClean="0"/>
+              <a:t>LevelDB</a:t>
+            </a:r>
+            <a:endParaRPr lang="es-ES_tradnl" i="1" dirty="0" smtClean="0"/>
+          </a:p>
+          <a:p>
+            <a:pPr lvl="1"/>
+            <a:r>
+              <a:rPr lang="es-ES_tradnl" i="1" dirty="0" err="1" smtClean="0"/>
+              <a:t>Hypertable</a:t>
+            </a:r>
+            <a:endParaRPr lang="es-ES_tradnl" i="1" dirty="0" smtClean="0"/>
+          </a:p>
+          <a:p>
+            <a:pPr lvl="1"/>
+            <a:r>
+              <a:rPr lang="es-ES_tradnl" i="1" dirty="0" err="1" smtClean="0"/>
+              <a:t>Cassandra</a:t>
+            </a:r>
+            <a:endParaRPr lang="es-ES_tradnl" i="1" dirty="0" smtClean="0"/>
+          </a:p>
+          <a:p>
+            <a:pPr lvl="1"/>
+            <a:r>
+              <a:rPr lang="es-ES_tradnl" i="1" dirty="0" err="1" smtClean="0"/>
+              <a:t>DynamoDB</a:t>
+            </a:r>
+            <a:endParaRPr lang="es-ES_tradnl" i="1" dirty="0" smtClean="0"/>
+          </a:p>
+          <a:p>
+            <a:pPr lvl="1"/>
+            <a:r>
+              <a:rPr lang="es-ES_tradnl" i="1" dirty="0" err="1" smtClean="0"/>
+              <a:t>MongoDB</a:t>
+            </a:r>
+            <a:endParaRPr lang="es-ES_tradnl" i="1" dirty="0" smtClean="0"/>
+          </a:p>
+          <a:p>
+            <a:pPr lvl="1"/>
+            <a:r>
+              <a:rPr lang="es-ES_tradnl" b="1" i="1" dirty="0" smtClean="0"/>
+              <a:t>COUCHDB</a:t>
+            </a:r>
+          </a:p>
+          <a:p>
+            <a:r>
+              <a:rPr lang="es-ES_tradnl" dirty="0" smtClean="0"/>
+              <a:t>Conclusiones</a:t>
+            </a:r>
+          </a:p>
+        </p:txBody>
+      </p:sp>
+    </p:spTree>
+    <p:extLst>
+      <p:ext uri="{BB962C8B-B14F-4D97-AF65-F5344CB8AC3E}">
+        <p14:creationId xmlns:p14="http://schemas.microsoft.com/office/powerpoint/2010/main" val="1460439007"/>
+      </p:ext>
+    </p:extLst>
+  </p:cSld>
+  <p:clrMapOvr>
+    <a:masterClrMapping/>
+  </p:clrMapOvr>
+</p:sld>
+</file>
+
+<file path=ppt/slides/slide29.xml><?xml version="1.0" encoding="utf-8"?>
+<p:sld xmlns:a="http://schemas.openxmlformats.org/drawingml/2006/main" xmlns:r="http://schemas.openxmlformats.org/officeDocument/2006/relationships" xmlns:p="http://schemas.openxmlformats.org/presentationml/2006/main">
+  <p:cSld>
+    <p:spTree>
+      <p:nvGrpSpPr>
+        <p:cNvPr id="1" name=""/>
+        <p:cNvGrpSpPr/>
+        <p:nvPr/>
+      </p:nvGrpSpPr>
+      <p:grpSpPr>
+        <a:xfrm>
+          <a:off x="0" y="0"/>
+          <a:ext cx="0" cy="0"/>
+          <a:chOff x="0" y="0"/>
+          <a:chExt cx="0" cy="0"/>
+        </a:xfrm>
+      </p:grpSpPr>
+      <p:sp>
+        <p:nvSpPr>
+          <p:cNvPr id="2" name="Título 1"/>
+          <p:cNvSpPr>
+            <a:spLocks noGrp="1"/>
+          </p:cNvSpPr>
+          <p:nvPr>
+            <p:ph type="title"/>
+          </p:nvPr>
+        </p:nvSpPr>
+        <p:spPr/>
+        <p:txBody>
+          <a:bodyPr/>
+          <a:lstStyle/>
+          <a:p>
+            <a:r>
+              <a:rPr lang="es-ES_tradnl" dirty="0"/>
+              <a:t>Otros Proyectos: </a:t>
+            </a:r>
+            <a:r>
+              <a:rPr lang="es-ES_tradnl" i="1" dirty="0" smtClean="0"/>
+              <a:t>COUCHDB</a:t>
+            </a:r>
+            <a:endParaRPr lang="es-ES_tradnl" i="1" dirty="0"/>
+          </a:p>
+        </p:txBody>
+      </p:sp>
+      <p:sp>
+        <p:nvSpPr>
+          <p:cNvPr id="3" name="Marcador de contenido 2"/>
+          <p:cNvSpPr>
+            <a:spLocks noGrp="1"/>
+          </p:cNvSpPr>
+          <p:nvPr>
+            <p:ph sz="quarter" idx="1"/>
+          </p:nvPr>
+        </p:nvSpPr>
+        <p:spPr/>
+        <p:txBody>
+          <a:bodyPr/>
+          <a:lstStyle/>
+          <a:p>
+            <a:endParaRPr lang="es-ES_tradnl"/>
+          </a:p>
+        </p:txBody>
+      </p:sp>
+    </p:spTree>
+    <p:extLst>
+      <p:ext uri="{BB962C8B-B14F-4D97-AF65-F5344CB8AC3E}">
+        <p14:creationId xmlns:p14="http://schemas.microsoft.com/office/powerpoint/2010/main" val="326724182"/>
+      </p:ext>
+    </p:extLst>
+  </p:cSld>
+  <p:clrMapOvr>
+    <a:masterClrMapping/>
+  </p:clrMapOvr>
+</p:sld>
+</file>
+
+<file path=ppt/slides/slide3.xml><?xml version="1.0" encoding="utf-8"?>
+<p:sld xmlns:a="http://schemas.openxmlformats.org/drawingml/2006/main" xmlns:r="http://schemas.openxmlformats.org/officeDocument/2006/relationships" xmlns:p="http://schemas.openxmlformats.org/presentationml/2006/main">
+  <p:cSld>
+    <p:spTree>
+      <p:nvGrpSpPr>
+        <p:cNvPr id="1" name=""/>
+        <p:cNvGrpSpPr/>
+        <p:nvPr/>
+      </p:nvGrpSpPr>
+      <p:grpSpPr>
+        <a:xfrm>
+          <a:off x="0" y="0"/>
+          <a:ext cx="0" cy="0"/>
+          <a:chOff x="0" y="0"/>
+          <a:chExt cx="0" cy="0"/>
+        </a:xfrm>
+      </p:grpSpPr>
+      <p:sp>
+        <p:nvSpPr>
+          <p:cNvPr id="2" name="Título 1"/>
+          <p:cNvSpPr>
+            <a:spLocks noGrp="1"/>
+          </p:cNvSpPr>
+          <p:nvPr>
+            <p:ph type="title"/>
+          </p:nvPr>
+        </p:nvSpPr>
+        <p:spPr/>
+        <p:txBody>
+          <a:bodyPr/>
+          <a:lstStyle/>
+          <a:p>
+            <a:r>
+              <a:rPr lang="es-ES_tradnl" dirty="0" smtClean="0"/>
+              <a:t>Índice</a:t>
+            </a:r>
+            <a:endParaRPr lang="es-ES_tradnl" dirty="0"/>
+          </a:p>
+        </p:txBody>
+      </p:sp>
+      <p:sp>
+        <p:nvSpPr>
+          <p:cNvPr id="3" name="Marcador de contenido 2"/>
+          <p:cNvSpPr>
+            <a:spLocks noGrp="1"/>
+          </p:cNvSpPr>
+          <p:nvPr>
+            <p:ph sz="quarter" idx="1"/>
+          </p:nvPr>
+        </p:nvSpPr>
+        <p:spPr>
+          <a:xfrm>
+            <a:off x="683568" y="1527048"/>
+            <a:ext cx="8122104" cy="4572000"/>
+          </a:xfrm>
+        </p:spPr>
+        <p:txBody>
+          <a:bodyPr>
+            <a:normAutofit/>
+          </a:bodyPr>
+          <a:lstStyle/>
+          <a:p>
+            <a:r>
+              <a:rPr lang="es-ES_tradnl" b="1" dirty="0" smtClean="0"/>
+              <a:t>Introducción</a:t>
+            </a:r>
+          </a:p>
+          <a:p>
+            <a:r>
+              <a:rPr lang="es-ES_tradnl" dirty="0" smtClean="0"/>
+              <a:t>Descripción de </a:t>
+            </a:r>
+            <a:r>
+              <a:rPr lang="es-ES_tradnl" i="1" dirty="0" err="1" smtClean="0"/>
+              <a:t>BigTable</a:t>
+            </a:r>
+            <a:endParaRPr lang="es-ES_tradnl" i="1" dirty="0" smtClean="0"/>
+          </a:p>
+          <a:p>
+            <a:r>
+              <a:rPr lang="es-ES_tradnl" dirty="0" smtClean="0"/>
+              <a:t>Otros proyectos</a:t>
+            </a:r>
+          </a:p>
+          <a:p>
+            <a:r>
+              <a:rPr lang="es-ES_tradnl" dirty="0" smtClean="0"/>
+              <a:t>Conclusiones</a:t>
+            </a:r>
+          </a:p>
+        </p:txBody>
+      </p:sp>
+    </p:spTree>
+    <p:extLst>
+      <p:ext uri="{BB962C8B-B14F-4D97-AF65-F5344CB8AC3E}">
+        <p14:creationId xmlns:p14="http://schemas.microsoft.com/office/powerpoint/2010/main" val="2744686968"/>
+      </p:ext>
+    </p:extLst>
+  </p:cSld>
+  <p:clrMapOvr>
+    <a:masterClrMapping/>
+  </p:clrMapOvr>
+</p:sld>
+</file>
+
+<file path=ppt/slides/slide30.xml><?xml version="1.0" encoding="utf-8"?>
+<p:sld xmlns:a="http://schemas.openxmlformats.org/drawingml/2006/main" xmlns:r="http://schemas.openxmlformats.org/officeDocument/2006/relationships" xmlns:p="http://schemas.openxmlformats.org/presentationml/2006/main">
+  <p:cSld>
+    <p:spTree>
+      <p:nvGrpSpPr>
+        <p:cNvPr id="1" name=""/>
+        <p:cNvGrpSpPr/>
+        <p:nvPr/>
+      </p:nvGrpSpPr>
+      <p:grpSpPr>
+        <a:xfrm>
+          <a:off x="0" y="0"/>
+          <a:ext cx="0" cy="0"/>
+          <a:chOff x="0" y="0"/>
+          <a:chExt cx="0" cy="0"/>
+        </a:xfrm>
+      </p:grpSpPr>
+      <p:sp>
+        <p:nvSpPr>
+          <p:cNvPr id="2" name="Título 1"/>
+          <p:cNvSpPr>
+            <a:spLocks noGrp="1"/>
+          </p:cNvSpPr>
+          <p:nvPr>
+            <p:ph type="title"/>
+          </p:nvPr>
+        </p:nvSpPr>
+        <p:spPr/>
+        <p:txBody>
+          <a:bodyPr/>
+          <a:lstStyle/>
+          <a:p>
+            <a:r>
+              <a:rPr lang="es-ES_tradnl" dirty="0" smtClean="0"/>
+              <a:t>Índice</a:t>
+            </a:r>
+            <a:endParaRPr lang="es-ES_tradnl" dirty="0"/>
+          </a:p>
+        </p:txBody>
+      </p:sp>
+      <p:sp>
+        <p:nvSpPr>
+          <p:cNvPr id="3" name="Marcador de contenido 2"/>
+          <p:cNvSpPr>
+            <a:spLocks noGrp="1"/>
+          </p:cNvSpPr>
+          <p:nvPr>
+            <p:ph sz="quarter" idx="1"/>
+          </p:nvPr>
+        </p:nvSpPr>
+        <p:spPr>
+          <a:xfrm>
+            <a:off x="683568" y="1527048"/>
+            <a:ext cx="8122104" cy="4572000"/>
+          </a:xfrm>
+        </p:spPr>
+        <p:txBody>
+          <a:bodyPr>
+            <a:normAutofit/>
+          </a:bodyPr>
+          <a:lstStyle/>
+          <a:p>
+            <a:r>
+              <a:rPr lang="es-ES_tradnl" dirty="0" smtClean="0"/>
+              <a:t>Introducción</a:t>
+            </a:r>
+          </a:p>
+          <a:p>
+            <a:r>
+              <a:rPr lang="es-ES_tradnl" dirty="0" smtClean="0"/>
+              <a:t>Descripción de </a:t>
+            </a:r>
+            <a:r>
+              <a:rPr lang="es-ES_tradnl" i="1" dirty="0" err="1" smtClean="0"/>
+              <a:t>BigTable</a:t>
+            </a:r>
+            <a:endParaRPr lang="es-ES_tradnl" i="1" dirty="0" smtClean="0"/>
+          </a:p>
+          <a:p>
+            <a:r>
+              <a:rPr lang="es-ES_tradnl" dirty="0" smtClean="0"/>
+              <a:t>Otros proyectos</a:t>
+            </a:r>
+          </a:p>
+          <a:p>
+            <a:r>
+              <a:rPr lang="es-ES_tradnl" b="1" dirty="0" smtClean="0"/>
+              <a:t>Conclusiones</a:t>
+            </a:r>
+          </a:p>
+        </p:txBody>
+      </p:sp>
+    </p:spTree>
+    <p:extLst>
+      <p:ext uri="{BB962C8B-B14F-4D97-AF65-F5344CB8AC3E}">
+        <p14:creationId xmlns:p14="http://schemas.microsoft.com/office/powerpoint/2010/main" val="2188088293"/>
+      </p:ext>
+    </p:extLst>
+  </p:cSld>
+  <p:clrMapOvr>
+    <a:masterClrMapping/>
+  </p:clrMapOvr>
+</p:sld>
+</file>
+
+<file path=ppt/slides/slide31.xml><?xml version="1.0" encoding="utf-8"?>
+<p:sld xmlns:a="http://schemas.openxmlformats.org/drawingml/2006/main" xmlns:r="http://schemas.openxmlformats.org/officeDocument/2006/relationships" xmlns:p="http://schemas.openxmlformats.org/presentationml/2006/main">
+  <p:cSld>
+    <p:spTree>
+      <p:nvGrpSpPr>
+        <p:cNvPr id="1" name=""/>
+        <p:cNvGrpSpPr/>
+        <p:nvPr/>
+      </p:nvGrpSpPr>
+      <p:grpSpPr>
+        <a:xfrm>
+          <a:off x="0" y="0"/>
+          <a:ext cx="0" cy="0"/>
+          <a:chOff x="0" y="0"/>
+          <a:chExt cx="0" cy="0"/>
+        </a:xfrm>
+      </p:grpSpPr>
+      <p:sp>
+        <p:nvSpPr>
+          <p:cNvPr id="2" name="Título 1"/>
+          <p:cNvSpPr>
+            <a:spLocks noGrp="1"/>
+          </p:cNvSpPr>
+          <p:nvPr>
+            <p:ph type="title"/>
+          </p:nvPr>
+        </p:nvSpPr>
+        <p:spPr/>
+        <p:txBody>
+          <a:bodyPr/>
+          <a:lstStyle/>
+          <a:p>
+            <a:r>
+              <a:rPr lang="es-ES_tradnl" dirty="0" smtClean="0"/>
+              <a:t>Conclusiones (I)</a:t>
+            </a:r>
+            <a:endParaRPr lang="es-ES_tradnl" dirty="0"/>
+          </a:p>
+        </p:txBody>
+      </p:sp>
+      <p:sp>
+        <p:nvSpPr>
+          <p:cNvPr id="3" name="Marcador de contenido 2"/>
+          <p:cNvSpPr>
+            <a:spLocks noGrp="1"/>
+          </p:cNvSpPr>
+          <p:nvPr>
+            <p:ph sz="quarter" idx="1"/>
+          </p:nvPr>
+        </p:nvSpPr>
+        <p:spPr/>
+        <p:txBody>
+          <a:bodyPr/>
+          <a:lstStyle/>
+          <a:p>
+            <a:endParaRPr lang="es-ES_tradnl"/>
+          </a:p>
+        </p:txBody>
+      </p:sp>
+    </p:spTree>
+    <p:extLst>
+      <p:ext uri="{BB962C8B-B14F-4D97-AF65-F5344CB8AC3E}">
+        <p14:creationId xmlns:p14="http://schemas.microsoft.com/office/powerpoint/2010/main" val="4234752458"/>
+      </p:ext>
+    </p:extLst>
+  </p:cSld>
+  <p:clrMapOvr>
+    <a:masterClrMapping/>
+  </p:clrMapOvr>
+</p:sld>
+</file>
+
+<file path=ppt/slides/slide4.xml><?xml version="1.0" encoding="utf-8"?>
+<p:sld xmlns:a="http://schemas.openxmlformats.org/drawingml/2006/main" xmlns:r="http://schemas.openxmlformats.org/officeDocument/2006/relationships" xmlns:p="http://schemas.openxmlformats.org/presentationml/2006/main">
+  <p:cSld>
+    <p:spTree>
+      <p:nvGrpSpPr>
+        <p:cNvPr id="1" name=""/>
+        <p:cNvGrpSpPr/>
+        <p:nvPr/>
+      </p:nvGrpSpPr>
+      <p:grpSpPr>
+        <a:xfrm>
+          <a:off x="0" y="0"/>
+          <a:ext cx="0" cy="0"/>
+          <a:chOff x="0" y="0"/>
+          <a:chExt cx="0" cy="0"/>
+        </a:xfrm>
+      </p:grpSpPr>
+      <p:sp>
+        <p:nvSpPr>
           <p:cNvPr id="2" name="1 Título"/>
           <p:cNvSpPr>
             <a:spLocks noGrp="1"/>
@@ -6168,7 +9694,11 @@
           <a:bodyPr/>
           <a:lstStyle/>
           <a:p>
-            <a:endParaRPr lang="es-ES"/>
+            <a:r>
+              <a:rPr lang="es-ES" dirty="0" smtClean="0"/>
+              <a:t>Introducción</a:t>
+            </a:r>
+            <a:endParaRPr lang="es-ES" dirty="0"/>
           </a:p>
         </p:txBody>
       </p:sp>
@@ -6195,6 +9725,821 @@
     <p:extLst>
       <p:ext uri="{BB962C8B-B14F-4D97-AF65-F5344CB8AC3E}">
         <p14:creationId xmlns:p14="http://schemas.microsoft.com/office/powerpoint/2010/main" val="4070878331"/>
+      </p:ext>
+    </p:extLst>
+  </p:cSld>
+  <p:clrMapOvr>
+    <a:masterClrMapping/>
+  </p:clrMapOvr>
+</p:sld>
+</file>
+
+<file path=ppt/slides/slide5.xml><?xml version="1.0" encoding="utf-8"?>
+<p:sld xmlns:a="http://schemas.openxmlformats.org/drawingml/2006/main" xmlns:r="http://schemas.openxmlformats.org/officeDocument/2006/relationships" xmlns:p="http://schemas.openxmlformats.org/presentationml/2006/main">
+  <p:cSld>
+    <p:spTree>
+      <p:nvGrpSpPr>
+        <p:cNvPr id="1" name=""/>
+        <p:cNvGrpSpPr/>
+        <p:nvPr/>
+      </p:nvGrpSpPr>
+      <p:grpSpPr>
+        <a:xfrm>
+          <a:off x="0" y="0"/>
+          <a:ext cx="0" cy="0"/>
+          <a:chOff x="0" y="0"/>
+          <a:chExt cx="0" cy="0"/>
+        </a:xfrm>
+      </p:grpSpPr>
+      <p:sp>
+        <p:nvSpPr>
+          <p:cNvPr id="2" name="Título 1"/>
+          <p:cNvSpPr>
+            <a:spLocks noGrp="1"/>
+          </p:cNvSpPr>
+          <p:nvPr>
+            <p:ph type="title"/>
+          </p:nvPr>
+        </p:nvSpPr>
+        <p:spPr/>
+        <p:txBody>
+          <a:bodyPr/>
+          <a:lstStyle/>
+          <a:p>
+            <a:r>
+              <a:rPr lang="es-ES_tradnl" dirty="0" smtClean="0"/>
+              <a:t>Índice</a:t>
+            </a:r>
+            <a:endParaRPr lang="es-ES_tradnl" dirty="0"/>
+          </a:p>
+        </p:txBody>
+      </p:sp>
+      <p:sp>
+        <p:nvSpPr>
+          <p:cNvPr id="3" name="Marcador de contenido 2"/>
+          <p:cNvSpPr>
+            <a:spLocks noGrp="1"/>
+          </p:cNvSpPr>
+          <p:nvPr>
+            <p:ph sz="quarter" idx="1"/>
+          </p:nvPr>
+        </p:nvSpPr>
+        <p:spPr>
+          <a:xfrm>
+            <a:off x="683568" y="1527048"/>
+            <a:ext cx="8122104" cy="4572000"/>
+          </a:xfrm>
+        </p:spPr>
+        <p:txBody>
+          <a:bodyPr>
+            <a:normAutofit/>
+          </a:bodyPr>
+          <a:lstStyle/>
+          <a:p>
+            <a:r>
+              <a:rPr lang="es-ES_tradnl" dirty="0" smtClean="0"/>
+              <a:t>Introducción</a:t>
+            </a:r>
+          </a:p>
+          <a:p>
+            <a:r>
+              <a:rPr lang="es-ES_tradnl" b="1" dirty="0" smtClean="0"/>
+              <a:t>Descripción de </a:t>
+            </a:r>
+            <a:r>
+              <a:rPr lang="es-ES_tradnl" b="1" i="1" dirty="0" err="1" smtClean="0"/>
+              <a:t>BigTable</a:t>
+            </a:r>
+            <a:endParaRPr lang="es-ES_tradnl" b="1" i="1" dirty="0" smtClean="0"/>
+          </a:p>
+          <a:p>
+            <a:pPr lvl="1"/>
+            <a:r>
+              <a:rPr lang="es-ES_tradnl" b="1" dirty="0"/>
+              <a:t>Modelo de datos</a:t>
+            </a:r>
+          </a:p>
+          <a:p>
+            <a:pPr lvl="1"/>
+            <a:r>
+              <a:rPr lang="es-ES_tradnl" i="1" dirty="0"/>
+              <a:t>API</a:t>
+            </a:r>
+          </a:p>
+          <a:p>
+            <a:pPr lvl="1"/>
+            <a:r>
+              <a:rPr lang="es-ES_tradnl" dirty="0"/>
+              <a:t>Infraestructura</a:t>
+            </a:r>
+          </a:p>
+          <a:p>
+            <a:pPr lvl="1"/>
+            <a:r>
+              <a:rPr lang="es-ES_tradnl" dirty="0"/>
+              <a:t>Implementación</a:t>
+            </a:r>
+          </a:p>
+          <a:p>
+            <a:pPr lvl="1"/>
+            <a:r>
+              <a:rPr lang="es-ES_tradnl" dirty="0" smtClean="0"/>
+              <a:t>Ejemplos</a:t>
+            </a:r>
+          </a:p>
+          <a:p>
+            <a:r>
+              <a:rPr lang="es-ES_tradnl" dirty="0" smtClean="0"/>
+              <a:t>Otros proyectos</a:t>
+            </a:r>
+          </a:p>
+          <a:p>
+            <a:r>
+              <a:rPr lang="es-ES_tradnl" dirty="0" smtClean="0"/>
+              <a:t>Conclusiones</a:t>
+            </a:r>
+          </a:p>
+        </p:txBody>
+      </p:sp>
+    </p:spTree>
+    <p:extLst>
+      <p:ext uri="{BB962C8B-B14F-4D97-AF65-F5344CB8AC3E}">
+        <p14:creationId xmlns:p14="http://schemas.microsoft.com/office/powerpoint/2010/main" val="2247105134"/>
+      </p:ext>
+    </p:extLst>
+  </p:cSld>
+  <p:clrMapOvr>
+    <a:masterClrMapping/>
+  </p:clrMapOvr>
+</p:sld>
+</file>
+
+<file path=ppt/slides/slide6.xml><?xml version="1.0" encoding="utf-8"?>
+<p:sld xmlns:a="http://schemas.openxmlformats.org/drawingml/2006/main" xmlns:r="http://schemas.openxmlformats.org/officeDocument/2006/relationships" xmlns:p="http://schemas.openxmlformats.org/presentationml/2006/main">
+  <p:cSld>
+    <p:spTree>
+      <p:nvGrpSpPr>
+        <p:cNvPr id="1" name=""/>
+        <p:cNvGrpSpPr/>
+        <p:nvPr/>
+      </p:nvGrpSpPr>
+      <p:grpSpPr>
+        <a:xfrm>
+          <a:off x="0" y="0"/>
+          <a:ext cx="0" cy="0"/>
+          <a:chOff x="0" y="0"/>
+          <a:chExt cx="0" cy="0"/>
+        </a:xfrm>
+      </p:grpSpPr>
+      <p:sp>
+        <p:nvSpPr>
+          <p:cNvPr id="2" name="Título 1"/>
+          <p:cNvSpPr>
+            <a:spLocks noGrp="1"/>
+          </p:cNvSpPr>
+          <p:nvPr>
+            <p:ph type="title"/>
+          </p:nvPr>
+        </p:nvSpPr>
+        <p:spPr/>
+        <p:txBody>
+          <a:bodyPr>
+            <a:normAutofit fontScale="90000"/>
+          </a:bodyPr>
+          <a:lstStyle/>
+          <a:p>
+            <a:r>
+              <a:rPr lang="es-ES_tradnl" dirty="0" smtClean="0"/>
+              <a:t>Descripción de </a:t>
+            </a:r>
+            <a:r>
+              <a:rPr lang="es-ES_tradnl" i="1" dirty="0" err="1" smtClean="0"/>
+              <a:t>BigTable</a:t>
+            </a:r>
+            <a:r>
+              <a:rPr lang="es-ES_tradnl" dirty="0" smtClean="0"/>
+              <a:t> (I): Modelo de datos</a:t>
+            </a:r>
+            <a:endParaRPr lang="es-ES_tradnl" dirty="0"/>
+          </a:p>
+        </p:txBody>
+      </p:sp>
+      <p:sp>
+        <p:nvSpPr>
+          <p:cNvPr id="3" name="Marcador de contenido 2"/>
+          <p:cNvSpPr>
+            <a:spLocks noGrp="1"/>
+          </p:cNvSpPr>
+          <p:nvPr>
+            <p:ph sz="quarter" idx="1"/>
+          </p:nvPr>
+        </p:nvSpPr>
+        <p:spPr/>
+        <p:txBody>
+          <a:bodyPr/>
+          <a:lstStyle/>
+          <a:p>
+            <a:r>
+              <a:rPr lang="es-ES_tradnl" sz="2400" dirty="0" smtClean="0"/>
+              <a:t>Dispersa, distribuida, persistente, mapa ordenado multidimensional</a:t>
+            </a:r>
+          </a:p>
+          <a:p>
+            <a:r>
+              <a:rPr lang="es-ES_tradnl" sz="2400" dirty="0" smtClean="0"/>
+              <a:t>(</a:t>
+            </a:r>
+            <a:r>
+              <a:rPr lang="es-ES_tradnl" sz="2400" i="1" dirty="0" err="1" smtClean="0"/>
+              <a:t>row:string</a:t>
+            </a:r>
+            <a:r>
+              <a:rPr lang="es-ES_tradnl" sz="2400" dirty="0" smtClean="0"/>
+              <a:t>, </a:t>
+            </a:r>
+            <a:r>
+              <a:rPr lang="es-ES_tradnl" sz="2400" i="1" dirty="0" err="1" smtClean="0"/>
+              <a:t>column:string</a:t>
+            </a:r>
+            <a:r>
+              <a:rPr lang="es-ES_tradnl" sz="2400" dirty="0" smtClean="0"/>
+              <a:t>, </a:t>
+            </a:r>
+            <a:r>
+              <a:rPr lang="es-ES_tradnl" sz="2400" i="1" dirty="0" smtClean="0"/>
+              <a:t>time:int64</a:t>
+            </a:r>
+            <a:r>
+              <a:rPr lang="es-ES_tradnl" sz="2400" dirty="0" smtClean="0"/>
+              <a:t>)</a:t>
+            </a:r>
+            <a:r>
+              <a:rPr lang="es-ES_tradnl" sz="2400" dirty="0" smtClean="0">
+                <a:sym typeface="Symbol" panose="05050102010706020507" pitchFamily="18" charset="2"/>
+              </a:rPr>
+              <a:t></a:t>
+            </a:r>
+            <a:r>
+              <a:rPr lang="es-ES_tradnl" sz="2400" i="1" dirty="0" err="1" smtClean="0">
+                <a:sym typeface="Symbol" panose="05050102010706020507" pitchFamily="18" charset="2"/>
+              </a:rPr>
+              <a:t>cell:string</a:t>
+            </a:r>
+            <a:endParaRPr lang="es-ES_tradnl" sz="2400" i="1" dirty="0" smtClean="0">
+              <a:sym typeface="Symbol" panose="05050102010706020507" pitchFamily="18" charset="2"/>
+            </a:endParaRPr>
+          </a:p>
+          <a:p>
+            <a:r>
+              <a:rPr lang="es-ES_tradnl" sz="2400" i="1" dirty="0" err="1" smtClean="0">
+                <a:sym typeface="Symbol" panose="05050102010706020507" pitchFamily="18" charset="2"/>
+              </a:rPr>
+              <a:t>Column</a:t>
+            </a:r>
+            <a:r>
+              <a:rPr lang="es-ES_tradnl" sz="2400" dirty="0" smtClean="0">
+                <a:sym typeface="Symbol" panose="05050102010706020507" pitchFamily="18" charset="2"/>
+              </a:rPr>
+              <a:t> </a:t>
+            </a:r>
+            <a:r>
+              <a:rPr lang="es-ES_tradnl" sz="2400" i="1" dirty="0" err="1" smtClean="0">
+                <a:sym typeface="Symbol" panose="05050102010706020507" pitchFamily="18" charset="2"/>
+              </a:rPr>
+              <a:t>key</a:t>
+            </a:r>
+            <a:r>
+              <a:rPr lang="es-ES_tradnl" sz="2400" dirty="0" smtClean="0">
+                <a:sym typeface="Symbol" panose="05050102010706020507" pitchFamily="18" charset="2"/>
+              </a:rPr>
+              <a:t> = </a:t>
+            </a:r>
+            <a:r>
+              <a:rPr lang="es-ES_tradnl" sz="2400" i="1" dirty="0" err="1" smtClean="0">
+                <a:sym typeface="Symbol" panose="05050102010706020507" pitchFamily="18" charset="2"/>
+              </a:rPr>
+              <a:t>family:qualifier</a:t>
+            </a:r>
+            <a:endParaRPr lang="es-ES_tradnl" sz="2400" i="1" dirty="0" smtClean="0">
+              <a:sym typeface="Symbol" panose="05050102010706020507" pitchFamily="18" charset="2"/>
+            </a:endParaRPr>
+          </a:p>
+          <a:p>
+            <a:pPr lvl="1"/>
+            <a:r>
+              <a:rPr lang="es-ES_tradnl" sz="2000" dirty="0" smtClean="0">
+                <a:sym typeface="Symbol" panose="05050102010706020507" pitchFamily="18" charset="2"/>
+              </a:rPr>
+              <a:t>Pocas familias por tabla, pero tantos calificadores como se quiera</a:t>
+            </a:r>
+          </a:p>
+          <a:p>
+            <a:pPr lvl="1"/>
+            <a:r>
+              <a:rPr lang="es-ES_tradnl" sz="2000" dirty="0" smtClean="0">
+                <a:sym typeface="Symbol" panose="05050102010706020507" pitchFamily="18" charset="2"/>
+              </a:rPr>
+              <a:t>Tipo de datos de una familia suele ser igual (para la compresión)</a:t>
+            </a:r>
+          </a:p>
+          <a:p>
+            <a:pPr lvl="1"/>
+            <a:r>
+              <a:rPr lang="es-ES_tradnl" sz="2000" dirty="0" smtClean="0">
+                <a:sym typeface="Symbol" panose="05050102010706020507" pitchFamily="18" charset="2"/>
+              </a:rPr>
+              <a:t>Control de acceso definido a nivel de familia</a:t>
+            </a:r>
+          </a:p>
+          <a:p>
+            <a:pPr lvl="1"/>
+            <a:endParaRPr lang="es-ES_tradnl" dirty="0" smtClean="0"/>
+          </a:p>
+        </p:txBody>
+      </p:sp>
+      <p:pic>
+        <p:nvPicPr>
+          <p:cNvPr id="1026" name="Imagen 1"/>
+          <p:cNvPicPr>
+            <a:picLocks noChangeAspect="1" noChangeArrowheads="1"/>
+          </p:cNvPicPr>
+          <p:nvPr/>
+        </p:nvPicPr>
+        <p:blipFill>
+          <a:blip r:embed="rId3">
+            <a:extLst>
+              <a:ext uri="{28A0092B-C50C-407E-A947-70E740481C1C}">
+                <a14:useLocalDpi xmlns:a14="http://schemas.microsoft.com/office/drawing/2010/main" val="0"/>
+              </a:ext>
+            </a:extLst>
+          </a:blip>
+          <a:srcRect/>
+          <a:stretch>
+            <a:fillRect/>
+          </a:stretch>
+        </p:blipFill>
+        <p:spPr bwMode="auto">
+          <a:xfrm>
+            <a:off x="1097328" y="4437112"/>
+            <a:ext cx="6912768" cy="1523430"/>
+          </a:xfrm>
+          <a:prstGeom prst="rect">
+            <a:avLst/>
+          </a:prstGeom>
+          <a:noFill/>
+          <a:ln>
+            <a:noFill/>
+          </a:ln>
+          <a:effectLst>
+            <a:outerShdw blurRad="152400" dist="76200" dir="5400000" sx="90000" sy="-19000" rotWithShape="0">
+              <a:prstClr val="black">
+                <a:alpha val="15000"/>
+              </a:prstClr>
+            </a:outerShdw>
+            <a:softEdge rad="31750"/>
+          </a:effectLst>
+          <a:extLst>
+            <a:ext uri="{909E8E84-426E-40DD-AFC4-6F175D3DCCD1}">
+              <a14:hiddenFill xmlns:a14="http://schemas.microsoft.com/office/drawing/2010/main">
+                <a:solidFill>
+                  <a:srgbClr val="FFFFFF"/>
+                </a:solidFill>
+              </a14:hiddenFill>
+            </a:ext>
+            <a:ext uri="{91240B29-F687-4F45-9708-019B960494DF}">
+              <a14:hiddenLine xmlns:a14="http://schemas.microsoft.com/office/drawing/2010/main" w="9525">
+                <a:solidFill>
+                  <a:srgbClr val="000000"/>
+                </a:solidFill>
+                <a:miter lim="800000"/>
+                <a:headEnd/>
+                <a:tailEnd/>
+              </a14:hiddenLine>
+            </a:ext>
+          </a:extLst>
+        </p:spPr>
+      </p:pic>
+    </p:spTree>
+    <p:extLst>
+      <p:ext uri="{BB962C8B-B14F-4D97-AF65-F5344CB8AC3E}">
+        <p14:creationId xmlns:p14="http://schemas.microsoft.com/office/powerpoint/2010/main" val="2656667862"/>
+      </p:ext>
+    </p:extLst>
+  </p:cSld>
+  <p:clrMapOvr>
+    <a:masterClrMapping/>
+  </p:clrMapOvr>
+</p:sld>
+</file>
+
+<file path=ppt/slides/slide7.xml><?xml version="1.0" encoding="utf-8"?>
+<p:sld xmlns:a="http://schemas.openxmlformats.org/drawingml/2006/main" xmlns:r="http://schemas.openxmlformats.org/officeDocument/2006/relationships" xmlns:p="http://schemas.openxmlformats.org/presentationml/2006/main">
+  <p:cSld>
+    <p:spTree>
+      <p:nvGrpSpPr>
+        <p:cNvPr id="1" name=""/>
+        <p:cNvGrpSpPr/>
+        <p:nvPr/>
+      </p:nvGrpSpPr>
+      <p:grpSpPr>
+        <a:xfrm>
+          <a:off x="0" y="0"/>
+          <a:ext cx="0" cy="0"/>
+          <a:chOff x="0" y="0"/>
+          <a:chExt cx="0" cy="0"/>
+        </a:xfrm>
+      </p:grpSpPr>
+      <p:sp>
+        <p:nvSpPr>
+          <p:cNvPr id="2" name="Título 1"/>
+          <p:cNvSpPr>
+            <a:spLocks noGrp="1"/>
+          </p:cNvSpPr>
+          <p:nvPr>
+            <p:ph type="title"/>
+          </p:nvPr>
+        </p:nvSpPr>
+        <p:spPr/>
+        <p:txBody>
+          <a:bodyPr/>
+          <a:lstStyle/>
+          <a:p>
+            <a:r>
+              <a:rPr lang="es-ES_tradnl" dirty="0" smtClean="0"/>
+              <a:t>Índice</a:t>
+            </a:r>
+            <a:endParaRPr lang="es-ES_tradnl" dirty="0"/>
+          </a:p>
+        </p:txBody>
+      </p:sp>
+      <p:sp>
+        <p:nvSpPr>
+          <p:cNvPr id="3" name="Marcador de contenido 2"/>
+          <p:cNvSpPr>
+            <a:spLocks noGrp="1"/>
+          </p:cNvSpPr>
+          <p:nvPr>
+            <p:ph sz="quarter" idx="1"/>
+          </p:nvPr>
+        </p:nvSpPr>
+        <p:spPr>
+          <a:xfrm>
+            <a:off x="683568" y="1527048"/>
+            <a:ext cx="8122104" cy="4572000"/>
+          </a:xfrm>
+        </p:spPr>
+        <p:txBody>
+          <a:bodyPr>
+            <a:normAutofit/>
+          </a:bodyPr>
+          <a:lstStyle/>
+          <a:p>
+            <a:r>
+              <a:rPr lang="es-ES_tradnl" dirty="0" smtClean="0"/>
+              <a:t>Introducción</a:t>
+            </a:r>
+          </a:p>
+          <a:p>
+            <a:r>
+              <a:rPr lang="es-ES_tradnl" b="1" dirty="0" smtClean="0"/>
+              <a:t>Descripción de </a:t>
+            </a:r>
+            <a:r>
+              <a:rPr lang="es-ES_tradnl" b="1" i="1" dirty="0" err="1" smtClean="0"/>
+              <a:t>BigTable</a:t>
+            </a:r>
+            <a:endParaRPr lang="es-ES_tradnl" b="1" i="1" dirty="0" smtClean="0"/>
+          </a:p>
+          <a:p>
+            <a:pPr lvl="1"/>
+            <a:r>
+              <a:rPr lang="es-ES_tradnl" dirty="0"/>
+              <a:t>Modelo de datos</a:t>
+            </a:r>
+          </a:p>
+          <a:p>
+            <a:pPr lvl="1"/>
+            <a:r>
+              <a:rPr lang="es-ES_tradnl" b="1" i="1" dirty="0"/>
+              <a:t>API</a:t>
+            </a:r>
+          </a:p>
+          <a:p>
+            <a:pPr lvl="1"/>
+            <a:r>
+              <a:rPr lang="es-ES_tradnl" dirty="0"/>
+              <a:t>Infraestructura</a:t>
+            </a:r>
+          </a:p>
+          <a:p>
+            <a:pPr lvl="1"/>
+            <a:r>
+              <a:rPr lang="es-ES_tradnl" dirty="0"/>
+              <a:t>Implementación</a:t>
+            </a:r>
+          </a:p>
+          <a:p>
+            <a:pPr lvl="1"/>
+            <a:r>
+              <a:rPr lang="es-ES_tradnl" dirty="0" smtClean="0"/>
+              <a:t>Ejemplos</a:t>
+            </a:r>
+          </a:p>
+          <a:p>
+            <a:r>
+              <a:rPr lang="es-ES_tradnl" dirty="0" smtClean="0"/>
+              <a:t>Otros proyectos</a:t>
+            </a:r>
+          </a:p>
+          <a:p>
+            <a:r>
+              <a:rPr lang="es-ES_tradnl" dirty="0" smtClean="0"/>
+              <a:t>Conclusiones</a:t>
+            </a:r>
+          </a:p>
+        </p:txBody>
+      </p:sp>
+    </p:spTree>
+    <p:extLst>
+      <p:ext uri="{BB962C8B-B14F-4D97-AF65-F5344CB8AC3E}">
+        <p14:creationId xmlns:p14="http://schemas.microsoft.com/office/powerpoint/2010/main" val="3391173335"/>
+      </p:ext>
+    </p:extLst>
+  </p:cSld>
+  <p:clrMapOvr>
+    <a:masterClrMapping/>
+  </p:clrMapOvr>
+</p:sld>
+</file>
+
+<file path=ppt/slides/slide8.xml><?xml version="1.0" encoding="utf-8"?>
+<p:sld xmlns:a="http://schemas.openxmlformats.org/drawingml/2006/main" xmlns:r="http://schemas.openxmlformats.org/officeDocument/2006/relationships" xmlns:p="http://schemas.openxmlformats.org/presentationml/2006/main">
+  <p:cSld>
+    <p:spTree>
+      <p:nvGrpSpPr>
+        <p:cNvPr id="1" name=""/>
+        <p:cNvGrpSpPr/>
+        <p:nvPr/>
+      </p:nvGrpSpPr>
+      <p:grpSpPr>
+        <a:xfrm>
+          <a:off x="0" y="0"/>
+          <a:ext cx="0" cy="0"/>
+          <a:chOff x="0" y="0"/>
+          <a:chExt cx="0" cy="0"/>
+        </a:xfrm>
+      </p:grpSpPr>
+      <p:sp>
+        <p:nvSpPr>
+          <p:cNvPr id="2" name="Título 1"/>
+          <p:cNvSpPr>
+            <a:spLocks noGrp="1"/>
+          </p:cNvSpPr>
+          <p:nvPr>
+            <p:ph type="title"/>
+          </p:nvPr>
+        </p:nvSpPr>
+        <p:spPr/>
+        <p:txBody>
+          <a:bodyPr>
+            <a:normAutofit/>
+          </a:bodyPr>
+          <a:lstStyle/>
+          <a:p>
+            <a:r>
+              <a:rPr lang="es-ES_tradnl" dirty="0"/>
+              <a:t>Descripción de </a:t>
+            </a:r>
+            <a:r>
+              <a:rPr lang="es-ES_tradnl" i="1" dirty="0" err="1"/>
+              <a:t>BigTable</a:t>
+            </a:r>
+            <a:r>
+              <a:rPr lang="es-ES_tradnl" dirty="0"/>
+              <a:t> (</a:t>
+            </a:r>
+            <a:r>
+              <a:rPr lang="es-ES_tradnl" dirty="0" smtClean="0"/>
+              <a:t>II): </a:t>
+            </a:r>
+            <a:r>
+              <a:rPr lang="es-ES_tradnl" i="1" dirty="0" smtClean="0"/>
+              <a:t>API</a:t>
+            </a:r>
+            <a:endParaRPr lang="es-ES_tradnl" i="1" dirty="0"/>
+          </a:p>
+        </p:txBody>
+      </p:sp>
+      <p:sp>
+        <p:nvSpPr>
+          <p:cNvPr id="3" name="Marcador de contenido 2"/>
+          <p:cNvSpPr>
+            <a:spLocks noGrp="1"/>
+          </p:cNvSpPr>
+          <p:nvPr>
+            <p:ph sz="quarter" idx="1"/>
+          </p:nvPr>
+        </p:nvSpPr>
+        <p:spPr/>
+        <p:txBody>
+          <a:bodyPr/>
+          <a:lstStyle/>
+          <a:p>
+            <a:r>
+              <a:rPr lang="es-ES_tradnl" dirty="0" smtClean="0"/>
+              <a:t>Pública (C++)</a:t>
+            </a:r>
+          </a:p>
+          <a:p>
+            <a:r>
+              <a:rPr lang="es-ES_tradnl" dirty="0" smtClean="0"/>
+              <a:t>Crear/Eliminar </a:t>
+            </a:r>
+            <a:r>
+              <a:rPr lang="es-ES_tradnl" i="1" dirty="0" err="1" smtClean="0"/>
+              <a:t>clusters</a:t>
+            </a:r>
+            <a:r>
+              <a:rPr lang="es-ES_tradnl" dirty="0" smtClean="0"/>
+              <a:t>, tablas y familias</a:t>
+            </a:r>
+          </a:p>
+          <a:p>
+            <a:r>
+              <a:rPr lang="es-ES_tradnl" dirty="0" smtClean="0"/>
+              <a:t>Escribir/Consultar/Borrar filas individuales</a:t>
+            </a:r>
+          </a:p>
+          <a:p>
+            <a:r>
+              <a:rPr lang="es-ES_tradnl" dirty="0" smtClean="0"/>
+              <a:t>Interface (simular transacciones con varias filas)</a:t>
+            </a:r>
+          </a:p>
+          <a:p>
+            <a:r>
+              <a:rPr lang="es-ES_tradnl" dirty="0" smtClean="0"/>
+              <a:t>Scripts en </a:t>
+            </a:r>
+            <a:r>
+              <a:rPr lang="es-ES_tradnl" i="1" dirty="0" err="1" smtClean="0"/>
+              <a:t>Sawzall</a:t>
+            </a:r>
+            <a:endParaRPr lang="es-ES_tradnl" i="1" dirty="0" smtClean="0"/>
+          </a:p>
+          <a:p>
+            <a:r>
+              <a:rPr lang="es-ES_tradnl" i="1" dirty="0" err="1" smtClean="0"/>
+              <a:t>MapReduce</a:t>
+            </a:r>
+            <a:endParaRPr lang="es-ES_tradnl" i="1" dirty="0"/>
+          </a:p>
+        </p:txBody>
+      </p:sp>
+    </p:spTree>
+    <p:extLst>
+      <p:ext uri="{BB962C8B-B14F-4D97-AF65-F5344CB8AC3E}">
+        <p14:creationId xmlns:p14="http://schemas.microsoft.com/office/powerpoint/2010/main" val="1383949893"/>
+      </p:ext>
+    </p:extLst>
+  </p:cSld>
+  <p:clrMapOvr>
+    <a:masterClrMapping/>
+  </p:clrMapOvr>
+</p:sld>
+</file>
+
+<file path=ppt/slides/slide9.xml><?xml version="1.0" encoding="utf-8"?>
+<p:sld xmlns:a="http://schemas.openxmlformats.org/drawingml/2006/main" xmlns:r="http://schemas.openxmlformats.org/officeDocument/2006/relationships" xmlns:p="http://schemas.openxmlformats.org/presentationml/2006/main">
+  <p:cSld>
+    <p:spTree>
+      <p:nvGrpSpPr>
+        <p:cNvPr id="1" name=""/>
+        <p:cNvGrpSpPr/>
+        <p:nvPr/>
+      </p:nvGrpSpPr>
+      <p:grpSpPr>
+        <a:xfrm>
+          <a:off x="0" y="0"/>
+          <a:ext cx="0" cy="0"/>
+          <a:chOff x="0" y="0"/>
+          <a:chExt cx="0" cy="0"/>
+        </a:xfrm>
+      </p:grpSpPr>
+      <p:sp>
+        <p:nvSpPr>
+          <p:cNvPr id="2" name="Título 1"/>
+          <p:cNvSpPr>
+            <a:spLocks noGrp="1"/>
+          </p:cNvSpPr>
+          <p:nvPr>
+            <p:ph type="title"/>
+          </p:nvPr>
+        </p:nvSpPr>
+        <p:spPr/>
+        <p:txBody>
+          <a:bodyPr/>
+          <a:lstStyle/>
+          <a:p>
+            <a:r>
+              <a:rPr lang="es-ES_tradnl" dirty="0" smtClean="0"/>
+              <a:t>Índice</a:t>
+            </a:r>
+            <a:endParaRPr lang="es-ES_tradnl" dirty="0"/>
+          </a:p>
+        </p:txBody>
+      </p:sp>
+      <p:sp>
+        <p:nvSpPr>
+          <p:cNvPr id="3" name="Marcador de contenido 2"/>
+          <p:cNvSpPr>
+            <a:spLocks noGrp="1"/>
+          </p:cNvSpPr>
+          <p:nvPr>
+            <p:ph sz="quarter" idx="1"/>
+          </p:nvPr>
+        </p:nvSpPr>
+        <p:spPr>
+          <a:xfrm>
+            <a:off x="683568" y="1527048"/>
+            <a:ext cx="8122104" cy="4572000"/>
+          </a:xfrm>
+        </p:spPr>
+        <p:txBody>
+          <a:bodyPr>
+            <a:normAutofit/>
+          </a:bodyPr>
+          <a:lstStyle/>
+          <a:p>
+            <a:r>
+              <a:rPr lang="es-ES_tradnl" dirty="0" smtClean="0"/>
+              <a:t>Introducción</a:t>
+            </a:r>
+          </a:p>
+          <a:p>
+            <a:r>
+              <a:rPr lang="es-ES_tradnl" b="1" dirty="0" smtClean="0"/>
+              <a:t>Descripción de </a:t>
+            </a:r>
+            <a:r>
+              <a:rPr lang="es-ES_tradnl" b="1" i="1" dirty="0" err="1" smtClean="0"/>
+              <a:t>BigTable</a:t>
+            </a:r>
+            <a:endParaRPr lang="es-ES_tradnl" b="1" i="1" dirty="0" smtClean="0"/>
+          </a:p>
+          <a:p>
+            <a:pPr lvl="1"/>
+            <a:r>
+              <a:rPr lang="es-ES_tradnl" dirty="0"/>
+              <a:t>Modelo de datos</a:t>
+            </a:r>
+          </a:p>
+          <a:p>
+            <a:pPr lvl="1"/>
+            <a:r>
+              <a:rPr lang="es-ES_tradnl" i="1" dirty="0"/>
+              <a:t>API</a:t>
+            </a:r>
+          </a:p>
+          <a:p>
+            <a:pPr lvl="1"/>
+            <a:r>
+              <a:rPr lang="es-ES_tradnl" b="1" dirty="0"/>
+              <a:t>Infraestructura</a:t>
+            </a:r>
+          </a:p>
+          <a:p>
+            <a:pPr lvl="1"/>
+            <a:r>
+              <a:rPr lang="es-ES_tradnl" dirty="0"/>
+              <a:t>Implementación</a:t>
+            </a:r>
+          </a:p>
+          <a:p>
+            <a:pPr lvl="1"/>
+            <a:r>
+              <a:rPr lang="es-ES_tradnl" dirty="0" smtClean="0"/>
+              <a:t>Ejemplos</a:t>
+            </a:r>
+          </a:p>
+          <a:p>
+            <a:r>
+              <a:rPr lang="es-ES_tradnl" dirty="0" smtClean="0"/>
+              <a:t>Otros proyectos</a:t>
+            </a:r>
+          </a:p>
+          <a:p>
+            <a:r>
+              <a:rPr lang="es-ES_tradnl" dirty="0" smtClean="0"/>
+              <a:t>Conclusiones</a:t>
+            </a:r>
+          </a:p>
+        </p:txBody>
+      </p:sp>
+    </p:spTree>
+    <p:extLst>
+      <p:ext uri="{BB962C8B-B14F-4D97-AF65-F5344CB8AC3E}">
+        <p14:creationId xmlns:p14="http://schemas.microsoft.com/office/powerpoint/2010/main" val="3279441310"/>
       </p:ext>
     </p:extLst>
   </p:cSld>
@@ -6451,4 +10796,265 @@
   <a:objectDefaults/>
   <a:extraClrSchemeLst/>
 </a:theme>
+</file>
+
+<file path=ppt/theme/theme2.xml><?xml version="1.0" encoding="utf-8"?>
+<a:theme xmlns:a="http://schemas.openxmlformats.org/drawingml/2006/main" name="Tema de Office">
+  <a:themeElements>
+    <a:clrScheme name="Office">
+      <a:dk1>
+        <a:sysClr val="windowText" lastClr="000000"/>
+      </a:dk1>
+      <a:lt1>
+        <a:sysClr val="window" lastClr="FFFFFF"/>
+      </a:lt1>
+      <a:dk2>
+        <a:srgbClr val="44546A"/>
+      </a:dk2>
+      <a:lt2>
+        <a:srgbClr val="E7E6E6"/>
+      </a:lt2>
+      <a:accent1>
+        <a:srgbClr val="5B9BD5"/>
+      </a:accent1>
+      <a:accent2>
+        <a:srgbClr val="ED7D31"/>
+      </a:accent2>
+      <a:accent3>
+        <a:srgbClr val="A5A5A5"/>
+      </a:accent3>
+      <a:accent4>
+        <a:srgbClr val="FFC000"/>
+      </a:accent4>
+      <a:accent5>
+        <a:srgbClr val="4472C4"/>
+      </a:accent5>
+      <a:accent6>
+        <a:srgbClr val="70AD47"/>
+      </a:accent6>
+      <a:hlink>
+        <a:srgbClr val="0563C1"/>
+      </a:hlink>
+      <a:folHlink>
+        <a:srgbClr val="954F72"/>
+      </a:folHlink>
+    </a:clrScheme>
+    <a:fontScheme name="Office">
+      <a:majorFont>
+        <a:latin typeface="Calibri Light" panose="020F0302020204030204"/>
+        <a:ea typeface=""/>
+        <a:cs typeface=""/>
+        <a:font script="Jpan" typeface="ＭＳ Ｐゴシック"/>
+        <a:font script="Hang" typeface="맑은 고딕"/>
+        <a:font script="Hans" typeface="宋体"/>
+        <a:font script="Hant" typeface="新細明體"/>
+        <a:font script="Arab" typeface="Times New Roman"/>
+        <a:font script="Hebr" typeface="Times New Roman"/>
+        <a:font script="Thai" typeface="Angsana New"/>
+        <a:font script="Ethi" typeface="Nyala"/>
+        <a:font script="Beng" typeface="Vrinda"/>
+        <a:font script="Gujr" typeface="Shruti"/>
+        <a:font script="Khmr" typeface="MoolBoran"/>
+        <a:font script="Knda" typeface="Tunga"/>
+        <a:font script="Guru" typeface="Raavi"/>
+        <a:font script="Cans" typeface="Euphemia"/>
+        <a:font script="Cher" typeface="Plantagenet Cherokee"/>
+        <a:font script="Yiii" typeface="Microsoft Yi Baiti"/>
+        <a:font script="Tibt" typeface="Microsoft Himalaya"/>
+        <a:font script="Thaa" typeface="MV Boli"/>
+        <a:font script="Deva" typeface="Mangal"/>
+        <a:font script="Telu" typeface="Gautami"/>
+        <a:font script="Taml" typeface="Latha"/>
+        <a:font script="Syrc" typeface="Estrangelo Edessa"/>
+        <a:font script="Orya" typeface="Kalinga"/>
+        <a:font script="Mlym" typeface="Kartika"/>
+        <a:font script="Laoo" typeface="DokChampa"/>
+        <a:font script="Sinh" typeface="Iskoola Pota"/>
+        <a:font script="Mong" typeface="Mongolian Baiti"/>
+        <a:font script="Viet" typeface="Times New Roman"/>
+        <a:font script="Uigh" typeface="Microsoft Uighur"/>
+        <a:font script="Geor" typeface="Sylfaen"/>
+      </a:majorFont>
+      <a:minorFont>
+        <a:latin typeface="Calibri" panose="020F0502020204030204"/>
+        <a:ea typeface=""/>
+        <a:cs typeface=""/>
+        <a:font script="Jpan" typeface="ＭＳ Ｐゴシック"/>
+        <a:font script="Hang" typeface="맑은 고딕"/>
+        <a:font script="Hans" typeface="宋体"/>
+        <a:font script="Hant" typeface="新細明體"/>
+        <a:font script="Arab" typeface="Arial"/>
+        <a:font script="Hebr" typeface="Arial"/>
+        <a:font script="Thai" typeface="Cordia New"/>
+        <a:font script="Ethi" typeface="Nyala"/>
+        <a:font script="Beng" typeface="Vrinda"/>
+        <a:font script="Gujr" typeface="Shruti"/>
+        <a:font script="Khmr" typeface="DaunPenh"/>
+        <a:font script="Knda" typeface="Tunga"/>
+        <a:font script="Guru" typeface="Raavi"/>
+        <a:font script="Cans" typeface="Euphemia"/>
+        <a:font script="Cher" typeface="Plantagenet Cherokee"/>
+        <a:font script="Yiii" typeface="Microsoft Yi Baiti"/>
+        <a:font script="Tibt" typeface="Microsoft Himalaya"/>
+        <a:font script="Thaa" typeface="MV Boli"/>
+        <a:font script="Deva" typeface="Mangal"/>
+        <a:font script="Telu" typeface="Gautami"/>
+        <a:font script="Taml" typeface="Latha"/>
+        <a:font script="Syrc" typeface="Estrangelo Edessa"/>
+        <a:font script="Orya" typeface="Kalinga"/>
+        <a:font script="Mlym" typeface="Kartika"/>
+        <a:font script="Laoo" typeface="DokChampa"/>
+        <a:font script="Sinh" typeface="Iskoola Pota"/>
+        <a:font script="Mong" typeface="Mongolian Baiti"/>
+        <a:font script="Viet" typeface="Arial"/>
+        <a:font script="Uigh" typeface="Microsoft Uighur"/>
+        <a:font script="Geor" typeface="Sylfaen"/>
+      </a:minorFont>
+    </a:fontScheme>
+    <a:fmtScheme name="Office">
+      <a:fillStyleLst>
+        <a:solidFill>
+          <a:schemeClr val="phClr"/>
+        </a:solidFill>
+        <a:gradFill rotWithShape="1">
+          <a:gsLst>
+            <a:gs pos="0">
+              <a:schemeClr val="phClr">
+                <a:lumMod val="110000"/>
+                <a:satMod val="105000"/>
+                <a:tint val="67000"/>
+              </a:schemeClr>
+            </a:gs>
+            <a:gs pos="50000">
+              <a:schemeClr val="phClr">
+                <a:lumMod val="105000"/>
+                <a:satMod val="103000"/>
+                <a:tint val="73000"/>
+              </a:schemeClr>
+            </a:gs>
+            <a:gs pos="100000">
+              <a:schemeClr val="phClr">
+                <a:lumMod val="105000"/>
+                <a:satMod val="109000"/>
+                <a:tint val="81000"/>
+              </a:schemeClr>
+            </a:gs>
+          </a:gsLst>
+          <a:lin ang="5400000" scaled="0"/>
+        </a:gradFill>
+        <a:gradFill rotWithShape="1">
+          <a:gsLst>
+            <a:gs pos="0">
+              <a:schemeClr val="phClr">
+                <a:satMod val="103000"/>
+                <a:lumMod val="102000"/>
+                <a:tint val="94000"/>
+              </a:schemeClr>
+            </a:gs>
+            <a:gs pos="50000">
+              <a:schemeClr val="phClr">
+                <a:satMod val="110000"/>
+                <a:lumMod val="100000"/>
+                <a:shade val="100000"/>
+              </a:schemeClr>
+            </a:gs>
+            <a:gs pos="100000">
+              <a:schemeClr val="phClr">
+                <a:lumMod val="99000"/>
+                <a:satMod val="120000"/>
+                <a:shade val="78000"/>
+              </a:schemeClr>
+            </a:gs>
+          </a:gsLst>
+          <a:lin ang="5400000" scaled="0"/>
+        </a:gradFill>
+      </a:fillStyleLst>
+      <a:lnStyleLst>
+        <a:ln w="6350" cap="flat" cmpd="sng" algn="ctr">
+          <a:solidFill>
+            <a:schemeClr val="phClr"/>
+          </a:solidFill>
+          <a:prstDash val="solid"/>
+          <a:miter lim="800000"/>
+        </a:ln>
+        <a:ln w="12700" cap="flat" cmpd="sng" algn="ctr">
+          <a:solidFill>
+            <a:schemeClr val="phClr"/>
+          </a:solidFill>
+          <a:prstDash val="solid"/>
+          <a:miter lim="800000"/>
+        </a:ln>
+        <a:ln w="19050" cap="flat" cmpd="sng" algn="ctr">
+          <a:solidFill>
+            <a:schemeClr val="phClr"/>
+          </a:solidFill>
+          <a:prstDash val="solid"/>
+          <a:miter lim="800000"/>
+        </a:ln>
+      </a:lnStyleLst>
+      <a:effectStyleLst>
+        <a:effectStyle>
+          <a:effectLst/>
+        </a:effectStyle>
+        <a:effectStyle>
+          <a:effectLst/>
+        </a:effectStyle>
+        <a:effectStyle>
+          <a:effectLst>
+            <a:outerShdw blurRad="57150" dist="19050" dir="5400000" algn="ctr" rotWithShape="0">
+              <a:srgbClr val="000000">
+                <a:alpha val="63000"/>
+              </a:srgbClr>
+            </a:outerShdw>
+          </a:effectLst>
+        </a:effectStyle>
+      </a:effectStyleLst>
+      <a:bgFillStyleLst>
+        <a:solidFill>
+          <a:schemeClr val="phClr"/>
+        </a:solidFill>
+        <a:solidFill>
+          <a:schemeClr val="phClr">
+            <a:tint val="95000"/>
+            <a:satMod val="170000"/>
+          </a:schemeClr>
+        </a:solidFill>
+        <a:gradFill rotWithShape="1">
+          <a:gsLst>
+            <a:gs pos="0">
+              <a:schemeClr val="phClr">
+                <a:tint val="93000"/>
+                <a:satMod val="150000"/>
+                <a:shade val="98000"/>
+                <a:lumMod val="102000"/>
+              </a:schemeClr>
+            </a:gs>
+            <a:gs pos="50000">
+              <a:schemeClr val="phClr">
+                <a:tint val="98000"/>
+                <a:satMod val="130000"/>
+                <a:shade val="90000"/>
+                <a:lumMod val="103000"/>
+              </a:schemeClr>
+            </a:gs>
+            <a:gs pos="100000">
+              <a:schemeClr val="phClr">
+                <a:shade val="63000"/>
+                <a:satMod val="120000"/>
+              </a:schemeClr>
+            </a:gs>
+          </a:gsLst>
+          <a:lin ang="5400000" scaled="0"/>
+        </a:gradFill>
+      </a:bgFillStyleLst>
+    </a:fmtScheme>
+  </a:themeElements>
+  <a:objectDefaults/>
+  <a:extraClrSchemeLst/>
+  <a:extLst>
+    <a:ext uri="{05A4C25C-085E-4340-85A3-A5531E510DB2}">
+      <thm15:themeFamily xmlns:thm15="http://schemas.microsoft.com/office/thememl/2012/main" name="Office Theme" id="{62F939B6-93AF-4DB8-9C6B-D6C7DFDC589F}" vid="{4A3C46E8-61CC-4603-A589-7422A47A8E4A}"/>
+    </a:ext>
+  </a:extLst>
+</a:theme>
 </file>
--- a/BigTable.pptx
+++ b/BigTable.pptx
@@ -894,44 +894,108 @@
             </a:r>
             <a:r>
               <a:rPr lang="es-ES_tradnl" baseline="0" dirty="0" smtClean="0"/>
-              <a:t> pública escrita en C++</a:t>
+              <a:t> pública escrita en C</a:t>
+            </a:r>
+            <a:r>
+              <a:rPr lang="es-ES_tradnl" baseline="0" dirty="0" smtClean="0"/>
+              <a:t>++</a:t>
+            </a:r>
+          </a:p>
+          <a:p>
+            <a:pPr marL="171450" indent="-171450">
+              <a:buFont typeface="Arial" panose="020B0604020202020204" pitchFamily="34" charset="0"/>
+              <a:buChar char="•"/>
+            </a:pPr>
+            <a:r>
+              <a:rPr lang="es-ES_tradnl" baseline="0" dirty="0" smtClean="0"/>
+              <a:t>Solo admite transacciones por filas individuales</a:t>
+            </a:r>
+          </a:p>
+          <a:p>
+            <a:pPr marL="171450" indent="-171450">
+              <a:buFont typeface="Arial" panose="020B0604020202020204" pitchFamily="34" charset="0"/>
+              <a:buChar char="•"/>
+            </a:pPr>
+            <a:r>
+              <a:rPr lang="es-ES_tradnl" baseline="0" dirty="0" smtClean="0"/>
+              <a:t>Proporciona interfaz para simularlo para los clientes</a:t>
+            </a:r>
+          </a:p>
+          <a:p>
+            <a:pPr marL="171450" indent="-171450">
+              <a:buFont typeface="Arial" panose="020B0604020202020204" pitchFamily="34" charset="0"/>
+              <a:buChar char="•"/>
+            </a:pPr>
+            <a:r>
+              <a:rPr lang="es-ES_tradnl" baseline="0" dirty="0" smtClean="0"/>
+              <a:t>Permite la ejecución de scripts proporcionados por el usuario (</a:t>
+            </a:r>
+            <a:r>
+              <a:rPr lang="es-ES_tradnl" baseline="0" dirty="0" err="1" smtClean="0"/>
+              <a:t>Sawzall</a:t>
+            </a:r>
+            <a:r>
+              <a:rPr lang="es-ES_tradnl" baseline="0" dirty="0" smtClean="0"/>
+              <a:t>, creado por Google)</a:t>
+            </a:r>
+          </a:p>
+          <a:p>
+            <a:pPr marL="628650" lvl="1" indent="-171450">
+              <a:buFont typeface="Arial" panose="020B0604020202020204" pitchFamily="34" charset="0"/>
+              <a:buChar char="•"/>
+            </a:pPr>
+            <a:r>
+              <a:rPr lang="es-ES_tradnl" baseline="0" dirty="0" smtClean="0"/>
+              <a:t>No permite la contestación de </a:t>
+            </a:r>
+            <a:r>
+              <a:rPr lang="es-ES_tradnl" baseline="0" dirty="0" err="1" smtClean="0"/>
+              <a:t>BigTable</a:t>
+            </a:r>
+            <a:r>
+              <a:rPr lang="es-ES_tradnl" baseline="0" dirty="0" smtClean="0"/>
+              <a:t> a los scripts</a:t>
+            </a:r>
+          </a:p>
+          <a:p>
+            <a:pPr marL="171450" indent="-171450">
+              <a:buFont typeface="Arial" panose="020B0604020202020204" pitchFamily="34" charset="0"/>
+              <a:buChar char="•"/>
+            </a:pPr>
+            <a:r>
+              <a:rPr lang="es-ES_tradnl" dirty="0" smtClean="0"/>
+              <a:t>Puede usarse</a:t>
+            </a:r>
+            <a:r>
+              <a:rPr lang="es-ES_tradnl" baseline="0" dirty="0" smtClean="0"/>
+              <a:t> con </a:t>
+            </a:r>
+            <a:r>
+              <a:rPr lang="es-ES_tradnl" baseline="0" dirty="0" err="1" smtClean="0"/>
+              <a:t>MapReduce</a:t>
+            </a:r>
+            <a:endParaRPr lang="es-ES_tradnl" baseline="0" dirty="0" smtClean="0"/>
+          </a:p>
+          <a:p>
+            <a:pPr marL="628650" lvl="1" indent="-171450">
+              <a:buFont typeface="Arial" panose="020B0604020202020204" pitchFamily="34" charset="0"/>
+              <a:buChar char="•"/>
+            </a:pPr>
+            <a:r>
+              <a:rPr lang="es-ES_tradnl" baseline="0" dirty="0" smtClean="0"/>
+              <a:t>Como input</a:t>
+            </a:r>
+          </a:p>
+          <a:p>
+            <a:pPr marL="628650" lvl="1" indent="-171450">
+              <a:buFont typeface="Arial" panose="020B0604020202020204" pitchFamily="34" charset="0"/>
+              <a:buChar char="•"/>
+            </a:pPr>
+            <a:r>
+              <a:rPr lang="es-ES_tradnl" baseline="0" dirty="0" smtClean="0"/>
+              <a:t>Como output</a:t>
             </a:r>
             <a:endParaRPr lang="es-ES_tradnl" dirty="0" smtClean="0"/>
-          </a:p>
-          <a:p>
-            <a:pPr marL="0" indent="0">
-              <a:buFont typeface="Arial" panose="020B0604020202020204" pitchFamily="34" charset="0"/>
-              <a:buNone/>
-            </a:pPr>
-            <a:endParaRPr lang="es-ES_tradnl" dirty="0" smtClean="0"/>
-          </a:p>
-          <a:p>
-            <a:pPr marL="0" indent="0">
-              <a:buFont typeface="Arial" panose="020B0604020202020204" pitchFamily="34" charset="0"/>
-              <a:buNone/>
-            </a:pPr>
-            <a:endParaRPr lang="es-ES_tradnl" dirty="0" smtClean="0"/>
-          </a:p>
-          <a:p>
-            <a:pPr marL="0" indent="0">
-              <a:buFont typeface="Arial" panose="020B0604020202020204" pitchFamily="34" charset="0"/>
-              <a:buNone/>
-            </a:pPr>
-            <a:endParaRPr lang="es-ES_tradnl" dirty="0" smtClean="0"/>
-          </a:p>
-          <a:p>
-            <a:pPr marL="0" indent="0">
-              <a:buFont typeface="Arial" panose="020B0604020202020204" pitchFamily="34" charset="0"/>
-              <a:buNone/>
-            </a:pPr>
-            <a:endParaRPr lang="es-ES_tradnl" dirty="0" smtClean="0"/>
-          </a:p>
-          <a:p>
-            <a:pPr marL="0" indent="0">
-              <a:buFont typeface="Arial" panose="020B0604020202020204" pitchFamily="34" charset="0"/>
-              <a:buNone/>
-            </a:pPr>
-            <a:endParaRPr lang="es-ES_tradnl" dirty="0"/>
           </a:p>
         </p:txBody>
       </p:sp>
@@ -962,6 +1026,1074 @@
     <p:extLst>
       <p:ext uri="{BB962C8B-B14F-4D97-AF65-F5344CB8AC3E}">
         <p14:creationId xmlns:p14="http://schemas.microsoft.com/office/powerpoint/2010/main" val="1503060401"/>
+      </p:ext>
+    </p:extLst>
+  </p:cSld>
+  <p:clrMapOvr>
+    <a:masterClrMapping/>
+  </p:clrMapOvr>
+</p:notes>
+</file>
+
+<file path=ppt/notesSlides/notesSlide3.xml><?xml version="1.0" encoding="utf-8"?>
+<p:notes xmlns:a="http://schemas.openxmlformats.org/drawingml/2006/main" xmlns:r="http://schemas.openxmlformats.org/officeDocument/2006/relationships" xmlns:p="http://schemas.openxmlformats.org/presentationml/2006/main">
+  <p:cSld>
+    <p:spTree>
+      <p:nvGrpSpPr>
+        <p:cNvPr id="1" name=""/>
+        <p:cNvGrpSpPr/>
+        <p:nvPr/>
+      </p:nvGrpSpPr>
+      <p:grpSpPr>
+        <a:xfrm>
+          <a:off x="0" y="0"/>
+          <a:ext cx="0" cy="0"/>
+          <a:chOff x="0" y="0"/>
+          <a:chExt cx="0" cy="0"/>
+        </a:xfrm>
+      </p:grpSpPr>
+      <p:sp>
+        <p:nvSpPr>
+          <p:cNvPr id="2" name="Marcador de imagen de diapositiva 1"/>
+          <p:cNvSpPr>
+            <a:spLocks noGrp="1" noRot="1" noChangeAspect="1"/>
+          </p:cNvSpPr>
+          <p:nvPr>
+            <p:ph type="sldImg"/>
+          </p:nvPr>
+        </p:nvSpPr>
+        <p:spPr/>
+      </p:sp>
+      <p:sp>
+        <p:nvSpPr>
+          <p:cNvPr id="3" name="Marcador de notas 2"/>
+          <p:cNvSpPr>
+            <a:spLocks noGrp="1"/>
+          </p:cNvSpPr>
+          <p:nvPr>
+            <p:ph type="body" idx="1"/>
+          </p:nvPr>
+        </p:nvSpPr>
+        <p:spPr/>
+        <p:txBody>
+          <a:bodyPr/>
+          <a:lstStyle/>
+          <a:p>
+            <a:pPr marL="171450" indent="-171450">
+              <a:buFont typeface="Arial" panose="020B0604020202020204" pitchFamily="34" charset="0"/>
+              <a:buChar char="•"/>
+            </a:pPr>
+            <a:r>
+              <a:rPr lang="es-ES_tradnl" dirty="0" smtClean="0"/>
+              <a:t>Opera en varias máquinas compartiendo recursos</a:t>
+            </a:r>
+            <a:r>
+              <a:rPr lang="es-ES_tradnl" baseline="0" dirty="0" smtClean="0"/>
+              <a:t> con otros procesos</a:t>
+            </a:r>
+          </a:p>
+          <a:p>
+            <a:pPr marL="171450" indent="-171450">
+              <a:buFont typeface="Arial" panose="020B0604020202020204" pitchFamily="34" charset="0"/>
+              <a:buChar char="•"/>
+            </a:pPr>
+            <a:r>
+              <a:rPr lang="es-ES_tradnl" dirty="0" smtClean="0"/>
+              <a:t>Manejo de </a:t>
+            </a:r>
+            <a:r>
+              <a:rPr lang="es-ES_tradnl" dirty="0" err="1" smtClean="0"/>
+              <a:t>clusters</a:t>
+            </a:r>
+            <a:r>
+              <a:rPr lang="es-ES_tradnl" dirty="0" smtClean="0"/>
+              <a:t> de </a:t>
+            </a:r>
+            <a:r>
+              <a:rPr lang="es-ES_tradnl" dirty="0" err="1" smtClean="0"/>
+              <a:t>Googles</a:t>
+            </a:r>
+            <a:r>
+              <a:rPr lang="es-ES_tradnl" dirty="0" smtClean="0"/>
+              <a:t> para:</a:t>
+            </a:r>
+          </a:p>
+          <a:p>
+            <a:pPr marL="628650" lvl="1" indent="-171450">
+              <a:buFont typeface="Arial" panose="020B0604020202020204" pitchFamily="34" charset="0"/>
+              <a:buChar char="•"/>
+            </a:pPr>
+            <a:r>
+              <a:rPr lang="es-ES_tradnl" dirty="0" smtClean="0"/>
+              <a:t>Manejar procesos</a:t>
+            </a:r>
+          </a:p>
+          <a:p>
+            <a:pPr marL="628650" lvl="1" indent="-171450">
+              <a:buFont typeface="Arial" panose="020B0604020202020204" pitchFamily="34" charset="0"/>
+              <a:buChar char="•"/>
+            </a:pPr>
+            <a:r>
+              <a:rPr lang="es-ES_tradnl" dirty="0" smtClean="0"/>
+              <a:t>Manejar </a:t>
+            </a:r>
+            <a:r>
+              <a:rPr lang="es-ES_tradnl" dirty="0" err="1" smtClean="0"/>
+              <a:t>resursos</a:t>
+            </a:r>
+            <a:r>
+              <a:rPr lang="es-ES_tradnl" dirty="0" smtClean="0"/>
+              <a:t> en las máquinas</a:t>
+            </a:r>
+          </a:p>
+          <a:p>
+            <a:pPr marL="628650" lvl="1" indent="-171450">
+              <a:buFont typeface="Arial" panose="020B0604020202020204" pitchFamily="34" charset="0"/>
+              <a:buChar char="•"/>
+            </a:pPr>
+            <a:r>
+              <a:rPr lang="es-ES_tradnl" dirty="0" smtClean="0"/>
+              <a:t>Monitorizar el estatus de las máquinas</a:t>
+            </a:r>
+          </a:p>
+          <a:p>
+            <a:pPr marL="628650" lvl="1" indent="-171450">
+              <a:buFont typeface="Arial" panose="020B0604020202020204" pitchFamily="34" charset="0"/>
+              <a:buChar char="•"/>
+            </a:pPr>
+            <a:r>
+              <a:rPr lang="es-ES_tradnl" dirty="0" smtClean="0"/>
+              <a:t>Tratar</a:t>
+            </a:r>
+            <a:r>
+              <a:rPr lang="es-ES_tradnl" baseline="0" dirty="0" smtClean="0"/>
+              <a:t> con las caídas de las máquinas</a:t>
+            </a:r>
+            <a:endParaRPr lang="es-ES_tradnl" dirty="0" smtClean="0"/>
+          </a:p>
+          <a:p>
+            <a:pPr marL="171450" indent="-171450">
+              <a:buFont typeface="Arial" panose="020B0604020202020204" pitchFamily="34" charset="0"/>
+              <a:buChar char="•"/>
+            </a:pPr>
+            <a:r>
+              <a:rPr lang="es-ES_tradnl" dirty="0" err="1" smtClean="0"/>
+              <a:t>Distributed</a:t>
+            </a:r>
+            <a:r>
+              <a:rPr lang="es-ES_tradnl" baseline="0" dirty="0" smtClean="0"/>
+              <a:t> file </a:t>
+            </a:r>
+            <a:r>
+              <a:rPr lang="es-ES_tradnl" baseline="0" dirty="0" err="1" smtClean="0"/>
+              <a:t>system</a:t>
+            </a:r>
+            <a:r>
+              <a:rPr lang="es-ES_tradnl" baseline="0" dirty="0" smtClean="0"/>
+              <a:t>, mantiene replicas de los archivos (fiabilidad/disponibilidad)</a:t>
+            </a:r>
+          </a:p>
+          <a:p>
+            <a:pPr marL="171450" indent="-171450">
+              <a:buFont typeface="Arial" panose="020B0604020202020204" pitchFamily="34" charset="0"/>
+              <a:buChar char="•"/>
+            </a:pPr>
+            <a:r>
+              <a:rPr lang="es-ES_tradnl" dirty="0" err="1" smtClean="0"/>
+              <a:t>SSTable</a:t>
+            </a:r>
+            <a:r>
+              <a:rPr lang="es-ES_tradnl" dirty="0" smtClean="0"/>
+              <a:t>: Mapa ordenado (</a:t>
+            </a:r>
+            <a:r>
+              <a:rPr lang="es-ES_tradnl" dirty="0" err="1" smtClean="0"/>
+              <a:t>clave:string</a:t>
+            </a:r>
+            <a:r>
+              <a:rPr lang="es-ES_tradnl" baseline="0" dirty="0" err="1" smtClean="0"/>
+              <a:t>-valor:string</a:t>
+            </a:r>
+            <a:r>
+              <a:rPr lang="es-ES_tradnl" baseline="0" dirty="0" smtClean="0"/>
+              <a:t>)</a:t>
+            </a:r>
+          </a:p>
+          <a:p>
+            <a:pPr marL="628650" lvl="1" indent="-171450">
+              <a:buFont typeface="Arial" panose="020B0604020202020204" pitchFamily="34" charset="0"/>
+              <a:buChar char="•"/>
+            </a:pPr>
+            <a:r>
+              <a:rPr lang="es-ES_tradnl" baseline="0" dirty="0" smtClean="0"/>
+              <a:t>Contiene secuencia de bloques</a:t>
+            </a:r>
+          </a:p>
+          <a:p>
+            <a:pPr marL="628650" lvl="1" indent="-171450">
+              <a:buFont typeface="Arial" panose="020B0604020202020204" pitchFamily="34" charset="0"/>
+              <a:buChar char="•"/>
+            </a:pPr>
+            <a:r>
+              <a:rPr lang="es-ES_tradnl" baseline="0" dirty="0" err="1" smtClean="0"/>
+              <a:t>Indice</a:t>
+            </a:r>
+            <a:r>
+              <a:rPr lang="es-ES_tradnl" baseline="0" dirty="0" smtClean="0"/>
+              <a:t> al final de archivo (se carga en </a:t>
+            </a:r>
+            <a:r>
+              <a:rPr lang="es-ES_tradnl" baseline="0" dirty="0" err="1" smtClean="0"/>
+              <a:t>mem</a:t>
+            </a:r>
+            <a:r>
+              <a:rPr lang="es-ES_tradnl" baseline="0" dirty="0" smtClean="0"/>
+              <a:t>. cuando se abre el archivo) </a:t>
+            </a:r>
+          </a:p>
+          <a:p>
+            <a:pPr marL="628650" lvl="1" indent="-171450">
+              <a:buFont typeface="Arial" panose="020B0604020202020204" pitchFamily="34" charset="0"/>
+              <a:buChar char="•"/>
+            </a:pPr>
+            <a:r>
+              <a:rPr lang="es-ES_tradnl" baseline="0" dirty="0" smtClean="0"/>
+              <a:t>Puede cargarse el archivo entero en memoria</a:t>
+            </a:r>
+            <a:endParaRPr lang="es-ES_tradnl" dirty="0" smtClean="0"/>
+          </a:p>
+          <a:p>
+            <a:pPr marL="171450" indent="-171450">
+              <a:buFont typeface="Arial" panose="020B0604020202020204" pitchFamily="34" charset="0"/>
+              <a:buChar char="•"/>
+            </a:pPr>
+            <a:r>
+              <a:rPr lang="es-ES_tradnl" dirty="0" err="1" smtClean="0"/>
+              <a:t>Chubby</a:t>
+            </a:r>
+            <a:r>
+              <a:rPr lang="es-ES_tradnl" dirty="0" smtClean="0"/>
+              <a:t>:</a:t>
+            </a:r>
+            <a:r>
+              <a:rPr lang="es-ES_tradnl" baseline="0" dirty="0" smtClean="0"/>
+              <a:t> Servidor de cerrojos</a:t>
+            </a:r>
+          </a:p>
+          <a:p>
+            <a:pPr marL="628650" lvl="1" indent="-171450">
+              <a:buFont typeface="Arial" panose="020B0604020202020204" pitchFamily="34" charset="0"/>
+              <a:buChar char="•"/>
+            </a:pPr>
+            <a:r>
+              <a:rPr lang="es-ES_tradnl" baseline="0" dirty="0" smtClean="0"/>
+              <a:t>Mantiene 5 replicas de cada archivo (1 master, 4 esclavos)</a:t>
+            </a:r>
+          </a:p>
+          <a:p>
+            <a:pPr marL="628650" lvl="1" indent="-171450">
+              <a:buFont typeface="Arial" panose="020B0604020202020204" pitchFamily="34" charset="0"/>
+              <a:buChar char="•"/>
+            </a:pPr>
+            <a:r>
+              <a:rPr lang="es-ES_tradnl" baseline="0" dirty="0" smtClean="0"/>
+              <a:t>Solo se lee del master (servicio activo mientras mayoría de replicas disponibles)</a:t>
+            </a:r>
+          </a:p>
+          <a:p>
+            <a:pPr marL="628650" lvl="1" indent="-171450">
+              <a:buFont typeface="Arial" panose="020B0604020202020204" pitchFamily="34" charset="0"/>
+              <a:buChar char="•"/>
+            </a:pPr>
+            <a:r>
+              <a:rPr lang="es-ES_tradnl" baseline="0" dirty="0" smtClean="0"/>
+              <a:t>Master cae, se asigna a otro master</a:t>
+            </a:r>
+          </a:p>
+          <a:p>
+            <a:pPr marL="628650" lvl="1" indent="-171450">
+              <a:buFont typeface="Arial" panose="020B0604020202020204" pitchFamily="34" charset="0"/>
+              <a:buChar char="•"/>
+            </a:pPr>
+            <a:r>
+              <a:rPr lang="es-ES_tradnl" baseline="0" dirty="0" smtClean="0"/>
+              <a:t>Mantiene la integridad con el algoritmo de </a:t>
+            </a:r>
+            <a:r>
+              <a:rPr lang="es-ES_tradnl" baseline="0" dirty="0" err="1" smtClean="0"/>
+              <a:t>Paxos</a:t>
+            </a:r>
+            <a:endParaRPr lang="es-ES_tradnl" baseline="0" dirty="0" smtClean="0"/>
+          </a:p>
+          <a:p>
+            <a:pPr marL="628650" lvl="1" indent="-171450">
+              <a:buFont typeface="Arial" panose="020B0604020202020204" pitchFamily="34" charset="0"/>
+              <a:buChar char="•"/>
+            </a:pPr>
+            <a:r>
+              <a:rPr lang="es-ES_tradnl" baseline="0" dirty="0" smtClean="0"/>
+              <a:t>Proporciona un espacio de nombres de directorios y archivos pequeños</a:t>
+            </a:r>
+          </a:p>
+          <a:p>
+            <a:pPr marL="628650" lvl="1" indent="-171450">
+              <a:buFont typeface="Arial" panose="020B0604020202020204" pitchFamily="34" charset="0"/>
+              <a:buChar char="•"/>
+            </a:pPr>
+            <a:r>
+              <a:rPr lang="es-ES_tradnl" baseline="0" dirty="0" smtClean="0"/>
+              <a:t>Cada cliente mantiene una sesión (expira en un determinado tiempo)</a:t>
+            </a:r>
+          </a:p>
+          <a:p>
+            <a:pPr marL="628650" lvl="1" indent="-171450">
+              <a:buFont typeface="Arial" panose="020B0604020202020204" pitchFamily="34" charset="0"/>
+              <a:buChar char="•"/>
+            </a:pPr>
+            <a:r>
+              <a:rPr lang="es-ES_tradnl" baseline="0" dirty="0" smtClean="0"/>
+              <a:t>Se pueden configurar avisos:</a:t>
+            </a:r>
+          </a:p>
+          <a:p>
+            <a:pPr marL="1085850" lvl="2" indent="-171450">
+              <a:buFont typeface="Arial" panose="020B0604020202020204" pitchFamily="34" charset="0"/>
+              <a:buChar char="•"/>
+            </a:pPr>
+            <a:r>
+              <a:rPr lang="es-ES_tradnl" baseline="0" dirty="0" smtClean="0"/>
+              <a:t>Cambios de archivos</a:t>
+            </a:r>
+          </a:p>
+          <a:p>
+            <a:pPr marL="1085850" lvl="2" indent="-171450">
+              <a:buFont typeface="Arial" panose="020B0604020202020204" pitchFamily="34" charset="0"/>
+              <a:buChar char="•"/>
+            </a:pPr>
+            <a:r>
+              <a:rPr lang="es-ES_tradnl" baseline="0" dirty="0" smtClean="0"/>
+              <a:t>Expiración de sesiones</a:t>
+            </a:r>
+            <a:endParaRPr lang="es-ES_tradnl" dirty="0" smtClean="0"/>
+          </a:p>
+          <a:p>
+            <a:pPr marL="628650" lvl="1" indent="-171450">
+              <a:buFont typeface="Arial" panose="020B0604020202020204" pitchFamily="34" charset="0"/>
+              <a:buChar char="•"/>
+            </a:pPr>
+            <a:r>
+              <a:rPr lang="es-ES_tradnl" dirty="0" smtClean="0"/>
+              <a:t>Uso:</a:t>
+            </a:r>
+          </a:p>
+          <a:p>
+            <a:pPr marL="1085850" lvl="2" indent="-171450">
+              <a:buFont typeface="Arial" panose="020B0604020202020204" pitchFamily="34" charset="0"/>
+              <a:buChar char="•"/>
+            </a:pPr>
+            <a:r>
+              <a:rPr lang="es-ES_tradnl" dirty="0" smtClean="0"/>
+              <a:t>Al</a:t>
+            </a:r>
+            <a:r>
+              <a:rPr lang="es-ES_tradnl" baseline="0" dirty="0" smtClean="0"/>
+              <a:t> menos, u</a:t>
+            </a:r>
+            <a:r>
+              <a:rPr lang="es-ES_tradnl" dirty="0" smtClean="0"/>
+              <a:t>n</a:t>
+            </a:r>
+            <a:r>
+              <a:rPr lang="es-ES_tradnl" baseline="0" dirty="0" smtClean="0"/>
+              <a:t> master activo</a:t>
+            </a:r>
+          </a:p>
+          <a:p>
+            <a:pPr marL="1085850" lvl="2" indent="-171450">
+              <a:buFont typeface="Arial" panose="020B0604020202020204" pitchFamily="34" charset="0"/>
+              <a:buChar char="•"/>
+            </a:pPr>
+            <a:r>
+              <a:rPr lang="es-ES_tradnl" dirty="0" smtClean="0"/>
+              <a:t>Almacenar el </a:t>
+            </a:r>
+            <a:r>
+              <a:rPr lang="es-ES_tradnl" dirty="0" err="1" smtClean="0"/>
+              <a:t>bootstrap</a:t>
+            </a:r>
+            <a:endParaRPr lang="es-ES_tradnl" dirty="0" smtClean="0"/>
+          </a:p>
+          <a:p>
+            <a:pPr marL="1085850" lvl="2" indent="-171450">
+              <a:buFont typeface="Arial" panose="020B0604020202020204" pitchFamily="34" charset="0"/>
+              <a:buChar char="•"/>
+            </a:pPr>
+            <a:r>
+              <a:rPr lang="es-ES_tradnl" dirty="0" smtClean="0"/>
+              <a:t>Iniciar/Parar </a:t>
+            </a:r>
+            <a:r>
+              <a:rPr lang="es-ES_tradnl" dirty="0" err="1" smtClean="0"/>
+              <a:t>tablet</a:t>
+            </a:r>
+            <a:r>
+              <a:rPr lang="es-ES_tradnl" dirty="0" smtClean="0"/>
+              <a:t> servers</a:t>
+            </a:r>
+          </a:p>
+          <a:p>
+            <a:pPr marL="1085850" lvl="2" indent="-171450">
+              <a:buFont typeface="Arial" panose="020B0604020202020204" pitchFamily="34" charset="0"/>
+              <a:buChar char="•"/>
+            </a:pPr>
+            <a:r>
+              <a:rPr lang="es-ES_tradnl" dirty="0" smtClean="0"/>
+              <a:t>Guardar los esquemas de los datos</a:t>
+            </a:r>
+          </a:p>
+        </p:txBody>
+      </p:sp>
+      <p:sp>
+        <p:nvSpPr>
+          <p:cNvPr id="4" name="Marcador de número de diapositiva 3"/>
+          <p:cNvSpPr>
+            <a:spLocks noGrp="1"/>
+          </p:cNvSpPr>
+          <p:nvPr>
+            <p:ph type="sldNum" sz="quarter" idx="10"/>
+          </p:nvPr>
+        </p:nvSpPr>
+        <p:spPr/>
+        <p:txBody>
+          <a:bodyPr/>
+          <a:lstStyle/>
+          <a:p>
+            <a:fld id="{189A0E75-B954-4377-A121-414553C96DA1}" type="slidenum">
+              <a:rPr lang="es-ES_tradnl" smtClean="0"/>
+              <a:t>10</a:t>
+            </a:fld>
+            <a:endParaRPr lang="es-ES_tradnl"/>
+          </a:p>
+        </p:txBody>
+      </p:sp>
+    </p:spTree>
+    <p:extLst>
+      <p:ext uri="{BB962C8B-B14F-4D97-AF65-F5344CB8AC3E}">
+        <p14:creationId xmlns:p14="http://schemas.microsoft.com/office/powerpoint/2010/main" val="3535948482"/>
+      </p:ext>
+    </p:extLst>
+  </p:cSld>
+  <p:clrMapOvr>
+    <a:masterClrMapping/>
+  </p:clrMapOvr>
+</p:notes>
+</file>
+
+<file path=ppt/notesSlides/notesSlide4.xml><?xml version="1.0" encoding="utf-8"?>
+<p:notes xmlns:a="http://schemas.openxmlformats.org/drawingml/2006/main" xmlns:r="http://schemas.openxmlformats.org/officeDocument/2006/relationships" xmlns:p="http://schemas.openxmlformats.org/presentationml/2006/main">
+  <p:cSld>
+    <p:spTree>
+      <p:nvGrpSpPr>
+        <p:cNvPr id="1" name=""/>
+        <p:cNvGrpSpPr/>
+        <p:nvPr/>
+      </p:nvGrpSpPr>
+      <p:grpSpPr>
+        <a:xfrm>
+          <a:off x="0" y="0"/>
+          <a:ext cx="0" cy="0"/>
+          <a:chOff x="0" y="0"/>
+          <a:chExt cx="0" cy="0"/>
+        </a:xfrm>
+      </p:grpSpPr>
+      <p:sp>
+        <p:nvSpPr>
+          <p:cNvPr id="2" name="Marcador de imagen de diapositiva 1"/>
+          <p:cNvSpPr>
+            <a:spLocks noGrp="1" noRot="1" noChangeAspect="1"/>
+          </p:cNvSpPr>
+          <p:nvPr>
+            <p:ph type="sldImg"/>
+          </p:nvPr>
+        </p:nvSpPr>
+        <p:spPr/>
+      </p:sp>
+      <p:sp>
+        <p:nvSpPr>
+          <p:cNvPr id="3" name="Marcador de notas 2"/>
+          <p:cNvSpPr>
+            <a:spLocks noGrp="1"/>
+          </p:cNvSpPr>
+          <p:nvPr>
+            <p:ph type="body" idx="1"/>
+          </p:nvPr>
+        </p:nvSpPr>
+        <p:spPr/>
+        <p:txBody>
+          <a:bodyPr/>
+          <a:lstStyle/>
+          <a:p>
+            <a:r>
+              <a:rPr lang="es-ES_tradnl" b="1" dirty="0" smtClean="0"/>
+              <a:t>Tablet servers</a:t>
+            </a:r>
+            <a:r>
+              <a:rPr lang="es-ES_tradnl" dirty="0" smtClean="0"/>
+              <a:t>: Añadidos y eliminados dinámicamente de los </a:t>
+            </a:r>
+            <a:r>
+              <a:rPr lang="es-ES_tradnl" dirty="0" err="1" smtClean="0"/>
+              <a:t>clusters</a:t>
+            </a:r>
+            <a:r>
+              <a:rPr lang="es-ES_tradnl" dirty="0" smtClean="0"/>
+              <a:t> dependiendo de las exigencias del momento</a:t>
+            </a:r>
+          </a:p>
+          <a:p>
+            <a:endParaRPr lang="es-ES_tradnl" dirty="0" smtClean="0"/>
+          </a:p>
+          <a:p>
+            <a:r>
+              <a:rPr lang="es-ES_tradnl" b="1" dirty="0" smtClean="0"/>
+              <a:t>Master: </a:t>
+            </a:r>
+            <a:r>
+              <a:rPr lang="es-ES_tradnl" dirty="0" smtClean="0"/>
+              <a:t>Responsable</a:t>
+            </a:r>
+            <a:r>
+              <a:rPr lang="es-ES_tradnl" baseline="0" dirty="0" smtClean="0"/>
+              <a:t> de:</a:t>
+            </a:r>
+          </a:p>
+          <a:p>
+            <a:pPr marL="628650" lvl="1" indent="-171450">
+              <a:buFont typeface="Arial" panose="020B0604020202020204" pitchFamily="34" charset="0"/>
+              <a:buChar char="•"/>
+            </a:pPr>
+            <a:r>
+              <a:rPr lang="es-ES_tradnl" baseline="0" dirty="0" smtClean="0"/>
+              <a:t>Asignar las </a:t>
+            </a:r>
+            <a:r>
+              <a:rPr lang="es-ES_tradnl" baseline="0" dirty="0" err="1" smtClean="0"/>
+              <a:t>tablets</a:t>
+            </a:r>
+            <a:r>
+              <a:rPr lang="es-ES_tradnl" baseline="0" dirty="0" smtClean="0"/>
+              <a:t> a los </a:t>
+            </a:r>
+            <a:r>
+              <a:rPr lang="es-ES_tradnl" baseline="0" dirty="0" err="1" smtClean="0"/>
+              <a:t>tablet</a:t>
+            </a:r>
+            <a:r>
+              <a:rPr lang="es-ES_tradnl" baseline="0" dirty="0" smtClean="0"/>
+              <a:t> servers</a:t>
+            </a:r>
+          </a:p>
+          <a:p>
+            <a:pPr marL="628650" lvl="1" indent="-171450">
+              <a:buFont typeface="Arial" panose="020B0604020202020204" pitchFamily="34" charset="0"/>
+              <a:buChar char="•"/>
+            </a:pPr>
+            <a:r>
+              <a:rPr lang="es-ES_tradnl" baseline="0" dirty="0" smtClean="0"/>
+              <a:t>Detectar la adición o expiración de </a:t>
+            </a:r>
+            <a:r>
+              <a:rPr lang="es-ES_tradnl" baseline="0" dirty="0" err="1" smtClean="0"/>
+              <a:t>tablet</a:t>
+            </a:r>
+            <a:r>
+              <a:rPr lang="es-ES_tradnl" baseline="0" dirty="0" smtClean="0"/>
+              <a:t> servers</a:t>
+            </a:r>
+          </a:p>
+          <a:p>
+            <a:pPr marL="628650" lvl="1" indent="-171450">
+              <a:buFont typeface="Arial" panose="020B0604020202020204" pitchFamily="34" charset="0"/>
+              <a:buChar char="•"/>
+            </a:pPr>
+            <a:r>
+              <a:rPr lang="es-ES_tradnl" dirty="0" smtClean="0"/>
+              <a:t>Balanceo</a:t>
+            </a:r>
+            <a:r>
+              <a:rPr lang="es-ES_tradnl" baseline="0" dirty="0" smtClean="0"/>
+              <a:t> de carga</a:t>
+            </a:r>
+          </a:p>
+          <a:p>
+            <a:pPr marL="628650" lvl="1" indent="-171450">
+              <a:buFont typeface="Arial" panose="020B0604020202020204" pitchFamily="34" charset="0"/>
+              <a:buChar char="•"/>
+            </a:pPr>
+            <a:r>
+              <a:rPr lang="es-ES_tradnl" baseline="0" dirty="0" smtClean="0"/>
+              <a:t>Limpiar el GFS de archivos basura</a:t>
+            </a:r>
+          </a:p>
+          <a:p>
+            <a:pPr marL="628650" lvl="1" indent="-171450">
+              <a:buFont typeface="Arial" panose="020B0604020202020204" pitchFamily="34" charset="0"/>
+              <a:buChar char="•"/>
+            </a:pPr>
+            <a:r>
+              <a:rPr lang="es-ES_tradnl" baseline="0" dirty="0" smtClean="0"/>
+              <a:t>Manejar los cambios de </a:t>
+            </a:r>
+            <a:r>
+              <a:rPr lang="es-ES_tradnl" baseline="0" dirty="0" err="1" smtClean="0"/>
+              <a:t>schema</a:t>
+            </a:r>
+            <a:endParaRPr lang="es-ES_tradnl" dirty="0" smtClean="0"/>
+          </a:p>
+          <a:p>
+            <a:endParaRPr lang="es-ES_tradnl" dirty="0" smtClean="0"/>
+          </a:p>
+          <a:p>
+            <a:r>
+              <a:rPr lang="es-ES_tradnl" b="1" dirty="0" smtClean="0"/>
+              <a:t>Tablet servers</a:t>
+            </a:r>
+            <a:r>
+              <a:rPr lang="es-ES_tradnl" dirty="0" smtClean="0"/>
+              <a:t>: Maneja</a:t>
+            </a:r>
+            <a:r>
+              <a:rPr lang="es-ES_tradnl" baseline="0" dirty="0" smtClean="0"/>
+              <a:t> un conjunto de </a:t>
+            </a:r>
+            <a:r>
+              <a:rPr lang="es-ES_tradnl" baseline="0" dirty="0" err="1" smtClean="0"/>
+              <a:t>tablets</a:t>
+            </a:r>
+            <a:r>
+              <a:rPr lang="es-ES_tradnl" baseline="0" dirty="0" smtClean="0"/>
+              <a:t> (10-100)</a:t>
+            </a:r>
+          </a:p>
+          <a:p>
+            <a:pPr marL="628650" lvl="1" indent="-171450">
+              <a:buFont typeface="Arial" panose="020B0604020202020204" pitchFamily="34" charset="0"/>
+              <a:buChar char="•"/>
+            </a:pPr>
+            <a:r>
+              <a:rPr lang="es-ES_tradnl" baseline="0" dirty="0" smtClean="0"/>
+              <a:t>Se encarga de las escrituras/lecturas en las </a:t>
+            </a:r>
+            <a:r>
+              <a:rPr lang="es-ES_tradnl" i="0" baseline="0" dirty="0" err="1" smtClean="0"/>
+              <a:t>tablets</a:t>
+            </a:r>
+            <a:r>
+              <a:rPr lang="es-ES_tradnl" baseline="0" dirty="0" smtClean="0"/>
+              <a:t> que tiene cargadas</a:t>
+            </a:r>
+          </a:p>
+          <a:p>
+            <a:pPr marL="628650" lvl="1" indent="-171450">
+              <a:buFont typeface="Arial" panose="020B0604020202020204" pitchFamily="34" charset="0"/>
+              <a:buChar char="•"/>
+            </a:pPr>
+            <a:r>
+              <a:rPr lang="es-ES_tradnl" baseline="0" dirty="0" smtClean="0"/>
+              <a:t>Divide las </a:t>
+            </a:r>
+            <a:r>
+              <a:rPr lang="es-ES_tradnl" baseline="0" dirty="0" err="1" smtClean="0"/>
+              <a:t>tablets</a:t>
+            </a:r>
+            <a:r>
+              <a:rPr lang="es-ES_tradnl" baseline="0" dirty="0" smtClean="0"/>
+              <a:t> que han crecido demasiado</a:t>
+            </a:r>
+            <a:endParaRPr lang="es-ES_tradnl" dirty="0" smtClean="0"/>
+          </a:p>
+          <a:p>
+            <a:pPr marL="0" marR="0" indent="0" algn="l" defTabSz="914400" rtl="0" eaLnBrk="1" fontAlgn="auto" latinLnBrk="0" hangingPunct="1">
+              <a:lnSpc>
+                <a:spcPct val="100000"/>
+              </a:lnSpc>
+              <a:spcBef>
+                <a:spcPts val="0"/>
+              </a:spcBef>
+              <a:spcAft>
+                <a:spcPts val="0"/>
+              </a:spcAft>
+              <a:buClrTx/>
+              <a:buSzTx/>
+              <a:buFontTx/>
+              <a:buNone/>
+              <a:tabLst/>
+              <a:defRPr/>
+            </a:pPr>
+            <a:r>
+              <a:rPr lang="es-ES_tradnl" dirty="0" smtClean="0"/>
+              <a:t>Los datos no pasan</a:t>
+            </a:r>
+            <a:r>
+              <a:rPr lang="es-ES_tradnl" baseline="0" dirty="0" smtClean="0"/>
+              <a:t> por el master, los clientes se comunican directamente con los </a:t>
+            </a:r>
+            <a:r>
+              <a:rPr lang="es-ES_tradnl" baseline="0" dirty="0" err="1" smtClean="0"/>
+              <a:t>tablet</a:t>
+            </a:r>
+            <a:r>
+              <a:rPr lang="es-ES_tradnl" baseline="0" dirty="0" smtClean="0"/>
+              <a:t> server -&gt; el master no esta sobrecargado</a:t>
+            </a:r>
+            <a:endParaRPr lang="es-ES_tradnl" dirty="0" smtClean="0"/>
+          </a:p>
+          <a:p>
+            <a:endParaRPr lang="es-ES_tradnl" dirty="0" smtClean="0"/>
+          </a:p>
+          <a:p>
+            <a:r>
+              <a:rPr lang="es-ES_tradnl" dirty="0" err="1" smtClean="0"/>
+              <a:t>Cluster</a:t>
+            </a:r>
+            <a:r>
+              <a:rPr lang="es-ES_tradnl" baseline="0" dirty="0" smtClean="0"/>
+              <a:t> -&gt; Guarda un conjunto de tablas</a:t>
+            </a:r>
+          </a:p>
+          <a:p>
+            <a:r>
+              <a:rPr lang="es-ES_tradnl" baseline="0" dirty="0" smtClean="0"/>
+              <a:t>Tabla -&gt; Guarda un conjunto de </a:t>
+            </a:r>
+            <a:r>
+              <a:rPr lang="es-ES_tradnl" baseline="0" dirty="0" err="1" smtClean="0"/>
+              <a:t>tablets</a:t>
+            </a:r>
+            <a:endParaRPr lang="es-ES_tradnl" baseline="0" dirty="0" smtClean="0"/>
+          </a:p>
+          <a:p>
+            <a:r>
+              <a:rPr lang="es-ES_tradnl" baseline="0" dirty="0" smtClean="0"/>
+              <a:t>Tablet -&gt; Almacena un rango de filas</a:t>
+            </a:r>
+            <a:endParaRPr lang="es-ES_tradnl" dirty="0" smtClean="0"/>
+          </a:p>
+          <a:p>
+            <a:endParaRPr lang="es-ES_tradnl" dirty="0" smtClean="0"/>
+          </a:p>
+          <a:p>
+            <a:pPr marL="171450" indent="-171450">
+              <a:buFont typeface="Arial" panose="020B0604020202020204" pitchFamily="34" charset="0"/>
+              <a:buChar char="•"/>
+            </a:pPr>
+            <a:r>
+              <a:rPr lang="es-ES_tradnl" dirty="0" smtClean="0"/>
+              <a:t>Inicialmente:</a:t>
+            </a:r>
+            <a:r>
+              <a:rPr lang="es-ES_tradnl" baseline="0" dirty="0" smtClean="0"/>
+              <a:t> Tabla (solo una </a:t>
+            </a:r>
+            <a:r>
+              <a:rPr lang="es-ES_tradnl" baseline="0" dirty="0" err="1" smtClean="0"/>
+              <a:t>tablet</a:t>
+            </a:r>
+            <a:r>
+              <a:rPr lang="es-ES_tradnl" baseline="0" dirty="0" smtClean="0"/>
+              <a:t>, 1GB default) A medida que crece se </a:t>
+            </a:r>
+            <a:r>
+              <a:rPr lang="es-ES_tradnl" baseline="0" dirty="0" err="1" smtClean="0"/>
+              <a:t>dividi</a:t>
+            </a:r>
+            <a:r>
+              <a:rPr lang="es-ES_tradnl" baseline="0" dirty="0" smtClean="0"/>
+              <a:t> automáticamente</a:t>
+            </a:r>
+          </a:p>
+          <a:p>
+            <a:pPr marL="171450" indent="-171450">
+              <a:buFont typeface="Arial" panose="020B0604020202020204" pitchFamily="34" charset="0"/>
+              <a:buChar char="•"/>
+            </a:pPr>
+            <a:r>
+              <a:rPr lang="es-ES_tradnl" baseline="0" dirty="0" smtClean="0"/>
+              <a:t>No soporta tamaños de </a:t>
+            </a:r>
+            <a:r>
+              <a:rPr lang="es-ES_tradnl" baseline="0" dirty="0" err="1" smtClean="0"/>
+              <a:t>tablet</a:t>
+            </a:r>
+            <a:r>
+              <a:rPr lang="es-ES_tradnl" baseline="0" dirty="0" smtClean="0"/>
+              <a:t> extremadamente grandes (solo unos cientos de GB)</a:t>
+            </a:r>
+          </a:p>
+          <a:p>
+            <a:endParaRPr lang="es-ES_tradnl" baseline="0" dirty="0" smtClean="0"/>
+          </a:p>
+          <a:p>
+            <a:r>
+              <a:rPr lang="es-ES_tradnl" b="1" baseline="0" dirty="0" smtClean="0"/>
+              <a:t>Localización de </a:t>
+            </a:r>
+            <a:r>
+              <a:rPr lang="es-ES_tradnl" b="1" baseline="0" dirty="0" err="1" smtClean="0"/>
+              <a:t>tablets</a:t>
+            </a:r>
+            <a:r>
+              <a:rPr lang="es-ES_tradnl" b="1" baseline="0" dirty="0" smtClean="0"/>
+              <a:t>:</a:t>
+            </a:r>
+          </a:p>
+          <a:p>
+            <a:pPr marL="628650" lvl="1" indent="-171450">
+              <a:buFont typeface="Arial" panose="020B0604020202020204" pitchFamily="34" charset="0"/>
+              <a:buChar char="•"/>
+            </a:pPr>
+            <a:r>
+              <a:rPr lang="es-ES_tradnl" baseline="0" dirty="0" smtClean="0"/>
+              <a:t>Estructura de árbol B*</a:t>
+            </a:r>
+          </a:p>
+          <a:p>
+            <a:pPr marL="628650" lvl="1" indent="-171450">
+              <a:buFont typeface="Arial" panose="020B0604020202020204" pitchFamily="34" charset="0"/>
+              <a:buChar char="•"/>
+            </a:pPr>
+            <a:r>
+              <a:rPr lang="es-ES_tradnl" baseline="0" dirty="0" err="1" smtClean="0"/>
+              <a:t>Chubby</a:t>
+            </a:r>
+            <a:r>
+              <a:rPr lang="es-ES_tradnl" baseline="0" dirty="0" smtClean="0"/>
+              <a:t> -&gt; Localización de </a:t>
+            </a:r>
+            <a:r>
+              <a:rPr lang="es-ES_tradnl" baseline="0" dirty="0" err="1" smtClean="0"/>
+              <a:t>root</a:t>
+            </a:r>
+            <a:r>
+              <a:rPr lang="es-ES_tradnl" baseline="0" dirty="0" smtClean="0"/>
+              <a:t> </a:t>
+            </a:r>
+            <a:r>
+              <a:rPr lang="es-ES_tradnl" baseline="0" dirty="0" err="1" smtClean="0"/>
+              <a:t>tablet</a:t>
+            </a:r>
+            <a:endParaRPr lang="es-ES_tradnl" baseline="0" dirty="0" smtClean="0"/>
+          </a:p>
+          <a:p>
+            <a:pPr marL="628650" lvl="1" indent="-171450">
+              <a:buFont typeface="Arial" panose="020B0604020202020204" pitchFamily="34" charset="0"/>
+              <a:buChar char="•"/>
+            </a:pPr>
+            <a:r>
+              <a:rPr lang="es-ES_tradnl" baseline="0" dirty="0" err="1" smtClean="0"/>
+              <a:t>Root</a:t>
+            </a:r>
+            <a:r>
+              <a:rPr lang="es-ES_tradnl" baseline="0" dirty="0" smtClean="0"/>
+              <a:t> </a:t>
+            </a:r>
+            <a:r>
+              <a:rPr lang="es-ES_tradnl" baseline="0" dirty="0" err="1" smtClean="0"/>
+              <a:t>tablet</a:t>
+            </a:r>
+            <a:r>
+              <a:rPr lang="es-ES_tradnl" baseline="0" dirty="0" smtClean="0"/>
+              <a:t> -&gt; Localización de las </a:t>
+            </a:r>
+            <a:r>
+              <a:rPr lang="es-ES_tradnl" baseline="0" dirty="0" err="1" smtClean="0"/>
+              <a:t>tablets</a:t>
+            </a:r>
+            <a:r>
+              <a:rPr lang="es-ES_tradnl" baseline="0" dirty="0" smtClean="0"/>
+              <a:t> de METADATOS (nunca se divide)</a:t>
+            </a:r>
+          </a:p>
+          <a:p>
+            <a:pPr marL="628650" lvl="1" indent="-171450">
+              <a:buFont typeface="Arial" panose="020B0604020202020204" pitchFamily="34" charset="0"/>
+              <a:buChar char="•"/>
+            </a:pPr>
+            <a:r>
+              <a:rPr lang="es-ES_tradnl" baseline="0" dirty="0" smtClean="0"/>
+              <a:t>METADATA </a:t>
+            </a:r>
+            <a:r>
+              <a:rPr lang="es-ES_tradnl" baseline="0" dirty="0" err="1" smtClean="0"/>
+              <a:t>tablet</a:t>
+            </a:r>
+            <a:r>
+              <a:rPr lang="es-ES_tradnl" baseline="0" dirty="0" smtClean="0"/>
+              <a:t> -&gt; Localización de </a:t>
+            </a:r>
+            <a:r>
+              <a:rPr lang="es-ES_tradnl" baseline="0" dirty="0" err="1" smtClean="0"/>
+              <a:t>tablets</a:t>
+            </a:r>
+            <a:r>
+              <a:rPr lang="es-ES_tradnl" baseline="0" dirty="0" smtClean="0"/>
+              <a:t> </a:t>
+            </a:r>
+            <a:r>
+              <a:rPr lang="es-ES_tradnl" baseline="0" smtClean="0"/>
+              <a:t>de usuario</a:t>
+            </a:r>
+            <a:endParaRPr lang="es-ES_tradnl" smtClean="0"/>
+          </a:p>
+          <a:p>
+            <a:endParaRPr lang="es-ES_tradnl" smtClean="0"/>
+          </a:p>
+          <a:p>
+            <a:r>
+              <a:rPr lang="es-ES_tradnl" smtClean="0"/>
+              <a:t>Librería de cliente:</a:t>
+            </a:r>
+          </a:p>
+          <a:p>
+            <a:pPr marL="628650" lvl="1" indent="-171450">
+              <a:buFont typeface="Arial" panose="020B0604020202020204" pitchFamily="34" charset="0"/>
+              <a:buChar char="•"/>
+            </a:pPr>
+            <a:r>
+              <a:rPr lang="es-ES_tradnl" smtClean="0"/>
+              <a:t>Busca</a:t>
+            </a:r>
+            <a:r>
+              <a:rPr lang="es-ES_tradnl" baseline="0" smtClean="0"/>
+              <a:t> a través de la jerarquía la localización de una tablet y la guarda en memoria caché</a:t>
+            </a:r>
+            <a:endParaRPr lang="es-ES_tradnl" smtClean="0"/>
+          </a:p>
+          <a:p>
+            <a:endParaRPr lang="es-ES_tradnl" smtClean="0"/>
+          </a:p>
+          <a:p>
+            <a:endParaRPr lang="es-ES_tradnl" dirty="0" smtClean="0"/>
+          </a:p>
+          <a:p>
+            <a:endParaRPr lang="es-ES_tradnl" dirty="0" smtClean="0"/>
+          </a:p>
+          <a:p>
+            <a:endParaRPr lang="es-ES_tradnl" dirty="0"/>
+          </a:p>
+        </p:txBody>
+      </p:sp>
+      <p:sp>
+        <p:nvSpPr>
+          <p:cNvPr id="4" name="Marcador de número de diapositiva 3"/>
+          <p:cNvSpPr>
+            <a:spLocks noGrp="1"/>
+          </p:cNvSpPr>
+          <p:nvPr>
+            <p:ph type="sldNum" sz="quarter" idx="10"/>
+          </p:nvPr>
+        </p:nvSpPr>
+        <p:spPr/>
+        <p:txBody>
+          <a:bodyPr/>
+          <a:lstStyle/>
+          <a:p>
+            <a:fld id="{189A0E75-B954-4377-A121-414553C96DA1}" type="slidenum">
+              <a:rPr lang="es-ES_tradnl" smtClean="0"/>
+              <a:t>12</a:t>
+            </a:fld>
+            <a:endParaRPr lang="es-ES_tradnl"/>
+          </a:p>
+        </p:txBody>
+      </p:sp>
+    </p:spTree>
+    <p:extLst>
+      <p:ext uri="{BB962C8B-B14F-4D97-AF65-F5344CB8AC3E}">
+        <p14:creationId xmlns:p14="http://schemas.microsoft.com/office/powerpoint/2010/main" val="2879761429"/>
+      </p:ext>
+    </p:extLst>
+  </p:cSld>
+  <p:clrMapOvr>
+    <a:masterClrMapping/>
+  </p:clrMapOvr>
+</p:notes>
+</file>
+
+<file path=ppt/notesSlides/notesSlide5.xml><?xml version="1.0" encoding="utf-8"?>
+<p:notes xmlns:a="http://schemas.openxmlformats.org/drawingml/2006/main" xmlns:r="http://schemas.openxmlformats.org/officeDocument/2006/relationships" xmlns:p="http://schemas.openxmlformats.org/presentationml/2006/main">
+  <p:cSld>
+    <p:spTree>
+      <p:nvGrpSpPr>
+        <p:cNvPr id="1" name=""/>
+        <p:cNvGrpSpPr/>
+        <p:nvPr/>
+      </p:nvGrpSpPr>
+      <p:grpSpPr>
+        <a:xfrm>
+          <a:off x="0" y="0"/>
+          <a:ext cx="0" cy="0"/>
+          <a:chOff x="0" y="0"/>
+          <a:chExt cx="0" cy="0"/>
+        </a:xfrm>
+      </p:grpSpPr>
+      <p:sp>
+        <p:nvSpPr>
+          <p:cNvPr id="2" name="Marcador de imagen de diapositiva 1"/>
+          <p:cNvSpPr>
+            <a:spLocks noGrp="1" noRot="1" noChangeAspect="1"/>
+          </p:cNvSpPr>
+          <p:nvPr>
+            <p:ph type="sldImg"/>
+          </p:nvPr>
+        </p:nvSpPr>
+        <p:spPr/>
+      </p:sp>
+      <p:sp>
+        <p:nvSpPr>
+          <p:cNvPr id="3" name="Marcador de notas 2"/>
+          <p:cNvSpPr>
+            <a:spLocks noGrp="1"/>
+          </p:cNvSpPr>
+          <p:nvPr>
+            <p:ph type="body" idx="1"/>
+          </p:nvPr>
+        </p:nvSpPr>
+        <p:spPr/>
+        <p:txBody>
+          <a:bodyPr/>
+          <a:lstStyle/>
+          <a:p>
+            <a:endParaRPr lang="es-ES_tradnl" dirty="0"/>
+          </a:p>
+        </p:txBody>
+      </p:sp>
+      <p:sp>
+        <p:nvSpPr>
+          <p:cNvPr id="4" name="Marcador de número de diapositiva 3"/>
+          <p:cNvSpPr>
+            <a:spLocks noGrp="1"/>
+          </p:cNvSpPr>
+          <p:nvPr>
+            <p:ph type="sldNum" sz="quarter" idx="10"/>
+          </p:nvPr>
+        </p:nvSpPr>
+        <p:spPr/>
+        <p:txBody>
+          <a:bodyPr/>
+          <a:lstStyle/>
+          <a:p>
+            <a:fld id="{189A0E75-B954-4377-A121-414553C96DA1}" type="slidenum">
+              <a:rPr lang="es-ES_tradnl" smtClean="0"/>
+              <a:t>17</a:t>
+            </a:fld>
+            <a:endParaRPr lang="es-ES_tradnl"/>
+          </a:p>
+        </p:txBody>
+      </p:sp>
+    </p:spTree>
+    <p:extLst>
+      <p:ext uri="{BB962C8B-B14F-4D97-AF65-F5344CB8AC3E}">
+        <p14:creationId xmlns:p14="http://schemas.microsoft.com/office/powerpoint/2010/main" val="1317252472"/>
       </p:ext>
     </p:extLst>
   </p:cSld>
@@ -7068,7 +8200,111 @@
           <a:bodyPr/>
           <a:lstStyle/>
           <a:p>
-            <a:endParaRPr lang="es-ES_tradnl"/>
+            <a:r>
+              <a:rPr lang="es-ES_tradnl" dirty="0" smtClean="0"/>
+              <a:t>Opera en varias máquinas</a:t>
+            </a:r>
+          </a:p>
+          <a:p>
+            <a:r>
+              <a:rPr lang="es-ES_tradnl" dirty="0" smtClean="0"/>
+              <a:t>Manejo de </a:t>
+            </a:r>
+            <a:r>
+              <a:rPr lang="es-ES_tradnl" i="1" dirty="0" err="1" smtClean="0"/>
+              <a:t>clusters</a:t>
+            </a:r>
+            <a:r>
+              <a:rPr lang="es-ES_tradnl" dirty="0" smtClean="0"/>
+              <a:t> de </a:t>
+            </a:r>
+            <a:r>
+              <a:rPr lang="es-ES_tradnl" i="1" dirty="0" smtClean="0"/>
+              <a:t>Google</a:t>
+            </a:r>
+          </a:p>
+          <a:p>
+            <a:r>
+              <a:rPr lang="es-ES_tradnl" dirty="0" smtClean="0"/>
+              <a:t>Usa </a:t>
+            </a:r>
+            <a:r>
+              <a:rPr lang="es-ES_tradnl" i="1" dirty="0" smtClean="0"/>
+              <a:t>GFS</a:t>
+            </a:r>
+            <a:r>
+              <a:rPr lang="es-ES_tradnl" dirty="0" smtClean="0"/>
+              <a:t> (</a:t>
+            </a:r>
+            <a:r>
+              <a:rPr lang="es-ES_tradnl" i="1" dirty="0" smtClean="0"/>
+              <a:t>Google</a:t>
+            </a:r>
+            <a:r>
+              <a:rPr lang="es-ES_tradnl" dirty="0" smtClean="0"/>
+              <a:t> </a:t>
+            </a:r>
+            <a:r>
+              <a:rPr lang="es-ES_tradnl" i="1" dirty="0" smtClean="0"/>
+              <a:t>File</a:t>
+            </a:r>
+            <a:r>
+              <a:rPr lang="es-ES_tradnl" dirty="0" smtClean="0"/>
+              <a:t> </a:t>
+            </a:r>
+            <a:r>
+              <a:rPr lang="es-ES_tradnl" i="1" dirty="0" err="1" smtClean="0"/>
+              <a:t>System</a:t>
+            </a:r>
+            <a:r>
+              <a:rPr lang="es-ES_tradnl" dirty="0" smtClean="0"/>
+              <a:t>)</a:t>
+            </a:r>
+          </a:p>
+          <a:p>
+            <a:r>
+              <a:rPr lang="es-ES_tradnl" dirty="0" smtClean="0"/>
+              <a:t>Formato de archivos </a:t>
+            </a:r>
+            <a:r>
+              <a:rPr lang="es-ES_tradnl" i="1" dirty="0" err="1" smtClean="0"/>
+              <a:t>SSTable</a:t>
+            </a:r>
+            <a:r>
+              <a:rPr lang="es-ES_tradnl" dirty="0" smtClean="0"/>
+              <a:t> (*.</a:t>
+            </a:r>
+            <a:r>
+              <a:rPr lang="es-ES_tradnl" dirty="0" err="1" smtClean="0"/>
+              <a:t>sst</a:t>
+            </a:r>
+            <a:r>
+              <a:rPr lang="es-ES_tradnl" dirty="0" smtClean="0"/>
+              <a:t>)</a:t>
+            </a:r>
+          </a:p>
+          <a:p>
+            <a:r>
+              <a:rPr lang="es-ES_tradnl" i="1" dirty="0" err="1" smtClean="0"/>
+              <a:t>Chubby</a:t>
+            </a:r>
+            <a:r>
+              <a:rPr lang="es-ES_tradnl" dirty="0" smtClean="0"/>
+              <a:t> </a:t>
+            </a:r>
+            <a:r>
+              <a:rPr lang="es-ES_tradnl" i="1" dirty="0" err="1" smtClean="0"/>
+              <a:t>Lock</a:t>
+            </a:r>
+            <a:r>
+              <a:rPr lang="es-ES_tradnl" dirty="0" smtClean="0"/>
+              <a:t> </a:t>
+            </a:r>
+            <a:r>
+              <a:rPr lang="es-ES_tradnl" i="1" dirty="0" err="1" smtClean="0"/>
+              <a:t>Service</a:t>
+            </a:r>
+            <a:endParaRPr lang="es-ES_tradnl" i="1" dirty="0"/>
           </a:p>
         </p:txBody>
       </p:sp>
@@ -7294,10 +8530,94 @@
           <a:bodyPr/>
           <a:lstStyle/>
           <a:p>
-            <a:endParaRPr lang="es-ES_tradnl"/>
-          </a:p>
-        </p:txBody>
-      </p:sp>
+            <a:r>
+              <a:rPr lang="es-ES_tradnl" dirty="0" smtClean="0"/>
+              <a:t>Tres grandes componentes:</a:t>
+            </a:r>
+          </a:p>
+          <a:p>
+            <a:pPr lvl="1"/>
+            <a:r>
+              <a:rPr lang="es-ES_tradnl" dirty="0" smtClean="0"/>
+              <a:t>Librería enlazada a cada cliente</a:t>
+            </a:r>
+          </a:p>
+          <a:p>
+            <a:pPr lvl="1"/>
+            <a:r>
+              <a:rPr lang="es-ES_tradnl" dirty="0" smtClean="0"/>
+              <a:t>Servidor </a:t>
+            </a:r>
+            <a:r>
+              <a:rPr lang="es-ES_tradnl" i="1" dirty="0" smtClean="0"/>
+              <a:t>master</a:t>
+            </a:r>
+          </a:p>
+          <a:p>
+            <a:pPr lvl="1"/>
+            <a:r>
+              <a:rPr lang="es-ES_tradnl" dirty="0" smtClean="0"/>
+              <a:t>Varios servidores de </a:t>
+            </a:r>
+            <a:r>
+              <a:rPr lang="es-ES_tradnl" i="1" dirty="0" err="1" smtClean="0"/>
+              <a:t>tablets</a:t>
+            </a:r>
+            <a:endParaRPr lang="es-ES_tradnl" i="1" dirty="0" smtClean="0"/>
+          </a:p>
+          <a:p>
+            <a:endParaRPr lang="es-ES_tradnl" i="1" dirty="0"/>
+          </a:p>
+          <a:p>
+            <a:endParaRPr lang="es-ES_tradnl" i="1" dirty="0" smtClean="0"/>
+          </a:p>
+          <a:p>
+            <a:r>
+              <a:rPr lang="es-ES_tradnl" dirty="0" smtClean="0"/>
+              <a:t>Localización</a:t>
+            </a:r>
+            <a:br>
+              <a:rPr lang="es-ES_tradnl" dirty="0" smtClean="0"/>
+            </a:br>
+            <a:r>
+              <a:rPr lang="es-ES_tradnl" dirty="0" smtClean="0"/>
+              <a:t>de </a:t>
+            </a:r>
+            <a:r>
+              <a:rPr lang="es-ES_tradnl" i="1" dirty="0" err="1" smtClean="0"/>
+              <a:t>tablets</a:t>
+            </a:r>
+            <a:endParaRPr lang="es-ES_tradnl" i="1" dirty="0"/>
+          </a:p>
+        </p:txBody>
+      </p:sp>
+      <p:pic>
+        <p:nvPicPr>
+          <p:cNvPr id="4" name="Imagen 3"/>
+          <p:cNvPicPr>
+            <a:picLocks noChangeAspect="1"/>
+          </p:cNvPicPr>
+          <p:nvPr/>
+        </p:nvPicPr>
+        <p:blipFill>
+          <a:blip r:embed="rId3"/>
+          <a:stretch>
+            <a:fillRect/>
+          </a:stretch>
+        </p:blipFill>
+        <p:spPr>
+          <a:xfrm>
+            <a:off x="3406120" y="3356993"/>
+            <a:ext cx="5253486" cy="2753472"/>
+          </a:xfrm>
+          <a:prstGeom prst="rect">
+            <a:avLst/>
+          </a:prstGeom>
+          <a:effectLst>
+            <a:softEdge rad="31750"/>
+          </a:effectLst>
+        </p:spPr>
+      </p:pic>
     </p:spTree>
     <p:extLst>
       <p:ext uri="{BB962C8B-B14F-4D97-AF65-F5344CB8AC3E}">
@@ -7376,10 +8696,56 @@
           <a:bodyPr/>
           <a:lstStyle/>
           <a:p>
-            <a:endParaRPr lang="es-ES_tradnl"/>
-          </a:p>
-        </p:txBody>
-      </p:sp>
+            <a:r>
+              <a:rPr lang="es-ES_tradnl" dirty="0" smtClean="0"/>
+              <a:t>Asignación de </a:t>
+            </a:r>
+            <a:r>
+              <a:rPr lang="es-ES_tradnl" dirty="0" err="1" smtClean="0"/>
+              <a:t>tablets</a:t>
+            </a:r>
+            <a:endParaRPr lang="es-ES_tradnl" dirty="0" smtClean="0"/>
+          </a:p>
+          <a:p>
+            <a:r>
+              <a:rPr lang="es-ES_tradnl" dirty="0" smtClean="0"/>
+              <a:t>Servicio de </a:t>
+            </a:r>
+            <a:r>
+              <a:rPr lang="es-ES_tradnl" dirty="0" err="1" smtClean="0"/>
+              <a:t>tablets</a:t>
+            </a:r>
+            <a:endParaRPr lang="es-ES_tradnl" dirty="0"/>
+          </a:p>
+        </p:txBody>
+      </p:sp>
+      <p:pic>
+        <p:nvPicPr>
+          <p:cNvPr id="4" name="Imagen 3"/>
+          <p:cNvPicPr>
+            <a:picLocks noChangeAspect="1"/>
+          </p:cNvPicPr>
+          <p:nvPr/>
+        </p:nvPicPr>
+        <p:blipFill>
+          <a:blip r:embed="rId2"/>
+          <a:stretch>
+            <a:fillRect/>
+          </a:stretch>
+        </p:blipFill>
+        <p:spPr>
+          <a:xfrm>
+            <a:off x="3891877" y="3275955"/>
+            <a:ext cx="4856587" cy="2823094"/>
+          </a:xfrm>
+          <a:prstGeom prst="rect">
+            <a:avLst/>
+          </a:prstGeom>
+          <a:effectLst>
+            <a:softEdge rad="31750"/>
+          </a:effectLst>
+        </p:spPr>
+      </p:pic>
     </p:spTree>
     <p:extLst>
       <p:ext uri="{BB962C8B-B14F-4D97-AF65-F5344CB8AC3E}">
@@ -7602,7 +8968,11 @@
           <a:bodyPr/>
           <a:lstStyle/>
           <a:p>
-            <a:endParaRPr lang="es-ES_tradnl"/>
+            <a:r>
+              <a:rPr lang="es-ES_tradnl" dirty="0" smtClean="0"/>
+              <a:t>ola</a:t>
+            </a:r>
+            <a:endParaRPr lang="es-ES_tradnl" dirty="0"/>
           </a:p>
         </p:txBody>
       </p:sp>
@@ -7823,22 +9193,236 @@
           </a:p>
         </p:txBody>
       </p:sp>
-      <p:sp>
-        <p:nvSpPr>
-          <p:cNvPr id="3" name="Marcador de contenido 2"/>
-          <p:cNvSpPr>
-            <a:spLocks noGrp="1"/>
-          </p:cNvSpPr>
+      <p:pic>
+        <p:nvPicPr>
+          <p:cNvPr id="4" name="Marcador de contenido 3"/>
+          <p:cNvPicPr>
+            <a:picLocks noGrp="1" noChangeAspect="1"/>
+          </p:cNvPicPr>
           <p:nvPr>
             <p:ph sz="quarter" idx="1"/>
           </p:nvPr>
-        </p:nvSpPr>
-        <p:spPr/>
-        <p:txBody>
-          <a:bodyPr/>
-          <a:lstStyle/>
-          <a:p>
-            <a:endParaRPr lang="es-ES_tradnl"/>
+        </p:nvPicPr>
+        <p:blipFill>
+          <a:blip r:embed="rId3">
+            <a:extLst>
+              <a:ext uri="{28A0092B-C50C-407E-A947-70E740481C1C}">
+                <a14:useLocalDpi xmlns:a14="http://schemas.microsoft.com/office/drawing/2010/main" val="0"/>
+              </a:ext>
+            </a:extLst>
+          </a:blip>
+          <a:stretch>
+            <a:fillRect/>
+          </a:stretch>
+        </p:blipFill>
+        <p:spPr>
+          <a:xfrm>
+            <a:off x="7532143" y="295767"/>
+            <a:ext cx="1304009" cy="828977"/>
+          </a:xfrm>
+        </p:spPr>
+      </p:pic>
+      <p:sp>
+        <p:nvSpPr>
+          <p:cNvPr id="5" name="Marcador de contenido 2"/>
+          <p:cNvSpPr txBox="1">
+            <a:spLocks/>
+          </p:cNvSpPr>
+          <p:nvPr/>
+        </p:nvSpPr>
+        <p:spPr>
+          <a:xfrm>
+            <a:off x="301752" y="1527048"/>
+            <a:ext cx="8503920" cy="4572000"/>
+          </a:xfrm>
+          <a:prstGeom prst="rect">
+            <a:avLst/>
+          </a:prstGeom>
+        </p:spPr>
+        <p:txBody>
+          <a:bodyPr vert="horz">
+            <a:normAutofit/>
+          </a:bodyPr>
+          <a:lstStyle>
+            <a:lvl1pPr marL="274320" indent="-274320" algn="l" rtl="0" eaLnBrk="1" latinLnBrk="0" hangingPunct="1">
+              <a:spcBef>
+                <a:spcPct val="20000"/>
+              </a:spcBef>
+              <a:buClr>
+                <a:schemeClr val="accent1"/>
+              </a:buClr>
+              <a:buSzPct val="85000"/>
+              <a:buFont typeface="Wingdings 2"/>
+              <a:buChar char=""/>
+              <a:defRPr kumimoji="0" sz="2700" kern="1200">
+                <a:solidFill>
+                  <a:schemeClr val="tx1"/>
+                </a:solidFill>
+                <a:latin typeface="+mn-lt"/>
+                <a:ea typeface="+mn-ea"/>
+                <a:cs typeface="+mn-cs"/>
+              </a:defRPr>
+            </a:lvl1pPr>
+            <a:lvl2pPr marL="548640" indent="-274320" algn="l" rtl="0" eaLnBrk="1" latinLnBrk="0" hangingPunct="1">
+              <a:spcBef>
+                <a:spcPct val="20000"/>
+              </a:spcBef>
+              <a:buClr>
+                <a:schemeClr val="accent2"/>
+              </a:buClr>
+              <a:buSzPct val="70000"/>
+              <a:buFont typeface="Wingdings"/>
+              <a:buChar char=""/>
+              <a:defRPr kumimoji="0" sz="2200" kern="1200">
+                <a:solidFill>
+                  <a:schemeClr val="tx2"/>
+                </a:solidFill>
+                <a:latin typeface="+mn-lt"/>
+                <a:ea typeface="+mn-ea"/>
+                <a:cs typeface="+mn-cs"/>
+              </a:defRPr>
+            </a:lvl2pPr>
+            <a:lvl3pPr marL="822960" indent="-228600" algn="l" rtl="0" eaLnBrk="1" latinLnBrk="0" hangingPunct="1">
+              <a:spcBef>
+                <a:spcPct val="20000"/>
+              </a:spcBef>
+              <a:buClr>
+                <a:schemeClr val="accent3"/>
+              </a:buClr>
+              <a:buSzPct val="75000"/>
+              <a:buFont typeface="Wingdings 2"/>
+              <a:buChar char=""/>
+              <a:defRPr kumimoji="0" sz="2000" kern="1200">
+                <a:solidFill>
+                  <a:schemeClr val="tx1"/>
+                </a:solidFill>
+                <a:latin typeface="+mn-lt"/>
+                <a:ea typeface="+mn-ea"/>
+                <a:cs typeface="+mn-cs"/>
+              </a:defRPr>
+            </a:lvl3pPr>
+            <a:lvl4pPr marL="1097280" indent="-228600" algn="l" rtl="0" eaLnBrk="1" latinLnBrk="0" hangingPunct="1">
+              <a:spcBef>
+                <a:spcPct val="20000"/>
+              </a:spcBef>
+              <a:buClr>
+                <a:schemeClr val="accent4"/>
+              </a:buClr>
+              <a:buSzPct val="70000"/>
+              <a:buFont typeface="Wingdings"/>
+              <a:buChar char=""/>
+              <a:defRPr kumimoji="0" sz="2000" kern="1200">
+                <a:solidFill>
+                  <a:schemeClr val="tx2"/>
+                </a:solidFill>
+                <a:latin typeface="+mn-lt"/>
+                <a:ea typeface="+mn-ea"/>
+                <a:cs typeface="+mn-cs"/>
+              </a:defRPr>
+            </a:lvl4pPr>
+            <a:lvl5pPr marL="1371600" indent="-228600" algn="l" rtl="0" eaLnBrk="1" latinLnBrk="0" hangingPunct="1">
+              <a:spcBef>
+                <a:spcPct val="20000"/>
+              </a:spcBef>
+              <a:buClr>
+                <a:schemeClr val="accent5"/>
+              </a:buClr>
+              <a:buFontTx/>
+              <a:buChar char="•"/>
+              <a:defRPr kumimoji="0" sz="1800" kern="1200">
+                <a:solidFill>
+                  <a:schemeClr val="tx1"/>
+                </a:solidFill>
+                <a:latin typeface="+mn-lt"/>
+                <a:ea typeface="+mn-ea"/>
+                <a:cs typeface="+mn-cs"/>
+              </a:defRPr>
+            </a:lvl5pPr>
+            <a:lvl6pPr marL="1645920" indent="-182880" algn="l" rtl="0" eaLnBrk="1" latinLnBrk="0" hangingPunct="1">
+              <a:spcBef>
+                <a:spcPct val="20000"/>
+              </a:spcBef>
+              <a:buClr>
+                <a:schemeClr val="accent6"/>
+              </a:buClr>
+              <a:buSzPct val="80000"/>
+              <a:buFont typeface="Wingdings 2"/>
+              <a:buChar char=""/>
+              <a:defRPr kumimoji="0" sz="1800" kern="1200">
+                <a:solidFill>
+                  <a:schemeClr val="tx1"/>
+                </a:solidFill>
+                <a:latin typeface="+mn-lt"/>
+                <a:ea typeface="+mn-ea"/>
+                <a:cs typeface="+mn-cs"/>
+              </a:defRPr>
+            </a:lvl6pPr>
+            <a:lvl7pPr marL="1920240" indent="-182880" algn="l" rtl="0" eaLnBrk="1" latinLnBrk="0" hangingPunct="1">
+              <a:spcBef>
+                <a:spcPct val="20000"/>
+              </a:spcBef>
+              <a:buClr>
+                <a:schemeClr val="accent1">
+                  <a:shade val="75000"/>
+                </a:schemeClr>
+              </a:buClr>
+              <a:buSzPct val="90000"/>
+              <a:buChar char="•"/>
+              <a:defRPr kumimoji="0" sz="1600" kern="1200" baseline="0">
+                <a:solidFill>
+                  <a:schemeClr val="tx1"/>
+                </a:solidFill>
+                <a:latin typeface="+mn-lt"/>
+                <a:ea typeface="+mn-ea"/>
+                <a:cs typeface="+mn-cs"/>
+              </a:defRPr>
+            </a:lvl7pPr>
+            <a:lvl8pPr marL="2103120" indent="-182880" algn="l" rtl="0" eaLnBrk="1" latinLnBrk="0" hangingPunct="1">
+              <a:spcBef>
+                <a:spcPct val="20000"/>
+              </a:spcBef>
+              <a:buClr>
+                <a:schemeClr val="accent4">
+                  <a:shade val="75000"/>
+                </a:schemeClr>
+              </a:buClr>
+              <a:buChar char="•"/>
+              <a:defRPr kumimoji="0" sz="1600" kern="1200">
+                <a:solidFill>
+                  <a:schemeClr val="tx1"/>
+                </a:solidFill>
+                <a:latin typeface="+mn-lt"/>
+                <a:ea typeface="+mn-ea"/>
+                <a:cs typeface="+mn-cs"/>
+              </a:defRPr>
+            </a:lvl8pPr>
+            <a:lvl9pPr marL="2377440" indent="-182880" algn="l" rtl="0" eaLnBrk="1" latinLnBrk="0" hangingPunct="1">
+              <a:spcBef>
+                <a:spcPct val="20000"/>
+              </a:spcBef>
+              <a:buClr>
+                <a:schemeClr val="accent2">
+                  <a:shade val="75000"/>
+                </a:schemeClr>
+              </a:buClr>
+              <a:buSzPct val="90000"/>
+              <a:buChar char="•"/>
+              <a:defRPr kumimoji="0" sz="1400" kern="1200" cap="all" baseline="0">
+                <a:solidFill>
+                  <a:schemeClr val="tx1"/>
+                </a:solidFill>
+                <a:latin typeface="+mn-lt"/>
+                <a:ea typeface="+mn-ea"/>
+                <a:cs typeface="+mn-cs"/>
+              </a:defRPr>
+            </a:lvl9pPr>
+          </a:lstStyle>
+          <a:p>
+            <a:r>
+              <a:rPr lang="es-ES_tradnl" smtClean="0"/>
+              <a:t>ola</a:t>
+            </a:r>
+            <a:endParaRPr lang="es-ES_tradnl" dirty="0"/>
           </a:p>
         </p:txBody>
       </p:sp>
@@ -8059,22 +9643,236 @@
           </a:p>
         </p:txBody>
       </p:sp>
-      <p:sp>
-        <p:nvSpPr>
-          <p:cNvPr id="3" name="Marcador de contenido 2"/>
-          <p:cNvSpPr>
-            <a:spLocks noGrp="1"/>
-          </p:cNvSpPr>
+      <p:pic>
+        <p:nvPicPr>
+          <p:cNvPr id="4" name="Marcador de contenido 3"/>
+          <p:cNvPicPr>
+            <a:picLocks noGrp="1" noChangeAspect="1"/>
+          </p:cNvPicPr>
           <p:nvPr>
             <p:ph sz="quarter" idx="1"/>
           </p:nvPr>
-        </p:nvSpPr>
-        <p:spPr/>
-        <p:txBody>
-          <a:bodyPr/>
-          <a:lstStyle/>
-          <a:p>
-            <a:endParaRPr lang="es-ES_tradnl"/>
+        </p:nvPicPr>
+        <p:blipFill>
+          <a:blip r:embed="rId2" cstate="print">
+            <a:extLst>
+              <a:ext uri="{28A0092B-C50C-407E-A947-70E740481C1C}">
+                <a14:useLocalDpi xmlns:a14="http://schemas.microsoft.com/office/drawing/2010/main" val="0"/>
+              </a:ext>
+            </a:extLst>
+          </a:blip>
+          <a:stretch>
+            <a:fillRect/>
+          </a:stretch>
+        </p:blipFill>
+        <p:spPr>
+          <a:xfrm>
+            <a:off x="7612016" y="332656"/>
+            <a:ext cx="1224136" cy="864096"/>
+          </a:xfrm>
+        </p:spPr>
+      </p:pic>
+      <p:sp>
+        <p:nvSpPr>
+          <p:cNvPr id="5" name="Marcador de contenido 2"/>
+          <p:cNvSpPr txBox="1">
+            <a:spLocks/>
+          </p:cNvSpPr>
+          <p:nvPr/>
+        </p:nvSpPr>
+        <p:spPr>
+          <a:xfrm>
+            <a:off x="301752" y="1527048"/>
+            <a:ext cx="8503920" cy="4572000"/>
+          </a:xfrm>
+          <a:prstGeom prst="rect">
+            <a:avLst/>
+          </a:prstGeom>
+        </p:spPr>
+        <p:txBody>
+          <a:bodyPr vert="horz">
+            <a:normAutofit/>
+          </a:bodyPr>
+          <a:lstStyle>
+            <a:lvl1pPr marL="274320" indent="-274320" algn="l" rtl="0" eaLnBrk="1" latinLnBrk="0" hangingPunct="1">
+              <a:spcBef>
+                <a:spcPct val="20000"/>
+              </a:spcBef>
+              <a:buClr>
+                <a:schemeClr val="accent1"/>
+              </a:buClr>
+              <a:buSzPct val="85000"/>
+              <a:buFont typeface="Wingdings 2"/>
+              <a:buChar char=""/>
+              <a:defRPr kumimoji="0" sz="2700" kern="1200">
+                <a:solidFill>
+                  <a:schemeClr val="tx1"/>
+                </a:solidFill>
+                <a:latin typeface="+mn-lt"/>
+                <a:ea typeface="+mn-ea"/>
+                <a:cs typeface="+mn-cs"/>
+              </a:defRPr>
+            </a:lvl1pPr>
+            <a:lvl2pPr marL="548640" indent="-274320" algn="l" rtl="0" eaLnBrk="1" latinLnBrk="0" hangingPunct="1">
+              <a:spcBef>
+                <a:spcPct val="20000"/>
+              </a:spcBef>
+              <a:buClr>
+                <a:schemeClr val="accent2"/>
+              </a:buClr>
+              <a:buSzPct val="70000"/>
+              <a:buFont typeface="Wingdings"/>
+              <a:buChar char=""/>
+              <a:defRPr kumimoji="0" sz="2200" kern="1200">
+                <a:solidFill>
+                  <a:schemeClr val="tx2"/>
+                </a:solidFill>
+                <a:latin typeface="+mn-lt"/>
+                <a:ea typeface="+mn-ea"/>
+                <a:cs typeface="+mn-cs"/>
+              </a:defRPr>
+            </a:lvl2pPr>
+            <a:lvl3pPr marL="822960" indent="-228600" algn="l" rtl="0" eaLnBrk="1" latinLnBrk="0" hangingPunct="1">
+              <a:spcBef>
+                <a:spcPct val="20000"/>
+              </a:spcBef>
+              <a:buClr>
+                <a:schemeClr val="accent3"/>
+              </a:buClr>
+              <a:buSzPct val="75000"/>
+              <a:buFont typeface="Wingdings 2"/>
+              <a:buChar char=""/>
+              <a:defRPr kumimoji="0" sz="2000" kern="1200">
+                <a:solidFill>
+                  <a:schemeClr val="tx1"/>
+                </a:solidFill>
+                <a:latin typeface="+mn-lt"/>
+                <a:ea typeface="+mn-ea"/>
+                <a:cs typeface="+mn-cs"/>
+              </a:defRPr>
+            </a:lvl3pPr>
+            <a:lvl4pPr marL="1097280" indent="-228600" algn="l" rtl="0" eaLnBrk="1" latinLnBrk="0" hangingPunct="1">
+              <a:spcBef>
+                <a:spcPct val="20000"/>
+              </a:spcBef>
+              <a:buClr>
+                <a:schemeClr val="accent4"/>
+              </a:buClr>
+              <a:buSzPct val="70000"/>
+              <a:buFont typeface="Wingdings"/>
+              <a:buChar char=""/>
+              <a:defRPr kumimoji="0" sz="2000" kern="1200">
+                <a:solidFill>
+                  <a:schemeClr val="tx2"/>
+                </a:solidFill>
+                <a:latin typeface="+mn-lt"/>
+                <a:ea typeface="+mn-ea"/>
+                <a:cs typeface="+mn-cs"/>
+              </a:defRPr>
+            </a:lvl4pPr>
+            <a:lvl5pPr marL="1371600" indent="-228600" algn="l" rtl="0" eaLnBrk="1" latinLnBrk="0" hangingPunct="1">
+              <a:spcBef>
+                <a:spcPct val="20000"/>
+              </a:spcBef>
+              <a:buClr>
+                <a:schemeClr val="accent5"/>
+              </a:buClr>
+              <a:buFontTx/>
+              <a:buChar char="•"/>
+              <a:defRPr kumimoji="0" sz="1800" kern="1200">
+                <a:solidFill>
+                  <a:schemeClr val="tx1"/>
+                </a:solidFill>
+                <a:latin typeface="+mn-lt"/>
+                <a:ea typeface="+mn-ea"/>
+                <a:cs typeface="+mn-cs"/>
+              </a:defRPr>
+            </a:lvl5pPr>
+            <a:lvl6pPr marL="1645920" indent="-182880" algn="l" rtl="0" eaLnBrk="1" latinLnBrk="0" hangingPunct="1">
+              <a:spcBef>
+                <a:spcPct val="20000"/>
+              </a:spcBef>
+              <a:buClr>
+                <a:schemeClr val="accent6"/>
+              </a:buClr>
+              <a:buSzPct val="80000"/>
+              <a:buFont typeface="Wingdings 2"/>
+              <a:buChar char=""/>
+              <a:defRPr kumimoji="0" sz="1800" kern="1200">
+                <a:solidFill>
+                  <a:schemeClr val="tx1"/>
+                </a:solidFill>
+                <a:latin typeface="+mn-lt"/>
+                <a:ea typeface="+mn-ea"/>
+                <a:cs typeface="+mn-cs"/>
+              </a:defRPr>
+            </a:lvl6pPr>
+            <a:lvl7pPr marL="1920240" indent="-182880" algn="l" rtl="0" eaLnBrk="1" latinLnBrk="0" hangingPunct="1">
+              <a:spcBef>
+                <a:spcPct val="20000"/>
+              </a:spcBef>
+              <a:buClr>
+                <a:schemeClr val="accent1">
+                  <a:shade val="75000"/>
+                </a:schemeClr>
+              </a:buClr>
+              <a:buSzPct val="90000"/>
+              <a:buChar char="•"/>
+              <a:defRPr kumimoji="0" sz="1600" kern="1200" baseline="0">
+                <a:solidFill>
+                  <a:schemeClr val="tx1"/>
+                </a:solidFill>
+                <a:latin typeface="+mn-lt"/>
+                <a:ea typeface="+mn-ea"/>
+                <a:cs typeface="+mn-cs"/>
+              </a:defRPr>
+            </a:lvl7pPr>
+            <a:lvl8pPr marL="2103120" indent="-182880" algn="l" rtl="0" eaLnBrk="1" latinLnBrk="0" hangingPunct="1">
+              <a:spcBef>
+                <a:spcPct val="20000"/>
+              </a:spcBef>
+              <a:buClr>
+                <a:schemeClr val="accent4">
+                  <a:shade val="75000"/>
+                </a:schemeClr>
+              </a:buClr>
+              <a:buChar char="•"/>
+              <a:defRPr kumimoji="0" sz="1600" kern="1200">
+                <a:solidFill>
+                  <a:schemeClr val="tx1"/>
+                </a:solidFill>
+                <a:latin typeface="+mn-lt"/>
+                <a:ea typeface="+mn-ea"/>
+                <a:cs typeface="+mn-cs"/>
+              </a:defRPr>
+            </a:lvl8pPr>
+            <a:lvl9pPr marL="2377440" indent="-182880" algn="l" rtl="0" eaLnBrk="1" latinLnBrk="0" hangingPunct="1">
+              <a:spcBef>
+                <a:spcPct val="20000"/>
+              </a:spcBef>
+              <a:buClr>
+                <a:schemeClr val="accent2">
+                  <a:shade val="75000"/>
+                </a:schemeClr>
+              </a:buClr>
+              <a:buSzPct val="90000"/>
+              <a:buChar char="•"/>
+              <a:defRPr kumimoji="0" sz="1400" kern="1200" cap="all" baseline="0">
+                <a:solidFill>
+                  <a:schemeClr val="tx1"/>
+                </a:solidFill>
+                <a:latin typeface="+mn-lt"/>
+                <a:ea typeface="+mn-ea"/>
+                <a:cs typeface="+mn-cs"/>
+              </a:defRPr>
+            </a:lvl9pPr>
+          </a:lstStyle>
+          <a:p>
+            <a:r>
+              <a:rPr lang="es-ES_tradnl" smtClean="0"/>
+              <a:t>ola</a:t>
+            </a:r>
+            <a:endParaRPr lang="es-ES_tradnl" dirty="0"/>
           </a:p>
         </p:txBody>
       </p:sp>
@@ -8404,22 +10202,236 @@
           </a:p>
         </p:txBody>
       </p:sp>
-      <p:sp>
-        <p:nvSpPr>
-          <p:cNvPr id="3" name="Marcador de contenido 2"/>
-          <p:cNvSpPr>
-            <a:spLocks noGrp="1"/>
-          </p:cNvSpPr>
+      <p:pic>
+        <p:nvPicPr>
+          <p:cNvPr id="6" name="Marcador de contenido 5"/>
+          <p:cNvPicPr>
+            <a:picLocks noGrp="1" noChangeAspect="1"/>
+          </p:cNvPicPr>
           <p:nvPr>
             <p:ph sz="quarter" idx="1"/>
           </p:nvPr>
-        </p:nvSpPr>
-        <p:spPr/>
-        <p:txBody>
-          <a:bodyPr/>
-          <a:lstStyle/>
-          <a:p>
-            <a:endParaRPr lang="es-ES_tradnl"/>
+        </p:nvPicPr>
+        <p:blipFill>
+          <a:blip r:embed="rId2" cstate="print">
+            <a:extLst>
+              <a:ext uri="{28A0092B-C50C-407E-A947-70E740481C1C}">
+                <a14:useLocalDpi xmlns:a14="http://schemas.microsoft.com/office/drawing/2010/main" val="0"/>
+              </a:ext>
+            </a:extLst>
+          </a:blip>
+          <a:stretch>
+            <a:fillRect/>
+          </a:stretch>
+        </p:blipFill>
+        <p:spPr>
+          <a:xfrm>
+            <a:off x="7569745" y="464399"/>
+            <a:ext cx="1269791" cy="588337"/>
+          </a:xfrm>
+        </p:spPr>
+      </p:pic>
+      <p:sp>
+        <p:nvSpPr>
+          <p:cNvPr id="7" name="Marcador de contenido 2"/>
+          <p:cNvSpPr txBox="1">
+            <a:spLocks/>
+          </p:cNvSpPr>
+          <p:nvPr/>
+        </p:nvSpPr>
+        <p:spPr>
+          <a:xfrm>
+            <a:off x="301752" y="1527048"/>
+            <a:ext cx="8503920" cy="4572000"/>
+          </a:xfrm>
+          <a:prstGeom prst="rect">
+            <a:avLst/>
+          </a:prstGeom>
+        </p:spPr>
+        <p:txBody>
+          <a:bodyPr vert="horz">
+            <a:normAutofit/>
+          </a:bodyPr>
+          <a:lstStyle>
+            <a:lvl1pPr marL="274320" indent="-274320" algn="l" rtl="0" eaLnBrk="1" latinLnBrk="0" hangingPunct="1">
+              <a:spcBef>
+                <a:spcPct val="20000"/>
+              </a:spcBef>
+              <a:buClr>
+                <a:schemeClr val="accent1"/>
+              </a:buClr>
+              <a:buSzPct val="85000"/>
+              <a:buFont typeface="Wingdings 2"/>
+              <a:buChar char=""/>
+              <a:defRPr kumimoji="0" sz="2700" kern="1200">
+                <a:solidFill>
+                  <a:schemeClr val="tx1"/>
+                </a:solidFill>
+                <a:latin typeface="+mn-lt"/>
+                <a:ea typeface="+mn-ea"/>
+                <a:cs typeface="+mn-cs"/>
+              </a:defRPr>
+            </a:lvl1pPr>
+            <a:lvl2pPr marL="548640" indent="-274320" algn="l" rtl="0" eaLnBrk="1" latinLnBrk="0" hangingPunct="1">
+              <a:spcBef>
+                <a:spcPct val="20000"/>
+              </a:spcBef>
+              <a:buClr>
+                <a:schemeClr val="accent2"/>
+              </a:buClr>
+              <a:buSzPct val="70000"/>
+              <a:buFont typeface="Wingdings"/>
+              <a:buChar char=""/>
+              <a:defRPr kumimoji="0" sz="2200" kern="1200">
+                <a:solidFill>
+                  <a:schemeClr val="tx2"/>
+                </a:solidFill>
+                <a:latin typeface="+mn-lt"/>
+                <a:ea typeface="+mn-ea"/>
+                <a:cs typeface="+mn-cs"/>
+              </a:defRPr>
+            </a:lvl2pPr>
+            <a:lvl3pPr marL="822960" indent="-228600" algn="l" rtl="0" eaLnBrk="1" latinLnBrk="0" hangingPunct="1">
+              <a:spcBef>
+                <a:spcPct val="20000"/>
+              </a:spcBef>
+              <a:buClr>
+                <a:schemeClr val="accent3"/>
+              </a:buClr>
+              <a:buSzPct val="75000"/>
+              <a:buFont typeface="Wingdings 2"/>
+              <a:buChar char=""/>
+              <a:defRPr kumimoji="0" sz="2000" kern="1200">
+                <a:solidFill>
+                  <a:schemeClr val="tx1"/>
+                </a:solidFill>
+                <a:latin typeface="+mn-lt"/>
+                <a:ea typeface="+mn-ea"/>
+                <a:cs typeface="+mn-cs"/>
+              </a:defRPr>
+            </a:lvl3pPr>
+            <a:lvl4pPr marL="1097280" indent="-228600" algn="l" rtl="0" eaLnBrk="1" latinLnBrk="0" hangingPunct="1">
+              <a:spcBef>
+                <a:spcPct val="20000"/>
+              </a:spcBef>
+              <a:buClr>
+                <a:schemeClr val="accent4"/>
+              </a:buClr>
+              <a:buSzPct val="70000"/>
+              <a:buFont typeface="Wingdings"/>
+              <a:buChar char=""/>
+              <a:defRPr kumimoji="0" sz="2000" kern="1200">
+                <a:solidFill>
+                  <a:schemeClr val="tx2"/>
+                </a:solidFill>
+                <a:latin typeface="+mn-lt"/>
+                <a:ea typeface="+mn-ea"/>
+                <a:cs typeface="+mn-cs"/>
+              </a:defRPr>
+            </a:lvl4pPr>
+            <a:lvl5pPr marL="1371600" indent="-228600" algn="l" rtl="0" eaLnBrk="1" latinLnBrk="0" hangingPunct="1">
+              <a:spcBef>
+                <a:spcPct val="20000"/>
+              </a:spcBef>
+              <a:buClr>
+                <a:schemeClr val="accent5"/>
+              </a:buClr>
+              <a:buFontTx/>
+              <a:buChar char="•"/>
+              <a:defRPr kumimoji="0" sz="1800" kern="1200">
+                <a:solidFill>
+                  <a:schemeClr val="tx1"/>
+                </a:solidFill>
+                <a:latin typeface="+mn-lt"/>
+                <a:ea typeface="+mn-ea"/>
+                <a:cs typeface="+mn-cs"/>
+              </a:defRPr>
+            </a:lvl5pPr>
+            <a:lvl6pPr marL="1645920" indent="-182880" algn="l" rtl="0" eaLnBrk="1" latinLnBrk="0" hangingPunct="1">
+              <a:spcBef>
+                <a:spcPct val="20000"/>
+              </a:spcBef>
+              <a:buClr>
+                <a:schemeClr val="accent6"/>
+              </a:buClr>
+              <a:buSzPct val="80000"/>
+              <a:buFont typeface="Wingdings 2"/>
+              <a:buChar char=""/>
+              <a:defRPr kumimoji="0" sz="1800" kern="1200">
+                <a:solidFill>
+                  <a:schemeClr val="tx1"/>
+                </a:solidFill>
+                <a:latin typeface="+mn-lt"/>
+                <a:ea typeface="+mn-ea"/>
+                <a:cs typeface="+mn-cs"/>
+              </a:defRPr>
+            </a:lvl6pPr>
+            <a:lvl7pPr marL="1920240" indent="-182880" algn="l" rtl="0" eaLnBrk="1" latinLnBrk="0" hangingPunct="1">
+              <a:spcBef>
+                <a:spcPct val="20000"/>
+              </a:spcBef>
+              <a:buClr>
+                <a:schemeClr val="accent1">
+                  <a:shade val="75000"/>
+                </a:schemeClr>
+              </a:buClr>
+              <a:buSzPct val="90000"/>
+              <a:buChar char="•"/>
+              <a:defRPr kumimoji="0" sz="1600" kern="1200" baseline="0">
+                <a:solidFill>
+                  <a:schemeClr val="tx1"/>
+                </a:solidFill>
+                <a:latin typeface="+mn-lt"/>
+                <a:ea typeface="+mn-ea"/>
+                <a:cs typeface="+mn-cs"/>
+              </a:defRPr>
+            </a:lvl7pPr>
+            <a:lvl8pPr marL="2103120" indent="-182880" algn="l" rtl="0" eaLnBrk="1" latinLnBrk="0" hangingPunct="1">
+              <a:spcBef>
+                <a:spcPct val="20000"/>
+              </a:spcBef>
+              <a:buClr>
+                <a:schemeClr val="accent4">
+                  <a:shade val="75000"/>
+                </a:schemeClr>
+              </a:buClr>
+              <a:buChar char="•"/>
+              <a:defRPr kumimoji="0" sz="1600" kern="1200">
+                <a:solidFill>
+                  <a:schemeClr val="tx1"/>
+                </a:solidFill>
+                <a:latin typeface="+mn-lt"/>
+                <a:ea typeface="+mn-ea"/>
+                <a:cs typeface="+mn-cs"/>
+              </a:defRPr>
+            </a:lvl8pPr>
+            <a:lvl9pPr marL="2377440" indent="-182880" algn="l" rtl="0" eaLnBrk="1" latinLnBrk="0" hangingPunct="1">
+              <a:spcBef>
+                <a:spcPct val="20000"/>
+              </a:spcBef>
+              <a:buClr>
+                <a:schemeClr val="accent2">
+                  <a:shade val="75000"/>
+                </a:schemeClr>
+              </a:buClr>
+              <a:buSzPct val="90000"/>
+              <a:buChar char="•"/>
+              <a:defRPr kumimoji="0" sz="1400" kern="1200" cap="all" baseline="0">
+                <a:solidFill>
+                  <a:schemeClr val="tx1"/>
+                </a:solidFill>
+                <a:latin typeface="+mn-lt"/>
+                <a:ea typeface="+mn-ea"/>
+                <a:cs typeface="+mn-cs"/>
+              </a:defRPr>
+            </a:lvl9pPr>
+          </a:lstStyle>
+          <a:p>
+            <a:r>
+              <a:rPr lang="es-ES_tradnl" smtClean="0"/>
+              <a:t>ola</a:t>
+            </a:r>
+            <a:endParaRPr lang="es-ES_tradnl" dirty="0"/>
           </a:p>
         </p:txBody>
       </p:sp>
@@ -8640,22 +10652,236 @@
           </a:p>
         </p:txBody>
       </p:sp>
-      <p:sp>
-        <p:nvSpPr>
-          <p:cNvPr id="3" name="Marcador de contenido 2"/>
-          <p:cNvSpPr>
-            <a:spLocks noGrp="1"/>
-          </p:cNvSpPr>
+      <p:pic>
+        <p:nvPicPr>
+          <p:cNvPr id="4" name="Marcador de contenido 3"/>
+          <p:cNvPicPr>
+            <a:picLocks noGrp="1" noChangeAspect="1"/>
+          </p:cNvPicPr>
           <p:nvPr>
             <p:ph sz="quarter" idx="1"/>
           </p:nvPr>
-        </p:nvSpPr>
-        <p:spPr/>
-        <p:txBody>
-          <a:bodyPr/>
-          <a:lstStyle/>
-          <a:p>
-            <a:endParaRPr lang="es-ES_tradnl"/>
+        </p:nvPicPr>
+        <p:blipFill>
+          <a:blip r:embed="rId2" cstate="print">
+            <a:extLst>
+              <a:ext uri="{28A0092B-C50C-407E-A947-70E740481C1C}">
+                <a14:useLocalDpi xmlns:a14="http://schemas.microsoft.com/office/drawing/2010/main" val="0"/>
+              </a:ext>
+            </a:extLst>
+          </a:blip>
+          <a:stretch>
+            <a:fillRect/>
+          </a:stretch>
+        </p:blipFill>
+        <p:spPr>
+          <a:xfrm>
+            <a:off x="7649105" y="332656"/>
+            <a:ext cx="1099359" cy="720080"/>
+          </a:xfrm>
+        </p:spPr>
+      </p:pic>
+      <p:sp>
+        <p:nvSpPr>
+          <p:cNvPr id="5" name="Marcador de contenido 2"/>
+          <p:cNvSpPr txBox="1">
+            <a:spLocks/>
+          </p:cNvSpPr>
+          <p:nvPr/>
+        </p:nvSpPr>
+        <p:spPr>
+          <a:xfrm>
+            <a:off x="301752" y="1527048"/>
+            <a:ext cx="8503920" cy="4572000"/>
+          </a:xfrm>
+          <a:prstGeom prst="rect">
+            <a:avLst/>
+          </a:prstGeom>
+        </p:spPr>
+        <p:txBody>
+          <a:bodyPr vert="horz">
+            <a:normAutofit/>
+          </a:bodyPr>
+          <a:lstStyle>
+            <a:lvl1pPr marL="274320" indent="-274320" algn="l" rtl="0" eaLnBrk="1" latinLnBrk="0" hangingPunct="1">
+              <a:spcBef>
+                <a:spcPct val="20000"/>
+              </a:spcBef>
+              <a:buClr>
+                <a:schemeClr val="accent1"/>
+              </a:buClr>
+              <a:buSzPct val="85000"/>
+              <a:buFont typeface="Wingdings 2"/>
+              <a:buChar char=""/>
+              <a:defRPr kumimoji="0" sz="2700" kern="1200">
+                <a:solidFill>
+                  <a:schemeClr val="tx1"/>
+                </a:solidFill>
+                <a:latin typeface="+mn-lt"/>
+                <a:ea typeface="+mn-ea"/>
+                <a:cs typeface="+mn-cs"/>
+              </a:defRPr>
+            </a:lvl1pPr>
+            <a:lvl2pPr marL="548640" indent="-274320" algn="l" rtl="0" eaLnBrk="1" latinLnBrk="0" hangingPunct="1">
+              <a:spcBef>
+                <a:spcPct val="20000"/>
+              </a:spcBef>
+              <a:buClr>
+                <a:schemeClr val="accent2"/>
+              </a:buClr>
+              <a:buSzPct val="70000"/>
+              <a:buFont typeface="Wingdings"/>
+              <a:buChar char=""/>
+              <a:defRPr kumimoji="0" sz="2200" kern="1200">
+                <a:solidFill>
+                  <a:schemeClr val="tx2"/>
+                </a:solidFill>
+                <a:latin typeface="+mn-lt"/>
+                <a:ea typeface="+mn-ea"/>
+                <a:cs typeface="+mn-cs"/>
+              </a:defRPr>
+            </a:lvl2pPr>
+            <a:lvl3pPr marL="822960" indent="-228600" algn="l" rtl="0" eaLnBrk="1" latinLnBrk="0" hangingPunct="1">
+              <a:spcBef>
+                <a:spcPct val="20000"/>
+              </a:spcBef>
+              <a:buClr>
+                <a:schemeClr val="accent3"/>
+              </a:buClr>
+              <a:buSzPct val="75000"/>
+              <a:buFont typeface="Wingdings 2"/>
+              <a:buChar char=""/>
+              <a:defRPr kumimoji="0" sz="2000" kern="1200">
+                <a:solidFill>
+                  <a:schemeClr val="tx1"/>
+                </a:solidFill>
+                <a:latin typeface="+mn-lt"/>
+                <a:ea typeface="+mn-ea"/>
+                <a:cs typeface="+mn-cs"/>
+              </a:defRPr>
+            </a:lvl3pPr>
+            <a:lvl4pPr marL="1097280" indent="-228600" algn="l" rtl="0" eaLnBrk="1" latinLnBrk="0" hangingPunct="1">
+              <a:spcBef>
+                <a:spcPct val="20000"/>
+              </a:spcBef>
+              <a:buClr>
+                <a:schemeClr val="accent4"/>
+              </a:buClr>
+              <a:buSzPct val="70000"/>
+              <a:buFont typeface="Wingdings"/>
+              <a:buChar char=""/>
+              <a:defRPr kumimoji="0" sz="2000" kern="1200">
+                <a:solidFill>
+                  <a:schemeClr val="tx2"/>
+                </a:solidFill>
+                <a:latin typeface="+mn-lt"/>
+                <a:ea typeface="+mn-ea"/>
+                <a:cs typeface="+mn-cs"/>
+              </a:defRPr>
+            </a:lvl4pPr>
+            <a:lvl5pPr marL="1371600" indent="-228600" algn="l" rtl="0" eaLnBrk="1" latinLnBrk="0" hangingPunct="1">
+              <a:spcBef>
+                <a:spcPct val="20000"/>
+              </a:spcBef>
+              <a:buClr>
+                <a:schemeClr val="accent5"/>
+              </a:buClr>
+              <a:buFontTx/>
+              <a:buChar char="•"/>
+              <a:defRPr kumimoji="0" sz="1800" kern="1200">
+                <a:solidFill>
+                  <a:schemeClr val="tx1"/>
+                </a:solidFill>
+                <a:latin typeface="+mn-lt"/>
+                <a:ea typeface="+mn-ea"/>
+                <a:cs typeface="+mn-cs"/>
+              </a:defRPr>
+            </a:lvl5pPr>
+            <a:lvl6pPr marL="1645920" indent="-182880" algn="l" rtl="0" eaLnBrk="1" latinLnBrk="0" hangingPunct="1">
+              <a:spcBef>
+                <a:spcPct val="20000"/>
+              </a:spcBef>
+              <a:buClr>
+                <a:schemeClr val="accent6"/>
+              </a:buClr>
+              <a:buSzPct val="80000"/>
+              <a:buFont typeface="Wingdings 2"/>
+              <a:buChar char=""/>
+              <a:defRPr kumimoji="0" sz="1800" kern="1200">
+                <a:solidFill>
+                  <a:schemeClr val="tx1"/>
+                </a:solidFill>
+                <a:latin typeface="+mn-lt"/>
+                <a:ea typeface="+mn-ea"/>
+                <a:cs typeface="+mn-cs"/>
+              </a:defRPr>
+            </a:lvl6pPr>
+            <a:lvl7pPr marL="1920240" indent="-182880" algn="l" rtl="0" eaLnBrk="1" latinLnBrk="0" hangingPunct="1">
+              <a:spcBef>
+                <a:spcPct val="20000"/>
+              </a:spcBef>
+              <a:buClr>
+                <a:schemeClr val="accent1">
+                  <a:shade val="75000"/>
+                </a:schemeClr>
+              </a:buClr>
+              <a:buSzPct val="90000"/>
+              <a:buChar char="•"/>
+              <a:defRPr kumimoji="0" sz="1600" kern="1200" baseline="0">
+                <a:solidFill>
+                  <a:schemeClr val="tx1"/>
+                </a:solidFill>
+                <a:latin typeface="+mn-lt"/>
+                <a:ea typeface="+mn-ea"/>
+                <a:cs typeface="+mn-cs"/>
+              </a:defRPr>
+            </a:lvl7pPr>
+            <a:lvl8pPr marL="2103120" indent="-182880" algn="l" rtl="0" eaLnBrk="1" latinLnBrk="0" hangingPunct="1">
+              <a:spcBef>
+                <a:spcPct val="20000"/>
+              </a:spcBef>
+              <a:buClr>
+                <a:schemeClr val="accent4">
+                  <a:shade val="75000"/>
+                </a:schemeClr>
+              </a:buClr>
+              <a:buChar char="•"/>
+              <a:defRPr kumimoji="0" sz="1600" kern="1200">
+                <a:solidFill>
+                  <a:schemeClr val="tx1"/>
+                </a:solidFill>
+                <a:latin typeface="+mn-lt"/>
+                <a:ea typeface="+mn-ea"/>
+                <a:cs typeface="+mn-cs"/>
+              </a:defRPr>
+            </a:lvl8pPr>
+            <a:lvl9pPr marL="2377440" indent="-182880" algn="l" rtl="0" eaLnBrk="1" latinLnBrk="0" hangingPunct="1">
+              <a:spcBef>
+                <a:spcPct val="20000"/>
+              </a:spcBef>
+              <a:buClr>
+                <a:schemeClr val="accent2">
+                  <a:shade val="75000"/>
+                </a:schemeClr>
+              </a:buClr>
+              <a:buSzPct val="90000"/>
+              <a:buChar char="•"/>
+              <a:defRPr kumimoji="0" sz="1400" kern="1200" cap="all" baseline="0">
+                <a:solidFill>
+                  <a:schemeClr val="tx1"/>
+                </a:solidFill>
+                <a:latin typeface="+mn-lt"/>
+                <a:ea typeface="+mn-ea"/>
+                <a:cs typeface="+mn-cs"/>
+              </a:defRPr>
+            </a:lvl9pPr>
+          </a:lstStyle>
+          <a:p>
+            <a:r>
+              <a:rPr lang="es-ES_tradnl" smtClean="0"/>
+              <a:t>ola</a:t>
+            </a:r>
+            <a:endParaRPr lang="es-ES_tradnl" dirty="0"/>
           </a:p>
         </p:txBody>
       </p:sp>
@@ -8876,22 +11102,236 @@
           </a:p>
         </p:txBody>
       </p:sp>
-      <p:sp>
-        <p:nvSpPr>
-          <p:cNvPr id="3" name="Marcador de contenido 2"/>
-          <p:cNvSpPr>
-            <a:spLocks noGrp="1"/>
-          </p:cNvSpPr>
+      <p:pic>
+        <p:nvPicPr>
+          <p:cNvPr id="4" name="Marcador de contenido 3"/>
+          <p:cNvPicPr>
+            <a:picLocks noGrp="1" noChangeAspect="1"/>
+          </p:cNvPicPr>
           <p:nvPr>
             <p:ph sz="quarter" idx="1"/>
           </p:nvPr>
-        </p:nvSpPr>
-        <p:spPr/>
-        <p:txBody>
-          <a:bodyPr/>
-          <a:lstStyle/>
-          <a:p>
-            <a:endParaRPr lang="es-ES_tradnl"/>
+        </p:nvPicPr>
+        <p:blipFill>
+          <a:blip r:embed="rId2" cstate="print">
+            <a:extLst>
+              <a:ext uri="{28A0092B-C50C-407E-A947-70E740481C1C}">
+                <a14:useLocalDpi xmlns:a14="http://schemas.microsoft.com/office/drawing/2010/main" val="0"/>
+              </a:ext>
+            </a:extLst>
+          </a:blip>
+          <a:stretch>
+            <a:fillRect/>
+          </a:stretch>
+        </p:blipFill>
+        <p:spPr>
+          <a:xfrm>
+            <a:off x="7519565" y="232024"/>
+            <a:ext cx="1372915" cy="1008112"/>
+          </a:xfrm>
+        </p:spPr>
+      </p:pic>
+      <p:sp>
+        <p:nvSpPr>
+          <p:cNvPr id="5" name="Marcador de contenido 2"/>
+          <p:cNvSpPr txBox="1">
+            <a:spLocks/>
+          </p:cNvSpPr>
+          <p:nvPr/>
+        </p:nvSpPr>
+        <p:spPr>
+          <a:xfrm>
+            <a:off x="301752" y="1527048"/>
+            <a:ext cx="8503920" cy="4572000"/>
+          </a:xfrm>
+          <a:prstGeom prst="rect">
+            <a:avLst/>
+          </a:prstGeom>
+        </p:spPr>
+        <p:txBody>
+          <a:bodyPr vert="horz">
+            <a:normAutofit/>
+          </a:bodyPr>
+          <a:lstStyle>
+            <a:lvl1pPr marL="274320" indent="-274320" algn="l" rtl="0" eaLnBrk="1" latinLnBrk="0" hangingPunct="1">
+              <a:spcBef>
+                <a:spcPct val="20000"/>
+              </a:spcBef>
+              <a:buClr>
+                <a:schemeClr val="accent1"/>
+              </a:buClr>
+              <a:buSzPct val="85000"/>
+              <a:buFont typeface="Wingdings 2"/>
+              <a:buChar char=""/>
+              <a:defRPr kumimoji="0" sz="2700" kern="1200">
+                <a:solidFill>
+                  <a:schemeClr val="tx1"/>
+                </a:solidFill>
+                <a:latin typeface="+mn-lt"/>
+                <a:ea typeface="+mn-ea"/>
+                <a:cs typeface="+mn-cs"/>
+              </a:defRPr>
+            </a:lvl1pPr>
+            <a:lvl2pPr marL="548640" indent="-274320" algn="l" rtl="0" eaLnBrk="1" latinLnBrk="0" hangingPunct="1">
+              <a:spcBef>
+                <a:spcPct val="20000"/>
+              </a:spcBef>
+              <a:buClr>
+                <a:schemeClr val="accent2"/>
+              </a:buClr>
+              <a:buSzPct val="70000"/>
+              <a:buFont typeface="Wingdings"/>
+              <a:buChar char=""/>
+              <a:defRPr kumimoji="0" sz="2200" kern="1200">
+                <a:solidFill>
+                  <a:schemeClr val="tx2"/>
+                </a:solidFill>
+                <a:latin typeface="+mn-lt"/>
+                <a:ea typeface="+mn-ea"/>
+                <a:cs typeface="+mn-cs"/>
+              </a:defRPr>
+            </a:lvl2pPr>
+            <a:lvl3pPr marL="822960" indent="-228600" algn="l" rtl="0" eaLnBrk="1" latinLnBrk="0" hangingPunct="1">
+              <a:spcBef>
+                <a:spcPct val="20000"/>
+              </a:spcBef>
+              <a:buClr>
+                <a:schemeClr val="accent3"/>
+              </a:buClr>
+              <a:buSzPct val="75000"/>
+              <a:buFont typeface="Wingdings 2"/>
+              <a:buChar char=""/>
+              <a:defRPr kumimoji="0" sz="2000" kern="1200">
+                <a:solidFill>
+                  <a:schemeClr val="tx1"/>
+                </a:solidFill>
+                <a:latin typeface="+mn-lt"/>
+                <a:ea typeface="+mn-ea"/>
+                <a:cs typeface="+mn-cs"/>
+              </a:defRPr>
+            </a:lvl3pPr>
+            <a:lvl4pPr marL="1097280" indent="-228600" algn="l" rtl="0" eaLnBrk="1" latinLnBrk="0" hangingPunct="1">
+              <a:spcBef>
+                <a:spcPct val="20000"/>
+              </a:spcBef>
+              <a:buClr>
+                <a:schemeClr val="accent4"/>
+              </a:buClr>
+              <a:buSzPct val="70000"/>
+              <a:buFont typeface="Wingdings"/>
+              <a:buChar char=""/>
+              <a:defRPr kumimoji="0" sz="2000" kern="1200">
+                <a:solidFill>
+                  <a:schemeClr val="tx2"/>
+                </a:solidFill>
+                <a:latin typeface="+mn-lt"/>
+                <a:ea typeface="+mn-ea"/>
+                <a:cs typeface="+mn-cs"/>
+              </a:defRPr>
+            </a:lvl4pPr>
+            <a:lvl5pPr marL="1371600" indent="-228600" algn="l" rtl="0" eaLnBrk="1" latinLnBrk="0" hangingPunct="1">
+              <a:spcBef>
+                <a:spcPct val="20000"/>
+              </a:spcBef>
+              <a:buClr>
+                <a:schemeClr val="accent5"/>
+              </a:buClr>
+              <a:buFontTx/>
+              <a:buChar char="•"/>
+              <a:defRPr kumimoji="0" sz="1800" kern="1200">
+                <a:solidFill>
+                  <a:schemeClr val="tx1"/>
+                </a:solidFill>
+                <a:latin typeface="+mn-lt"/>
+                <a:ea typeface="+mn-ea"/>
+                <a:cs typeface="+mn-cs"/>
+              </a:defRPr>
+            </a:lvl5pPr>
+            <a:lvl6pPr marL="1645920" indent="-182880" algn="l" rtl="0" eaLnBrk="1" latinLnBrk="0" hangingPunct="1">
+              <a:spcBef>
+                <a:spcPct val="20000"/>
+              </a:spcBef>
+              <a:buClr>
+                <a:schemeClr val="accent6"/>
+              </a:buClr>
+              <a:buSzPct val="80000"/>
+              <a:buFont typeface="Wingdings 2"/>
+              <a:buChar char=""/>
+              <a:defRPr kumimoji="0" sz="1800" kern="1200">
+                <a:solidFill>
+                  <a:schemeClr val="tx1"/>
+                </a:solidFill>
+                <a:latin typeface="+mn-lt"/>
+                <a:ea typeface="+mn-ea"/>
+                <a:cs typeface="+mn-cs"/>
+              </a:defRPr>
+            </a:lvl6pPr>
+            <a:lvl7pPr marL="1920240" indent="-182880" algn="l" rtl="0" eaLnBrk="1" latinLnBrk="0" hangingPunct="1">
+              <a:spcBef>
+                <a:spcPct val="20000"/>
+              </a:spcBef>
+              <a:buClr>
+                <a:schemeClr val="accent1">
+                  <a:shade val="75000"/>
+                </a:schemeClr>
+              </a:buClr>
+              <a:buSzPct val="90000"/>
+              <a:buChar char="•"/>
+              <a:defRPr kumimoji="0" sz="1600" kern="1200" baseline="0">
+                <a:solidFill>
+                  <a:schemeClr val="tx1"/>
+                </a:solidFill>
+                <a:latin typeface="+mn-lt"/>
+                <a:ea typeface="+mn-ea"/>
+                <a:cs typeface="+mn-cs"/>
+              </a:defRPr>
+            </a:lvl7pPr>
+            <a:lvl8pPr marL="2103120" indent="-182880" algn="l" rtl="0" eaLnBrk="1" latinLnBrk="0" hangingPunct="1">
+              <a:spcBef>
+                <a:spcPct val="20000"/>
+              </a:spcBef>
+              <a:buClr>
+                <a:schemeClr val="accent4">
+                  <a:shade val="75000"/>
+                </a:schemeClr>
+              </a:buClr>
+              <a:buChar char="•"/>
+              <a:defRPr kumimoji="0" sz="1600" kern="1200">
+                <a:solidFill>
+                  <a:schemeClr val="tx1"/>
+                </a:solidFill>
+                <a:latin typeface="+mn-lt"/>
+                <a:ea typeface="+mn-ea"/>
+                <a:cs typeface="+mn-cs"/>
+              </a:defRPr>
+            </a:lvl8pPr>
+            <a:lvl9pPr marL="2377440" indent="-182880" algn="l" rtl="0" eaLnBrk="1" latinLnBrk="0" hangingPunct="1">
+              <a:spcBef>
+                <a:spcPct val="20000"/>
+              </a:spcBef>
+              <a:buClr>
+                <a:schemeClr val="accent2">
+                  <a:shade val="75000"/>
+                </a:schemeClr>
+              </a:buClr>
+              <a:buSzPct val="90000"/>
+              <a:buChar char="•"/>
+              <a:defRPr kumimoji="0" sz="1400" kern="1200" cap="all" baseline="0">
+                <a:solidFill>
+                  <a:schemeClr val="tx1"/>
+                </a:solidFill>
+                <a:latin typeface="+mn-lt"/>
+                <a:ea typeface="+mn-ea"/>
+                <a:cs typeface="+mn-cs"/>
+              </a:defRPr>
+            </a:lvl9pPr>
+          </a:lstStyle>
+          <a:p>
+            <a:r>
+              <a:rPr lang="es-ES_tradnl" smtClean="0"/>
+              <a:t>ola</a:t>
+            </a:r>
+            <a:endParaRPr lang="es-ES_tradnl" dirty="0"/>
           </a:p>
         </p:txBody>
       </p:sp>
@@ -9101,8 +11541,12 @@
           <a:lstStyle/>
           <a:p>
             <a:r>
+              <a:rPr lang="es-ES_tradnl" dirty="0" smtClean="0"/>
+              <a:t>Otros </a:t>
+            </a:r>
+            <a:r>
               <a:rPr lang="es-ES_tradnl" dirty="0"/>
-              <a:t>Otros Proyectos: </a:t>
+              <a:t>Proyectos: </a:t>
             </a:r>
             <a:r>
               <a:rPr lang="es-ES_tradnl" i="1" dirty="0" err="1" smtClean="0"/>
@@ -9112,22 +11556,236 @@
           </a:p>
         </p:txBody>
       </p:sp>
-      <p:sp>
-        <p:nvSpPr>
-          <p:cNvPr id="3" name="Marcador de contenido 2"/>
-          <p:cNvSpPr>
-            <a:spLocks noGrp="1"/>
-          </p:cNvSpPr>
+      <p:pic>
+        <p:nvPicPr>
+          <p:cNvPr id="4" name="Marcador de contenido 3"/>
+          <p:cNvPicPr>
+            <a:picLocks noGrp="1" noChangeAspect="1"/>
+          </p:cNvPicPr>
           <p:nvPr>
             <p:ph sz="quarter" idx="1"/>
           </p:nvPr>
-        </p:nvSpPr>
-        <p:spPr/>
-        <p:txBody>
-          <a:bodyPr/>
-          <a:lstStyle/>
-          <a:p>
-            <a:endParaRPr lang="es-ES_tradnl"/>
+        </p:nvPicPr>
+        <p:blipFill>
+          <a:blip r:embed="rId2" cstate="print">
+            <a:extLst>
+              <a:ext uri="{28A0092B-C50C-407E-A947-70E740481C1C}">
+                <a14:useLocalDpi xmlns:a14="http://schemas.microsoft.com/office/drawing/2010/main" val="0"/>
+              </a:ext>
+            </a:extLst>
+          </a:blip>
+          <a:stretch>
+            <a:fillRect/>
+          </a:stretch>
+        </p:blipFill>
+        <p:spPr>
+          <a:xfrm>
+            <a:off x="7524328" y="541149"/>
+            <a:ext cx="1325552" cy="439579"/>
+          </a:xfrm>
+        </p:spPr>
+      </p:pic>
+      <p:sp>
+        <p:nvSpPr>
+          <p:cNvPr id="5" name="Marcador de contenido 2"/>
+          <p:cNvSpPr txBox="1">
+            <a:spLocks/>
+          </p:cNvSpPr>
+          <p:nvPr/>
+        </p:nvSpPr>
+        <p:spPr>
+          <a:xfrm>
+            <a:off x="301752" y="1527048"/>
+            <a:ext cx="8503920" cy="4572000"/>
+          </a:xfrm>
+          <a:prstGeom prst="rect">
+            <a:avLst/>
+          </a:prstGeom>
+        </p:spPr>
+        <p:txBody>
+          <a:bodyPr vert="horz">
+            <a:normAutofit/>
+          </a:bodyPr>
+          <a:lstStyle>
+            <a:lvl1pPr marL="274320" indent="-274320" algn="l" rtl="0" eaLnBrk="1" latinLnBrk="0" hangingPunct="1">
+              <a:spcBef>
+                <a:spcPct val="20000"/>
+              </a:spcBef>
+              <a:buClr>
+                <a:schemeClr val="accent1"/>
+              </a:buClr>
+              <a:buSzPct val="85000"/>
+              <a:buFont typeface="Wingdings 2"/>
+              <a:buChar char=""/>
+              <a:defRPr kumimoji="0" sz="2700" kern="1200">
+                <a:solidFill>
+                  <a:schemeClr val="tx1"/>
+                </a:solidFill>
+                <a:latin typeface="+mn-lt"/>
+                <a:ea typeface="+mn-ea"/>
+                <a:cs typeface="+mn-cs"/>
+              </a:defRPr>
+            </a:lvl1pPr>
+            <a:lvl2pPr marL="548640" indent="-274320" algn="l" rtl="0" eaLnBrk="1" latinLnBrk="0" hangingPunct="1">
+              <a:spcBef>
+                <a:spcPct val="20000"/>
+              </a:spcBef>
+              <a:buClr>
+                <a:schemeClr val="accent2"/>
+              </a:buClr>
+              <a:buSzPct val="70000"/>
+              <a:buFont typeface="Wingdings"/>
+              <a:buChar char=""/>
+              <a:defRPr kumimoji="0" sz="2200" kern="1200">
+                <a:solidFill>
+                  <a:schemeClr val="tx2"/>
+                </a:solidFill>
+                <a:latin typeface="+mn-lt"/>
+                <a:ea typeface="+mn-ea"/>
+                <a:cs typeface="+mn-cs"/>
+              </a:defRPr>
+            </a:lvl2pPr>
+            <a:lvl3pPr marL="822960" indent="-228600" algn="l" rtl="0" eaLnBrk="1" latinLnBrk="0" hangingPunct="1">
+              <a:spcBef>
+                <a:spcPct val="20000"/>
+              </a:spcBef>
+              <a:buClr>
+                <a:schemeClr val="accent3"/>
+              </a:buClr>
+              <a:buSzPct val="75000"/>
+              <a:buFont typeface="Wingdings 2"/>
+              <a:buChar char=""/>
+              <a:defRPr kumimoji="0" sz="2000" kern="1200">
+                <a:solidFill>
+                  <a:schemeClr val="tx1"/>
+                </a:solidFill>
+                <a:latin typeface="+mn-lt"/>
+                <a:ea typeface="+mn-ea"/>
+                <a:cs typeface="+mn-cs"/>
+              </a:defRPr>
+            </a:lvl3pPr>
+            <a:lvl4pPr marL="1097280" indent="-228600" algn="l" rtl="0" eaLnBrk="1" latinLnBrk="0" hangingPunct="1">
+              <a:spcBef>
+                <a:spcPct val="20000"/>
+              </a:spcBef>
+              <a:buClr>
+                <a:schemeClr val="accent4"/>
+              </a:buClr>
+              <a:buSzPct val="70000"/>
+              <a:buFont typeface="Wingdings"/>
+              <a:buChar char=""/>
+              <a:defRPr kumimoji="0" sz="2000" kern="1200">
+                <a:solidFill>
+                  <a:schemeClr val="tx2"/>
+                </a:solidFill>
+                <a:latin typeface="+mn-lt"/>
+                <a:ea typeface="+mn-ea"/>
+                <a:cs typeface="+mn-cs"/>
+              </a:defRPr>
+            </a:lvl4pPr>
+            <a:lvl5pPr marL="1371600" indent="-228600" algn="l" rtl="0" eaLnBrk="1" latinLnBrk="0" hangingPunct="1">
+              <a:spcBef>
+                <a:spcPct val="20000"/>
+              </a:spcBef>
+              <a:buClr>
+                <a:schemeClr val="accent5"/>
+              </a:buClr>
+              <a:buFontTx/>
+              <a:buChar char="•"/>
+              <a:defRPr kumimoji="0" sz="1800" kern="1200">
+                <a:solidFill>
+                  <a:schemeClr val="tx1"/>
+                </a:solidFill>
+                <a:latin typeface="+mn-lt"/>
+                <a:ea typeface="+mn-ea"/>
+                <a:cs typeface="+mn-cs"/>
+              </a:defRPr>
+            </a:lvl5pPr>
+            <a:lvl6pPr marL="1645920" indent="-182880" algn="l" rtl="0" eaLnBrk="1" latinLnBrk="0" hangingPunct="1">
+              <a:spcBef>
+                <a:spcPct val="20000"/>
+              </a:spcBef>
+              <a:buClr>
+                <a:schemeClr val="accent6"/>
+              </a:buClr>
+              <a:buSzPct val="80000"/>
+              <a:buFont typeface="Wingdings 2"/>
+              <a:buChar char=""/>
+              <a:defRPr kumimoji="0" sz="1800" kern="1200">
+                <a:solidFill>
+                  <a:schemeClr val="tx1"/>
+                </a:solidFill>
+                <a:latin typeface="+mn-lt"/>
+                <a:ea typeface="+mn-ea"/>
+                <a:cs typeface="+mn-cs"/>
+              </a:defRPr>
+            </a:lvl6pPr>
+            <a:lvl7pPr marL="1920240" indent="-182880" algn="l" rtl="0" eaLnBrk="1" latinLnBrk="0" hangingPunct="1">
+              <a:spcBef>
+                <a:spcPct val="20000"/>
+              </a:spcBef>
+              <a:buClr>
+                <a:schemeClr val="accent1">
+                  <a:shade val="75000"/>
+                </a:schemeClr>
+              </a:buClr>
+              <a:buSzPct val="90000"/>
+              <a:buChar char="•"/>
+              <a:defRPr kumimoji="0" sz="1600" kern="1200" baseline="0">
+                <a:solidFill>
+                  <a:schemeClr val="tx1"/>
+                </a:solidFill>
+                <a:latin typeface="+mn-lt"/>
+                <a:ea typeface="+mn-ea"/>
+                <a:cs typeface="+mn-cs"/>
+              </a:defRPr>
+            </a:lvl7pPr>
+            <a:lvl8pPr marL="2103120" indent="-182880" algn="l" rtl="0" eaLnBrk="1" latinLnBrk="0" hangingPunct="1">
+              <a:spcBef>
+                <a:spcPct val="20000"/>
+              </a:spcBef>
+              <a:buClr>
+                <a:schemeClr val="accent4">
+                  <a:shade val="75000"/>
+                </a:schemeClr>
+              </a:buClr>
+              <a:buChar char="•"/>
+              <a:defRPr kumimoji="0" sz="1600" kern="1200">
+                <a:solidFill>
+                  <a:schemeClr val="tx1"/>
+                </a:solidFill>
+                <a:latin typeface="+mn-lt"/>
+                <a:ea typeface="+mn-ea"/>
+                <a:cs typeface="+mn-cs"/>
+              </a:defRPr>
+            </a:lvl8pPr>
+            <a:lvl9pPr marL="2377440" indent="-182880" algn="l" rtl="0" eaLnBrk="1" latinLnBrk="0" hangingPunct="1">
+              <a:spcBef>
+                <a:spcPct val="20000"/>
+              </a:spcBef>
+              <a:buClr>
+                <a:schemeClr val="accent2">
+                  <a:shade val="75000"/>
+                </a:schemeClr>
+              </a:buClr>
+              <a:buSzPct val="90000"/>
+              <a:buChar char="•"/>
+              <a:defRPr kumimoji="0" sz="1400" kern="1200" cap="all" baseline="0">
+                <a:solidFill>
+                  <a:schemeClr val="tx1"/>
+                </a:solidFill>
+                <a:latin typeface="+mn-lt"/>
+                <a:ea typeface="+mn-ea"/>
+                <a:cs typeface="+mn-cs"/>
+              </a:defRPr>
+            </a:lvl9pPr>
+          </a:lstStyle>
+          <a:p>
+            <a:r>
+              <a:rPr lang="es-ES_tradnl" smtClean="0"/>
+              <a:t>ola</a:t>
+            </a:r>
+            <a:endParaRPr lang="es-ES_tradnl" dirty="0"/>
           </a:p>
         </p:txBody>
       </p:sp>
@@ -9341,29 +11999,243 @@
               <a:t>Otros Proyectos: </a:t>
             </a:r>
             <a:r>
-              <a:rPr lang="es-ES_tradnl" i="1" dirty="0" smtClean="0"/>
-              <a:t>COUCHDB</a:t>
+              <a:rPr lang="es-ES_tradnl" i="1" dirty="0" err="1" smtClean="0"/>
+              <a:t>CouchDB</a:t>
             </a:r>
             <a:endParaRPr lang="es-ES_tradnl" i="1" dirty="0"/>
           </a:p>
         </p:txBody>
       </p:sp>
-      <p:sp>
-        <p:nvSpPr>
-          <p:cNvPr id="3" name="Marcador de contenido 2"/>
-          <p:cNvSpPr>
-            <a:spLocks noGrp="1"/>
-          </p:cNvSpPr>
+      <p:pic>
+        <p:nvPicPr>
+          <p:cNvPr id="4" name="Marcador de contenido 3"/>
+          <p:cNvPicPr>
+            <a:picLocks noGrp="1" noChangeAspect="1"/>
+          </p:cNvPicPr>
           <p:nvPr>
             <p:ph sz="quarter" idx="1"/>
           </p:nvPr>
-        </p:nvSpPr>
-        <p:spPr/>
-        <p:txBody>
-          <a:bodyPr/>
-          <a:lstStyle/>
-          <a:p>
-            <a:endParaRPr lang="es-ES_tradnl"/>
+        </p:nvPicPr>
+        <p:blipFill>
+          <a:blip r:embed="rId2">
+            <a:extLst>
+              <a:ext uri="{28A0092B-C50C-407E-A947-70E740481C1C}">
+                <a14:useLocalDpi xmlns:a14="http://schemas.microsoft.com/office/drawing/2010/main" val="0"/>
+              </a:ext>
+            </a:extLst>
+          </a:blip>
+          <a:stretch>
+            <a:fillRect/>
+          </a:stretch>
+        </p:blipFill>
+        <p:spPr>
+          <a:xfrm>
+            <a:off x="7757198" y="235074"/>
+            <a:ext cx="1072480" cy="974982"/>
+          </a:xfrm>
+        </p:spPr>
+      </p:pic>
+      <p:sp>
+        <p:nvSpPr>
+          <p:cNvPr id="5" name="Marcador de contenido 2"/>
+          <p:cNvSpPr txBox="1">
+            <a:spLocks/>
+          </p:cNvSpPr>
+          <p:nvPr/>
+        </p:nvSpPr>
+        <p:spPr>
+          <a:xfrm>
+            <a:off x="301752" y="1527048"/>
+            <a:ext cx="8503920" cy="4572000"/>
+          </a:xfrm>
+          <a:prstGeom prst="rect">
+            <a:avLst/>
+          </a:prstGeom>
+        </p:spPr>
+        <p:txBody>
+          <a:bodyPr vert="horz">
+            <a:normAutofit/>
+          </a:bodyPr>
+          <a:lstStyle>
+            <a:lvl1pPr marL="274320" indent="-274320" algn="l" rtl="0" eaLnBrk="1" latinLnBrk="0" hangingPunct="1">
+              <a:spcBef>
+                <a:spcPct val="20000"/>
+              </a:spcBef>
+              <a:buClr>
+                <a:schemeClr val="accent1"/>
+              </a:buClr>
+              <a:buSzPct val="85000"/>
+              <a:buFont typeface="Wingdings 2"/>
+              <a:buChar char=""/>
+              <a:defRPr kumimoji="0" sz="2700" kern="1200">
+                <a:solidFill>
+                  <a:schemeClr val="tx1"/>
+                </a:solidFill>
+                <a:latin typeface="+mn-lt"/>
+                <a:ea typeface="+mn-ea"/>
+                <a:cs typeface="+mn-cs"/>
+              </a:defRPr>
+            </a:lvl1pPr>
+            <a:lvl2pPr marL="548640" indent="-274320" algn="l" rtl="0" eaLnBrk="1" latinLnBrk="0" hangingPunct="1">
+              <a:spcBef>
+                <a:spcPct val="20000"/>
+              </a:spcBef>
+              <a:buClr>
+                <a:schemeClr val="accent2"/>
+              </a:buClr>
+              <a:buSzPct val="70000"/>
+              <a:buFont typeface="Wingdings"/>
+              <a:buChar char=""/>
+              <a:defRPr kumimoji="0" sz="2200" kern="1200">
+                <a:solidFill>
+                  <a:schemeClr val="tx2"/>
+                </a:solidFill>
+                <a:latin typeface="+mn-lt"/>
+                <a:ea typeface="+mn-ea"/>
+                <a:cs typeface="+mn-cs"/>
+              </a:defRPr>
+            </a:lvl2pPr>
+            <a:lvl3pPr marL="822960" indent="-228600" algn="l" rtl="0" eaLnBrk="1" latinLnBrk="0" hangingPunct="1">
+              <a:spcBef>
+                <a:spcPct val="20000"/>
+              </a:spcBef>
+              <a:buClr>
+                <a:schemeClr val="accent3"/>
+              </a:buClr>
+              <a:buSzPct val="75000"/>
+              <a:buFont typeface="Wingdings 2"/>
+              <a:buChar char=""/>
+              <a:defRPr kumimoji="0" sz="2000" kern="1200">
+                <a:solidFill>
+                  <a:schemeClr val="tx1"/>
+                </a:solidFill>
+                <a:latin typeface="+mn-lt"/>
+                <a:ea typeface="+mn-ea"/>
+                <a:cs typeface="+mn-cs"/>
+              </a:defRPr>
+            </a:lvl3pPr>
+            <a:lvl4pPr marL="1097280" indent="-228600" algn="l" rtl="0" eaLnBrk="1" latinLnBrk="0" hangingPunct="1">
+              <a:spcBef>
+                <a:spcPct val="20000"/>
+              </a:spcBef>
+              <a:buClr>
+                <a:schemeClr val="accent4"/>
+              </a:buClr>
+              <a:buSzPct val="70000"/>
+              <a:buFont typeface="Wingdings"/>
+              <a:buChar char=""/>
+              <a:defRPr kumimoji="0" sz="2000" kern="1200">
+                <a:solidFill>
+                  <a:schemeClr val="tx2"/>
+                </a:solidFill>
+                <a:latin typeface="+mn-lt"/>
+                <a:ea typeface="+mn-ea"/>
+                <a:cs typeface="+mn-cs"/>
+              </a:defRPr>
+            </a:lvl4pPr>
+            <a:lvl5pPr marL="1371600" indent="-228600" algn="l" rtl="0" eaLnBrk="1" latinLnBrk="0" hangingPunct="1">
+              <a:spcBef>
+                <a:spcPct val="20000"/>
+              </a:spcBef>
+              <a:buClr>
+                <a:schemeClr val="accent5"/>
+              </a:buClr>
+              <a:buFontTx/>
+              <a:buChar char="•"/>
+              <a:defRPr kumimoji="0" sz="1800" kern="1200">
+                <a:solidFill>
+                  <a:schemeClr val="tx1"/>
+                </a:solidFill>
+                <a:latin typeface="+mn-lt"/>
+                <a:ea typeface="+mn-ea"/>
+                <a:cs typeface="+mn-cs"/>
+              </a:defRPr>
+            </a:lvl5pPr>
+            <a:lvl6pPr marL="1645920" indent="-182880" algn="l" rtl="0" eaLnBrk="1" latinLnBrk="0" hangingPunct="1">
+              <a:spcBef>
+                <a:spcPct val="20000"/>
+              </a:spcBef>
+              <a:buClr>
+                <a:schemeClr val="accent6"/>
+              </a:buClr>
+              <a:buSzPct val="80000"/>
+              <a:buFont typeface="Wingdings 2"/>
+              <a:buChar char=""/>
+              <a:defRPr kumimoji="0" sz="1800" kern="1200">
+                <a:solidFill>
+                  <a:schemeClr val="tx1"/>
+                </a:solidFill>
+                <a:latin typeface="+mn-lt"/>
+                <a:ea typeface="+mn-ea"/>
+                <a:cs typeface="+mn-cs"/>
+              </a:defRPr>
+            </a:lvl6pPr>
+            <a:lvl7pPr marL="1920240" indent="-182880" algn="l" rtl="0" eaLnBrk="1" latinLnBrk="0" hangingPunct="1">
+              <a:spcBef>
+                <a:spcPct val="20000"/>
+              </a:spcBef>
+              <a:buClr>
+                <a:schemeClr val="accent1">
+                  <a:shade val="75000"/>
+                </a:schemeClr>
+              </a:buClr>
+              <a:buSzPct val="90000"/>
+              <a:buChar char="•"/>
+              <a:defRPr kumimoji="0" sz="1600" kern="1200" baseline="0">
+                <a:solidFill>
+                  <a:schemeClr val="tx1"/>
+                </a:solidFill>
+                <a:latin typeface="+mn-lt"/>
+                <a:ea typeface="+mn-ea"/>
+                <a:cs typeface="+mn-cs"/>
+              </a:defRPr>
+            </a:lvl7pPr>
+            <a:lvl8pPr marL="2103120" indent="-182880" algn="l" rtl="0" eaLnBrk="1" latinLnBrk="0" hangingPunct="1">
+              <a:spcBef>
+                <a:spcPct val="20000"/>
+              </a:spcBef>
+              <a:buClr>
+                <a:schemeClr val="accent4">
+                  <a:shade val="75000"/>
+                </a:schemeClr>
+              </a:buClr>
+              <a:buChar char="•"/>
+              <a:defRPr kumimoji="0" sz="1600" kern="1200">
+                <a:solidFill>
+                  <a:schemeClr val="tx1"/>
+                </a:solidFill>
+                <a:latin typeface="+mn-lt"/>
+                <a:ea typeface="+mn-ea"/>
+                <a:cs typeface="+mn-cs"/>
+              </a:defRPr>
+            </a:lvl8pPr>
+            <a:lvl9pPr marL="2377440" indent="-182880" algn="l" rtl="0" eaLnBrk="1" latinLnBrk="0" hangingPunct="1">
+              <a:spcBef>
+                <a:spcPct val="20000"/>
+              </a:spcBef>
+              <a:buClr>
+                <a:schemeClr val="accent2">
+                  <a:shade val="75000"/>
+                </a:schemeClr>
+              </a:buClr>
+              <a:buSzPct val="90000"/>
+              <a:buChar char="•"/>
+              <a:defRPr kumimoji="0" sz="1400" kern="1200" cap="all" baseline="0">
+                <a:solidFill>
+                  <a:schemeClr val="tx1"/>
+                </a:solidFill>
+                <a:latin typeface="+mn-lt"/>
+                <a:ea typeface="+mn-ea"/>
+                <a:cs typeface="+mn-cs"/>
+              </a:defRPr>
+            </a:lvl9pPr>
+          </a:lstStyle>
+          <a:p>
+            <a:r>
+              <a:rPr lang="es-ES_tradnl" smtClean="0"/>
+              <a:t>ola</a:t>
+            </a:r>
+            <a:endParaRPr lang="es-ES_tradnl" dirty="0"/>
           </a:p>
         </p:txBody>
       </p:sp>
@@ -9702,25 +12574,35 @@
           </a:p>
         </p:txBody>
       </p:sp>
-      <p:sp>
-        <p:nvSpPr>
-          <p:cNvPr id="3" name="2 Marcador de contenido"/>
-          <p:cNvSpPr>
-            <a:spLocks noGrp="1"/>
-          </p:cNvSpPr>
+      <p:pic>
+        <p:nvPicPr>
+          <p:cNvPr id="4" name="Marcador de contenido 3"/>
+          <p:cNvPicPr>
+            <a:picLocks noGrp="1" noChangeAspect="1"/>
+          </p:cNvPicPr>
           <p:nvPr>
             <p:ph sz="quarter" idx="1"/>
           </p:nvPr>
-        </p:nvSpPr>
-        <p:spPr/>
-        <p:txBody>
-          <a:bodyPr/>
-          <a:lstStyle/>
-          <a:p>
-            <a:endParaRPr lang="es-ES"/>
-          </a:p>
-        </p:txBody>
-      </p:sp>
+        </p:nvPicPr>
+        <p:blipFill>
+          <a:blip r:embed="rId2">
+            <a:extLst>
+              <a:ext uri="{28A0092B-C50C-407E-A947-70E740481C1C}">
+                <a14:useLocalDpi xmlns:a14="http://schemas.microsoft.com/office/drawing/2010/main" val="0"/>
+              </a:ext>
+            </a:extLst>
+          </a:blip>
+          <a:stretch>
+            <a:fillRect/>
+          </a:stretch>
+        </p:blipFill>
+        <p:spPr>
+          <a:xfrm>
+            <a:off x="6684264" y="404664"/>
+            <a:ext cx="2133600" cy="809625"/>
+          </a:xfrm>
+        </p:spPr>
+      </p:pic>
     </p:spTree>
     <p:extLst>
       <p:ext uri="{BB962C8B-B14F-4D97-AF65-F5344CB8AC3E}">
@@ -10367,8 +13249,19 @@
           <a:p>
             <a:r>
               <a:rPr lang="es-ES_tradnl" dirty="0" smtClean="0"/>
-              <a:t>Escribir/Consultar/Borrar filas individuales</a:t>
-            </a:r>
+              <a:t>Escribir/Consultar/Borrar filas </a:t>
+            </a:r>
+            <a:r>
+              <a:rPr lang="es-ES_tradnl" dirty="0" smtClean="0"/>
+              <a:t>individuales o iterar sobre un conjunto de datos</a:t>
+            </a:r>
+          </a:p>
+          <a:p>
+            <a:r>
+              <a:rPr lang="es-ES_tradnl" dirty="0" smtClean="0"/>
+              <a:t>Manejar el control de acceso</a:t>
+            </a:r>
+            <a:endParaRPr lang="es-ES_tradnl" dirty="0" smtClean="0"/>
           </a:p>
           <a:p>
             <a:r>

--- a/BigTable.pptx
+++ b/BigTable.pptx
@@ -153,7 +153,7 @@
   </p:defaultTextStyle>
   <p:extLst>
     <p:ext uri="{EFAFB233-063F-42B5-8137-9DF3F51BA10A}">
-      <p15:sldGuideLst xmlns:p15="http://schemas.microsoft.com/office/powerpoint/2012/main" xmlns="">
+      <p15:sldGuideLst xmlns="" xmlns:p15="http://schemas.microsoft.com/office/powerpoint/2012/main">
         <p15:guide id="1" orient="horz" pos="2160">
           <p15:clr>
             <a:srgbClr val="A4A3A4"/>
@@ -3806,19 +3806,7 @@
                 <a:ea typeface="+mn-ea"/>
                 <a:cs typeface="+mn-cs"/>
               </a:rPr>
-              <a:t> un modelo de replicación “sin puntos de falla</a:t>
-            </a:r>
-            <a:r>
-              <a:rPr lang="es-ES_tradnl" sz="1200" kern="1200" dirty="0" smtClean="0">
-                <a:solidFill>
-                  <a:schemeClr val="tx1"/>
-                </a:solidFill>
-                <a:effectLst/>
-                <a:latin typeface="+mn-lt"/>
-                <a:ea typeface="+mn-ea"/>
-                <a:cs typeface="+mn-cs"/>
-              </a:rPr>
-              <a:t>”(maestro </a:t>
+              <a:t> un modelo de replicación “sin puntos de falla”(maestro </a:t>
             </a:r>
             <a:r>
               <a:rPr lang="es-ES_tradnl" sz="1200" kern="1200" dirty="0" err="1" smtClean="0">
@@ -3842,19 +3830,7 @@
                 <a:ea typeface="+mn-ea"/>
                 <a:cs typeface="+mn-cs"/>
               </a:rPr>
-              <a:t> todos los nodos iguales) </a:t>
-            </a:r>
-            <a:r>
-              <a:rPr lang="es-ES_tradnl" sz="1200" kern="1200" dirty="0" smtClean="0">
-                <a:solidFill>
-                  <a:schemeClr val="tx1"/>
-                </a:solidFill>
-                <a:effectLst/>
-                <a:latin typeface="+mn-lt"/>
-                <a:ea typeface="+mn-ea"/>
-                <a:cs typeface="+mn-cs"/>
-              </a:rPr>
-              <a:t>muy parecido al de </a:t>
+              <a:t> todos los nodos iguales) muy parecido al de </a:t>
             </a:r>
             <a:r>
               <a:rPr lang="es-ES_tradnl" sz="1200" i="1" kern="1200" dirty="0" err="1" smtClean="0">
@@ -3901,31 +3877,7 @@
                 <a:ea typeface="+mn-ea"/>
                 <a:cs typeface="+mn-cs"/>
               </a:rPr>
-              <a:t>Hay muchas </a:t>
-            </a:r>
-            <a:r>
-              <a:rPr lang="es-ES_tradnl" sz="1200" u="sng" kern="1200" dirty="0" err="1" smtClean="0">
-                <a:solidFill>
-                  <a:schemeClr val="tx1"/>
-                </a:solidFill>
-                <a:effectLst/>
-                <a:latin typeface="+mn-lt"/>
-                <a:ea typeface="+mn-ea"/>
-                <a:cs typeface="+mn-cs"/>
-              </a:rPr>
-              <a:t>API</a:t>
-            </a:r>
-            <a:r>
-              <a:rPr lang="es-ES_tradnl" sz="1200" kern="1200" dirty="0" err="1" smtClean="0">
-                <a:solidFill>
-                  <a:schemeClr val="tx1"/>
-                </a:solidFill>
-                <a:effectLst/>
-                <a:latin typeface="+mn-lt"/>
-                <a:ea typeface="+mn-ea"/>
-                <a:cs typeface="+mn-cs"/>
-              </a:rPr>
-              <a:t>s</a:t>
+              <a:t>También </a:t>
             </a:r>
             <a:r>
               <a:rPr lang="es-ES_tradnl" sz="1200" kern="1200" dirty="0" smtClean="0">
@@ -3937,175 +3889,7 @@
                 <a:ea typeface="+mn-ea"/>
                 <a:cs typeface="+mn-cs"/>
               </a:rPr>
-              <a:t> de acceso para </a:t>
-            </a:r>
-            <a:r>
-              <a:rPr lang="es-ES_tradnl" sz="1200" i="1" kern="1200" dirty="0" err="1" smtClean="0">
-                <a:solidFill>
-                  <a:schemeClr val="tx1"/>
-                </a:solidFill>
-                <a:effectLst/>
-                <a:latin typeface="+mn-lt"/>
-                <a:ea typeface="+mn-ea"/>
-                <a:cs typeface="+mn-cs"/>
-              </a:rPr>
-              <a:t>Cassandra</a:t>
-            </a:r>
-            <a:r>
-              <a:rPr lang="es-ES_tradnl" sz="1200" kern="1200" dirty="0" smtClean="0">
-                <a:solidFill>
-                  <a:schemeClr val="tx1"/>
-                </a:solidFill>
-                <a:effectLst/>
-                <a:latin typeface="+mn-lt"/>
-                <a:ea typeface="+mn-ea"/>
-                <a:cs typeface="+mn-cs"/>
-              </a:rPr>
-              <a:t>, algunas de ellas son las siguientes: </a:t>
-            </a:r>
-            <a:r>
-              <a:rPr lang="es-ES_tradnl" sz="1200" i="1" kern="1200" dirty="0" smtClean="0">
-                <a:solidFill>
-                  <a:schemeClr val="tx1"/>
-                </a:solidFill>
-                <a:effectLst/>
-                <a:latin typeface="+mn-lt"/>
-                <a:ea typeface="+mn-ea"/>
-                <a:cs typeface="+mn-cs"/>
-              </a:rPr>
-              <a:t>Java</a:t>
-            </a:r>
-            <a:r>
-              <a:rPr lang="es-ES_tradnl" sz="1200" kern="1200" dirty="0" smtClean="0">
-                <a:solidFill>
-                  <a:schemeClr val="tx1"/>
-                </a:solidFill>
-                <a:effectLst/>
-                <a:latin typeface="+mn-lt"/>
-                <a:ea typeface="+mn-ea"/>
-                <a:cs typeface="+mn-cs"/>
-              </a:rPr>
-              <a:t> (</a:t>
-            </a:r>
-            <a:r>
-              <a:rPr lang="es-ES_tradnl" sz="1200" i="1" kern="1200" dirty="0" err="1" smtClean="0">
-                <a:solidFill>
-                  <a:schemeClr val="tx1"/>
-                </a:solidFill>
-                <a:effectLst/>
-                <a:latin typeface="+mn-lt"/>
-                <a:ea typeface="+mn-ea"/>
-                <a:cs typeface="+mn-cs"/>
-              </a:rPr>
-              <a:t>Hector</a:t>
-            </a:r>
-            <a:r>
-              <a:rPr lang="es-ES_tradnl" sz="1200" kern="1200" dirty="0" smtClean="0">
-                <a:solidFill>
-                  <a:schemeClr val="tx1"/>
-                </a:solidFill>
-                <a:effectLst/>
-                <a:latin typeface="+mn-lt"/>
-                <a:ea typeface="+mn-ea"/>
-                <a:cs typeface="+mn-cs"/>
-              </a:rPr>
-              <a:t>), </a:t>
-            </a:r>
-            <a:r>
-              <a:rPr lang="es-ES_tradnl" sz="1200" i="1" kern="1200" dirty="0" err="1" smtClean="0">
-                <a:solidFill>
-                  <a:schemeClr val="tx1"/>
-                </a:solidFill>
-                <a:effectLst/>
-                <a:latin typeface="+mn-lt"/>
-                <a:ea typeface="+mn-ea"/>
-                <a:cs typeface="+mn-cs"/>
-              </a:rPr>
-              <a:t>Python</a:t>
-            </a:r>
-            <a:r>
-              <a:rPr lang="es-ES_tradnl" sz="1200" kern="1200" dirty="0" smtClean="0">
-                <a:solidFill>
-                  <a:schemeClr val="tx1"/>
-                </a:solidFill>
-                <a:effectLst/>
-                <a:latin typeface="+mn-lt"/>
-                <a:ea typeface="+mn-ea"/>
-                <a:cs typeface="+mn-cs"/>
-              </a:rPr>
-              <a:t> (</a:t>
-            </a:r>
-            <a:r>
-              <a:rPr lang="es-ES_tradnl" sz="1200" i="1" kern="1200" dirty="0" err="1" smtClean="0">
-                <a:solidFill>
-                  <a:schemeClr val="tx1"/>
-                </a:solidFill>
-                <a:effectLst/>
-                <a:latin typeface="+mn-lt"/>
-                <a:ea typeface="+mn-ea"/>
-                <a:cs typeface="+mn-cs"/>
-              </a:rPr>
-              <a:t>Pycassa</a:t>
-            </a:r>
-            <a:r>
-              <a:rPr lang="es-ES_tradnl" sz="1200" kern="1200" dirty="0" smtClean="0">
-                <a:solidFill>
-                  <a:schemeClr val="tx1"/>
-                </a:solidFill>
-                <a:effectLst/>
-                <a:latin typeface="+mn-lt"/>
-                <a:ea typeface="+mn-ea"/>
-                <a:cs typeface="+mn-cs"/>
-              </a:rPr>
-              <a:t>), </a:t>
-            </a:r>
-            <a:r>
-              <a:rPr lang="es-ES_tradnl" sz="1200" i="1" kern="1200" dirty="0" smtClean="0">
-                <a:solidFill>
-                  <a:schemeClr val="tx1"/>
-                </a:solidFill>
-                <a:effectLst/>
-                <a:latin typeface="+mn-lt"/>
-                <a:ea typeface="+mn-ea"/>
-                <a:cs typeface="+mn-cs"/>
-              </a:rPr>
-              <a:t>PHP</a:t>
-            </a:r>
-            <a:r>
-              <a:rPr lang="es-ES_tradnl" sz="1200" kern="1200" dirty="0" smtClean="0">
-                <a:solidFill>
-                  <a:schemeClr val="tx1"/>
-                </a:solidFill>
-                <a:effectLst/>
-                <a:latin typeface="+mn-lt"/>
-                <a:ea typeface="+mn-ea"/>
-                <a:cs typeface="+mn-cs"/>
-              </a:rPr>
-              <a:t> (</a:t>
-            </a:r>
-            <a:r>
-              <a:rPr lang="es-ES_tradnl" sz="1200" i="1" kern="1200" dirty="0" err="1" smtClean="0">
-                <a:solidFill>
-                  <a:schemeClr val="tx1"/>
-                </a:solidFill>
-                <a:effectLst/>
-                <a:latin typeface="+mn-lt"/>
-                <a:ea typeface="+mn-ea"/>
-                <a:cs typeface="+mn-cs"/>
-              </a:rPr>
-              <a:t>PHPcassa</a:t>
-            </a:r>
-            <a:r>
-              <a:rPr lang="es-ES_tradnl" sz="1200" kern="1200" dirty="0" smtClean="0">
-                <a:solidFill>
-                  <a:schemeClr val="tx1"/>
-                </a:solidFill>
-                <a:effectLst/>
-                <a:latin typeface="+mn-lt"/>
-                <a:ea typeface="+mn-ea"/>
-                <a:cs typeface="+mn-cs"/>
-              </a:rPr>
-              <a:t>). Estas librerías son las mejores que hay hoy por hoy. También puede usarse, desde las últimas versiones de </a:t>
+              <a:t>puede usarse, desde las últimas versiones de </a:t>
             </a:r>
             <a:r>
               <a:rPr lang="es-ES_tradnl" sz="1200" i="1" kern="1200" dirty="0" err="1" smtClean="0">
@@ -24957,14 +24741,14 @@
             <p:ph sz="quarter" idx="1"/>
             <p:extLst>
               <p:ext uri="{D42A27DB-BD31-4B8C-83A1-F6EECF244321}">
-                <p14:modId xmlns:p14="http://schemas.microsoft.com/office/powerpoint/2010/main" val="2322018472"/>
+                <p14:modId xmlns:p14="http://schemas.microsoft.com/office/powerpoint/2010/main" val="585225038"/>
               </p:ext>
             </p:extLst>
           </p:nvPr>
         </p:nvGraphicFramePr>
         <p:xfrm>
           <a:off x="244226" y="1556792"/>
-          <a:ext cx="8720262" cy="4950695"/>
+          <a:ext cx="8720262" cy="4984477"/>
         </p:xfrm>
         <a:graphic>
           <a:graphicData uri="http://schemas.openxmlformats.org/drawingml/2006/table">
@@ -24973,8 +24757,8 @@
                 <a:tableStyleId>{00A15C55-8517-42AA-B614-E9B94910E393}</a:tableStyleId>
               </a:tblPr>
               <a:tblGrid>
-                <a:gridCol w="3238250"/>
-                <a:gridCol w="2741006"/>
+                <a:gridCol w="2599582"/>
+                <a:gridCol w="3379674"/>
                 <a:gridCol w="2741006"/>
               </a:tblGrid>
               <a:tr h="376657">
@@ -26579,7 +26363,7 @@
             <p:ph sz="quarter" idx="1"/>
             <p:extLst>
               <p:ext uri="{D42A27DB-BD31-4B8C-83A1-F6EECF244321}">
-                <p14:modId xmlns:p14="http://schemas.microsoft.com/office/powerpoint/2010/main" val="2740279302"/>
+                <p14:modId xmlns:p14="http://schemas.microsoft.com/office/powerpoint/2010/main" val="946099198"/>
               </p:ext>
             </p:extLst>
           </p:nvPr>
@@ -26743,13 +26527,7 @@
                           <a:spcPts val="0"/>
                         </a:spcAft>
                       </a:pPr>
-                      <a:r>
-                        <a:rPr lang="es-ES" sz="1000">
-                          <a:effectLst/>
-                        </a:rPr>
-                        <a:t>Multiplataforma</a:t>
-                      </a:r>
-                      <a:endParaRPr lang="es-ES" sz="1000">
+                      <a:endParaRPr lang="es-ES" sz="1000" dirty="0">
                         <a:solidFill>
                           <a:srgbClr val="31849B"/>
                         </a:solidFill>
@@ -26976,6 +26754,12 @@
                           <a:effectLst/>
                         </a:rPr>
                         <a:t> </a:t>
+                      </a:r>
+                      <a:r>
+                        <a:rPr lang="es-ES" sz="1200" dirty="0" smtClean="0">
+                          <a:effectLst/>
+                        </a:rPr>
+                        <a:t>Si</a:t>
                       </a:r>
                       <a:endParaRPr lang="es-ES" sz="1200" b="0" dirty="0">
                         <a:solidFill>
@@ -30065,7 +29849,11 @@
           </p:cNvGraphicFramePr>
           <p:nvPr>
             <p:ph sz="quarter" idx="1"/>
-            <p:extLst/>
+            <p:extLst>
+              <p:ext uri="{D42A27DB-BD31-4B8C-83A1-F6EECF244321}">
+                <p14:modId xmlns:p14="http://schemas.microsoft.com/office/powerpoint/2010/main" val="2040669445"/>
+              </p:ext>
+            </p:extLst>
           </p:nvPr>
         </p:nvGraphicFramePr>
         <p:xfrm>
@@ -30098,12 +29886,12 @@
                         </a:spcAft>
                       </a:pPr>
                       <a:r>
-                        <a:rPr lang="en-US" sz="1000">
+                        <a:rPr lang="en-US" sz="1000" dirty="0">
                           <a:effectLst/>
                         </a:rPr>
                         <a:t> </a:t>
                       </a:r>
-                      <a:endParaRPr lang="es-ES" sz="1000">
+                      <a:endParaRPr lang="es-ES" sz="1000" dirty="0">
                         <a:solidFill>
                           <a:srgbClr val="31849B"/>
                         </a:solidFill>
@@ -30227,45 +30015,39 @@
                           <a:spcPts val="0"/>
                         </a:spcAft>
                       </a:pPr>
-                      <a:r>
-                        <a:rPr lang="es-ES" sz="1000">
+                      <a:endParaRPr lang="es-ES" sz="1000" dirty="0">
+                        <a:solidFill>
+                          <a:srgbClr val="31849B"/>
+                        </a:solidFill>
+                        <a:effectLst/>
+                        <a:latin typeface="Times New Roman"/>
+                        <a:ea typeface="Calibri"/>
+                        <a:cs typeface="Times New Roman"/>
+                      </a:endParaRPr>
+                    </a:p>
+                  </a:txBody>
+                  <a:tcPr marL="58370" marR="58370" marT="0" marB="0"/>
+                </a:tc>
+                <a:tc>
+                  <a:txBody>
+                    <a:bodyPr/>
+                    <a:lstStyle/>
+                    <a:p>
+                      <a:pPr>
+                        <a:lnSpc>
+                          <a:spcPct val="115000"/>
+                        </a:lnSpc>
+                        <a:spcAft>
+                          <a:spcPts val="0"/>
+                        </a:spcAft>
+                      </a:pPr>
+                      <a:r>
+                        <a:rPr lang="es-ES" sz="1000" dirty="0" smtClean="0">
                           <a:effectLst/>
                         </a:rPr>
                         <a:t>Multiplataforma</a:t>
                       </a:r>
-                      <a:endParaRPr lang="es-ES" sz="1000">
-                        <a:solidFill>
-                          <a:srgbClr val="31849B"/>
-                        </a:solidFill>
-                        <a:effectLst/>
-                        <a:latin typeface="Times New Roman"/>
-                        <a:ea typeface="Calibri"/>
-                        <a:cs typeface="Times New Roman"/>
-                      </a:endParaRPr>
-                    </a:p>
-                  </a:txBody>
-                  <a:tcPr marL="58370" marR="58370" marT="0" marB="0"/>
-                </a:tc>
-                <a:tc>
-                  <a:txBody>
-                    <a:bodyPr/>
-                    <a:lstStyle/>
-                    <a:p>
-                      <a:pPr>
-                        <a:lnSpc>
-                          <a:spcPct val="115000"/>
-                        </a:lnSpc>
-                        <a:spcAft>
-                          <a:spcPts val="0"/>
-                        </a:spcAft>
-                      </a:pPr>
-                      <a:r>
-                        <a:rPr lang="es-ES" sz="1000">
-                          <a:effectLst/>
-                        </a:rPr>
-                        <a:t>Multiplataforma</a:t>
-                      </a:r>
-                      <a:endParaRPr lang="es-ES" sz="1000">
+                      <a:endParaRPr lang="es-ES" sz="1000" dirty="0">
                         <a:solidFill>
                           <a:srgbClr val="31849B"/>
                         </a:solidFill>
@@ -32148,11 +31930,7 @@
             </a:r>
             <a:r>
               <a:rPr lang="es-ES" sz="2500" dirty="0" smtClean="0"/>
-              <a:t> </a:t>
-            </a:r>
-            <a:r>
-              <a:rPr lang="es-ES" sz="2500" dirty="0" smtClean="0"/>
-              <a:t>incorporado</a:t>
+              <a:t> incorporado</a:t>
             </a:r>
             <a:endParaRPr lang="es-ES" sz="2500" dirty="0"/>
           </a:p>
@@ -33927,7 +33705,7 @@
           <p:nvPr>
             <p:extLst>
               <p:ext uri="{D42A27DB-BD31-4B8C-83A1-F6EECF244321}">
-                <p14:modId xmlns:p14="http://schemas.microsoft.com/office/powerpoint/2010/main" val="1601880872"/>
+                <p14:modId xmlns:p14="http://schemas.microsoft.com/office/powerpoint/2010/main" val="4164665074"/>
               </p:ext>
             </p:extLst>
           </p:nvPr>
@@ -34091,13 +33869,7 @@
                           <a:spcPts val="0"/>
                         </a:spcAft>
                       </a:pPr>
-                      <a:r>
-                        <a:rPr lang="es-ES" sz="1000">
-                          <a:effectLst/>
-                        </a:rPr>
-                        <a:t>Multiplataforma</a:t>
-                      </a:r>
-                      <a:endParaRPr lang="es-ES" sz="1000">
+                      <a:endParaRPr lang="es-ES" sz="1000" dirty="0">
                         <a:solidFill>
                           <a:srgbClr val="31849B"/>
                         </a:solidFill>
@@ -36261,13 +36033,8 @@
             </a:r>
             <a:r>
               <a:rPr lang="es-ES" dirty="0" smtClean="0"/>
-              <a:t>control</a:t>
-            </a:r>
-            <a:r>
-              <a:rPr lang="es-ES" dirty="0" smtClean="0"/>
-              <a:t>)</a:t>
-            </a:r>
-            <a:endParaRPr lang="es-ES" dirty="0" smtClean="0"/>
+              <a:t>control)</a:t>
+            </a:r>
           </a:p>
           <a:p>
             <a:r>
@@ -37681,7 +37448,7 @@
             <p:ph sz="quarter" idx="1"/>
             <p:extLst>
               <p:ext uri="{D42A27DB-BD31-4B8C-83A1-F6EECF244321}">
-                <p14:modId xmlns:p14="http://schemas.microsoft.com/office/powerpoint/2010/main" val="3444197987"/>
+                <p14:modId xmlns:p14="http://schemas.microsoft.com/office/powerpoint/2010/main" val="2174843233"/>
               </p:ext>
             </p:extLst>
           </p:nvPr>
@@ -37851,13 +37618,7 @@
                           <a:spcPts val="0"/>
                         </a:spcAft>
                       </a:pPr>
-                      <a:r>
-                        <a:rPr lang="es-ES" sz="1000">
-                          <a:effectLst/>
-                        </a:rPr>
-                        <a:t>Multiplataforma</a:t>
-                      </a:r>
-                      <a:endParaRPr lang="es-ES" sz="1000">
+                      <a:endParaRPr lang="es-ES" sz="1000" dirty="0">
                         <a:solidFill>
                           <a:srgbClr val="31849B"/>
                         </a:solidFill>
@@ -39679,7 +39440,19 @@
                           <a:ea typeface="+mn-ea"/>
                           <a:cs typeface="+mn-cs"/>
                         </a:rPr>
-                        <a:t>soluciones con grandes bases de datos </a:t>
+                        <a:t>soluciones con grandes bases de datos (</a:t>
+                      </a:r>
+                      <a:r>
+                        <a:rPr kumimoji="0" lang="es-ES" sz="1000" kern="1200" dirty="0" err="1" smtClean="0">
+                          <a:solidFill>
+                            <a:schemeClr val="dk1"/>
+                          </a:solidFill>
+                          <a:effectLst/>
+                          <a:latin typeface="+mn-lt"/>
+                          <a:ea typeface="+mn-ea"/>
+                          <a:cs typeface="+mn-cs"/>
+                        </a:rPr>
+                        <a:t>DataBase</a:t>
                       </a:r>
                       <a:r>
                         <a:rPr kumimoji="0" lang="es-ES" sz="1000" kern="1200" dirty="0" smtClean="0">
@@ -39691,7 +39464,7 @@
                           <a:ea typeface="+mn-ea"/>
                           <a:cs typeface="+mn-cs"/>
                         </a:rPr>
-                        <a:t>(</a:t>
+                        <a:t> </a:t>
                       </a:r>
                       <a:r>
                         <a:rPr kumimoji="0" lang="es-ES" sz="1000" kern="1200" dirty="0" err="1" smtClean="0">
@@ -39703,7 +39476,7 @@
                           <a:ea typeface="+mn-ea"/>
                           <a:cs typeface="+mn-cs"/>
                         </a:rPr>
-                        <a:t>DataBase</a:t>
+                        <a:t>services</a:t>
                       </a:r>
                       <a:r>
                         <a:rPr kumimoji="0" lang="es-ES" sz="1000" kern="1200" dirty="0" smtClean="0">
@@ -39715,8 +39488,34 @@
                           <a:ea typeface="+mn-ea"/>
                           <a:cs typeface="+mn-cs"/>
                         </a:rPr>
-                        <a:t> </a:t>
-                      </a:r>
+                        <a:t>)</a:t>
+                      </a:r>
+                      <a:endParaRPr kumimoji="0" lang="es-ES" sz="1000" kern="1200" dirty="0">
+                        <a:solidFill>
+                          <a:schemeClr val="dk1"/>
+                        </a:solidFill>
+                        <a:effectLst/>
+                        <a:latin typeface="+mn-lt"/>
+                        <a:ea typeface="+mn-ea"/>
+                        <a:cs typeface="+mn-cs"/>
+                      </a:endParaRPr>
+                    </a:p>
+                  </a:txBody>
+                  <a:tcPr marL="58370" marR="58370" marT="0" marB="0"/>
+                </a:tc>
+                <a:tc>
+                  <a:txBody>
+                    <a:bodyPr/>
+                    <a:lstStyle/>
+                    <a:p>
+                      <a:pPr>
+                        <a:lnSpc>
+                          <a:spcPct val="115000"/>
+                        </a:lnSpc>
+                        <a:spcAft>
+                          <a:spcPts val="0"/>
+                        </a:spcAft>
+                      </a:pPr>
                       <a:r>
                         <a:rPr kumimoji="0" lang="es-ES" sz="1000" kern="1200" dirty="0" err="1" smtClean="0">
                           <a:solidFill>
@@ -39727,7 +39526,7 @@
                           <a:ea typeface="+mn-ea"/>
                           <a:cs typeface="+mn-cs"/>
                         </a:rPr>
-                        <a:t>services</a:t>
+                        <a:t>NoSql</a:t>
                       </a:r>
                       <a:r>
                         <a:rPr kumimoji="0" lang="es-ES" sz="1000" kern="1200" dirty="0" smtClean="0">
@@ -39739,7 +39538,7 @@
                           <a:ea typeface="+mn-ea"/>
                           <a:cs typeface="+mn-cs"/>
                         </a:rPr>
-                        <a:t>)</a:t>
+                        <a:t> no distribuida</a:t>
                       </a:r>
                       <a:endParaRPr kumimoji="0" lang="es-ES" sz="1000" kern="1200" dirty="0">
                         <a:solidFill>
@@ -39768,78 +39567,10 @@
                         </a:spcAft>
                       </a:pPr>
                       <a:r>
-                        <a:rPr kumimoji="0" lang="es-ES" sz="1000" kern="1200" dirty="0" err="1" smtClean="0">
-                          <a:solidFill>
-                            <a:schemeClr val="dk1"/>
-                          </a:solidFill>
-                          <a:effectLst/>
-                          <a:latin typeface="+mn-lt"/>
-                          <a:ea typeface="+mn-ea"/>
-                          <a:cs typeface="+mn-cs"/>
-                        </a:rPr>
-                        <a:t>NoSql</a:t>
-                      </a:r>
-                      <a:r>
-                        <a:rPr kumimoji="0" lang="es-ES" sz="1000" kern="1200" dirty="0" smtClean="0">
-                          <a:solidFill>
-                            <a:schemeClr val="dk1"/>
-                          </a:solidFill>
-                          <a:effectLst/>
-                          <a:latin typeface="+mn-lt"/>
-                          <a:ea typeface="+mn-ea"/>
-                          <a:cs typeface="+mn-cs"/>
-                        </a:rPr>
-                        <a:t> </a:t>
-                      </a:r>
-                      <a:r>
-                        <a:rPr kumimoji="0" lang="es-ES" sz="1000" kern="1200" dirty="0" smtClean="0">
-                          <a:solidFill>
-                            <a:schemeClr val="dk1"/>
-                          </a:solidFill>
-                          <a:effectLst/>
-                          <a:latin typeface="+mn-lt"/>
-                          <a:ea typeface="+mn-ea"/>
-                          <a:cs typeface="+mn-cs"/>
-                        </a:rPr>
-                        <a:t>no distribuida</a:t>
-                      </a:r>
-                      <a:endParaRPr kumimoji="0" lang="es-ES" sz="1000" kern="1200" dirty="0">
-                        <a:solidFill>
-                          <a:schemeClr val="dk1"/>
-                        </a:solidFill>
-                        <a:effectLst/>
-                        <a:latin typeface="+mn-lt"/>
-                        <a:ea typeface="+mn-ea"/>
-                        <a:cs typeface="+mn-cs"/>
-                      </a:endParaRPr>
-                    </a:p>
-                  </a:txBody>
-                  <a:tcPr marL="58370" marR="58370" marT="0" marB="0"/>
-                </a:tc>
-                <a:tc>
-                  <a:txBody>
-                    <a:bodyPr/>
-                    <a:lstStyle/>
-                    <a:p>
-                      <a:pPr>
-                        <a:lnSpc>
-                          <a:spcPct val="115000"/>
-                        </a:lnSpc>
-                        <a:spcAft>
-                          <a:spcPts val="0"/>
-                        </a:spcAft>
-                      </a:pPr>
-                      <a:r>
                         <a:rPr lang="es-ES" sz="1000" dirty="0" smtClean="0">
                           <a:effectLst/>
                         </a:rPr>
-                        <a:t>Más </a:t>
-                      </a:r>
-                      <a:r>
-                        <a:rPr lang="es-ES" sz="1000" dirty="0" smtClean="0">
-                          <a:effectLst/>
-                        </a:rPr>
-                        <a:t>potencia que </a:t>
+                        <a:t>Más potencia que </a:t>
                       </a:r>
                       <a:r>
                         <a:rPr lang="es-ES" sz="1000" dirty="0" err="1" smtClean="0">
@@ -41390,7 +41121,7 @@
   <a:extraClrSchemeLst/>
   <a:extLst>
     <a:ext uri="{05A4C25C-085E-4340-85A3-A5531E510DB2}">
-      <thm15:themeFamily xmlns:thm15="http://schemas.microsoft.com/office/thememl/2012/main" xmlns="" name="Office Theme" id="{62F939B6-93AF-4DB8-9C6B-D6C7DFDC589F}" vid="{4A3C46E8-61CC-4603-A589-7422A47A8E4A}"/>
+      <thm15:themeFamily xmlns="" xmlns:thm15="http://schemas.microsoft.com/office/thememl/2012/main" name="Office Theme" id="{62F939B6-93AF-4DB8-9C6B-D6C7DFDC589F}" vid="{4A3C46E8-61CC-4603-A589-7422A47A8E4A}"/>
     </a:ext>
   </a:extLst>
 </a:theme>

--- a/BigTable.pptx
+++ b/BigTable.pptx
@@ -5,7 +5,7 @@
     <p:sldMasterId id="2147483660" r:id="rId1"/>
   </p:sldMasterIdLst>
   <p:notesMasterIdLst>
-    <p:notesMasterId r:id="rId47"/>
+    <p:notesMasterId r:id="rId48"/>
   </p:notesMasterIdLst>
   <p:sldIdLst>
     <p:sldId id="256" r:id="rId2"/>
@@ -53,6 +53,7 @@
     <p:sldId id="306" r:id="rId44"/>
     <p:sldId id="287" r:id="rId45"/>
     <p:sldId id="307" r:id="rId46"/>
+    <p:sldId id="309" r:id="rId47"/>
   </p:sldIdLst>
   <p:sldSz cx="9144000" cy="6858000" type="screen4x3"/>
   <p:notesSz cx="6858000" cy="9144000"/>
@@ -153,7 +154,7 @@
   </p:defaultTextStyle>
   <p:extLst>
     <p:ext uri="{EFAFB233-063F-42B5-8137-9DF3F51BA10A}">
-      <p15:sldGuideLst xmlns="" xmlns:p15="http://schemas.microsoft.com/office/powerpoint/2012/main">
+      <p15:sldGuideLst xmlns:p15="http://schemas.microsoft.com/office/powerpoint/2012/main">
         <p15:guide id="1" orient="horz" pos="2160">
           <p15:clr>
             <a:srgbClr val="A4A3A4"/>
@@ -3877,19 +3878,7 @@
                 <a:ea typeface="+mn-ea"/>
                 <a:cs typeface="+mn-cs"/>
               </a:rPr>
-              <a:t>También </a:t>
-            </a:r>
-            <a:r>
-              <a:rPr lang="es-ES_tradnl" sz="1200" kern="1200" dirty="0" smtClean="0">
-                <a:solidFill>
-                  <a:schemeClr val="tx1"/>
-                </a:solidFill>
-                <a:effectLst/>
-                <a:latin typeface="+mn-lt"/>
-                <a:ea typeface="+mn-ea"/>
-                <a:cs typeface="+mn-cs"/>
-              </a:rPr>
-              <a:t>puede usarse, desde las últimas versiones de </a:t>
+              <a:t>También puede usarse, desde las últimas versiones de </a:t>
             </a:r>
             <a:r>
               <a:rPr lang="es-ES_tradnl" sz="1200" i="1" kern="1200" dirty="0" err="1" smtClean="0">
@@ -39789,6 +39778,125 @@
       </p:par>
     </p:tnLst>
   </p:timing>
+</p:sld>
+</file>
+
+<file path=ppt/slides/slide46.xml><?xml version="1.0" encoding="utf-8"?>
+<p:sld xmlns:a="http://schemas.openxmlformats.org/drawingml/2006/main" xmlns:r="http://schemas.openxmlformats.org/officeDocument/2006/relationships" xmlns:p="http://schemas.openxmlformats.org/presentationml/2006/main">
+  <p:cSld>
+    <p:spTree>
+      <p:nvGrpSpPr>
+        <p:cNvPr id="1" name=""/>
+        <p:cNvGrpSpPr/>
+        <p:nvPr/>
+      </p:nvGrpSpPr>
+      <p:grpSpPr>
+        <a:xfrm>
+          <a:off x="0" y="0"/>
+          <a:ext cx="0" cy="0"/>
+          <a:chOff x="0" y="0"/>
+          <a:chExt cx="0" cy="0"/>
+        </a:xfrm>
+      </p:grpSpPr>
+      <p:sp>
+        <p:nvSpPr>
+          <p:cNvPr id="3" name="2 Subtítulo"/>
+          <p:cNvSpPr>
+            <a:spLocks noGrp="1"/>
+          </p:cNvSpPr>
+          <p:nvPr>
+            <p:ph type="subTitle" idx="1"/>
+          </p:nvPr>
+        </p:nvSpPr>
+        <p:spPr/>
+        <p:txBody>
+          <a:bodyPr/>
+          <a:lstStyle/>
+          <a:p>
+            <a:r>
+              <a:rPr lang="en-US" b="1" dirty="0"/>
+              <a:t>A Distributed Storage System for structured data</a:t>
+            </a:r>
+            <a:endParaRPr lang="es-ES" dirty="0"/>
+          </a:p>
+        </p:txBody>
+      </p:sp>
+      <p:sp>
+        <p:nvSpPr>
+          <p:cNvPr id="2" name="1 Título"/>
+          <p:cNvSpPr>
+            <a:spLocks noGrp="1"/>
+          </p:cNvSpPr>
+          <p:nvPr>
+            <p:ph type="ctrTitle"/>
+          </p:nvPr>
+        </p:nvSpPr>
+        <p:spPr/>
+        <p:txBody>
+          <a:bodyPr/>
+          <a:lstStyle/>
+          <a:p>
+            <a:r>
+              <a:rPr lang="en-US" b="1" dirty="0" err="1" smtClean="0"/>
+              <a:t>BigTable</a:t>
+            </a:r>
+            <a:endParaRPr lang="es-ES" dirty="0"/>
+          </a:p>
+        </p:txBody>
+      </p:sp>
+      <p:sp>
+        <p:nvSpPr>
+          <p:cNvPr id="4" name="3 CuadroTexto"/>
+          <p:cNvSpPr txBox="1"/>
+          <p:nvPr/>
+        </p:nvSpPr>
+        <p:spPr>
+          <a:xfrm>
+            <a:off x="4788024" y="4869160"/>
+            <a:ext cx="4032448" cy="784830"/>
+          </a:xfrm>
+          <a:prstGeom prst="rect">
+            <a:avLst/>
+          </a:prstGeom>
+          <a:noFill/>
+        </p:spPr>
+        <p:txBody>
+          <a:bodyPr wrap="square" rtlCol="0">
+            <a:spAutoFit/>
+          </a:bodyPr>
+          <a:lstStyle/>
+          <a:p>
+            <a:r>
+              <a:rPr lang="es-ES_tradnl" dirty="0"/>
+              <a:t>Alexander Moreno </a:t>
+            </a:r>
+            <a:r>
+              <a:rPr lang="es-ES_tradnl" dirty="0" smtClean="0"/>
+              <a:t>Borrego</a:t>
+            </a:r>
+          </a:p>
+          <a:p>
+            <a:endParaRPr lang="es-ES" sz="900" dirty="0" smtClean="0"/>
+          </a:p>
+          <a:p>
+            <a:r>
+              <a:rPr lang="es-ES" dirty="0" smtClean="0"/>
+              <a:t>Carlos Jesús Fernández Basso</a:t>
+            </a:r>
+            <a:endParaRPr lang="es-ES" dirty="0"/>
+          </a:p>
+        </p:txBody>
+      </p:sp>
+    </p:spTree>
+    <p:extLst>
+      <p:ext uri="{BB962C8B-B14F-4D97-AF65-F5344CB8AC3E}">
+        <p14:creationId xmlns:p14="http://schemas.microsoft.com/office/powerpoint/2010/main" val="1137057472"/>
+      </p:ext>
+    </p:extLst>
+  </p:cSld>
+  <p:clrMapOvr>
+    <a:masterClrMapping/>
+  </p:clrMapOvr>
 </p:sld>
 </file>
 
@@ -41121,7 +41229,7 @@
   <a:extraClrSchemeLst/>
   <a:extLst>
     <a:ext uri="{05A4C25C-085E-4340-85A3-A5531E510DB2}">
-      <thm15:themeFamily xmlns="" xmlns:thm15="http://schemas.microsoft.com/office/thememl/2012/main" name="Office Theme" id="{62F939B6-93AF-4DB8-9C6B-D6C7DFDC589F}" vid="{4A3C46E8-61CC-4603-A589-7422A47A8E4A}"/>
+      <thm15:themeFamily xmlns:thm15="http://schemas.microsoft.com/office/thememl/2012/main" name="Office Theme" id="{62F939B6-93AF-4DB8-9C6B-D6C7DFDC589F}" vid="{4A3C46E8-61CC-4603-A589-7422A47A8E4A}"/>
     </a:ext>
   </a:extLst>
 </a:theme>

--- a/BigTable.pptx
+++ b/BigTable.pptx
@@ -566,53 +566,75 @@
           <a:lstStyle/>
           <a:p>
             <a:r>
+              <a:rPr lang="es-ES_tradnl" b="0" dirty="0" smtClean="0"/>
+              <a:t>Guardar gran cantidad de datos de tipos diferentes</a:t>
+            </a:r>
+          </a:p>
+          <a:p>
+            <a:r>
               <a:rPr lang="es-ES_tradnl" b="1" dirty="0" err="1" smtClean="0"/>
               <a:t>noSQL</a:t>
             </a:r>
             <a:endParaRPr lang="es-ES_tradnl" b="1" dirty="0" smtClean="0"/>
           </a:p>
           <a:p>
-            <a:pPr marL="628650" lvl="1" indent="-171450">
-              <a:buFont typeface="Arial" panose="020B0604020202020204" pitchFamily="34" charset="0"/>
-              <a:buChar char="•"/>
-            </a:pPr>
+            <a:r>
+              <a:rPr lang="es-ES_tradnl" b="1" dirty="0" smtClean="0"/>
+              <a:t>--</a:t>
+            </a:r>
             <a:r>
               <a:rPr lang="es-ES_tradnl" dirty="0" smtClean="0"/>
-              <a:t>No usa</a:t>
+              <a:t>No </a:t>
+            </a:r>
+            <a:r>
+              <a:rPr lang="es-ES_tradnl" dirty="0" smtClean="0"/>
+              <a:t>usa</a:t>
             </a:r>
             <a:r>
               <a:rPr lang="es-ES_tradnl" baseline="0" dirty="0" smtClean="0"/>
-              <a:t> SQL</a:t>
-            </a:r>
-          </a:p>
-          <a:p>
-            <a:pPr marL="628650" lvl="1" indent="-171450">
-              <a:buFont typeface="Arial" panose="020B0604020202020204" pitchFamily="34" charset="0"/>
-              <a:buChar char="•"/>
-            </a:pPr>
+              <a:t> </a:t>
+            </a:r>
             <a:r>
               <a:rPr lang="es-ES_tradnl" baseline="0" dirty="0" smtClean="0"/>
-              <a:t>Los datos no requieren estructuras fijas como tablas</a:t>
-            </a:r>
-          </a:p>
-          <a:p>
-            <a:pPr marL="628650" lvl="1" indent="-171450">
-              <a:buFont typeface="Arial" panose="020B0604020202020204" pitchFamily="34" charset="0"/>
-              <a:buChar char="•"/>
-            </a:pPr>
+              <a:t>SQL</a:t>
+            </a:r>
+          </a:p>
+          <a:p>
             <a:r>
               <a:rPr lang="es-ES_tradnl" baseline="0" dirty="0" smtClean="0"/>
-              <a:t>No soportan operaciones JOIN</a:t>
-            </a:r>
-          </a:p>
-          <a:p>
-            <a:pPr marL="628650" lvl="1" indent="-171450">
-              <a:buFont typeface="Arial" panose="020B0604020202020204" pitchFamily="34" charset="0"/>
-              <a:buChar char="•"/>
-            </a:pPr>
+              <a:t>----Los </a:t>
+            </a:r>
             <a:r>
               <a:rPr lang="es-ES_tradnl" baseline="0" dirty="0" smtClean="0"/>
-              <a:t>No garantizan </a:t>
+              <a:t>datos no requieren estructuras fijas como </a:t>
+            </a:r>
+            <a:r>
+              <a:rPr lang="es-ES_tradnl" baseline="0" dirty="0" smtClean="0"/>
+              <a:t>tablas</a:t>
+            </a:r>
+          </a:p>
+          <a:p>
+            <a:r>
+              <a:rPr lang="es-ES_tradnl" baseline="0" dirty="0" smtClean="0"/>
+              <a:t>----No </a:t>
+            </a:r>
+            <a:r>
+              <a:rPr lang="es-ES_tradnl" baseline="0" dirty="0" smtClean="0"/>
+              <a:t>soportan operaciones </a:t>
+            </a:r>
+            <a:r>
+              <a:rPr lang="es-ES_tradnl" baseline="0" dirty="0" smtClean="0"/>
+              <a:t>JOIN</a:t>
+            </a:r>
+          </a:p>
+          <a:p>
+            <a:r>
+              <a:rPr lang="es-ES_tradnl" baseline="0" dirty="0" smtClean="0"/>
+              <a:t>----No </a:t>
+            </a:r>
+            <a:r>
+              <a:rPr lang="es-ES_tradnl" baseline="0" dirty="0" smtClean="0"/>
+              <a:t>garantizan </a:t>
             </a:r>
             <a:r>
               <a:rPr lang="es-ES_tradnl" baseline="0" dirty="0" err="1" smtClean="0"/>
@@ -634,33 +656,21 @@
             </a:r>
           </a:p>
           <a:p>
-            <a:pPr marL="628650" lvl="1" indent="-171450">
-              <a:buFont typeface="Arial" panose="020B0604020202020204" pitchFamily="34" charset="0"/>
-              <a:buChar char="•"/>
-            </a:pPr>
-            <a:r>
-              <a:rPr lang="es-ES_tradnl" baseline="0" dirty="0" smtClean="0"/>
-              <a:t>Conjunto de bases de datos lógicamente relacionadas comunicadas mediante una red de comunicación</a:t>
-            </a:r>
-          </a:p>
-          <a:p>
             <a:pPr marL="0" lvl="0" indent="0">
               <a:buFont typeface="Arial" panose="020B0604020202020204" pitchFamily="34" charset="0"/>
               <a:buNone/>
             </a:pPr>
             <a:r>
               <a:rPr lang="es-ES_tradnl" b="1" baseline="0" dirty="0" smtClean="0"/>
-              <a:t>Disperso</a:t>
-            </a:r>
-          </a:p>
-          <a:p>
-            <a:pPr marL="628650" lvl="1" indent="-171450">
-              <a:buFont typeface="Arial" panose="020B0604020202020204" pitchFamily="34" charset="0"/>
-              <a:buChar char="•"/>
-            </a:pPr>
+              <a:t>--</a:t>
+            </a:r>
             <a:r>
               <a:rPr lang="es-ES_tradnl" baseline="0" dirty="0" smtClean="0"/>
-              <a:t>Conjunto de partes de una base de datos repartidas en diferentes nodos de una red</a:t>
+              <a:t>Conjunto </a:t>
+            </a:r>
+            <a:r>
+              <a:rPr lang="es-ES_tradnl" baseline="0" dirty="0" smtClean="0"/>
+              <a:t>de bases de datos lógicamente relacionadas comunicadas mediante una red de comunicación</a:t>
             </a:r>
           </a:p>
           <a:p>
@@ -670,21 +680,7 @@
             </a:pPr>
             <a:r>
               <a:rPr lang="es-ES_tradnl" b="1" baseline="0" dirty="0" smtClean="0"/>
-              <a:t>Comprimido</a:t>
-            </a:r>
-          </a:p>
-          <a:p>
-            <a:pPr marL="628650" lvl="1" indent="-171450">
-              <a:buFont typeface="Arial" panose="020B0604020202020204" pitchFamily="34" charset="0"/>
-              <a:buChar char="•"/>
-            </a:pPr>
-            <a:r>
-              <a:rPr lang="es-ES_tradnl" dirty="0" smtClean="0"/>
-              <a:t>Los datos se</a:t>
-            </a:r>
-            <a:r>
-              <a:rPr lang="es-ES_tradnl" baseline="0" dirty="0" smtClean="0"/>
-              <a:t> comprimen</a:t>
+              <a:t>Disperso</a:t>
             </a:r>
           </a:p>
           <a:p>
@@ -694,17 +690,15 @@
             </a:pPr>
             <a:r>
               <a:rPr lang="es-ES_tradnl" b="1" baseline="0" dirty="0" smtClean="0"/>
-              <a:t>Propietario</a:t>
-            </a:r>
-          </a:p>
-          <a:p>
-            <a:pPr marL="628650" lvl="1" indent="-171450">
-              <a:buFont typeface="Arial" panose="020B0604020202020204" pitchFamily="34" charset="0"/>
-              <a:buChar char="•"/>
-            </a:pPr>
+              <a:t>--</a:t>
+            </a:r>
             <a:r>
               <a:rPr lang="es-ES_tradnl" baseline="0" dirty="0" smtClean="0"/>
-              <a:t>Software tiene una licencia que reserva los derechos sobre el uso, modificación o redistribución.</a:t>
+              <a:t>Conjunto </a:t>
+            </a:r>
+            <a:r>
+              <a:rPr lang="es-ES_tradnl" baseline="0" dirty="0" smtClean="0"/>
+              <a:t>de partes de una base de datos repartidas en diferentes nodos de una red</a:t>
             </a:r>
           </a:p>
           <a:p>
@@ -713,8 +707,20 @@
               <a:buNone/>
             </a:pPr>
             <a:r>
-              <a:rPr lang="es-ES_tradnl" b="1" dirty="0" smtClean="0"/>
-              <a:t>Alta disponibilidad</a:t>
+              <a:rPr lang="es-ES_tradnl" b="1" baseline="0" dirty="0" smtClean="0"/>
+              <a:t>Comprimido--</a:t>
+            </a:r>
+            <a:r>
+              <a:rPr lang="es-ES_tradnl" dirty="0" smtClean="0"/>
+              <a:t>Los </a:t>
+            </a:r>
+            <a:r>
+              <a:rPr lang="es-ES_tradnl" dirty="0" smtClean="0"/>
+              <a:t>datos se</a:t>
+            </a:r>
+            <a:r>
+              <a:rPr lang="es-ES_tradnl" baseline="0" dirty="0" smtClean="0"/>
+              <a:t> comprimen</a:t>
             </a:r>
           </a:p>
           <a:p>
@@ -723,8 +729,8 @@
               <a:buNone/>
             </a:pPr>
             <a:r>
-              <a:rPr lang="es-ES_tradnl" b="1" dirty="0" smtClean="0"/>
-              <a:t>Alto rendimiento</a:t>
+              <a:rPr lang="es-ES_tradnl" b="1" baseline="0" dirty="0" smtClean="0"/>
+              <a:t>Propietario</a:t>
             </a:r>
           </a:p>
           <a:p>
@@ -733,33 +739,82 @@
               <a:buNone/>
             </a:pPr>
             <a:r>
+              <a:rPr lang="es-ES_tradnl" b="1" baseline="0" dirty="0" smtClean="0"/>
+              <a:t>--</a:t>
+            </a:r>
+            <a:r>
+              <a:rPr lang="es-ES_tradnl" baseline="0" dirty="0" smtClean="0"/>
+              <a:t>Software </a:t>
+            </a:r>
+            <a:r>
+              <a:rPr lang="es-ES_tradnl" baseline="0" dirty="0" smtClean="0"/>
+              <a:t>tiene una licencia que reserva los derechos sobre el uso, modificación o redistribución.</a:t>
+            </a:r>
+          </a:p>
+          <a:p>
+            <a:pPr marL="0" lvl="0" indent="0">
+              <a:buFont typeface="Arial" panose="020B0604020202020204" pitchFamily="34" charset="0"/>
+              <a:buNone/>
+            </a:pPr>
+            <a:r>
+              <a:rPr lang="es-ES_tradnl" b="1" dirty="0" smtClean="0"/>
+              <a:t>Alta disponibilidad</a:t>
+            </a:r>
+          </a:p>
+          <a:p>
+            <a:pPr marL="0" lvl="0" indent="0">
+              <a:buFont typeface="Arial" panose="020B0604020202020204" pitchFamily="34" charset="0"/>
+              <a:buNone/>
+            </a:pPr>
+            <a:r>
+              <a:rPr lang="es-ES_tradnl" b="1" dirty="0" smtClean="0"/>
+              <a:t>Alto rendimiento</a:t>
+            </a:r>
+          </a:p>
+          <a:p>
+            <a:pPr marL="0" lvl="0" indent="0">
+              <a:buFont typeface="Arial" panose="020B0604020202020204" pitchFamily="34" charset="0"/>
+              <a:buNone/>
+            </a:pPr>
+            <a:r>
               <a:rPr lang="es-ES_tradnl" b="1" dirty="0" smtClean="0"/>
               <a:t>Escalable</a:t>
             </a:r>
-            <a:endParaRPr lang="es-ES_tradnl" b="0" baseline="0" dirty="0" smtClean="0"/>
-          </a:p>
-          <a:p>
-            <a:pPr marL="628650" lvl="1" indent="-171450">
+          </a:p>
+          <a:p>
+            <a:pPr marL="0" lvl="0" indent="0">
               <a:buFont typeface="Arial" panose="020B0604020202020204" pitchFamily="34" charset="0"/>
-              <a:buChar char="•"/>
+              <a:buNone/>
             </a:pPr>
+            <a:r>
+              <a:rPr lang="es-ES_tradnl" b="0" baseline="0" dirty="0" smtClean="0"/>
+              <a:t>--</a:t>
+            </a:r>
             <a:r>
               <a:rPr lang="es-ES_tradnl" b="0" baseline="0" dirty="0" err="1" smtClean="0"/>
               <a:t>Petabytes</a:t>
             </a:r>
             <a:r>
               <a:rPr lang="es-ES_tradnl" b="0" baseline="0" dirty="0" smtClean="0"/>
-              <a:t> de datos</a:t>
-            </a:r>
-          </a:p>
-          <a:p>
-            <a:pPr marL="628650" lvl="1" indent="-171450">
+              <a:t> </a:t>
+            </a:r>
+            <a:r>
+              <a:rPr lang="es-ES_tradnl" b="0" baseline="0" dirty="0" smtClean="0"/>
+              <a:t>de </a:t>
+            </a:r>
+            <a:r>
+              <a:rPr lang="es-ES_tradnl" b="0" baseline="0" dirty="0" smtClean="0"/>
+              <a:t>datos</a:t>
+            </a:r>
+          </a:p>
+          <a:p>
+            <a:pPr marL="0" lvl="0" indent="0">
               <a:buFont typeface="Arial" panose="020B0604020202020204" pitchFamily="34" charset="0"/>
-              <a:buChar char="•"/>
+              <a:buNone/>
             </a:pPr>
             <a:r>
-              <a:rPr lang="es-ES_tradnl" b="0" baseline="0" smtClean="0"/>
-              <a:t>Miles </a:t>
+              <a:rPr lang="es-ES_tradnl" b="0" baseline="0" dirty="0" smtClean="0"/>
+              <a:t>--Miles </a:t>
             </a:r>
             <a:r>
               <a:rPr lang="es-ES_tradnl" b="0" baseline="0" dirty="0" smtClean="0"/>
@@ -5335,10 +5390,14 @@
             </a:r>
           </a:p>
           <a:p>
-            <a:pPr marL="171450" indent="-171450">
+            <a:pPr marL="0" indent="0">
               <a:buFont typeface="Arial" panose="020B0604020202020204" pitchFamily="34" charset="0"/>
-              <a:buChar char="•"/>
+              <a:buNone/>
             </a:pPr>
+            <a:r>
+              <a:rPr lang="es-ES_tradnl" dirty="0" smtClean="0"/>
+              <a:t>--</a:t>
+            </a:r>
             <a:r>
               <a:rPr lang="es-ES_tradnl" dirty="0" err="1" smtClean="0"/>
               <a:t>Clusters</a:t>
@@ -5358,13 +5417,17 @@
             <a:endParaRPr lang="es-ES_tradnl" dirty="0" smtClean="0"/>
           </a:p>
           <a:p>
-            <a:pPr marL="628650" lvl="1" indent="-171450">
+            <a:pPr marL="0" indent="0">
               <a:buFont typeface="Arial" panose="020B0604020202020204" pitchFamily="34" charset="0"/>
-              <a:buChar char="•"/>
+              <a:buNone/>
             </a:pPr>
             <a:r>
               <a:rPr lang="es-ES_tradnl" dirty="0" smtClean="0"/>
-              <a:t>Tablet: Conjunto de </a:t>
+              <a:t>----Tablet</a:t>
+            </a:r>
+            <a:r>
+              <a:rPr lang="es-ES_tradnl" dirty="0" smtClean="0"/>
+              <a:t>: Conjunto de </a:t>
             </a:r>
             <a:r>
               <a:rPr lang="es-ES_tradnl" dirty="0" err="1" smtClean="0"/>
@@ -5394,41 +5457,53 @@
             </a:r>
             <a:r>
               <a:rPr lang="es-ES_tradnl" dirty="0" smtClean="0"/>
-              <a:t>): balanceo de carga</a:t>
-            </a:r>
-          </a:p>
-          <a:p>
-            <a:pPr marL="628650" lvl="1" indent="-171450">
-              <a:buFont typeface="Arial" panose="020B0604020202020204" pitchFamily="34" charset="0"/>
-              <a:buChar char="•"/>
-            </a:pPr>
+              <a:t>): balanceo de </a:t>
+            </a:r>
             <a:r>
               <a:rPr lang="es-ES_tradnl" dirty="0" smtClean="0"/>
-              <a:t>Ordenadas por clave</a:t>
-            </a:r>
-          </a:p>
-          <a:p>
-            <a:pPr marL="628650" lvl="1" indent="-171450">
-              <a:buFont typeface="Arial" panose="020B0604020202020204" pitchFamily="34" charset="0"/>
-              <a:buChar char="•"/>
-            </a:pPr>
+              <a:t>carga</a:t>
+            </a:r>
+          </a:p>
+          <a:p>
             <a:r>
               <a:rPr lang="es-ES_tradnl" dirty="0" smtClean="0"/>
-              <a:t>No transacciones-múltiples</a:t>
+              <a:t>--Ordenadas </a:t>
+            </a:r>
+            <a:r>
+              <a:rPr lang="es-ES_tradnl" dirty="0" smtClean="0"/>
+              <a:t>por </a:t>
+            </a:r>
+            <a:r>
+              <a:rPr lang="es-ES_tradnl" dirty="0" smtClean="0"/>
+              <a:t>clave</a:t>
+            </a:r>
+          </a:p>
+          <a:p>
+            <a:r>
+              <a:rPr lang="es-ES_tradnl" dirty="0" smtClean="0"/>
+              <a:t>----No </a:t>
+            </a:r>
+            <a:r>
+              <a:rPr lang="es-ES_tradnl" dirty="0" smtClean="0"/>
+              <a:t>transacciones-múltiples</a:t>
             </a:r>
             <a:r>
               <a:rPr lang="es-ES_tradnl" baseline="0" dirty="0" smtClean="0"/>
-              <a:t> filas</a:t>
-            </a:r>
-          </a:p>
-          <a:p>
-            <a:pPr marL="628650" lvl="1" indent="-171450">
-              <a:buFont typeface="Arial" panose="020B0604020202020204" pitchFamily="34" charset="0"/>
-              <a:buChar char="•"/>
-            </a:pPr>
+              <a:t> </a:t>
+            </a:r>
             <a:r>
               <a:rPr lang="es-ES_tradnl" baseline="0" dirty="0" smtClean="0"/>
-              <a:t>Filas con claves consecutivas </a:t>
+              <a:t>filas</a:t>
+            </a:r>
+          </a:p>
+          <a:p>
+            <a:r>
+              <a:rPr lang="es-ES_tradnl" baseline="0" dirty="0" smtClean="0"/>
+              <a:t>----Filas </a:t>
+            </a:r>
+            <a:r>
+              <a:rPr lang="es-ES_tradnl" baseline="0" dirty="0" smtClean="0"/>
+              <a:t>con claves consecutivas </a:t>
             </a:r>
             <a:r>
               <a:rPr lang="es-ES_tradnl" u="sng" baseline="0" dirty="0" err="1" smtClean="0"/>
@@ -5437,23 +5512,27 @@
             <a:endParaRPr lang="es-ES_tradnl" u="sng" baseline="0" dirty="0" smtClean="0"/>
           </a:p>
           <a:p>
-            <a:pPr marL="1085850" lvl="2" indent="-171450">
-              <a:buFont typeface="Arial" panose="020B0604020202020204" pitchFamily="34" charset="0"/>
-              <a:buChar char="•"/>
-            </a:pPr>
             <a:r>
               <a:rPr lang="es-ES_tradnl" u="none" baseline="0" dirty="0" smtClean="0"/>
-              <a:t>Rangos de claves eficientes</a:t>
-            </a:r>
-          </a:p>
-          <a:p>
-            <a:pPr marL="1085850" lvl="2" indent="-171450">
-              <a:buFont typeface="Arial" panose="020B0604020202020204" pitchFamily="34" charset="0"/>
-              <a:buChar char="•"/>
-            </a:pPr>
+              <a:t>------Rangos </a:t>
+            </a:r>
             <a:r>
               <a:rPr lang="es-ES_tradnl" u="none" baseline="0" dirty="0" smtClean="0"/>
-              <a:t>Pequeño # máquinas</a:t>
+              <a:t>de claves </a:t>
+            </a:r>
+            <a:r>
+              <a:rPr lang="es-ES_tradnl" u="none" baseline="0" dirty="0" smtClean="0"/>
+              <a:t>eficientes</a:t>
+            </a:r>
+          </a:p>
+          <a:p>
+            <a:r>
+              <a:rPr lang="es-ES_tradnl" u="none" baseline="0" dirty="0" smtClean="0"/>
+              <a:t>------Pequeño </a:t>
+            </a:r>
+            <a:r>
+              <a:rPr lang="es-ES_tradnl" u="none" baseline="0" dirty="0" smtClean="0"/>
+              <a:t># máquinas</a:t>
             </a:r>
             <a:endParaRPr lang="es-ES_tradnl" u="none" dirty="0" smtClean="0"/>
           </a:p>
@@ -5472,45 +5551,61 @@
             </a:r>
             <a:r>
               <a:rPr lang="es-ES_tradnl" dirty="0" smtClean="0"/>
-              <a:t>): control de acceso</a:t>
-            </a:r>
-          </a:p>
-          <a:p>
-            <a:pPr marL="628650" lvl="1" indent="-171450">
-              <a:buFont typeface="Arial" panose="020B0604020202020204" pitchFamily="34" charset="0"/>
-              <a:buChar char="•"/>
-            </a:pPr>
+              <a:t>): control de </a:t>
+            </a:r>
             <a:r>
               <a:rPr lang="es-ES_tradnl" dirty="0" smtClean="0"/>
-              <a:t>Normalmente del mismo tipo (por compresión)</a:t>
-            </a:r>
-          </a:p>
-          <a:p>
-            <a:pPr marL="628650" lvl="1" indent="-171450">
-              <a:buFont typeface="Arial" panose="020B0604020202020204" pitchFamily="34" charset="0"/>
-              <a:buChar char="•"/>
-            </a:pPr>
+              <a:t>acceso</a:t>
+            </a:r>
+          </a:p>
+          <a:p>
             <a:r>
               <a:rPr lang="es-ES_tradnl" dirty="0" smtClean="0"/>
-              <a:t>Declaradas</a:t>
+              <a:t>--Normalmente </a:t>
+            </a:r>
+            <a:r>
+              <a:rPr lang="es-ES_tradnl" dirty="0" smtClean="0"/>
+              <a:t>del mismo tipo (por </a:t>
+            </a:r>
+            <a:r>
+              <a:rPr lang="es-ES_tradnl" dirty="0" smtClean="0"/>
+              <a:t>compresión)</a:t>
+            </a:r>
+          </a:p>
+          <a:p>
+            <a:r>
+              <a:rPr lang="es-ES_tradnl" dirty="0" smtClean="0"/>
+              <a:t>--Declaradas</a:t>
             </a:r>
             <a:r>
               <a:rPr lang="es-ES_tradnl" baseline="0" dirty="0" smtClean="0"/>
-              <a:t> antes de introducir datos dentro</a:t>
-            </a:r>
-          </a:p>
-          <a:p>
-            <a:pPr marL="628650" lvl="1" indent="-171450">
-              <a:buFont typeface="Arial" panose="020B0604020202020204" pitchFamily="34" charset="0"/>
-              <a:buChar char="•"/>
-            </a:pPr>
+              <a:t> </a:t>
+            </a:r>
+            <a:r>
+              <a:rPr lang="es-ES_tradnl" baseline="0" dirty="0" smtClean="0"/>
+              <a:t>antes de introducir datos </a:t>
+            </a:r>
+            <a:r>
+              <a:rPr lang="es-ES_tradnl" baseline="0" dirty="0" smtClean="0"/>
+              <a:t>dentro</a:t>
+            </a:r>
+          </a:p>
+          <a:p>
+            <a:r>
+              <a:rPr lang="es-ES_tradnl" baseline="0" dirty="0" smtClean="0"/>
+              <a:t>--</a:t>
+            </a:r>
             <a:r>
               <a:rPr lang="es-ES_tradnl" dirty="0" smtClean="0"/>
               <a:t>Datos</a:t>
             </a:r>
             <a:r>
               <a:rPr lang="es-ES_tradnl" baseline="0" dirty="0" smtClean="0"/>
-              <a:t> de columna en diferentes filas no poder borrar</a:t>
+              <a:t> </a:t>
+            </a:r>
+            <a:r>
+              <a:rPr lang="es-ES_tradnl" baseline="0" dirty="0" smtClean="0"/>
+              <a:t>de columna en diferentes filas no poder borrar</a:t>
             </a:r>
             <a:endParaRPr lang="es-ES_tradnl" dirty="0" smtClean="0"/>
           </a:p>
@@ -5529,24 +5624,32 @@
             </a:r>
             <a:r>
               <a:rPr lang="es-ES_tradnl" baseline="0" dirty="0" smtClean="0"/>
-              <a:t> de una misma celda</a:t>
-            </a:r>
-          </a:p>
-          <a:p>
-            <a:pPr marL="628650" lvl="1" indent="-171450">
-              <a:buFont typeface="Arial" panose="020B0604020202020204" pitchFamily="34" charset="0"/>
-              <a:buChar char="•"/>
-            </a:pPr>
+              <a:t> de una misma </a:t>
+            </a:r>
             <a:r>
               <a:rPr lang="es-ES_tradnl" baseline="0" dirty="0" smtClean="0"/>
-              <a:t>Orden descendente (Asignado auto. o manual)</a:t>
-            </a:r>
-          </a:p>
-          <a:p>
-            <a:pPr marL="628650" lvl="1" indent="-171450">
-              <a:buFont typeface="Arial" panose="020B0604020202020204" pitchFamily="34" charset="0"/>
-              <a:buChar char="•"/>
-            </a:pPr>
+              <a:t>celda</a:t>
+            </a:r>
+          </a:p>
+          <a:p>
+            <a:r>
+              <a:rPr lang="es-ES_tradnl" baseline="0" dirty="0" smtClean="0"/>
+              <a:t>--Orden </a:t>
+            </a:r>
+            <a:r>
+              <a:rPr lang="es-ES_tradnl" baseline="0" dirty="0" smtClean="0"/>
+              <a:t>descendente (Asignado auto. o </a:t>
+            </a:r>
+            <a:r>
+              <a:rPr lang="es-ES_tradnl" baseline="0" dirty="0" smtClean="0"/>
+              <a:t>manual)</a:t>
+            </a:r>
+          </a:p>
+          <a:p>
+            <a:r>
+              <a:rPr lang="es-ES_tradnl" baseline="0" dirty="0" smtClean="0"/>
+              <a:t>--</a:t>
+            </a:r>
             <a:r>
               <a:rPr lang="es-ES_tradnl" baseline="0" dirty="0" err="1" smtClean="0"/>
               <a:t>Garbage</a:t>
@@ -5562,23 +5665,19 @@
             <a:endParaRPr lang="es-ES_tradnl" baseline="0" dirty="0" smtClean="0"/>
           </a:p>
           <a:p>
-            <a:pPr marL="1085850" lvl="2" indent="-171450">
-              <a:buFont typeface="Arial" panose="020B0604020202020204" pitchFamily="34" charset="0"/>
-              <a:buChar char="•"/>
-            </a:pPr>
             <a:r>
               <a:rPr lang="es-ES_tradnl" baseline="0" dirty="0" smtClean="0"/>
-              <a:t>N-versiones nuevas</a:t>
-            </a:r>
-          </a:p>
-          <a:p>
-            <a:pPr marL="1085850" lvl="2" indent="-171450">
-              <a:buFont typeface="Arial" panose="020B0604020202020204" pitchFamily="34" charset="0"/>
-              <a:buChar char="•"/>
-            </a:pPr>
+              <a:t>----N-versiones nuevas</a:t>
+            </a:r>
+          </a:p>
+          <a:p>
             <a:r>
               <a:rPr lang="es-ES_tradnl" baseline="0" dirty="0" smtClean="0"/>
-              <a:t>Versiones de un rango de tiempo</a:t>
+              <a:t>----Versiones </a:t>
+            </a:r>
+            <a:r>
+              <a:rPr lang="es-ES_tradnl" baseline="0" dirty="0" smtClean="0"/>
+              <a:t>de un rango de tiempo</a:t>
             </a:r>
           </a:p>
         </p:txBody>
@@ -5663,47 +5762,63 @@
           <a:bodyPr/>
           <a:lstStyle/>
           <a:p>
-            <a:pPr marL="171450" indent="-171450">
+            <a:pPr marL="0" indent="0">
               <a:buFont typeface="Arial" panose="020B0604020202020204" pitchFamily="34" charset="0"/>
-              <a:buChar char="•"/>
+              <a:buNone/>
             </a:pPr>
             <a:r>
               <a:rPr lang="es-ES_tradnl" dirty="0" smtClean="0"/>
-              <a:t>API</a:t>
+              <a:t>--API</a:t>
             </a:r>
             <a:r>
               <a:rPr lang="es-ES_tradnl" baseline="0" dirty="0" smtClean="0"/>
-              <a:t> pública escrita en C++</a:t>
-            </a:r>
-          </a:p>
-          <a:p>
-            <a:pPr marL="171450" indent="-171450">
+              <a:t> </a:t>
+            </a:r>
+            <a:r>
+              <a:rPr lang="es-ES_tradnl" baseline="0" dirty="0" smtClean="0"/>
+              <a:t>pública escrita en C++</a:t>
+            </a:r>
+          </a:p>
+          <a:p>
+            <a:pPr marL="0" indent="0">
               <a:buFont typeface="Arial" panose="020B0604020202020204" pitchFamily="34" charset="0"/>
-              <a:buChar char="•"/>
+              <a:buNone/>
             </a:pPr>
             <a:r>
               <a:rPr lang="es-ES_tradnl" baseline="0" dirty="0" smtClean="0"/>
-              <a:t>Solo admite transacciones por filas individuales</a:t>
-            </a:r>
-          </a:p>
-          <a:p>
-            <a:pPr marL="171450" indent="-171450">
+              <a:t>--Solo </a:t>
+            </a:r>
+            <a:r>
+              <a:rPr lang="es-ES_tradnl" baseline="0" dirty="0" smtClean="0"/>
+              <a:t>admite transacciones por filas individuales</a:t>
+            </a:r>
+          </a:p>
+          <a:p>
+            <a:pPr marL="0" indent="0">
               <a:buFont typeface="Arial" panose="020B0604020202020204" pitchFamily="34" charset="0"/>
-              <a:buChar char="•"/>
+              <a:buNone/>
             </a:pPr>
             <a:r>
               <a:rPr lang="es-ES_tradnl" baseline="0" dirty="0" smtClean="0"/>
-              <a:t>Proporciona interfaz para simularlo para los clientes</a:t>
-            </a:r>
-          </a:p>
-          <a:p>
-            <a:pPr marL="171450" indent="-171450">
+              <a:t>--Proporciona </a:t>
+            </a:r>
+            <a:r>
+              <a:rPr lang="es-ES_tradnl" baseline="0" dirty="0" smtClean="0"/>
+              <a:t>interfaz para simularlo para los clientes</a:t>
+            </a:r>
+          </a:p>
+          <a:p>
+            <a:pPr marL="0" indent="0">
               <a:buFont typeface="Arial" panose="020B0604020202020204" pitchFamily="34" charset="0"/>
-              <a:buChar char="•"/>
+              <a:buNone/>
             </a:pPr>
             <a:r>
               <a:rPr lang="es-ES_tradnl" baseline="0" dirty="0" smtClean="0"/>
-              <a:t>Permite la ejecución de scripts proporcionados por el usuario (</a:t>
+              <a:t>--Permite </a:t>
+            </a:r>
+            <a:r>
+              <a:rPr lang="es-ES_tradnl" baseline="0" dirty="0" smtClean="0"/>
+              <a:t>la ejecución de scripts proporcionados por el usuario (</a:t>
             </a:r>
             <a:r>
               <a:rPr lang="es-ES_tradnl" baseline="0" dirty="0" err="1" smtClean="0"/>
@@ -5711,17 +5826,25 @@
             </a:r>
             <a:r>
               <a:rPr lang="es-ES_tradnl" baseline="0" dirty="0" smtClean="0"/>
-              <a:t>, creado por Google)</a:t>
-            </a:r>
-          </a:p>
-          <a:p>
-            <a:pPr marL="628650" lvl="1" indent="-171450">
+              <a:t>, creado por </a:t>
+            </a:r>
+            <a:r>
+              <a:rPr lang="es-ES_tradnl" baseline="0" dirty="0" smtClean="0"/>
+              <a:t>Google)</a:t>
+            </a:r>
+          </a:p>
+          <a:p>
+            <a:pPr marL="0" indent="0">
               <a:buFont typeface="Arial" panose="020B0604020202020204" pitchFamily="34" charset="0"/>
-              <a:buChar char="•"/>
+              <a:buNone/>
             </a:pPr>
             <a:r>
               <a:rPr lang="es-ES_tradnl" baseline="0" dirty="0" smtClean="0"/>
-              <a:t>No permite la contestación de </a:t>
+              <a:t>----No </a:t>
+            </a:r>
+            <a:r>
+              <a:rPr lang="es-ES_tradnl" baseline="0" dirty="0" smtClean="0"/>
+              <a:t>permite la contestación de </a:t>
             </a:r>
             <a:r>
               <a:rPr lang="es-ES_tradnl" baseline="0" dirty="0" err="1" smtClean="0"/>
@@ -5729,17 +5852,36 @@
             </a:r>
             <a:r>
               <a:rPr lang="es-ES_tradnl" baseline="0" dirty="0" smtClean="0"/>
-              <a:t> a los scripts</a:t>
-            </a:r>
-          </a:p>
-          <a:p>
-            <a:pPr marL="171450" indent="-171450">
+              <a:t> a los </a:t>
+            </a:r>
+            <a:r>
+              <a:rPr lang="es-ES_tradnl" baseline="0" dirty="0" smtClean="0"/>
+              <a:t>scripts</a:t>
+            </a:r>
+          </a:p>
+          <a:p>
+            <a:pPr marL="0" indent="0">
               <a:buFont typeface="Arial" panose="020B0604020202020204" pitchFamily="34" charset="0"/>
-              <a:buChar char="•"/>
+              <a:buNone/>
             </a:pPr>
+            <a:endParaRPr lang="es-ES_tradnl" baseline="0" dirty="0" smtClean="0"/>
+          </a:p>
+          <a:p>
+            <a:pPr marL="0" indent="0">
+              <a:buFont typeface="Arial" panose="020B0604020202020204" pitchFamily="34" charset="0"/>
+              <a:buNone/>
+            </a:pPr>
+            <a:r>
+              <a:rPr lang="es-ES_tradnl" baseline="0" dirty="0" smtClean="0"/>
+              <a:t>--</a:t>
+            </a:r>
             <a:r>
               <a:rPr lang="es-ES_tradnl" dirty="0" smtClean="0"/>
-              <a:t>Puede usarse</a:t>
+              <a:t>Puede </a:t>
+            </a:r>
+            <a:r>
+              <a:rPr lang="es-ES_tradnl" dirty="0" smtClean="0"/>
+              <a:t>usarse</a:t>
             </a:r>
             <a:r>
               <a:rPr lang="es-ES_tradnl" baseline="0" dirty="0" smtClean="0"/>
@@ -5752,23 +5894,27 @@
             <a:endParaRPr lang="es-ES_tradnl" baseline="0" dirty="0" smtClean="0"/>
           </a:p>
           <a:p>
-            <a:pPr marL="628650" lvl="1" indent="-171450">
+            <a:pPr marL="0" indent="0">
               <a:buFont typeface="Arial" panose="020B0604020202020204" pitchFamily="34" charset="0"/>
-              <a:buChar char="•"/>
+              <a:buNone/>
             </a:pPr>
             <a:r>
               <a:rPr lang="es-ES_tradnl" baseline="0" dirty="0" smtClean="0"/>
-              <a:t>Como input</a:t>
-            </a:r>
-          </a:p>
-          <a:p>
-            <a:pPr marL="628650" lvl="1" indent="-171450">
+              <a:t>----Como input</a:t>
+            </a:r>
+          </a:p>
+          <a:p>
+            <a:pPr marL="0" indent="0">
               <a:buFont typeface="Arial" panose="020B0604020202020204" pitchFamily="34" charset="0"/>
-              <a:buChar char="•"/>
+              <a:buNone/>
             </a:pPr>
             <a:r>
               <a:rPr lang="es-ES_tradnl" baseline="0" dirty="0" smtClean="0"/>
-              <a:t>Como output</a:t>
+              <a:t>----Como </a:t>
+            </a:r>
+            <a:r>
+              <a:rPr lang="es-ES_tradnl" baseline="0" dirty="0" smtClean="0"/>
+              <a:t>output</a:t>
             </a:r>
             <a:endParaRPr lang="es-ES_tradnl" dirty="0" smtClean="0"/>
           </a:p>
@@ -5854,13 +6000,17 @@
           <a:bodyPr/>
           <a:lstStyle/>
           <a:p>
-            <a:pPr marL="171450" indent="-171450">
+            <a:pPr marL="0" indent="0">
               <a:buFont typeface="Arial" panose="020B0604020202020204" pitchFamily="34" charset="0"/>
-              <a:buChar char="•"/>
+              <a:buNone/>
             </a:pPr>
             <a:r>
               <a:rPr lang="es-ES_tradnl" dirty="0" smtClean="0"/>
-              <a:t>Opera en varias máquinas compartiendo recursos</a:t>
+              <a:t>--Opera </a:t>
+            </a:r>
+            <a:r>
+              <a:rPr lang="es-ES_tradnl" dirty="0" smtClean="0"/>
+              <a:t>en varias máquinas compartiendo recursos</a:t>
             </a:r>
             <a:r>
               <a:rPr lang="es-ES_tradnl" baseline="0" dirty="0" smtClean="0"/>
@@ -5868,13 +6018,17 @@
             </a:r>
           </a:p>
           <a:p>
-            <a:pPr marL="171450" indent="-171450">
+            <a:pPr marL="0" indent="0">
               <a:buFont typeface="Arial" panose="020B0604020202020204" pitchFamily="34" charset="0"/>
-              <a:buChar char="•"/>
+              <a:buNone/>
             </a:pPr>
             <a:r>
               <a:rPr lang="es-ES_tradnl" dirty="0" smtClean="0"/>
-              <a:t>Manejo de </a:t>
+              <a:t>--Manejo </a:t>
+            </a:r>
+            <a:r>
+              <a:rPr lang="es-ES_tradnl" dirty="0" smtClean="0"/>
+              <a:t>de </a:t>
             </a:r>
             <a:r>
               <a:rPr lang="es-ES_tradnl" dirty="0" err="1" smtClean="0"/>
@@ -5890,27 +6044,31 @@
             </a:r>
             <a:r>
               <a:rPr lang="es-ES_tradnl" dirty="0" smtClean="0"/>
-              <a:t> para:</a:t>
-            </a:r>
-          </a:p>
-          <a:p>
-            <a:pPr marL="628650" lvl="1" indent="-171450">
+              <a:t> </a:t>
+            </a:r>
+            <a:r>
+              <a:rPr lang="es-ES_tradnl" dirty="0" smtClean="0"/>
+              <a:t>para:</a:t>
+            </a:r>
+          </a:p>
+          <a:p>
+            <a:pPr marL="0" indent="0">
               <a:buFont typeface="Arial" panose="020B0604020202020204" pitchFamily="34" charset="0"/>
-              <a:buChar char="•"/>
+              <a:buNone/>
             </a:pPr>
             <a:r>
               <a:rPr lang="es-ES_tradnl" dirty="0" smtClean="0"/>
-              <a:t>Manejar procesos</a:t>
-            </a:r>
-          </a:p>
-          <a:p>
-            <a:pPr marL="628650" lvl="1" indent="-171450">
+              <a:t>----Manejar procesos</a:t>
+            </a:r>
+          </a:p>
+          <a:p>
+            <a:pPr marL="0" indent="0">
               <a:buFont typeface="Arial" panose="020B0604020202020204" pitchFamily="34" charset="0"/>
-              <a:buChar char="•"/>
+              <a:buNone/>
             </a:pPr>
             <a:r>
               <a:rPr lang="es-ES_tradnl" dirty="0" smtClean="0"/>
-              <a:t>Manejar </a:t>
+              <a:t>----Manejar </a:t>
             </a:r>
             <a:r>
               <a:rPr lang="es-ES_tradnl" dirty="0" err="1" smtClean="0"/>
@@ -5918,46 +6076,70 @@
             </a:r>
             <a:r>
               <a:rPr lang="es-ES_tradnl" dirty="0" smtClean="0"/>
-              <a:t> en las máquinas</a:t>
-            </a:r>
-          </a:p>
-          <a:p>
-            <a:pPr marL="628650" lvl="1" indent="-171450">
+              <a:t> en las </a:t>
+            </a:r>
+            <a:r>
+              <a:rPr lang="es-ES_tradnl" dirty="0" smtClean="0"/>
+              <a:t>máquinas</a:t>
+            </a:r>
+          </a:p>
+          <a:p>
+            <a:pPr marL="0" indent="0">
               <a:buFont typeface="Arial" panose="020B0604020202020204" pitchFamily="34" charset="0"/>
-              <a:buChar char="•"/>
+              <a:buNone/>
             </a:pPr>
             <a:r>
               <a:rPr lang="es-ES_tradnl" dirty="0" smtClean="0"/>
-              <a:t>Monitorizar el estatus de las máquinas</a:t>
-            </a:r>
-          </a:p>
-          <a:p>
-            <a:pPr marL="628650" lvl="1" indent="-171450">
+              <a:t>----Monitorizar </a:t>
+            </a:r>
+            <a:r>
+              <a:rPr lang="es-ES_tradnl" dirty="0" smtClean="0"/>
+              <a:t>el estatus de las </a:t>
+            </a:r>
+            <a:r>
+              <a:rPr lang="es-ES_tradnl" dirty="0" smtClean="0"/>
+              <a:t>máquinas</a:t>
+            </a:r>
+          </a:p>
+          <a:p>
+            <a:pPr marL="0" indent="0">
               <a:buFont typeface="Arial" panose="020B0604020202020204" pitchFamily="34" charset="0"/>
-              <a:buChar char="•"/>
+              <a:buNone/>
             </a:pPr>
             <a:r>
               <a:rPr lang="es-ES_tradnl" dirty="0" smtClean="0"/>
-              <a:t>Tratar</a:t>
+              <a:t>----Tratar</a:t>
             </a:r>
             <a:r>
               <a:rPr lang="es-ES_tradnl" baseline="0" dirty="0" smtClean="0"/>
-              <a:t> con las caídas de las máquinas</a:t>
+              <a:t> </a:t>
+            </a:r>
+            <a:r>
+              <a:rPr lang="es-ES_tradnl" baseline="0" dirty="0" smtClean="0"/>
+              <a:t>con las caídas de las máquinas</a:t>
             </a:r>
             <a:endParaRPr lang="es-ES_tradnl" dirty="0" smtClean="0"/>
           </a:p>
           <a:p>
-            <a:pPr marL="171450" indent="-171450">
+            <a:pPr marL="0" indent="0">
               <a:buFont typeface="Arial" panose="020B0604020202020204" pitchFamily="34" charset="0"/>
-              <a:buChar char="•"/>
+              <a:buNone/>
             </a:pPr>
+            <a:r>
+              <a:rPr lang="es-ES_tradnl" dirty="0" smtClean="0"/>
+              <a:t>--</a:t>
+            </a:r>
             <a:r>
               <a:rPr lang="es-ES_tradnl" dirty="0" err="1" smtClean="0"/>
               <a:t>Distributed</a:t>
             </a:r>
             <a:r>
               <a:rPr lang="es-ES_tradnl" baseline="0" dirty="0" smtClean="0"/>
-              <a:t> file </a:t>
+              <a:t> </a:t>
+            </a:r>
+            <a:r>
+              <a:rPr lang="es-ES_tradnl" baseline="0" dirty="0" smtClean="0"/>
+              <a:t>file </a:t>
             </a:r>
             <a:r>
               <a:rPr lang="es-ES_tradnl" baseline="0" dirty="0" err="1" smtClean="0"/>
@@ -5969,10 +6151,14 @@
             </a:r>
           </a:p>
           <a:p>
-            <a:pPr marL="171450" indent="-171450">
+            <a:pPr marL="0" indent="0">
               <a:buFont typeface="Arial" panose="020B0604020202020204" pitchFamily="34" charset="0"/>
-              <a:buChar char="•"/>
+              <a:buNone/>
             </a:pPr>
+            <a:r>
+              <a:rPr lang="es-ES_tradnl" dirty="0" smtClean="0"/>
+              <a:t>--</a:t>
+            </a:r>
             <a:r>
               <a:rPr lang="es-ES_tradnl" dirty="0" err="1" smtClean="0"/>
               <a:t>SSTable</a:t>
@@ -5995,27 +6181,43 @@
             </a:r>
           </a:p>
           <a:p>
-            <a:pPr marL="628650" lvl="1" indent="-171450">
+            <a:pPr marL="0" indent="0">
               <a:buFont typeface="Arial" panose="020B0604020202020204" pitchFamily="34" charset="0"/>
-              <a:buChar char="•"/>
+              <a:buNone/>
             </a:pPr>
             <a:r>
               <a:rPr lang="es-ES_tradnl" baseline="0" dirty="0" smtClean="0"/>
-              <a:t>Contiene secuencia de bloques</a:t>
-            </a:r>
-          </a:p>
-          <a:p>
-            <a:pPr marL="628650" lvl="1" indent="-171450">
+              <a:t>----Contiene </a:t>
+            </a:r>
+            <a:r>
+              <a:rPr lang="es-ES_tradnl" baseline="0" dirty="0" smtClean="0"/>
+              <a:t>secuencia de </a:t>
+            </a:r>
+            <a:r>
+              <a:rPr lang="es-ES_tradnl" baseline="0" dirty="0" smtClean="0"/>
+              <a:t>bloques</a:t>
+            </a:r>
+          </a:p>
+          <a:p>
+            <a:pPr marL="0" indent="0">
               <a:buFont typeface="Arial" panose="020B0604020202020204" pitchFamily="34" charset="0"/>
-              <a:buChar char="•"/>
+              <a:buNone/>
             </a:pPr>
+            <a:r>
+              <a:rPr lang="es-ES_tradnl" baseline="0" dirty="0" smtClean="0"/>
+              <a:t>----</a:t>
+            </a:r>
             <a:r>
               <a:rPr lang="es-ES_tradnl" baseline="0" dirty="0" err="1" smtClean="0"/>
               <a:t>Indice</a:t>
             </a:r>
             <a:r>
               <a:rPr lang="es-ES_tradnl" baseline="0" dirty="0" smtClean="0"/>
-              <a:t> al final de archivo (se carga en </a:t>
+              <a:t> </a:t>
+            </a:r>
+            <a:r>
+              <a:rPr lang="es-ES_tradnl" baseline="0" dirty="0" smtClean="0"/>
+              <a:t>al final de archivo (se carga en </a:t>
             </a:r>
             <a:r>
               <a:rPr lang="es-ES_tradnl" baseline="0" dirty="0" err="1" smtClean="0"/>
@@ -6025,23 +6227,32 @@
               <a:rPr lang="es-ES_tradnl" baseline="0" dirty="0" smtClean="0"/>
               <a:t>. cuando se abre el archivo) </a:t>
             </a:r>
-          </a:p>
-          <a:p>
-            <a:pPr marL="628650" lvl="1" indent="-171450">
+            <a:endParaRPr lang="es-ES_tradnl" baseline="0" dirty="0" smtClean="0"/>
+          </a:p>
+          <a:p>
+            <a:pPr marL="0" indent="0">
               <a:buFont typeface="Arial" panose="020B0604020202020204" pitchFamily="34" charset="0"/>
-              <a:buChar char="•"/>
+              <a:buNone/>
             </a:pPr>
             <a:r>
               <a:rPr lang="es-ES_tradnl" baseline="0" dirty="0" smtClean="0"/>
-              <a:t>Puede cargarse el archivo entero en memoria</a:t>
+              <a:t>----Puede </a:t>
+            </a:r>
+            <a:r>
+              <a:rPr lang="es-ES_tradnl" baseline="0" dirty="0" smtClean="0"/>
+              <a:t>cargarse el archivo entero en memoria</a:t>
             </a:r>
             <a:endParaRPr lang="es-ES_tradnl" dirty="0" smtClean="0"/>
           </a:p>
           <a:p>
-            <a:pPr marL="171450" indent="-171450">
+            <a:pPr marL="0" indent="0">
               <a:buFont typeface="Arial" panose="020B0604020202020204" pitchFamily="34" charset="0"/>
-              <a:buChar char="•"/>
+              <a:buNone/>
             </a:pPr>
+            <a:r>
+              <a:rPr lang="es-ES_tradnl" dirty="0" smtClean="0"/>
+              <a:t>--</a:t>
+            </a:r>
             <a:r>
               <a:rPr lang="es-ES_tradnl" dirty="0" err="1" smtClean="0"/>
               <a:t>Chubby</a:t>
@@ -6052,47 +6263,79 @@
             </a:r>
             <a:r>
               <a:rPr lang="es-ES_tradnl" baseline="0" dirty="0" smtClean="0"/>
-              <a:t> Servidor de cerrojos</a:t>
-            </a:r>
-          </a:p>
-          <a:p>
-            <a:pPr marL="628650" lvl="1" indent="-171450">
+              <a:t> Servidor de </a:t>
+            </a:r>
+            <a:r>
+              <a:rPr lang="es-ES_tradnl" baseline="0" dirty="0" smtClean="0"/>
+              <a:t>cerrojos</a:t>
+            </a:r>
+          </a:p>
+          <a:p>
+            <a:pPr marL="0" indent="0">
               <a:buFont typeface="Arial" panose="020B0604020202020204" pitchFamily="34" charset="0"/>
-              <a:buChar char="•"/>
+              <a:buNone/>
             </a:pPr>
             <a:r>
               <a:rPr lang="es-ES_tradnl" baseline="0" dirty="0" smtClean="0"/>
-              <a:t>Mantiene 5 replicas de cada archivo (1 master, 4 esclavos)</a:t>
-            </a:r>
-          </a:p>
-          <a:p>
-            <a:pPr marL="628650" lvl="1" indent="-171450">
+              <a:t>----Mantiene </a:t>
+            </a:r>
+            <a:r>
+              <a:rPr lang="es-ES_tradnl" baseline="0" dirty="0" smtClean="0"/>
+              <a:t>5 replicas de cada archivo (1 master, 4 </a:t>
+            </a:r>
+            <a:r>
+              <a:rPr lang="es-ES_tradnl" baseline="0" dirty="0" smtClean="0"/>
+              <a:t>esclavos)</a:t>
+            </a:r>
+          </a:p>
+          <a:p>
+            <a:pPr marL="0" indent="0">
               <a:buFont typeface="Arial" panose="020B0604020202020204" pitchFamily="34" charset="0"/>
-              <a:buChar char="•"/>
+              <a:buNone/>
             </a:pPr>
             <a:r>
               <a:rPr lang="es-ES_tradnl" baseline="0" dirty="0" smtClean="0"/>
-              <a:t>Solo se lee del master (servicio activo mientras mayoría de replicas disponibles)</a:t>
-            </a:r>
-          </a:p>
-          <a:p>
-            <a:pPr marL="628650" lvl="1" indent="-171450">
+              <a:t>----Solo </a:t>
+            </a:r>
+            <a:r>
+              <a:rPr lang="es-ES_tradnl" baseline="0" dirty="0" smtClean="0"/>
+              <a:t>se lee del master (servicio activo mientras mayoría de replicas </a:t>
+            </a:r>
+            <a:r>
+              <a:rPr lang="es-ES_tradnl" baseline="0" dirty="0" smtClean="0"/>
+              <a:t>disponibles)</a:t>
+            </a:r>
+          </a:p>
+          <a:p>
+            <a:pPr marL="0" indent="0">
               <a:buFont typeface="Arial" panose="020B0604020202020204" pitchFamily="34" charset="0"/>
-              <a:buChar char="•"/>
+              <a:buNone/>
             </a:pPr>
             <a:r>
               <a:rPr lang="es-ES_tradnl" baseline="0" dirty="0" smtClean="0"/>
-              <a:t>Master cae, se asigna a otro master</a:t>
-            </a:r>
-          </a:p>
-          <a:p>
-            <a:pPr marL="628650" lvl="1" indent="-171450">
+              <a:t>----Master </a:t>
+            </a:r>
+            <a:r>
+              <a:rPr lang="es-ES_tradnl" baseline="0" dirty="0" smtClean="0"/>
+              <a:t>cae, se asigna a otro </a:t>
+            </a:r>
+            <a:r>
+              <a:rPr lang="es-ES_tradnl" baseline="0" dirty="0" smtClean="0"/>
+              <a:t>master</a:t>
+            </a:r>
+          </a:p>
+          <a:p>
+            <a:pPr marL="0" indent="0">
               <a:buFont typeface="Arial" panose="020B0604020202020204" pitchFamily="34" charset="0"/>
-              <a:buChar char="•"/>
+              <a:buNone/>
             </a:pPr>
             <a:r>
               <a:rPr lang="es-ES_tradnl" baseline="0" dirty="0" smtClean="0"/>
-              <a:t>Mantiene la integridad con el algoritmo de </a:t>
+              <a:t>----Mantiene </a:t>
+            </a:r>
+            <a:r>
+              <a:rPr lang="es-ES_tradnl" baseline="0" dirty="0" smtClean="0"/>
+              <a:t>la integridad con el algoritmo de </a:t>
             </a:r>
             <a:r>
               <a:rPr lang="es-ES_tradnl" baseline="0" dirty="0" err="1" smtClean="0"/>
@@ -6101,78 +6344,125 @@
             <a:endParaRPr lang="es-ES_tradnl" baseline="0" dirty="0" smtClean="0"/>
           </a:p>
           <a:p>
-            <a:pPr marL="628650" lvl="1" indent="-171450">
+            <a:pPr marL="0" indent="0">
               <a:buFont typeface="Arial" panose="020B0604020202020204" pitchFamily="34" charset="0"/>
-              <a:buChar char="•"/>
+              <a:buNone/>
             </a:pPr>
             <a:r>
               <a:rPr lang="es-ES_tradnl" baseline="0" dirty="0" smtClean="0"/>
-              <a:t>Proporciona un espacio de nombres de directorios y archivos pequeños</a:t>
-            </a:r>
-          </a:p>
-          <a:p>
-            <a:pPr marL="628650" lvl="1" indent="-171450">
+              <a:t>----Proporciona </a:t>
+            </a:r>
+            <a:r>
+              <a:rPr lang="es-ES_tradnl" baseline="0" dirty="0" smtClean="0"/>
+              <a:t>un espacio de nombres de directorios y archivos </a:t>
+            </a:r>
+            <a:r>
+              <a:rPr lang="es-ES_tradnl" baseline="0" dirty="0" smtClean="0"/>
+              <a:t>pequeños</a:t>
+            </a:r>
+          </a:p>
+          <a:p>
+            <a:pPr marL="0" indent="0">
               <a:buFont typeface="Arial" panose="020B0604020202020204" pitchFamily="34" charset="0"/>
-              <a:buChar char="•"/>
+              <a:buNone/>
             </a:pPr>
             <a:r>
               <a:rPr lang="es-ES_tradnl" baseline="0" dirty="0" smtClean="0"/>
-              <a:t>Cada cliente mantiene una sesión (expira en un determinado tiempo)</a:t>
-            </a:r>
-          </a:p>
-          <a:p>
-            <a:pPr marL="628650" lvl="1" indent="-171450">
+              <a:t>----Cada </a:t>
+            </a:r>
+            <a:r>
+              <a:rPr lang="es-ES_tradnl" baseline="0" dirty="0" smtClean="0"/>
+              <a:t>cliente mantiene una sesión (expira en un determinado </a:t>
+            </a:r>
+            <a:r>
+              <a:rPr lang="es-ES_tradnl" baseline="0" dirty="0" smtClean="0"/>
+              <a:t>tiempo)</a:t>
+            </a:r>
+          </a:p>
+          <a:p>
+            <a:pPr marL="0" indent="0">
               <a:buFont typeface="Arial" panose="020B0604020202020204" pitchFamily="34" charset="0"/>
-              <a:buChar char="•"/>
+              <a:buNone/>
             </a:pPr>
             <a:r>
               <a:rPr lang="es-ES_tradnl" baseline="0" dirty="0" smtClean="0"/>
-              <a:t>Se pueden configurar avisos:</a:t>
-            </a:r>
-          </a:p>
-          <a:p>
-            <a:pPr marL="1085850" lvl="2" indent="-171450">
+              <a:t>----Se </a:t>
+            </a:r>
+            <a:r>
+              <a:rPr lang="es-ES_tradnl" baseline="0" dirty="0" smtClean="0"/>
+              <a:t>pueden configurar </a:t>
+            </a:r>
+            <a:r>
+              <a:rPr lang="es-ES_tradnl" baseline="0" dirty="0" smtClean="0"/>
+              <a:t>avisos:</a:t>
+            </a:r>
+          </a:p>
+          <a:p>
+            <a:pPr marL="0" indent="0">
               <a:buFont typeface="Arial" panose="020B0604020202020204" pitchFamily="34" charset="0"/>
-              <a:buChar char="•"/>
+              <a:buNone/>
             </a:pPr>
             <a:r>
               <a:rPr lang="es-ES_tradnl" baseline="0" dirty="0" smtClean="0"/>
-              <a:t>Cambios de archivos</a:t>
-            </a:r>
-          </a:p>
-          <a:p>
-            <a:pPr marL="1085850" lvl="2" indent="-171450">
+              <a:t>------Cambios </a:t>
+            </a:r>
+            <a:r>
+              <a:rPr lang="es-ES_tradnl" baseline="0" dirty="0" smtClean="0"/>
+              <a:t>de </a:t>
+            </a:r>
+            <a:r>
+              <a:rPr lang="es-ES_tradnl" baseline="0" dirty="0" smtClean="0"/>
+              <a:t>archivos</a:t>
+            </a:r>
+          </a:p>
+          <a:p>
+            <a:pPr marL="0" indent="0">
               <a:buFont typeface="Arial" panose="020B0604020202020204" pitchFamily="34" charset="0"/>
-              <a:buChar char="•"/>
+              <a:buNone/>
             </a:pPr>
             <a:r>
               <a:rPr lang="es-ES_tradnl" baseline="0" dirty="0" smtClean="0"/>
-              <a:t>Expiración de sesiones</a:t>
-            </a:r>
-            <a:endParaRPr lang="es-ES_tradnl" dirty="0" smtClean="0"/>
-          </a:p>
-          <a:p>
-            <a:pPr marL="628650" lvl="1" indent="-171450">
+              <a:t>------Expiración </a:t>
+            </a:r>
+            <a:r>
+              <a:rPr lang="es-ES_tradnl" baseline="0" dirty="0" smtClean="0"/>
+              <a:t>de </a:t>
+            </a:r>
+            <a:r>
+              <a:rPr lang="es-ES_tradnl" baseline="0" dirty="0" smtClean="0"/>
+              <a:t>sesiones</a:t>
+            </a:r>
+          </a:p>
+          <a:p>
+            <a:pPr marL="0" indent="0">
               <a:buFont typeface="Arial" panose="020B0604020202020204" pitchFamily="34" charset="0"/>
-              <a:buChar char="•"/>
+              <a:buNone/>
             </a:pPr>
+            <a:r>
+              <a:rPr lang="es-ES_tradnl" baseline="0" dirty="0" smtClean="0"/>
+              <a:t>----</a:t>
+            </a:r>
             <a:r>
               <a:rPr lang="es-ES_tradnl" dirty="0" smtClean="0"/>
               <a:t>Uso:</a:t>
             </a:r>
           </a:p>
           <a:p>
-            <a:pPr marL="1085850" lvl="2" indent="-171450">
+            <a:pPr marL="0" indent="0">
               <a:buFont typeface="Arial" panose="020B0604020202020204" pitchFamily="34" charset="0"/>
-              <a:buChar char="•"/>
+              <a:buNone/>
             </a:pPr>
             <a:r>
               <a:rPr lang="es-ES_tradnl" dirty="0" smtClean="0"/>
-              <a:t>Al</a:t>
+              <a:t>------Al</a:t>
             </a:r>
             <a:r>
               <a:rPr lang="es-ES_tradnl" baseline="0" dirty="0" smtClean="0"/>
-              <a:t> menos, u</a:t>
+              <a:t> </a:t>
+            </a:r>
+            <a:r>
+              <a:rPr lang="es-ES_tradnl" baseline="0" dirty="0" smtClean="0"/>
+              <a:t>menos, u</a:t>
             </a:r>
             <a:r>
               <a:rPr lang="es-ES_tradnl" dirty="0" smtClean="0"/>
@@ -6180,17 +6470,29 @@
             </a:r>
             <a:r>
               <a:rPr lang="es-ES_tradnl" baseline="0" dirty="0" smtClean="0"/>
-              <a:t> master activo</a:t>
-            </a:r>
-          </a:p>
-          <a:p>
-            <a:pPr marL="1085850" lvl="2" indent="-171450">
+              <a:t> master </a:t>
+            </a:r>
+            <a:r>
+              <a:rPr lang="es-ES_tradnl" baseline="0" dirty="0" smtClean="0"/>
+              <a:t>activo</a:t>
+            </a:r>
+          </a:p>
+          <a:p>
+            <a:pPr marL="0" indent="0">
               <a:buFont typeface="Arial" panose="020B0604020202020204" pitchFamily="34" charset="0"/>
-              <a:buChar char="•"/>
+              <a:buNone/>
             </a:pPr>
             <a:r>
+              <a:rPr lang="es-ES_tradnl" baseline="0" dirty="0" smtClean="0"/>
+              <a:t>------</a:t>
+            </a:r>
+            <a:r>
               <a:rPr lang="es-ES_tradnl" dirty="0" smtClean="0"/>
-              <a:t>Almacenar el </a:t>
+              <a:t>Almacenar </a:t>
+            </a:r>
+            <a:r>
+              <a:rPr lang="es-ES_tradnl" dirty="0" smtClean="0"/>
+              <a:t>el </a:t>
             </a:r>
             <a:r>
               <a:rPr lang="es-ES_tradnl" dirty="0" err="1" smtClean="0"/>
@@ -6199,13 +6501,13 @@
             <a:endParaRPr lang="es-ES_tradnl" dirty="0" smtClean="0"/>
           </a:p>
           <a:p>
-            <a:pPr marL="1085850" lvl="2" indent="-171450">
+            <a:pPr marL="0" indent="0">
               <a:buFont typeface="Arial" panose="020B0604020202020204" pitchFamily="34" charset="0"/>
-              <a:buChar char="•"/>
+              <a:buNone/>
             </a:pPr>
             <a:r>
               <a:rPr lang="es-ES_tradnl" dirty="0" smtClean="0"/>
-              <a:t>Iniciar/Parar </a:t>
+              <a:t>------Iniciar/Parar </a:t>
             </a:r>
             <a:r>
               <a:rPr lang="es-ES_tradnl" dirty="0" err="1" smtClean="0"/>
@@ -6213,17 +6515,25 @@
             </a:r>
             <a:r>
               <a:rPr lang="es-ES_tradnl" dirty="0" smtClean="0"/>
-              <a:t> servers</a:t>
-            </a:r>
-          </a:p>
-          <a:p>
-            <a:pPr marL="1085850" lvl="2" indent="-171450">
+              <a:t> </a:t>
+            </a:r>
+            <a:r>
+              <a:rPr lang="es-ES_tradnl" dirty="0" smtClean="0"/>
+              <a:t>servers</a:t>
+            </a:r>
+          </a:p>
+          <a:p>
+            <a:pPr marL="0" indent="0">
               <a:buFont typeface="Arial" panose="020B0604020202020204" pitchFamily="34" charset="0"/>
-              <a:buChar char="•"/>
+              <a:buNone/>
             </a:pPr>
             <a:r>
               <a:rPr lang="es-ES_tradnl" dirty="0" smtClean="0"/>
-              <a:t>Guardar los esquemas de los datos</a:t>
+              <a:t>------Guardar </a:t>
+            </a:r>
+            <a:r>
+              <a:rPr lang="es-ES_tradnl" dirty="0" smtClean="0"/>
+              <a:t>los esquemas de los datos</a:t>
             </a:r>
           </a:p>
         </p:txBody>
@@ -6339,17 +6649,21 @@
             </a:r>
             <a:r>
               <a:rPr lang="es-ES_tradnl" baseline="0" dirty="0" smtClean="0"/>
-              <a:t> de:</a:t>
-            </a:r>
-          </a:p>
-          <a:p>
-            <a:pPr marL="628650" lvl="1" indent="-171450">
-              <a:buFont typeface="Arial" panose="020B0604020202020204" pitchFamily="34" charset="0"/>
-              <a:buChar char="•"/>
-            </a:pPr>
+              <a:t> </a:t>
+            </a:r>
             <a:r>
               <a:rPr lang="es-ES_tradnl" baseline="0" dirty="0" smtClean="0"/>
-              <a:t>Asignar las </a:t>
+              <a:t>de:</a:t>
+            </a:r>
+          </a:p>
+          <a:p>
+            <a:r>
+              <a:rPr lang="es-ES_tradnl" baseline="0" dirty="0" smtClean="0"/>
+              <a:t>--Asignar </a:t>
+            </a:r>
+            <a:r>
+              <a:rPr lang="es-ES_tradnl" baseline="0" dirty="0" smtClean="0"/>
+              <a:t>las </a:t>
             </a:r>
             <a:r>
               <a:rPr lang="es-ES_tradnl" baseline="0" dirty="0" err="1" smtClean="0"/>
@@ -6365,17 +6679,21 @@
             </a:r>
             <a:r>
               <a:rPr lang="es-ES_tradnl" baseline="0" dirty="0" smtClean="0"/>
-              <a:t> servers</a:t>
-            </a:r>
-          </a:p>
-          <a:p>
-            <a:pPr marL="628650" lvl="1" indent="-171450">
-              <a:buFont typeface="Arial" panose="020B0604020202020204" pitchFamily="34" charset="0"/>
-              <a:buChar char="•"/>
-            </a:pPr>
+              <a:t> </a:t>
+            </a:r>
             <a:r>
               <a:rPr lang="es-ES_tradnl" baseline="0" dirty="0" smtClean="0"/>
-              <a:t>Detectar la adición o expiración de </a:t>
+              <a:t>servers</a:t>
+            </a:r>
+          </a:p>
+          <a:p>
+            <a:r>
+              <a:rPr lang="es-ES_tradnl" baseline="0" dirty="0" smtClean="0"/>
+              <a:t>--Detectar </a:t>
+            </a:r>
+            <a:r>
+              <a:rPr lang="es-ES_tradnl" baseline="0" dirty="0" smtClean="0"/>
+              <a:t>la adición o expiración de </a:t>
             </a:r>
             <a:r>
               <a:rPr lang="es-ES_tradnl" baseline="0" dirty="0" err="1" smtClean="0"/>
@@ -6383,41 +6701,57 @@
             </a:r>
             <a:r>
               <a:rPr lang="es-ES_tradnl" baseline="0" dirty="0" smtClean="0"/>
-              <a:t> servers</a:t>
-            </a:r>
-          </a:p>
-          <a:p>
-            <a:pPr marL="628650" lvl="1" indent="-171450">
-              <a:buFont typeface="Arial" panose="020B0604020202020204" pitchFamily="34" charset="0"/>
-              <a:buChar char="•"/>
-            </a:pPr>
+              <a:t> </a:t>
+            </a:r>
+            <a:r>
+              <a:rPr lang="es-ES_tradnl" baseline="0" dirty="0" smtClean="0"/>
+              <a:t>servers</a:t>
+            </a:r>
+          </a:p>
+          <a:p>
+            <a:r>
+              <a:rPr lang="es-ES_tradnl" baseline="0" dirty="0" smtClean="0"/>
+              <a:t>--</a:t>
+            </a:r>
             <a:r>
               <a:rPr lang="es-ES_tradnl" dirty="0" smtClean="0"/>
               <a:t>Balanceo</a:t>
             </a:r>
             <a:r>
               <a:rPr lang="es-ES_tradnl" baseline="0" dirty="0" smtClean="0"/>
-              <a:t> de carga</a:t>
-            </a:r>
-          </a:p>
-          <a:p>
-            <a:pPr marL="628650" lvl="1" indent="-171450">
-              <a:buFont typeface="Arial" panose="020B0604020202020204" pitchFamily="34" charset="0"/>
-              <a:buChar char="•"/>
-            </a:pPr>
+              <a:t> </a:t>
+            </a:r>
             <a:r>
               <a:rPr lang="es-ES_tradnl" baseline="0" dirty="0" smtClean="0"/>
-              <a:t>Limpiar el GFS de archivos basura</a:t>
-            </a:r>
-          </a:p>
-          <a:p>
-            <a:pPr marL="628650" lvl="1" indent="-171450">
-              <a:buFont typeface="Arial" panose="020B0604020202020204" pitchFamily="34" charset="0"/>
-              <a:buChar char="•"/>
-            </a:pPr>
+              <a:t>de </a:t>
+            </a:r>
             <a:r>
               <a:rPr lang="es-ES_tradnl" baseline="0" dirty="0" smtClean="0"/>
-              <a:t>Manejar los cambios de </a:t>
+              <a:t>carga</a:t>
+            </a:r>
+          </a:p>
+          <a:p>
+            <a:r>
+              <a:rPr lang="es-ES_tradnl" baseline="0" dirty="0" smtClean="0"/>
+              <a:t>--Limpiar </a:t>
+            </a:r>
+            <a:r>
+              <a:rPr lang="es-ES_tradnl" baseline="0" dirty="0" smtClean="0"/>
+              <a:t>el GFS de archivos </a:t>
+            </a:r>
+            <a:r>
+              <a:rPr lang="es-ES_tradnl" baseline="0" dirty="0" smtClean="0"/>
+              <a:t>basura</a:t>
+            </a:r>
+          </a:p>
+          <a:p>
+            <a:r>
+              <a:rPr lang="es-ES_tradnl" baseline="0" dirty="0" smtClean="0"/>
+              <a:t>--Manejar </a:t>
+            </a:r>
+            <a:r>
+              <a:rPr lang="es-ES_tradnl" baseline="0" dirty="0" smtClean="0"/>
+              <a:t>los cambios de </a:t>
             </a:r>
             <a:r>
               <a:rPr lang="es-ES_tradnl" baseline="0" dirty="0" err="1" smtClean="0"/>
@@ -6447,17 +6781,21 @@
             </a:r>
             <a:r>
               <a:rPr lang="es-ES_tradnl" baseline="0" dirty="0" smtClean="0"/>
-              <a:t> (10-100)</a:t>
-            </a:r>
-          </a:p>
-          <a:p>
-            <a:pPr marL="628650" lvl="1" indent="-171450">
-              <a:buFont typeface="Arial" panose="020B0604020202020204" pitchFamily="34" charset="0"/>
-              <a:buChar char="•"/>
-            </a:pPr>
+              <a:t> (</a:t>
+            </a:r>
             <a:r>
               <a:rPr lang="es-ES_tradnl" baseline="0" dirty="0" smtClean="0"/>
-              <a:t>Se encarga de las escrituras/lecturas en las </a:t>
+              <a:t>10-100)</a:t>
+            </a:r>
+          </a:p>
+          <a:p>
+            <a:r>
+              <a:rPr lang="es-ES_tradnl" baseline="0" dirty="0" smtClean="0"/>
+              <a:t>--Se </a:t>
+            </a:r>
+            <a:r>
+              <a:rPr lang="es-ES_tradnl" baseline="0" dirty="0" smtClean="0"/>
+              <a:t>encarga de las escrituras/lecturas en las </a:t>
             </a:r>
             <a:r>
               <a:rPr lang="es-ES_tradnl" i="0" baseline="0" dirty="0" err="1" smtClean="0"/>
@@ -6465,17 +6803,21 @@
             </a:r>
             <a:r>
               <a:rPr lang="es-ES_tradnl" baseline="0" dirty="0" smtClean="0"/>
-              <a:t> que tiene cargadas</a:t>
-            </a:r>
-          </a:p>
-          <a:p>
-            <a:pPr marL="628650" lvl="1" indent="-171450">
-              <a:buFont typeface="Arial" panose="020B0604020202020204" pitchFamily="34" charset="0"/>
-              <a:buChar char="•"/>
-            </a:pPr>
+              <a:t> que tiene </a:t>
+            </a:r>
             <a:r>
               <a:rPr lang="es-ES_tradnl" baseline="0" dirty="0" smtClean="0"/>
-              <a:t>Divide las </a:t>
+              <a:t>cargadas</a:t>
+            </a:r>
+          </a:p>
+          <a:p>
+            <a:r>
+              <a:rPr lang="es-ES_tradnl" baseline="0" dirty="0" smtClean="0"/>
+              <a:t>--Divide </a:t>
+            </a:r>
+            <a:r>
+              <a:rPr lang="es-ES_tradnl" baseline="0" dirty="0" smtClean="0"/>
+              <a:t>las </a:t>
             </a:r>
             <a:r>
               <a:rPr lang="es-ES_tradnl" baseline="0" dirty="0" err="1" smtClean="0"/>
@@ -6558,13 +6900,17 @@
             <a:endParaRPr lang="es-ES_tradnl" dirty="0" smtClean="0"/>
           </a:p>
           <a:p>
-            <a:pPr marL="171450" indent="-171450">
+            <a:pPr marL="0" indent="0">
               <a:buFont typeface="Arial" panose="020B0604020202020204" pitchFamily="34" charset="0"/>
-              <a:buChar char="•"/>
+              <a:buNone/>
             </a:pPr>
             <a:r>
               <a:rPr lang="es-ES_tradnl" dirty="0" smtClean="0"/>
-              <a:t>Inicialmente:</a:t>
+              <a:t>--Inicialmente</a:t>
+            </a:r>
+            <a:r>
+              <a:rPr lang="es-ES_tradnl" dirty="0" smtClean="0"/>
+              <a:t>:</a:t>
             </a:r>
             <a:r>
               <a:rPr lang="es-ES_tradnl" baseline="0" dirty="0" smtClean="0"/>
@@ -6588,13 +6934,17 @@
             </a:r>
           </a:p>
           <a:p>
-            <a:pPr marL="171450" indent="-171450">
+            <a:pPr marL="0" indent="0">
               <a:buFont typeface="Arial" panose="020B0604020202020204" pitchFamily="34" charset="0"/>
-              <a:buChar char="•"/>
+              <a:buNone/>
             </a:pPr>
             <a:r>
               <a:rPr lang="es-ES_tradnl" baseline="0" dirty="0" smtClean="0"/>
-              <a:t>No soporta tamaños de </a:t>
+              <a:t>--No </a:t>
+            </a:r>
+            <a:r>
+              <a:rPr lang="es-ES_tradnl" baseline="0" dirty="0" smtClean="0"/>
+              <a:t>soporta tamaños de </a:t>
             </a:r>
             <a:r>
               <a:rPr lang="es-ES_tradnl" baseline="0" dirty="0" err="1" smtClean="0"/>
@@ -6623,27 +6973,39 @@
             </a:r>
           </a:p>
           <a:p>
-            <a:pPr marL="628650" lvl="1" indent="-171450">
-              <a:buFont typeface="Arial" panose="020B0604020202020204" pitchFamily="34" charset="0"/>
-              <a:buChar char="•"/>
-            </a:pPr>
+            <a:r>
+              <a:rPr lang="es-ES_tradnl" b="1" baseline="0" dirty="0" smtClean="0"/>
+              <a:t>--</a:t>
+            </a:r>
             <a:r>
               <a:rPr lang="es-ES_tradnl" baseline="0" dirty="0" smtClean="0"/>
-              <a:t>Estructura de árbol B*</a:t>
-            </a:r>
-          </a:p>
-          <a:p>
-            <a:pPr marL="628650" lvl="1" indent="-171450">
-              <a:buFont typeface="Arial" panose="020B0604020202020204" pitchFamily="34" charset="0"/>
-              <a:buChar char="•"/>
-            </a:pPr>
+              <a:t>Estructura </a:t>
+            </a:r>
+            <a:r>
+              <a:rPr lang="es-ES_tradnl" baseline="0" dirty="0" smtClean="0"/>
+              <a:t>de árbol </a:t>
+            </a:r>
+            <a:r>
+              <a:rPr lang="es-ES_tradnl" baseline="0" dirty="0" smtClean="0"/>
+              <a:t>B*</a:t>
+            </a:r>
+          </a:p>
+          <a:p>
+            <a:r>
+              <a:rPr lang="es-ES_tradnl" baseline="0" dirty="0" smtClean="0"/>
+              <a:t>--</a:t>
+            </a:r>
             <a:r>
               <a:rPr lang="es-ES_tradnl" baseline="0" dirty="0" err="1" smtClean="0"/>
               <a:t>Chubby</a:t>
             </a:r>
             <a:r>
               <a:rPr lang="es-ES_tradnl" baseline="0" dirty="0" smtClean="0"/>
-              <a:t> -&gt; Localización de </a:t>
+              <a:t> </a:t>
+            </a:r>
+            <a:r>
+              <a:rPr lang="es-ES_tradnl" baseline="0" dirty="0" smtClean="0"/>
+              <a:t>-&gt; Localización de </a:t>
             </a:r>
             <a:r>
               <a:rPr lang="es-ES_tradnl" baseline="0" dirty="0" err="1" smtClean="0"/>
@@ -6660,10 +7022,10 @@
             <a:endParaRPr lang="es-ES_tradnl" baseline="0" dirty="0" smtClean="0"/>
           </a:p>
           <a:p>
-            <a:pPr marL="628650" lvl="1" indent="-171450">
-              <a:buFont typeface="Arial" panose="020B0604020202020204" pitchFamily="34" charset="0"/>
-              <a:buChar char="•"/>
-            </a:pPr>
+            <a:r>
+              <a:rPr lang="es-ES_tradnl" baseline="0" dirty="0" smtClean="0"/>
+              <a:t>--</a:t>
+            </a:r>
             <a:r>
               <a:rPr lang="es-ES_tradnl" baseline="0" dirty="0" err="1" smtClean="0"/>
               <a:t>Root</a:t>
@@ -6686,17 +7048,17 @@
             </a:r>
             <a:r>
               <a:rPr lang="es-ES_tradnl" baseline="0" dirty="0" smtClean="0"/>
-              <a:t> de METADATOS (nunca se divide)</a:t>
-            </a:r>
-          </a:p>
-          <a:p>
-            <a:pPr marL="628650" lvl="1" indent="-171450">
-              <a:buFont typeface="Arial" panose="020B0604020202020204" pitchFamily="34" charset="0"/>
-              <a:buChar char="•"/>
-            </a:pPr>
+              <a:t> de METADATOS (nunca se </a:t>
+            </a:r>
             <a:r>
               <a:rPr lang="es-ES_tradnl" baseline="0" dirty="0" smtClean="0"/>
-              <a:t>METADATA </a:t>
+              <a:t>divide)</a:t>
+            </a:r>
+          </a:p>
+          <a:p>
+            <a:r>
+              <a:rPr lang="es-ES_tradnl" baseline="0" dirty="0" smtClean="0"/>
+              <a:t>--METADATA </a:t>
             </a:r>
             <a:r>
               <a:rPr lang="es-ES_tradnl" baseline="0" dirty="0" err="1" smtClean="0"/>
@@ -6712,40 +7074,48 @@
             </a:r>
             <a:r>
               <a:rPr lang="es-ES_tradnl" baseline="0" dirty="0" smtClean="0"/>
+              <a:t> de usuario</a:t>
+            </a:r>
+            <a:endParaRPr lang="es-ES_tradnl" dirty="0" smtClean="0"/>
+          </a:p>
+          <a:p>
+            <a:endParaRPr lang="es-ES_tradnl" dirty="0" smtClean="0"/>
+          </a:p>
+          <a:p>
+            <a:r>
+              <a:rPr lang="es-ES_tradnl" dirty="0" smtClean="0"/>
+              <a:t>Librería de </a:t>
+            </a:r>
+            <a:r>
+              <a:rPr lang="es-ES_tradnl" dirty="0" smtClean="0"/>
+              <a:t>cliente:</a:t>
+            </a:r>
+          </a:p>
+          <a:p>
+            <a:r>
+              <a:rPr lang="es-ES_tradnl" dirty="0" smtClean="0"/>
+              <a:t>--Busca</a:t>
+            </a:r>
+            <a:r>
+              <a:rPr lang="es-ES_tradnl" baseline="0" dirty="0" smtClean="0"/>
               <a:t> </a:t>
             </a:r>
             <a:r>
-              <a:rPr lang="es-ES_tradnl" baseline="0" smtClean="0"/>
-              <a:t>de usuario</a:t>
-            </a:r>
-            <a:endParaRPr lang="es-ES_tradnl" smtClean="0"/>
-          </a:p>
-          <a:p>
-            <a:endParaRPr lang="es-ES_tradnl" smtClean="0"/>
-          </a:p>
-          <a:p>
-            <a:r>
-              <a:rPr lang="es-ES_tradnl" smtClean="0"/>
-              <a:t>Librería de cliente:</a:t>
-            </a:r>
-          </a:p>
-          <a:p>
-            <a:pPr marL="628650" lvl="1" indent="-171450">
-              <a:buFont typeface="Arial" panose="020B0604020202020204" pitchFamily="34" charset="0"/>
-              <a:buChar char="•"/>
-            </a:pPr>
-            <a:r>
-              <a:rPr lang="es-ES_tradnl" smtClean="0"/>
-              <a:t>Busca</a:t>
-            </a:r>
-            <a:r>
-              <a:rPr lang="es-ES_tradnl" baseline="0" smtClean="0"/>
-              <a:t> a través de la jerarquía la localización de una tablet y la guarda en memoria caché</a:t>
-            </a:r>
-            <a:endParaRPr lang="es-ES_tradnl" smtClean="0"/>
-          </a:p>
-          <a:p>
-            <a:endParaRPr lang="es-ES_tradnl" smtClean="0"/>
+              <a:rPr lang="es-ES_tradnl" baseline="0" dirty="0" smtClean="0"/>
+              <a:t>a través de la jerarquía la localización de una </a:t>
+            </a:r>
+            <a:r>
+              <a:rPr lang="es-ES_tradnl" baseline="0" dirty="0" err="1" smtClean="0"/>
+              <a:t>tablet</a:t>
+            </a:r>
+            <a:r>
+              <a:rPr lang="es-ES_tradnl" baseline="0" dirty="0" smtClean="0"/>
+              <a:t> y la guarda en memoria caché</a:t>
+            </a:r>
+            <a:endParaRPr lang="es-ES_tradnl" dirty="0" smtClean="0"/>
+          </a:p>
+          <a:p>
+            <a:endParaRPr lang="es-ES_tradnl" dirty="0" smtClean="0"/>
           </a:p>
           <a:p>
             <a:endParaRPr lang="es-ES_tradnl" dirty="0" smtClean="0"/>
@@ -6857,17 +7227,21 @@
             <a:endParaRPr lang="es-ES_tradnl" b="1" dirty="0" smtClean="0"/>
           </a:p>
           <a:p>
-            <a:pPr marL="171450" indent="-171450">
+            <a:pPr marL="0" indent="0">
               <a:buFont typeface="Arial" panose="020B0604020202020204" pitchFamily="34" charset="0"/>
-              <a:buChar char="•"/>
+              <a:buNone/>
             </a:pPr>
             <a:r>
               <a:rPr lang="es-ES_tradnl" dirty="0" smtClean="0"/>
-              <a:t>Master</a:t>
+              <a:t>--Master</a:t>
             </a:r>
             <a:r>
               <a:rPr lang="es-ES_tradnl" baseline="0" dirty="0" smtClean="0"/>
-              <a:t> server mantiene una lista del estado de todas las </a:t>
+              <a:t> </a:t>
+            </a:r>
+            <a:r>
+              <a:rPr lang="es-ES_tradnl" baseline="0" dirty="0" smtClean="0"/>
+              <a:t>server mantiene una lista del estado de todas las </a:t>
             </a:r>
             <a:r>
               <a:rPr lang="es-ES_tradnl" baseline="0" dirty="0" err="1" smtClean="0"/>
@@ -6924,17 +7298,25 @@
             </a:r>
             <a:r>
               <a:rPr lang="es-ES_tradnl" baseline="0" dirty="0" smtClean="0"/>
-              <a:t> server</a:t>
-            </a:r>
-          </a:p>
-          <a:p>
-            <a:pPr marL="628650" lvl="1" indent="-171450">
+              <a:t> </a:t>
+            </a:r>
+            <a:r>
+              <a:rPr lang="es-ES_tradnl" baseline="0" dirty="0" smtClean="0"/>
+              <a:t>server</a:t>
+            </a:r>
+          </a:p>
+          <a:p>
+            <a:pPr marL="0" indent="0">
               <a:buFont typeface="Arial" panose="020B0604020202020204" pitchFamily="34" charset="0"/>
-              <a:buChar char="•"/>
+              <a:buNone/>
             </a:pPr>
             <a:r>
               <a:rPr lang="es-ES_tradnl" baseline="0" dirty="0" smtClean="0"/>
-              <a:t>Solo falla si se cambia de master antes de que le llegue la petición (solo aceptan peticiones del master actual)</a:t>
+              <a:t>--Solo </a:t>
+            </a:r>
+            <a:r>
+              <a:rPr lang="es-ES_tradnl" baseline="0" dirty="0" smtClean="0"/>
+              <a:t>falla si se cambia de master antes de que le llegue la petición (solo aceptan peticiones del master actual)</a:t>
             </a:r>
           </a:p>
           <a:p>
@@ -6945,13 +7327,17 @@
             <a:endParaRPr lang="es-ES_tradnl" dirty="0" smtClean="0"/>
           </a:p>
           <a:p>
-            <a:pPr marL="171450" indent="-171450">
+            <a:pPr marL="0" indent="0">
               <a:buFont typeface="Arial" panose="020B0604020202020204" pitchFamily="34" charset="0"/>
-              <a:buChar char="•"/>
+              <a:buNone/>
             </a:pPr>
             <a:r>
               <a:rPr lang="es-ES_tradnl" dirty="0" smtClean="0"/>
-              <a:t>Para saber el estado de los </a:t>
+              <a:t>--Para </a:t>
+            </a:r>
+            <a:r>
+              <a:rPr lang="es-ES_tradnl" dirty="0" smtClean="0"/>
+              <a:t>saber el estado de los </a:t>
             </a:r>
             <a:r>
               <a:rPr lang="es-ES_tradnl" dirty="0" err="1" smtClean="0"/>
@@ -6959,17 +7345,25 @@
             </a:r>
             <a:r>
               <a:rPr lang="es-ES_tradnl" dirty="0" smtClean="0"/>
-              <a:t> servers</a:t>
-            </a:r>
-          </a:p>
-          <a:p>
-            <a:pPr marL="628650" lvl="1" indent="-171450">
+              <a:t> </a:t>
+            </a:r>
+            <a:r>
+              <a:rPr lang="es-ES_tradnl" dirty="0" smtClean="0"/>
+              <a:t>servers</a:t>
+            </a:r>
+          </a:p>
+          <a:p>
+            <a:pPr marL="0" indent="0">
               <a:buFont typeface="Arial" panose="020B0604020202020204" pitchFamily="34" charset="0"/>
-              <a:buChar char="•"/>
+              <a:buNone/>
             </a:pPr>
             <a:r>
               <a:rPr lang="es-ES_tradnl" baseline="0" dirty="0" smtClean="0"/>
-              <a:t>Tablet server se crea, crea un archivo -&gt; Adquiere un cerrojo único guardado en un directorio de </a:t>
+              <a:t>----Tablet </a:t>
+            </a:r>
+            <a:r>
+              <a:rPr lang="es-ES_tradnl" baseline="0" dirty="0" smtClean="0"/>
+              <a:t>server se crea, crea un archivo -&gt; Adquiere un cerrojo único guardado en un directorio de </a:t>
             </a:r>
             <a:r>
               <a:rPr lang="es-ES_tradnl" baseline="0" dirty="0" err="1" smtClean="0"/>
@@ -6977,31 +7371,47 @@
             </a:r>
             <a:r>
               <a:rPr lang="es-ES_tradnl" baseline="0" dirty="0" smtClean="0"/>
-              <a:t> (Master vigila ese directorio)</a:t>
-            </a:r>
-          </a:p>
-          <a:p>
-            <a:pPr marL="628650" lvl="1" indent="-171450">
+              <a:t> (Master vigila ese </a:t>
+            </a:r>
+            <a:r>
+              <a:rPr lang="es-ES_tradnl" baseline="0" dirty="0" smtClean="0"/>
+              <a:t>directorio)</a:t>
+            </a:r>
+          </a:p>
+          <a:p>
+            <a:pPr marL="0" indent="0">
               <a:buFont typeface="Arial" panose="020B0604020202020204" pitchFamily="34" charset="0"/>
-              <a:buChar char="•"/>
+              <a:buNone/>
             </a:pPr>
             <a:r>
               <a:rPr lang="es-ES_tradnl" baseline="0" dirty="0" smtClean="0"/>
-              <a:t>Si pierde el cerrojo -&gt; intenta readquirirlo mientras exista el archivo -&gt; si no existe se mata a si mismo</a:t>
-            </a:r>
-          </a:p>
-          <a:p>
-            <a:pPr marL="171450" indent="-171450">
+              <a:t>----Si </a:t>
+            </a:r>
+            <a:r>
+              <a:rPr lang="es-ES_tradnl" baseline="0" dirty="0" smtClean="0"/>
+              <a:t>pierde el cerrojo -&gt; intenta readquirirlo mientras exista el archivo -&gt; si no existe se mata a si mismo</a:t>
+            </a:r>
+          </a:p>
+          <a:p>
+            <a:pPr marL="0" indent="0">
               <a:buFont typeface="Arial" panose="020B0604020202020204" pitchFamily="34" charset="0"/>
-              <a:buChar char="•"/>
+              <a:buNone/>
             </a:pPr>
+            <a:r>
+              <a:rPr lang="es-ES_tradnl" dirty="0" smtClean="0"/>
+              <a:t>--</a:t>
+            </a:r>
             <a:r>
               <a:rPr lang="es-ES_tradnl" dirty="0" err="1" smtClean="0"/>
               <a:t>Periodicamente</a:t>
             </a:r>
             <a:r>
               <a:rPr lang="es-ES_tradnl" dirty="0" smtClean="0"/>
-              <a:t> pregunta a los </a:t>
+              <a:t> </a:t>
+            </a:r>
+            <a:r>
+              <a:rPr lang="es-ES_tradnl" dirty="0" smtClean="0"/>
+              <a:t>pregunta a los </a:t>
             </a:r>
             <a:r>
               <a:rPr lang="es-ES_tradnl" dirty="0" err="1" smtClean="0"/>
@@ -7009,31 +7419,47 @@
             </a:r>
             <a:r>
               <a:rPr lang="es-ES_tradnl" dirty="0" smtClean="0"/>
-              <a:t> servers por su estado</a:t>
-            </a:r>
-          </a:p>
-          <a:p>
-            <a:pPr marL="628650" lvl="1" indent="-171450">
+              <a:t> servers por su </a:t>
+            </a:r>
+            <a:r>
+              <a:rPr lang="es-ES_tradnl" dirty="0" smtClean="0"/>
+              <a:t>estado</a:t>
+            </a:r>
+          </a:p>
+          <a:p>
+            <a:pPr marL="0" indent="0">
               <a:buFont typeface="Arial" panose="020B0604020202020204" pitchFamily="34" charset="0"/>
-              <a:buChar char="•"/>
+              <a:buNone/>
             </a:pPr>
             <a:r>
               <a:rPr lang="es-ES_tradnl" dirty="0" smtClean="0"/>
-              <a:t>Si</a:t>
+              <a:t>----Si</a:t>
             </a:r>
             <a:r>
               <a:rPr lang="es-ES_tradnl" baseline="0" dirty="0" smtClean="0"/>
-              <a:t> no le contestan o le dicen que han perdido su cerrojo</a:t>
-            </a:r>
-          </a:p>
-          <a:p>
-            <a:pPr marL="1085850" lvl="2" indent="-171450">
+              <a:t> </a:t>
+            </a:r>
+            <a:r>
+              <a:rPr lang="es-ES_tradnl" baseline="0" dirty="0" smtClean="0"/>
+              <a:t>no le contestan o le dicen que han perdido su </a:t>
+            </a:r>
+            <a:r>
+              <a:rPr lang="es-ES_tradnl" baseline="0" dirty="0" smtClean="0"/>
+              <a:t>cerrojo</a:t>
+            </a:r>
+          </a:p>
+          <a:p>
+            <a:pPr marL="0" indent="0">
               <a:buFont typeface="Arial" panose="020B0604020202020204" pitchFamily="34" charset="0"/>
-              <a:buChar char="•"/>
+              <a:buNone/>
             </a:pPr>
             <a:r>
               <a:rPr lang="es-ES_tradnl" baseline="0" dirty="0" smtClean="0"/>
-              <a:t>Si lo adquiere master -&gt; </a:t>
+              <a:t>------Si </a:t>
+            </a:r>
+            <a:r>
+              <a:rPr lang="es-ES_tradnl" baseline="0" dirty="0" smtClean="0"/>
+              <a:t>lo adquiere master -&gt; </a:t>
             </a:r>
             <a:r>
               <a:rPr lang="es-ES_tradnl" baseline="0" dirty="0" err="1" smtClean="0"/>
@@ -7070,13 +7496,13 @@
             <a:endParaRPr lang="es-ES_tradnl" dirty="0" smtClean="0"/>
           </a:p>
           <a:p>
-            <a:pPr marL="171450" indent="-171450">
+            <a:pPr marL="0" indent="0">
               <a:buFont typeface="Arial" panose="020B0604020202020204" pitchFamily="34" charset="0"/>
-              <a:buChar char="•"/>
+              <a:buNone/>
             </a:pPr>
             <a:r>
               <a:rPr lang="es-ES_tradnl" dirty="0" smtClean="0"/>
-              <a:t>Si </a:t>
+              <a:t>--Si </a:t>
             </a:r>
             <a:r>
               <a:rPr lang="es-ES_tradnl" dirty="0" err="1" smtClean="0"/>
@@ -7104,13 +7530,17 @@
             <a:endParaRPr lang="es-ES_tradnl" dirty="0" smtClean="0"/>
           </a:p>
           <a:p>
-            <a:pPr marL="171450" indent="-171450">
+            <a:pPr marL="0" indent="0">
               <a:buFont typeface="Arial" panose="020B0604020202020204" pitchFamily="34" charset="0"/>
-              <a:buChar char="•"/>
+              <a:buNone/>
             </a:pPr>
             <a:r>
               <a:rPr lang="es-ES_tradnl" dirty="0" smtClean="0"/>
-              <a:t>Maneja la creación y</a:t>
+              <a:t>--Maneja </a:t>
+            </a:r>
+            <a:r>
+              <a:rPr lang="es-ES_tradnl" dirty="0" smtClean="0"/>
+              <a:t>la creación y</a:t>
             </a:r>
             <a:r>
               <a:rPr lang="es-ES_tradnl" baseline="0" dirty="0" smtClean="0"/>
@@ -7123,13 +7553,17 @@
             <a:endParaRPr lang="es-ES_tradnl" baseline="0" dirty="0" smtClean="0"/>
           </a:p>
           <a:p>
-            <a:pPr marL="628650" lvl="1" indent="-171450">
+            <a:pPr marL="0" indent="0">
               <a:buFont typeface="Arial" panose="020B0604020202020204" pitchFamily="34" charset="0"/>
-              <a:buChar char="•"/>
+              <a:buNone/>
             </a:pPr>
             <a:r>
               <a:rPr lang="es-ES_tradnl" baseline="0" dirty="0" smtClean="0"/>
-              <a:t>Tablet servers -&gt; Son los que dividen o juntan </a:t>
+              <a:t>----Tablet </a:t>
+            </a:r>
+            <a:r>
+              <a:rPr lang="es-ES_tradnl" baseline="0" dirty="0" smtClean="0"/>
+              <a:t>servers -&gt; Son los que dividen o juntan </a:t>
             </a:r>
             <a:r>
               <a:rPr lang="es-ES_tradnl" baseline="0" dirty="0" err="1" smtClean="0"/>
@@ -7149,9 +7583,9 @@
             <a:endParaRPr lang="es-ES_tradnl" dirty="0" smtClean="0"/>
           </a:p>
           <a:p>
-            <a:pPr marL="171450" indent="-171450">
+            <a:pPr marL="0" indent="0">
               <a:buFont typeface="Arial" panose="020B0604020202020204" pitchFamily="34" charset="0"/>
-              <a:buChar char="•"/>
+              <a:buNone/>
             </a:pPr>
             <a:r>
               <a:rPr lang="es-ES_tradnl" b="1" dirty="0" smtClean="0"/>
@@ -7164,13 +7598,21 @@
             <a:endParaRPr lang="es-ES_tradnl" b="1" dirty="0" smtClean="0"/>
           </a:p>
           <a:p>
-            <a:pPr marL="628650" lvl="1" indent="-171450">
+            <a:pPr marL="0" indent="0">
               <a:buFont typeface="Arial" panose="020B0604020202020204" pitchFamily="34" charset="0"/>
-              <a:buChar char="•"/>
+              <a:buNone/>
             </a:pPr>
             <a:r>
+              <a:rPr lang="es-ES_tradnl" b="1" dirty="0" smtClean="0"/>
+              <a:t>--</a:t>
+            </a:r>
+            <a:r>
               <a:rPr lang="es-ES_tradnl" dirty="0" smtClean="0"/>
-              <a:t>Un log de </a:t>
+              <a:t>Un </a:t>
+            </a:r>
+            <a:r>
+              <a:rPr lang="es-ES_tradnl" dirty="0" smtClean="0"/>
+              <a:t>log de </a:t>
             </a:r>
             <a:r>
               <a:rPr lang="es-ES_tradnl" dirty="0" err="1" smtClean="0"/>
@@ -7178,17 +7620,25 @@
             </a:r>
             <a:r>
               <a:rPr lang="es-ES_tradnl" dirty="0" smtClean="0"/>
-              <a:t> almacena las escrituras</a:t>
-            </a:r>
-          </a:p>
-          <a:p>
-            <a:pPr marL="1085850" lvl="2" indent="-171450">
+              <a:t> almacena las </a:t>
+            </a:r>
+            <a:r>
+              <a:rPr lang="es-ES_tradnl" dirty="0" smtClean="0"/>
+              <a:t>escrituras</a:t>
+            </a:r>
+          </a:p>
+          <a:p>
+            <a:pPr marL="0" indent="0">
               <a:buFont typeface="Arial" panose="020B0604020202020204" pitchFamily="34" charset="0"/>
-              <a:buChar char="•"/>
+              <a:buNone/>
             </a:pPr>
             <a:r>
               <a:rPr lang="es-ES_tradnl" dirty="0" smtClean="0"/>
-              <a:t>Las más nuevas se</a:t>
+              <a:t>----Las </a:t>
+            </a:r>
+            <a:r>
+              <a:rPr lang="es-ES_tradnl" dirty="0" smtClean="0"/>
+              <a:t>más nuevas se</a:t>
             </a:r>
             <a:r>
               <a:rPr lang="es-ES_tradnl" baseline="0" dirty="0" smtClean="0"/>
@@ -7204,28 +7654,40 @@
             </a:r>
           </a:p>
           <a:p>
-            <a:pPr marL="1085850" lvl="2" indent="-171450">
+            <a:pPr marL="0" indent="0">
               <a:buFont typeface="Arial" panose="020B0604020202020204" pitchFamily="34" charset="0"/>
-              <a:buChar char="•"/>
+              <a:buNone/>
             </a:pPr>
             <a:r>
               <a:rPr lang="es-ES_tradnl" baseline="0" dirty="0" smtClean="0"/>
-              <a:t>Las mas antiguas se almacenan en disco en los archivos </a:t>
+              <a:t>----Las </a:t>
+            </a:r>
+            <a:r>
+              <a:rPr lang="es-ES_tradnl" baseline="0" dirty="0" smtClean="0"/>
+              <a:t>mas antiguas se almacenan en disco en los archivos </a:t>
             </a:r>
             <a:r>
               <a:rPr lang="es-ES_tradnl" baseline="0" dirty="0" err="1" smtClean="0"/>
               <a:t>SSTable</a:t>
             </a:r>
-            <a:endParaRPr lang="es-ES_tradnl" dirty="0" smtClean="0"/>
-          </a:p>
-          <a:p>
-            <a:pPr marL="628650" lvl="1" indent="-171450">
+            <a:endParaRPr lang="es-ES_tradnl" baseline="0" dirty="0" smtClean="0"/>
+          </a:p>
+          <a:p>
+            <a:pPr marL="0" indent="0">
               <a:buFont typeface="Arial" panose="020B0604020202020204" pitchFamily="34" charset="0"/>
-              <a:buChar char="•"/>
+              <a:buNone/>
             </a:pPr>
             <a:r>
+              <a:rPr lang="es-ES_tradnl" baseline="0" dirty="0" smtClean="0"/>
+              <a:t>--</a:t>
+            </a:r>
+            <a:r>
               <a:rPr lang="es-ES_tradnl" dirty="0" smtClean="0"/>
-              <a:t>Las lecturas se hacen con una</a:t>
+              <a:t>Las </a:t>
+            </a:r>
+            <a:r>
+              <a:rPr lang="es-ES_tradnl" dirty="0" smtClean="0"/>
+              <a:t>lecturas se hacen con una</a:t>
             </a:r>
             <a:r>
               <a:rPr lang="es-ES_tradnl" baseline="0" dirty="0" smtClean="0"/>
@@ -7334,23 +7796,28 @@
             <a:endParaRPr lang="es-ES_tradnl" b="1" dirty="0" smtClean="0"/>
           </a:p>
           <a:p>
-            <a:pPr marL="628650" lvl="1" indent="-171450">
-              <a:buFont typeface="Arial" panose="020B0604020202020204" pitchFamily="34" charset="0"/>
-              <a:buChar char="•"/>
-            </a:pPr>
+            <a:r>
+              <a:rPr lang="es-ES_tradnl" b="1" dirty="0" smtClean="0"/>
+              <a:t>--</a:t>
+            </a:r>
             <a:r>
               <a:rPr lang="es-ES_tradnl" b="0" dirty="0" smtClean="0"/>
-              <a:t>Menor. </a:t>
-            </a:r>
-          </a:p>
-          <a:p>
-            <a:pPr marL="1085850" lvl="2" indent="-171450">
-              <a:buFont typeface="Arial" panose="020B0604020202020204" pitchFamily="34" charset="0"/>
-              <a:buChar char="•"/>
-            </a:pPr>
+              <a:t>Menor</a:t>
+            </a:r>
             <a:r>
               <a:rPr lang="es-ES_tradnl" b="0" dirty="0" smtClean="0"/>
-              <a:t>Reduce el uso de </a:t>
+              <a:t>. </a:t>
+            </a:r>
+            <a:endParaRPr lang="es-ES_tradnl" b="0" dirty="0" smtClean="0"/>
+          </a:p>
+          <a:p>
+            <a:r>
+              <a:rPr lang="es-ES_tradnl" b="0" dirty="0" smtClean="0"/>
+              <a:t>----Reduce </a:t>
+            </a:r>
+            <a:r>
+              <a:rPr lang="es-ES_tradnl" b="0" dirty="0" smtClean="0"/>
+              <a:t>el uso de </a:t>
             </a:r>
             <a:r>
               <a:rPr lang="es-ES_tradnl" b="0" dirty="0" err="1" smtClean="0"/>
@@ -7358,30 +7825,25 @@
             </a:r>
             <a:r>
               <a:rPr lang="es-ES_tradnl" b="0" dirty="0" smtClean="0"/>
-              <a:t>. RAM</a:t>
-            </a:r>
-          </a:p>
-          <a:p>
-            <a:pPr marL="1085850" marR="0" lvl="2" indent="-171450" algn="l" defTabSz="914400" rtl="0" eaLnBrk="1" fontAlgn="auto" latinLnBrk="0" hangingPunct="1">
-              <a:lnSpc>
-                <a:spcPct val="100000"/>
-              </a:lnSpc>
-              <a:spcBef>
-                <a:spcPts val="0"/>
-              </a:spcBef>
-              <a:spcAft>
-                <a:spcPts val="0"/>
-              </a:spcAft>
-              <a:buClrTx/>
-              <a:buSzTx/>
-              <a:buFont typeface="Arial" panose="020B0604020202020204" pitchFamily="34" charset="0"/>
-              <a:buChar char="•"/>
-              <a:tabLst/>
-              <a:defRPr/>
-            </a:pPr>
+              <a:t>. </a:t>
+            </a:r>
+            <a:r>
+              <a:rPr lang="es-ES_tradnl" b="0" dirty="0" smtClean="0"/>
+              <a:t>RAM</a:t>
+            </a:r>
+          </a:p>
+          <a:p>
+            <a:r>
+              <a:rPr lang="es-ES_tradnl" b="0" dirty="0" smtClean="0"/>
+              <a:t>----</a:t>
+            </a:r>
             <a:r>
               <a:rPr lang="es-ES_tradnl" dirty="0" smtClean="0"/>
-              <a:t>Reduce los datos a leer en una posible recuperación en el caso de que un </a:t>
+              <a:t>Reduce </a:t>
+            </a:r>
+            <a:r>
+              <a:rPr lang="es-ES_tradnl" dirty="0" smtClean="0"/>
+              <a:t>los datos a leer en una posible recuperación en el caso de que un </a:t>
             </a:r>
             <a:r>
               <a:rPr lang="es-ES_tradnl" i="1" dirty="0" err="1" smtClean="0"/>
@@ -7399,12 +7861,13 @@
               <a:rPr lang="es-ES_tradnl" dirty="0" smtClean="0"/>
               <a:t> muera </a:t>
             </a:r>
-          </a:p>
-          <a:p>
-            <a:pPr marL="628650" lvl="1" indent="-171450">
-              <a:buFont typeface="Arial" panose="020B0604020202020204" pitchFamily="34" charset="0"/>
-              <a:buChar char="•"/>
-            </a:pPr>
+            <a:endParaRPr lang="es-ES_tradnl" dirty="0" smtClean="0"/>
+          </a:p>
+          <a:p>
+            <a:r>
+              <a:rPr lang="es-ES_tradnl" b="0" dirty="0" smtClean="0"/>
+              <a:t>--</a:t>
+            </a:r>
             <a:r>
               <a:rPr lang="es-ES_tradnl" b="0" dirty="0" err="1" smtClean="0"/>
               <a:t>Union</a:t>
@@ -7412,13 +7875,13 @@
             <a:endParaRPr lang="es-ES_tradnl" b="0" dirty="0" smtClean="0"/>
           </a:p>
           <a:p>
-            <a:pPr marL="1085850" lvl="2" indent="-171450">
-              <a:buFont typeface="Arial" panose="020B0604020202020204" pitchFamily="34" charset="0"/>
-              <a:buChar char="•"/>
-            </a:pPr>
             <a:r>
               <a:rPr lang="es-ES_tradnl" b="0" dirty="0" smtClean="0"/>
-              <a:t>Descartando la </a:t>
+              <a:t>----Descartando </a:t>
+            </a:r>
+            <a:r>
+              <a:rPr lang="es-ES_tradnl" b="0" dirty="0" smtClean="0"/>
+              <a:t>la </a:t>
             </a:r>
             <a:r>
               <a:rPr lang="es-ES_tradnl" b="0" dirty="0" err="1" smtClean="0"/>
@@ -7438,28 +7901,31 @@
             </a:r>
             <a:r>
               <a:rPr lang="es-ES_tradnl" b="0" baseline="0" dirty="0" smtClean="0"/>
-              <a:t> la unión de todas.</a:t>
-            </a:r>
-            <a:endParaRPr lang="es-ES_tradnl" b="0" dirty="0" smtClean="0"/>
-          </a:p>
-          <a:p>
-            <a:pPr marL="628650" lvl="1" indent="-171450">
-              <a:buFont typeface="Arial" panose="020B0604020202020204" pitchFamily="34" charset="0"/>
-              <a:buChar char="•"/>
-            </a:pPr>
+              <a:t> la unión de </a:t>
+            </a:r>
+            <a:r>
+              <a:rPr lang="es-ES_tradnl" b="0" baseline="0" dirty="0" smtClean="0"/>
+              <a:t>todas.</a:t>
+            </a:r>
+          </a:p>
+          <a:p>
+            <a:r>
+              <a:rPr lang="es-ES_tradnl" b="0" baseline="0" dirty="0" smtClean="0"/>
+              <a:t>----</a:t>
+            </a:r>
             <a:r>
               <a:rPr lang="es-ES_tradnl" b="0" dirty="0" smtClean="0"/>
               <a:t>Mayor</a:t>
             </a:r>
           </a:p>
           <a:p>
-            <a:pPr marL="1085850" lvl="2" indent="-171450">
-              <a:buFont typeface="Arial" panose="020B0604020202020204" pitchFamily="34" charset="0"/>
-              <a:buChar char="•"/>
-            </a:pPr>
             <a:r>
               <a:rPr lang="es-ES_tradnl" b="0" dirty="0" smtClean="0"/>
-              <a:t>Elimina las entradas de eliminación dejando solo los datos que existen en el</a:t>
+              <a:t>----Elimina </a:t>
+            </a:r>
+            <a:r>
+              <a:rPr lang="es-ES_tradnl" b="0" dirty="0" smtClean="0"/>
+              <a:t>las entradas de eliminación dejando solo los datos que existen en el</a:t>
             </a:r>
             <a:r>
               <a:rPr lang="es-ES_tradnl" b="0" baseline="0" dirty="0" smtClean="0"/>
@@ -7482,13 +7948,21 @@
             <a:endParaRPr lang="es-ES_tradnl" b="1" baseline="0" dirty="0" smtClean="0"/>
           </a:p>
           <a:p>
-            <a:pPr marL="628650" lvl="1" indent="-171450">
+            <a:pPr marL="0" lvl="0" indent="0">
               <a:buFont typeface="Arial" panose="020B0604020202020204" pitchFamily="34" charset="0"/>
-              <a:buChar char="•"/>
+              <a:buNone/>
             </a:pPr>
             <a:r>
+              <a:rPr lang="es-ES_tradnl" b="1" baseline="0" dirty="0" smtClean="0"/>
+              <a:t>--</a:t>
+            </a:r>
+            <a:r>
               <a:rPr lang="es-ES_tradnl" b="0" dirty="0" smtClean="0"/>
-              <a:t>A la hora de eliminar</a:t>
+              <a:t>A </a:t>
+            </a:r>
+            <a:r>
+              <a:rPr lang="es-ES_tradnl" b="0" dirty="0" smtClean="0"/>
+              <a:t>la hora de eliminar</a:t>
             </a:r>
             <a:r>
               <a:rPr lang="es-ES_tradnl" b="0" baseline="0" dirty="0" smtClean="0"/>
@@ -7509,33 +7983,49 @@
             <a:endParaRPr lang="es-ES_tradnl" b="0" i="1" baseline="0" dirty="0" smtClean="0"/>
           </a:p>
           <a:p>
-            <a:pPr marL="1085850" lvl="2" indent="-171450">
+            <a:pPr marL="0" lvl="0" indent="0">
               <a:buFont typeface="Arial" panose="020B0604020202020204" pitchFamily="34" charset="0"/>
-              <a:buChar char="•"/>
+              <a:buNone/>
             </a:pPr>
+            <a:r>
+              <a:rPr lang="es-ES_tradnl" b="0" i="1" baseline="0" dirty="0" smtClean="0"/>
+              <a:t>----</a:t>
+            </a:r>
             <a:r>
               <a:rPr lang="es-ES_tradnl" b="0" i="0" baseline="0" dirty="0" smtClean="0"/>
               <a:t>Master realiza</a:t>
             </a:r>
           </a:p>
           <a:p>
-            <a:pPr marL="1543050" lvl="3" indent="-171450">
+            <a:pPr marL="0" lvl="0" indent="0">
               <a:buFont typeface="Arial" panose="020B0604020202020204" pitchFamily="34" charset="0"/>
-              <a:buChar char="•"/>
+              <a:buNone/>
             </a:pPr>
             <a:r>
               <a:rPr lang="es-ES_tradnl" b="0" i="0" baseline="0" dirty="0" smtClean="0"/>
-              <a:t>Control de acceso</a:t>
-            </a:r>
-          </a:p>
-          <a:p>
-            <a:pPr marL="1543050" lvl="3" indent="-171450">
+              <a:t>------Control </a:t>
+            </a:r>
+            <a:r>
+              <a:rPr lang="es-ES_tradnl" b="0" i="0" baseline="0" dirty="0" smtClean="0"/>
+              <a:t>de </a:t>
+            </a:r>
+            <a:r>
+              <a:rPr lang="es-ES_tradnl" b="0" i="0" baseline="0" dirty="0" smtClean="0"/>
+              <a:t>acceso</a:t>
+            </a:r>
+          </a:p>
+          <a:p>
+            <a:pPr marL="0" lvl="0" indent="0">
               <a:buFont typeface="Arial" panose="020B0604020202020204" pitchFamily="34" charset="0"/>
-              <a:buChar char="•"/>
+              <a:buNone/>
             </a:pPr>
             <a:r>
               <a:rPr lang="es-ES_tradnl" b="0" i="0" baseline="0" dirty="0" smtClean="0"/>
-              <a:t>Verifica que el </a:t>
+              <a:t>------Verifica </a:t>
+            </a:r>
+            <a:r>
+              <a:rPr lang="es-ES_tradnl" b="0" i="0" baseline="0" dirty="0" smtClean="0"/>
+              <a:t>que el </a:t>
             </a:r>
             <a:r>
               <a:rPr lang="es-ES_tradnl" b="0" i="0" baseline="0" dirty="0" err="1" smtClean="0"/>
@@ -7543,31 +8033,51 @@
             </a:r>
             <a:r>
               <a:rPr lang="es-ES_tradnl" b="0" i="0" baseline="0" dirty="0" smtClean="0"/>
-              <a:t> sea correcto</a:t>
-            </a:r>
-          </a:p>
-          <a:p>
-            <a:pPr marL="1543050" lvl="3" indent="-171450">
+              <a:t> sea </a:t>
+            </a:r>
+            <a:r>
+              <a:rPr lang="es-ES_tradnl" b="0" i="0" baseline="0" dirty="0" smtClean="0"/>
+              <a:t>correcto</a:t>
+            </a:r>
+          </a:p>
+          <a:p>
+            <a:pPr marL="0" lvl="0" indent="0">
               <a:buFont typeface="Arial" panose="020B0604020202020204" pitchFamily="34" charset="0"/>
-              <a:buChar char="•"/>
+              <a:buNone/>
             </a:pPr>
+            <a:r>
+              <a:rPr lang="es-ES_tradnl" b="0" i="0" baseline="0" dirty="0" smtClean="0"/>
+              <a:t>------</a:t>
+            </a:r>
             <a:r>
               <a:rPr lang="es-ES_tradnl" b="0" i="0" baseline="0" dirty="0" err="1" smtClean="0"/>
               <a:t>Sobreescribe</a:t>
             </a:r>
             <a:r>
               <a:rPr lang="es-ES_tradnl" b="0" i="0" baseline="0" dirty="0" smtClean="0"/>
-              <a:t> el esquema</a:t>
-            </a:r>
-          </a:p>
-          <a:p>
-            <a:pPr marL="628650" lvl="1" indent="-171450">
+              <a:t> </a:t>
+            </a:r>
+            <a:r>
+              <a:rPr lang="es-ES_tradnl" b="0" i="0" baseline="0" dirty="0" smtClean="0"/>
+              <a:t>el </a:t>
+            </a:r>
+            <a:r>
+              <a:rPr lang="es-ES_tradnl" b="0" i="0" baseline="0" dirty="0" smtClean="0"/>
+              <a:t>esquema</a:t>
+            </a:r>
+          </a:p>
+          <a:p>
+            <a:pPr marL="0" lvl="0" indent="0">
               <a:buFont typeface="Arial" panose="020B0604020202020204" pitchFamily="34" charset="0"/>
-              <a:buChar char="•"/>
+              <a:buNone/>
             </a:pPr>
             <a:r>
               <a:rPr lang="es-ES_tradnl" b="0" i="0" baseline="0" dirty="0" smtClean="0"/>
-              <a:t>Gracias a la consistencia, los </a:t>
+              <a:t>--Gracias </a:t>
+            </a:r>
+            <a:r>
+              <a:rPr lang="es-ES_tradnl" b="0" i="0" baseline="0" dirty="0" smtClean="0"/>
+              <a:t>a la consistencia, los </a:t>
             </a:r>
             <a:r>
               <a:rPr lang="es-ES_tradnl" b="0" i="0" baseline="0" dirty="0" err="1" smtClean="0"/>
@@ -7749,19 +8259,24 @@
               <a:rPr lang="es-ES_tradnl" b="0" baseline="0" dirty="0" smtClean="0"/>
               <a:t> </a:t>
             </a:r>
-          </a:p>
-          <a:p>
-            <a:pPr marL="628650" lvl="1" indent="-171450">
-              <a:buFont typeface="Arial" panose="020B0604020202020204" pitchFamily="34" charset="0"/>
-              <a:buChar char="•"/>
-            </a:pPr>
+            <a:endParaRPr lang="es-ES_tradnl" b="0" baseline="0" dirty="0" smtClean="0"/>
+          </a:p>
+          <a:p>
+            <a:r>
+              <a:rPr lang="es-ES_tradnl" b="0" baseline="0" dirty="0" smtClean="0"/>
+              <a:t>--</a:t>
+            </a:r>
             <a:r>
               <a:rPr lang="es-ES_tradnl" b="0" dirty="0" err="1" smtClean="0"/>
               <a:t>Scan</a:t>
             </a:r>
             <a:r>
               <a:rPr lang="es-ES_tradnl" b="0" dirty="0" smtClean="0"/>
-              <a:t> cache: pares clave-valor</a:t>
+              <a:t> </a:t>
+            </a:r>
+            <a:r>
+              <a:rPr lang="es-ES_tradnl" b="0" dirty="0" smtClean="0"/>
+              <a:t>cache: pares clave-valor</a:t>
             </a:r>
             <a:r>
               <a:rPr lang="es-ES_tradnl" b="0" baseline="0" dirty="0" smtClean="0"/>
@@ -7777,13 +8292,13 @@
             </a:r>
           </a:p>
           <a:p>
-            <a:pPr marL="628650" lvl="1" indent="-171450">
-              <a:buFont typeface="Arial" panose="020B0604020202020204" pitchFamily="34" charset="0"/>
-              <a:buChar char="•"/>
-            </a:pPr>
             <a:r>
               <a:rPr lang="es-ES_tradnl" b="0" baseline="0" dirty="0" smtClean="0"/>
-              <a:t>Block cache: bloques enteros de </a:t>
+              <a:t>--Block </a:t>
+            </a:r>
+            <a:r>
+              <a:rPr lang="es-ES_tradnl" b="0" baseline="0" dirty="0" smtClean="0"/>
+              <a:t>cache: bloques enteros de </a:t>
             </a:r>
             <a:r>
               <a:rPr lang="es-ES_tradnl" b="0" baseline="0" dirty="0" err="1" smtClean="0"/>
@@ -7897,13 +8412,21 @@
             </a:r>
           </a:p>
           <a:p>
-            <a:pPr marL="628650" lvl="1" indent="-171450">
+            <a:pPr marL="0" lvl="0" indent="0">
               <a:buFont typeface="Arial" panose="020B0604020202020204" pitchFamily="34" charset="0"/>
-              <a:buChar char="•"/>
+              <a:buNone/>
             </a:pPr>
             <a:r>
+              <a:rPr lang="es-ES_tradnl" b="1" dirty="0" smtClean="0"/>
+              <a:t>--</a:t>
+            </a:r>
+            <a:r>
               <a:rPr lang="es-ES_tradnl" b="0" dirty="0" smtClean="0"/>
-              <a:t>No se necesita sincronización</a:t>
+              <a:t>No </a:t>
+            </a:r>
+            <a:r>
+              <a:rPr lang="es-ES_tradnl" b="0" dirty="0" smtClean="0"/>
+              <a:t>se necesita sincronización</a:t>
             </a:r>
             <a:r>
               <a:rPr lang="es-ES_tradnl" b="0" baseline="0" dirty="0" smtClean="0"/>
@@ -7917,16 +8440,23 @@
               <a:rPr lang="es-ES_tradnl" b="0" baseline="0" dirty="0" smtClean="0"/>
               <a:t>.</a:t>
             </a:r>
-            <a:endParaRPr lang="es-ES_tradnl" b="0" dirty="0" smtClean="0"/>
-          </a:p>
-          <a:p>
-            <a:pPr marL="628650" lvl="1" indent="-171450">
+          </a:p>
+          <a:p>
+            <a:pPr marL="0" lvl="0" indent="0">
               <a:buFont typeface="Arial" panose="020B0604020202020204" pitchFamily="34" charset="0"/>
-              <a:buChar char="•"/>
+              <a:buNone/>
             </a:pPr>
             <a:r>
+              <a:rPr lang="es-ES_tradnl" b="0" baseline="0" dirty="0" smtClean="0"/>
+              <a:t>--</a:t>
+            </a:r>
+            <a:r>
               <a:rPr lang="es-ES_tradnl" b="0" dirty="0" smtClean="0"/>
-              <a:t>El problema</a:t>
+              <a:t>El </a:t>
+            </a:r>
+            <a:r>
+              <a:rPr lang="es-ES_tradnl" b="0" dirty="0" smtClean="0"/>
+              <a:t>problema</a:t>
             </a:r>
             <a:r>
               <a:rPr lang="es-ES_tradnl" b="0" baseline="0" dirty="0" smtClean="0"/>
@@ -7938,21 +8468,33 @@
             </a:r>
             <a:r>
               <a:rPr lang="es-ES_tradnl" b="0" baseline="0" dirty="0" smtClean="0"/>
-              <a:t> obsoletas.</a:t>
-            </a:r>
-          </a:p>
-          <a:p>
-            <a:pPr marL="628650" lvl="1" indent="-171450">
+              <a:t> </a:t>
+            </a:r>
+            <a:r>
+              <a:rPr lang="es-ES_tradnl" b="0" baseline="0" dirty="0" smtClean="0"/>
+              <a:t>obsoletas.</a:t>
+            </a:r>
+          </a:p>
+          <a:p>
+            <a:pPr marL="0" lvl="0" indent="0">
               <a:buFont typeface="Arial" panose="020B0604020202020204" pitchFamily="34" charset="0"/>
-              <a:buChar char="•"/>
+              <a:buNone/>
             </a:pPr>
+            <a:r>
+              <a:rPr lang="es-ES_tradnl" b="0" baseline="0" dirty="0" smtClean="0"/>
+              <a:t>--</a:t>
+            </a:r>
             <a:r>
               <a:rPr lang="es-ES_tradnl" b="0" baseline="0" dirty="0" err="1" smtClean="0"/>
               <a:t>Rapida</a:t>
             </a:r>
             <a:r>
               <a:rPr lang="es-ES_tradnl" b="0" baseline="0" dirty="0" smtClean="0"/>
-              <a:t> división de </a:t>
+              <a:t> </a:t>
+            </a:r>
+            <a:r>
+              <a:rPr lang="es-ES_tradnl" b="0" baseline="0" dirty="0" smtClean="0"/>
+              <a:t>división de </a:t>
             </a:r>
             <a:r>
               <a:rPr lang="es-ES_tradnl" b="0" baseline="0" dirty="0" err="1" smtClean="0"/>
@@ -8060,14 +8602,18 @@
             </a:r>
             <a:r>
               <a:rPr lang="es-ES_tradnl" dirty="0" smtClean="0"/>
-              <a:t> de tu pagina web.</a:t>
-            </a:r>
-          </a:p>
-          <a:p>
-            <a:pPr marL="628650" lvl="1" indent="-171450">
-              <a:buFont typeface="Arial" panose="020B0604020202020204" pitchFamily="34" charset="0"/>
-              <a:buChar char="•"/>
-            </a:pPr>
+              <a:t> de tu pagina </a:t>
+            </a:r>
+            <a:r>
+              <a:rPr lang="es-ES_tradnl" dirty="0" smtClean="0"/>
+              <a:t>web.</a:t>
+            </a:r>
+          </a:p>
+          <a:p>
+            <a:r>
+              <a:rPr lang="es-ES_tradnl" dirty="0" smtClean="0"/>
+              <a:t>--</a:t>
+            </a:r>
             <a:r>
               <a:rPr lang="es-ES_tradnl" dirty="0" err="1" smtClean="0"/>
               <a:t>Raw</a:t>
@@ -8091,13 +8637,17 @@
             <a:endParaRPr lang="es-ES_tradnl" dirty="0" smtClean="0"/>
           </a:p>
           <a:p>
-            <a:pPr marL="1085850" lvl="2" indent="-171450">
-              <a:buFont typeface="Arial" panose="020B0604020202020204" pitchFamily="34" charset="0"/>
-              <a:buChar char="•"/>
-            </a:pPr>
+            <a:r>
+              <a:rPr lang="es-ES_tradnl" u="none" dirty="0" smtClean="0"/>
+              <a:t>----</a:t>
+            </a:r>
             <a:r>
               <a:rPr lang="es-ES_tradnl" u="sng" dirty="0" smtClean="0"/>
-              <a:t>FILA:</a:t>
+              <a:t>FILA</a:t>
+            </a:r>
+            <a:r>
+              <a:rPr lang="es-ES_tradnl" u="sng" dirty="0" smtClean="0"/>
+              <a:t>:</a:t>
             </a:r>
             <a:r>
               <a:rPr lang="es-ES_tradnl" baseline="0" dirty="0" smtClean="0"/>
@@ -8117,17 +8667,21 @@
             </a:r>
             <a:r>
               <a:rPr lang="es-ES_tradnl" baseline="0" dirty="0" smtClean="0"/>
-              <a:t>. Web-tiempo inicio sesión)</a:t>
-            </a:r>
-          </a:p>
-          <a:p>
-            <a:pPr marL="1085850" lvl="2" indent="-171450">
-              <a:buFont typeface="Arial" panose="020B0604020202020204" pitchFamily="34" charset="0"/>
-              <a:buChar char="•"/>
-            </a:pPr>
+              <a:t>. Web-tiempo inicio </a:t>
+            </a:r>
             <a:r>
               <a:rPr lang="es-ES_tradnl" baseline="0" dirty="0" smtClean="0"/>
-              <a:t>Sesiones juntas y ordenadas cronológicamente</a:t>
+              <a:t>sesión)</a:t>
+            </a:r>
+          </a:p>
+          <a:p>
+            <a:r>
+              <a:rPr lang="es-ES_tradnl" baseline="0" dirty="0" smtClean="0"/>
+              <a:t>----Sesiones </a:t>
+            </a:r>
+            <a:r>
+              <a:rPr lang="es-ES_tradnl" baseline="0" dirty="0" smtClean="0"/>
+              <a:t>juntas y ordenadas cronológicamente</a:t>
             </a:r>
           </a:p>
           <a:p>
@@ -8145,66 +8699,11 @@
             </a:r>
             <a:r>
               <a:rPr lang="es-ES_tradnl" baseline="0" dirty="0" smtClean="0"/>
-              <a:t>Imágenes por satélite de todo el planeta</a:t>
-            </a:r>
-          </a:p>
-          <a:p>
-            <a:pPr marL="628650" lvl="1" indent="-171450">
-              <a:buFont typeface="Arial" panose="020B0604020202020204" pitchFamily="34" charset="0"/>
-              <a:buChar char="•"/>
-            </a:pPr>
-            <a:r>
-              <a:rPr lang="es-ES_tradnl" dirty="0" err="1" smtClean="0"/>
-              <a:t>Imagery</a:t>
-            </a:r>
-            <a:r>
-              <a:rPr lang="es-ES_tradnl" dirty="0" smtClean="0"/>
-              <a:t> </a:t>
-            </a:r>
-            <a:r>
-              <a:rPr lang="es-ES_tradnl" dirty="0" err="1" smtClean="0"/>
-              <a:t>table</a:t>
-            </a:r>
-            <a:endParaRPr lang="es-ES_tradnl" dirty="0" smtClean="0"/>
-          </a:p>
-          <a:p>
-            <a:pPr marL="1085850" lvl="2" indent="-171450">
-              <a:buFont typeface="Arial" panose="020B0604020202020204" pitchFamily="34" charset="0"/>
-              <a:buChar char="•"/>
-            </a:pPr>
-            <a:r>
-              <a:rPr lang="es-ES_tradnl" dirty="0" smtClean="0"/>
-              <a:t>FILA:</a:t>
+              <a:t>Imágenes por satélite de todo el </a:t>
             </a:r>
             <a:r>
               <a:rPr lang="es-ES_tradnl" baseline="0" dirty="0" smtClean="0"/>
-              <a:t> (nombradas para que los segmentos geográficos adyacentes se encuentren unos cerca de otros)</a:t>
-            </a:r>
-          </a:p>
-          <a:p>
-            <a:pPr marL="1085850" lvl="2" indent="-171450">
-              <a:buFont typeface="Arial" panose="020B0604020202020204" pitchFamily="34" charset="0"/>
-              <a:buChar char="•"/>
-            </a:pPr>
-            <a:r>
-              <a:rPr lang="es-ES_tradnl" baseline="0" dirty="0" smtClean="0"/>
-              <a:t>Tiene una </a:t>
-            </a:r>
-            <a:r>
-              <a:rPr lang="es-ES_tradnl" baseline="0" dirty="0" err="1" smtClean="0"/>
-              <a:t>column</a:t>
-            </a:r>
-            <a:r>
-              <a:rPr lang="es-ES_tradnl" baseline="0" dirty="0" smtClean="0"/>
-              <a:t> </a:t>
-            </a:r>
-            <a:r>
-              <a:rPr lang="es-ES_tradnl" baseline="0" dirty="0" err="1" smtClean="0"/>
-              <a:t>family</a:t>
-            </a:r>
-            <a:r>
-              <a:rPr lang="es-ES_tradnl" baseline="0" dirty="0" smtClean="0"/>
-              <a:t> para tener un seguimiento de las fuentes de los datos para cada segmento.</a:t>
+              <a:t>planeta</a:t>
             </a:r>
           </a:p>
           <a:p>
@@ -8213,6 +8712,81 @@
               <a:buNone/>
             </a:pPr>
             <a:r>
+              <a:rPr lang="es-ES_tradnl" baseline="0" dirty="0" smtClean="0"/>
+              <a:t>--</a:t>
+            </a:r>
+            <a:r>
+              <a:rPr lang="es-ES_tradnl" dirty="0" err="1" smtClean="0"/>
+              <a:t>Imagery</a:t>
+            </a:r>
+            <a:r>
+              <a:rPr lang="es-ES_tradnl" dirty="0" smtClean="0"/>
+              <a:t> </a:t>
+            </a:r>
+            <a:r>
+              <a:rPr lang="es-ES_tradnl" dirty="0" err="1" smtClean="0"/>
+              <a:t>table</a:t>
+            </a:r>
+            <a:endParaRPr lang="es-ES_tradnl" dirty="0" smtClean="0"/>
+          </a:p>
+          <a:p>
+            <a:pPr marL="0" lvl="0" indent="0">
+              <a:buFont typeface="Arial" panose="020B0604020202020204" pitchFamily="34" charset="0"/>
+              <a:buNone/>
+            </a:pPr>
+            <a:r>
+              <a:rPr lang="es-ES_tradnl" dirty="0" smtClean="0"/>
+              <a:t>----FILA</a:t>
+            </a:r>
+            <a:r>
+              <a:rPr lang="es-ES_tradnl" dirty="0" smtClean="0"/>
+              <a:t>:</a:t>
+            </a:r>
+            <a:r>
+              <a:rPr lang="es-ES_tradnl" baseline="0" dirty="0" smtClean="0"/>
+              <a:t> (nombradas para que los segmentos geográficos adyacentes se encuentren unos cerca de </a:t>
+            </a:r>
+            <a:r>
+              <a:rPr lang="es-ES_tradnl" baseline="0" dirty="0" smtClean="0"/>
+              <a:t>otros)</a:t>
+            </a:r>
+          </a:p>
+          <a:p>
+            <a:pPr marL="0" lvl="0" indent="0">
+              <a:buFont typeface="Arial" panose="020B0604020202020204" pitchFamily="34" charset="0"/>
+              <a:buNone/>
+            </a:pPr>
+            <a:r>
+              <a:rPr lang="es-ES_tradnl" baseline="0" dirty="0" smtClean="0"/>
+              <a:t>----Tiene </a:t>
+            </a:r>
+            <a:r>
+              <a:rPr lang="es-ES_tradnl" baseline="0" dirty="0" smtClean="0"/>
+              <a:t>una </a:t>
+            </a:r>
+            <a:r>
+              <a:rPr lang="es-ES_tradnl" baseline="0" dirty="0" err="1" smtClean="0"/>
+              <a:t>column</a:t>
+            </a:r>
+            <a:r>
+              <a:rPr lang="es-ES_tradnl" baseline="0" dirty="0" smtClean="0"/>
+              <a:t> </a:t>
+            </a:r>
+            <a:r>
+              <a:rPr lang="es-ES_tradnl" baseline="0" dirty="0" err="1" smtClean="0"/>
+              <a:t>family</a:t>
+            </a:r>
+            <a:r>
+              <a:rPr lang="es-ES_tradnl" baseline="0" dirty="0" smtClean="0"/>
+              <a:t> para tener un seguimiento de las fuentes de los datos para cada segmento.</a:t>
+            </a:r>
+          </a:p>
+          <a:p>
+            <a:pPr marL="0" lvl="0" indent="0">
+              <a:buFont typeface="Arial" panose="020B0604020202020204" pitchFamily="34" charset="0"/>
+              <a:buNone/>
+            </a:pPr>
+            <a:r>
               <a:rPr lang="es-ES_tradnl" b="1" baseline="0" dirty="0" err="1" smtClean="0"/>
               <a:t>Personalized</a:t>
             </a:r>
@@ -8222,17 +8796,25 @@
             </a:r>
             <a:r>
               <a:rPr lang="es-ES_tradnl" baseline="0" dirty="0" smtClean="0"/>
-              <a:t>Archiva consultas y clics de usuarios en buscador, imágenes y noticias</a:t>
-            </a:r>
-          </a:p>
-          <a:p>
-            <a:pPr marL="628650" lvl="1" indent="-171450">
+              <a:t>Archiva consultas y clics de usuarios en buscador, imágenes y </a:t>
+            </a:r>
+            <a:r>
+              <a:rPr lang="es-ES_tradnl" baseline="0" dirty="0" smtClean="0"/>
+              <a:t>noticias</a:t>
+            </a:r>
+          </a:p>
+          <a:p>
+            <a:pPr marL="0" lvl="0" indent="0">
               <a:buFont typeface="Arial" panose="020B0604020202020204" pitchFamily="34" charset="0"/>
-              <a:buChar char="•"/>
+              <a:buNone/>
             </a:pPr>
             <a:r>
               <a:rPr lang="es-ES_tradnl" baseline="0" dirty="0" smtClean="0"/>
-              <a:t>FILA: cada usuario (identificadas por </a:t>
+              <a:t>--FILA</a:t>
+            </a:r>
+            <a:r>
+              <a:rPr lang="es-ES_tradnl" baseline="0" dirty="0" smtClean="0"/>
+              <a:t>: cada usuario (identificadas por </a:t>
             </a:r>
             <a:r>
               <a:rPr lang="es-ES_tradnl" baseline="0" dirty="0" err="1" smtClean="0"/>
@@ -8240,23 +8822,26 @@
             </a:r>
             <a:r>
               <a:rPr lang="es-ES_tradnl" baseline="0" dirty="0" smtClean="0"/>
-              <a:t> id)</a:t>
-            </a:r>
-          </a:p>
-          <a:p>
-            <a:pPr marL="628650" lvl="1" indent="-171450">
+              <a:t> </a:t>
+            </a:r>
+            <a:r>
+              <a:rPr lang="es-ES_tradnl" baseline="0" dirty="0" smtClean="0"/>
+              <a:t>id)</a:t>
+            </a:r>
+          </a:p>
+          <a:p>
+            <a:pPr marL="0" lvl="0" indent="0">
               <a:buFont typeface="Arial" panose="020B0604020202020204" pitchFamily="34" charset="0"/>
-              <a:buChar char="•"/>
+              <a:buNone/>
             </a:pPr>
             <a:r>
+              <a:rPr lang="es-ES_tradnl" baseline="0" smtClean="0"/>
+              <a:t>--Almacena </a:t>
+            </a:r>
+            <a:r>
               <a:rPr lang="es-ES_tradnl" baseline="0" dirty="0" smtClean="0"/>
-              <a:t>Almacena cada acción </a:t>
-            </a:r>
-            <a:r>
-              <a:rPr lang="es-ES_tradnl" baseline="0" smtClean="0"/>
-              <a:t>del usuario.</a:t>
-            </a:r>
-            <a:endParaRPr lang="es-ES_tradnl" baseline="0" dirty="0" smtClean="0"/>
+              <a:t>cada acción del usuario.</a:t>
+            </a:r>
           </a:p>
         </p:txBody>
       </p:sp>
@@ -35453,7 +36038,17 @@
           <a:p>
             <a:r>
               <a:rPr lang="es-ES_tradnl" dirty="0" smtClean="0"/>
-              <a:t>Sistema de almacenamiento de datos (</a:t>
+              <a:t>Desarrollado por Google 2005</a:t>
+            </a:r>
+          </a:p>
+          <a:p>
+            <a:r>
+              <a:rPr lang="es-ES_tradnl" dirty="0" smtClean="0"/>
+              <a:t>Sistema </a:t>
+            </a:r>
+            <a:r>
+              <a:rPr lang="es-ES_tradnl" dirty="0" smtClean="0"/>
+              <a:t>de almacenamiento de datos (</a:t>
             </a:r>
             <a:r>
               <a:rPr lang="es-ES_tradnl" dirty="0" err="1" smtClean="0"/>
